--- a/Documentation/Presentation.pptx
+++ b/Documentation/Presentation.pptx
@@ -8,6 +8,11 @@
     <p:sldId id="256" r:id="rId2"/>
     <p:sldId id="257" r:id="rId3"/>
     <p:sldId id="258" r:id="rId4"/>
+    <p:sldId id="259" r:id="rId5"/>
+    <p:sldId id="260" r:id="rId6"/>
+    <p:sldId id="261" r:id="rId7"/>
+    <p:sldId id="262" r:id="rId8"/>
+    <p:sldId id="263" r:id="rId9"/>
   </p:sldIdLst>
   <p:sldSz cx="9144000" cy="6858000" type="screen4x3"/>
   <p:notesSz cx="6858000" cy="9144000"/>
@@ -3921,6 +3926,9 @@
           <a:bodyPr/>
           <a:lstStyle/>
           <a:p>
+            <a:pPr marL="18288" indent="0">
+              <a:buNone/>
+            </a:pPr>
             <a:endParaRPr lang="en-US" dirty="0"/>
           </a:p>
         </p:txBody>
@@ -3940,7 +3948,15 @@
           <a:bodyPr/>
           <a:lstStyle/>
           <a:p>
-            <a:endParaRPr lang="en-US"/>
+            <a:r>
+              <a:rPr lang="en-US" dirty="0" smtClean="0"/>
+              <a:t>Back Ground of </a:t>
+            </a:r>
+            <a:r>
+              <a:rPr lang="en-US" dirty="0" err="1" smtClean="0"/>
+              <a:t>InPress</a:t>
+            </a:r>
+            <a:endParaRPr lang="en-US" dirty="0"/>
           </a:p>
         </p:txBody>
       </p:sp>
@@ -4032,7 +4048,11 @@
           <a:bodyPr/>
           <a:lstStyle/>
           <a:p>
-            <a:endParaRPr lang="en-US"/>
+            <a:r>
+              <a:rPr lang="en-US" altLang="zh-CN" dirty="0" smtClean="0"/>
+              <a:t>Purpose</a:t>
+            </a:r>
+            <a:endParaRPr lang="en-US" dirty="0"/>
           </a:p>
         </p:txBody>
       </p:sp>
@@ -4064,6 +4084,462 @@
     <p:extLst>
       <p:ext uri="{BB962C8B-B14F-4D97-AF65-F5344CB8AC3E}">
         <p14:creationId xmlns:p14="http://schemas.microsoft.com/office/powerpoint/2010/main" val="2425152046"/>
+      </p:ext>
+    </p:extLst>
+  </p:cSld>
+  <p:clrMapOvr>
+    <a:masterClrMapping/>
+  </p:clrMapOvr>
+</p:sld>
+</file>
+
+<file path=ppt/slides/slide4.xml><?xml version="1.0" encoding="utf-8"?>
+<p:sld xmlns:a="http://schemas.openxmlformats.org/drawingml/2006/main" xmlns:r="http://schemas.openxmlformats.org/officeDocument/2006/relationships" xmlns:p="http://schemas.openxmlformats.org/presentationml/2006/main">
+  <p:cSld>
+    <p:spTree>
+      <p:nvGrpSpPr>
+        <p:cNvPr id="1" name=""/>
+        <p:cNvGrpSpPr/>
+        <p:nvPr/>
+      </p:nvGrpSpPr>
+      <p:grpSpPr>
+        <a:xfrm>
+          <a:off x="0" y="0"/>
+          <a:ext cx="0" cy="0"/>
+          <a:chOff x="0" y="0"/>
+          <a:chExt cx="0" cy="0"/>
+        </a:xfrm>
+      </p:grpSpPr>
+      <p:sp>
+        <p:nvSpPr>
+          <p:cNvPr id="2" name="Content Placeholder 1"/>
+          <p:cNvSpPr>
+            <a:spLocks noGrp="1"/>
+          </p:cNvSpPr>
+          <p:nvPr>
+            <p:ph idx="1"/>
+          </p:nvPr>
+        </p:nvSpPr>
+        <p:spPr/>
+        <p:txBody>
+          <a:bodyPr/>
+          <a:lstStyle/>
+          <a:p>
+            <a:endParaRPr lang="en-US"/>
+          </a:p>
+        </p:txBody>
+      </p:sp>
+      <p:sp>
+        <p:nvSpPr>
+          <p:cNvPr id="3" name="Title 2"/>
+          <p:cNvSpPr>
+            <a:spLocks noGrp="1"/>
+          </p:cNvSpPr>
+          <p:nvPr>
+            <p:ph type="title"/>
+          </p:nvPr>
+        </p:nvSpPr>
+        <p:spPr/>
+        <p:txBody>
+          <a:bodyPr/>
+          <a:lstStyle/>
+          <a:p>
+            <a:r>
+              <a:rPr lang="en-US" dirty="0" smtClean="0"/>
+              <a:t>How we approach</a:t>
+            </a:r>
+            <a:endParaRPr lang="en-US" dirty="0"/>
+          </a:p>
+        </p:txBody>
+      </p:sp>
+      <p:pic>
+        <p:nvPicPr>
+          <p:cNvPr id="4" name="Picture 3"/>
+          <p:cNvPicPr>
+            <a:picLocks noChangeAspect="1"/>
+          </p:cNvPicPr>
+          <p:nvPr/>
+        </p:nvPicPr>
+        <p:blipFill>
+          <a:blip r:embed="rId2"/>
+          <a:stretch>
+            <a:fillRect/>
+          </a:stretch>
+        </p:blipFill>
+        <p:spPr>
+          <a:xfrm>
+            <a:off x="7364822" y="111794"/>
+            <a:ext cx="1660040" cy="917575"/>
+          </a:xfrm>
+          <a:prstGeom prst="rect">
+            <a:avLst/>
+          </a:prstGeom>
+        </p:spPr>
+      </p:pic>
+    </p:spTree>
+    <p:extLst>
+      <p:ext uri="{BB962C8B-B14F-4D97-AF65-F5344CB8AC3E}">
+        <p14:creationId xmlns:p14="http://schemas.microsoft.com/office/powerpoint/2010/main" val="3735635188"/>
+      </p:ext>
+    </p:extLst>
+  </p:cSld>
+  <p:clrMapOvr>
+    <a:masterClrMapping/>
+  </p:clrMapOvr>
+</p:sld>
+</file>
+
+<file path=ppt/slides/slide5.xml><?xml version="1.0" encoding="utf-8"?>
+<p:sld xmlns:a="http://schemas.openxmlformats.org/drawingml/2006/main" xmlns:r="http://schemas.openxmlformats.org/officeDocument/2006/relationships" xmlns:p="http://schemas.openxmlformats.org/presentationml/2006/main">
+  <p:cSld>
+    <p:spTree>
+      <p:nvGrpSpPr>
+        <p:cNvPr id="1" name=""/>
+        <p:cNvGrpSpPr/>
+        <p:nvPr/>
+      </p:nvGrpSpPr>
+      <p:grpSpPr>
+        <a:xfrm>
+          <a:off x="0" y="0"/>
+          <a:ext cx="0" cy="0"/>
+          <a:chOff x="0" y="0"/>
+          <a:chExt cx="0" cy="0"/>
+        </a:xfrm>
+      </p:grpSpPr>
+      <p:sp>
+        <p:nvSpPr>
+          <p:cNvPr id="2" name="Content Placeholder 1"/>
+          <p:cNvSpPr>
+            <a:spLocks noGrp="1"/>
+          </p:cNvSpPr>
+          <p:nvPr>
+            <p:ph idx="1"/>
+          </p:nvPr>
+        </p:nvSpPr>
+        <p:spPr/>
+        <p:txBody>
+          <a:bodyPr/>
+          <a:lstStyle/>
+          <a:p>
+            <a:endParaRPr lang="en-US"/>
+          </a:p>
+        </p:txBody>
+      </p:sp>
+      <p:sp>
+        <p:nvSpPr>
+          <p:cNvPr id="3" name="Title 2"/>
+          <p:cNvSpPr>
+            <a:spLocks noGrp="1"/>
+          </p:cNvSpPr>
+          <p:nvPr>
+            <p:ph type="title"/>
+          </p:nvPr>
+        </p:nvSpPr>
+        <p:spPr/>
+        <p:txBody>
+          <a:bodyPr/>
+          <a:lstStyle/>
+          <a:p>
+            <a:r>
+              <a:rPr lang="en-US" dirty="0" smtClean="0"/>
+              <a:t>Student view</a:t>
+            </a:r>
+            <a:endParaRPr lang="en-US" dirty="0"/>
+          </a:p>
+        </p:txBody>
+      </p:sp>
+      <p:pic>
+        <p:nvPicPr>
+          <p:cNvPr id="4" name="Picture 3"/>
+          <p:cNvPicPr>
+            <a:picLocks noChangeAspect="1"/>
+          </p:cNvPicPr>
+          <p:nvPr/>
+        </p:nvPicPr>
+        <p:blipFill>
+          <a:blip r:embed="rId2"/>
+          <a:stretch>
+            <a:fillRect/>
+          </a:stretch>
+        </p:blipFill>
+        <p:spPr>
+          <a:xfrm>
+            <a:off x="7364822" y="111794"/>
+            <a:ext cx="1660040" cy="917575"/>
+          </a:xfrm>
+          <a:prstGeom prst="rect">
+            <a:avLst/>
+          </a:prstGeom>
+        </p:spPr>
+      </p:pic>
+    </p:spTree>
+    <p:extLst>
+      <p:ext uri="{BB962C8B-B14F-4D97-AF65-F5344CB8AC3E}">
+        <p14:creationId xmlns:p14="http://schemas.microsoft.com/office/powerpoint/2010/main" val="3336173187"/>
+      </p:ext>
+    </p:extLst>
+  </p:cSld>
+  <p:clrMapOvr>
+    <a:masterClrMapping/>
+  </p:clrMapOvr>
+</p:sld>
+</file>
+
+<file path=ppt/slides/slide6.xml><?xml version="1.0" encoding="utf-8"?>
+<p:sld xmlns:a="http://schemas.openxmlformats.org/drawingml/2006/main" xmlns:r="http://schemas.openxmlformats.org/officeDocument/2006/relationships" xmlns:p="http://schemas.openxmlformats.org/presentationml/2006/main">
+  <p:cSld>
+    <p:spTree>
+      <p:nvGrpSpPr>
+        <p:cNvPr id="1" name=""/>
+        <p:cNvGrpSpPr/>
+        <p:nvPr/>
+      </p:nvGrpSpPr>
+      <p:grpSpPr>
+        <a:xfrm>
+          <a:off x="0" y="0"/>
+          <a:ext cx="0" cy="0"/>
+          <a:chOff x="0" y="0"/>
+          <a:chExt cx="0" cy="0"/>
+        </a:xfrm>
+      </p:grpSpPr>
+      <p:sp>
+        <p:nvSpPr>
+          <p:cNvPr id="2" name="Content Placeholder 1"/>
+          <p:cNvSpPr>
+            <a:spLocks noGrp="1"/>
+          </p:cNvSpPr>
+          <p:nvPr>
+            <p:ph idx="1"/>
+          </p:nvPr>
+        </p:nvSpPr>
+        <p:spPr/>
+        <p:txBody>
+          <a:bodyPr/>
+          <a:lstStyle/>
+          <a:p>
+            <a:endParaRPr lang="en-US"/>
+          </a:p>
+        </p:txBody>
+      </p:sp>
+      <p:sp>
+        <p:nvSpPr>
+          <p:cNvPr id="3" name="Title 2"/>
+          <p:cNvSpPr>
+            <a:spLocks noGrp="1"/>
+          </p:cNvSpPr>
+          <p:nvPr>
+            <p:ph type="title"/>
+          </p:nvPr>
+        </p:nvSpPr>
+        <p:spPr/>
+        <p:txBody>
+          <a:bodyPr/>
+          <a:lstStyle/>
+          <a:p>
+            <a:r>
+              <a:rPr lang="en-US" dirty="0" smtClean="0"/>
+              <a:t>Instructor view</a:t>
+            </a:r>
+            <a:endParaRPr lang="en-US" dirty="0"/>
+          </a:p>
+        </p:txBody>
+      </p:sp>
+      <p:pic>
+        <p:nvPicPr>
+          <p:cNvPr id="4" name="Picture 3"/>
+          <p:cNvPicPr>
+            <a:picLocks noChangeAspect="1"/>
+          </p:cNvPicPr>
+          <p:nvPr/>
+        </p:nvPicPr>
+        <p:blipFill>
+          <a:blip r:embed="rId2"/>
+          <a:stretch>
+            <a:fillRect/>
+          </a:stretch>
+        </p:blipFill>
+        <p:spPr>
+          <a:xfrm>
+            <a:off x="7364822" y="111794"/>
+            <a:ext cx="1660040" cy="917575"/>
+          </a:xfrm>
+          <a:prstGeom prst="rect">
+            <a:avLst/>
+          </a:prstGeom>
+        </p:spPr>
+      </p:pic>
+    </p:spTree>
+    <p:extLst>
+      <p:ext uri="{BB962C8B-B14F-4D97-AF65-F5344CB8AC3E}">
+        <p14:creationId xmlns:p14="http://schemas.microsoft.com/office/powerpoint/2010/main" val="3488674932"/>
+      </p:ext>
+    </p:extLst>
+  </p:cSld>
+  <p:clrMapOvr>
+    <a:masterClrMapping/>
+  </p:clrMapOvr>
+</p:sld>
+</file>
+
+<file path=ppt/slides/slide7.xml><?xml version="1.0" encoding="utf-8"?>
+<p:sld xmlns:a="http://schemas.openxmlformats.org/drawingml/2006/main" xmlns:r="http://schemas.openxmlformats.org/officeDocument/2006/relationships" xmlns:p="http://schemas.openxmlformats.org/presentationml/2006/main">
+  <p:cSld>
+    <p:spTree>
+      <p:nvGrpSpPr>
+        <p:cNvPr id="1" name=""/>
+        <p:cNvGrpSpPr/>
+        <p:nvPr/>
+      </p:nvGrpSpPr>
+      <p:grpSpPr>
+        <a:xfrm>
+          <a:off x="0" y="0"/>
+          <a:ext cx="0" cy="0"/>
+          <a:chOff x="0" y="0"/>
+          <a:chExt cx="0" cy="0"/>
+        </a:xfrm>
+      </p:grpSpPr>
+      <p:sp>
+        <p:nvSpPr>
+          <p:cNvPr id="2" name="Content Placeholder 1"/>
+          <p:cNvSpPr>
+            <a:spLocks noGrp="1"/>
+          </p:cNvSpPr>
+          <p:nvPr>
+            <p:ph idx="1"/>
+          </p:nvPr>
+        </p:nvSpPr>
+        <p:spPr/>
+        <p:txBody>
+          <a:bodyPr/>
+          <a:lstStyle/>
+          <a:p>
+            <a:endParaRPr lang="en-US"/>
+          </a:p>
+        </p:txBody>
+      </p:sp>
+      <p:sp>
+        <p:nvSpPr>
+          <p:cNvPr id="3" name="Title 2"/>
+          <p:cNvSpPr>
+            <a:spLocks noGrp="1"/>
+          </p:cNvSpPr>
+          <p:nvPr>
+            <p:ph type="title"/>
+          </p:nvPr>
+        </p:nvSpPr>
+        <p:spPr/>
+        <p:txBody>
+          <a:bodyPr/>
+          <a:lstStyle/>
+          <a:p>
+            <a:r>
+              <a:rPr lang="en-US" dirty="0" smtClean="0"/>
+              <a:t>Field Test</a:t>
+            </a:r>
+            <a:endParaRPr lang="en-US" dirty="0"/>
+          </a:p>
+        </p:txBody>
+      </p:sp>
+      <p:pic>
+        <p:nvPicPr>
+          <p:cNvPr id="4" name="Picture 3"/>
+          <p:cNvPicPr>
+            <a:picLocks noChangeAspect="1"/>
+          </p:cNvPicPr>
+          <p:nvPr/>
+        </p:nvPicPr>
+        <p:blipFill>
+          <a:blip r:embed="rId2"/>
+          <a:stretch>
+            <a:fillRect/>
+          </a:stretch>
+        </p:blipFill>
+        <p:spPr>
+          <a:xfrm>
+            <a:off x="7364822" y="111794"/>
+            <a:ext cx="1660040" cy="917575"/>
+          </a:xfrm>
+          <a:prstGeom prst="rect">
+            <a:avLst/>
+          </a:prstGeom>
+        </p:spPr>
+      </p:pic>
+    </p:spTree>
+    <p:extLst>
+      <p:ext uri="{BB962C8B-B14F-4D97-AF65-F5344CB8AC3E}">
+        <p14:creationId xmlns:p14="http://schemas.microsoft.com/office/powerpoint/2010/main" val="100663824"/>
+      </p:ext>
+    </p:extLst>
+  </p:cSld>
+  <p:clrMapOvr>
+    <a:masterClrMapping/>
+  </p:clrMapOvr>
+</p:sld>
+</file>
+
+<file path=ppt/slides/slide8.xml><?xml version="1.0" encoding="utf-8"?>
+<p:sld xmlns:a="http://schemas.openxmlformats.org/drawingml/2006/main" xmlns:r="http://schemas.openxmlformats.org/officeDocument/2006/relationships" xmlns:p="http://schemas.openxmlformats.org/presentationml/2006/main">
+  <p:cSld>
+    <p:spTree>
+      <p:nvGrpSpPr>
+        <p:cNvPr id="1" name=""/>
+        <p:cNvGrpSpPr/>
+        <p:nvPr/>
+      </p:nvGrpSpPr>
+      <p:grpSpPr>
+        <a:xfrm>
+          <a:off x="0" y="0"/>
+          <a:ext cx="0" cy="0"/>
+          <a:chOff x="0" y="0"/>
+          <a:chExt cx="0" cy="0"/>
+        </a:xfrm>
+      </p:grpSpPr>
+      <p:sp>
+        <p:nvSpPr>
+          <p:cNvPr id="2" name="Content Placeholder 1"/>
+          <p:cNvSpPr>
+            <a:spLocks noGrp="1"/>
+          </p:cNvSpPr>
+          <p:nvPr>
+            <p:ph idx="1"/>
+          </p:nvPr>
+        </p:nvSpPr>
+        <p:spPr/>
+        <p:txBody>
+          <a:bodyPr/>
+          <a:lstStyle/>
+          <a:p>
+            <a:endParaRPr lang="en-US"/>
+          </a:p>
+        </p:txBody>
+      </p:sp>
+      <p:sp>
+        <p:nvSpPr>
+          <p:cNvPr id="3" name="Title 2"/>
+          <p:cNvSpPr>
+            <a:spLocks noGrp="1"/>
+          </p:cNvSpPr>
+          <p:nvPr>
+            <p:ph type="title"/>
+          </p:nvPr>
+        </p:nvSpPr>
+        <p:spPr/>
+        <p:txBody>
+          <a:bodyPr/>
+          <a:lstStyle/>
+          <a:p>
+            <a:r>
+              <a:rPr lang="en-US" dirty="0" smtClean="0"/>
+              <a:t>Conclusion</a:t>
+            </a:r>
+            <a:endParaRPr lang="en-US" dirty="0"/>
+          </a:p>
+        </p:txBody>
+      </p:sp>
+    </p:spTree>
+    <p:extLst>
+      <p:ext uri="{BB962C8B-B14F-4D97-AF65-F5344CB8AC3E}">
+        <p14:creationId xmlns:p14="http://schemas.microsoft.com/office/powerpoint/2010/main" val="4256347672"/>
       </p:ext>
     </p:extLst>
   </p:cSld>

--- a/Documentation/Presentation.pptx
+++ b/Documentation/Presentation.pptx
@@ -351,7 +351,7 @@
           <a:p>
             <a:fld id="{5E090EFF-37B5-024C-AB3F-FAC6BB2F278A}" type="datetimeFigureOut">
               <a:rPr lang="en-US" smtClean="0"/>
-              <a:t>2014-04-08</a:t>
+              <a:t>2014-04-15</a:t>
             </a:fld>
             <a:endParaRPr lang="en-US"/>
           </a:p>
@@ -522,7 +522,7 @@
           <a:p>
             <a:fld id="{5E090EFF-37B5-024C-AB3F-FAC6BB2F278A}" type="datetimeFigureOut">
               <a:rPr lang="en-US" smtClean="0"/>
-              <a:t>2014-04-08</a:t>
+              <a:t>2014-04-15</a:t>
             </a:fld>
             <a:endParaRPr lang="en-US"/>
           </a:p>
@@ -697,7 +697,7 @@
           <a:p>
             <a:fld id="{5E090EFF-37B5-024C-AB3F-FAC6BB2F278A}" type="datetimeFigureOut">
               <a:rPr lang="en-US" smtClean="0"/>
-              <a:t>2014-04-08</a:t>
+              <a:t>2014-04-15</a:t>
             </a:fld>
             <a:endParaRPr lang="en-US"/>
           </a:p>
@@ -862,7 +862,7 @@
           <a:p>
             <a:fld id="{5E090EFF-37B5-024C-AB3F-FAC6BB2F278A}" type="datetimeFigureOut">
               <a:rPr lang="en-US" smtClean="0"/>
-              <a:t>2014-04-08</a:t>
+              <a:t>2014-04-15</a:t>
             </a:fld>
             <a:endParaRPr lang="en-US"/>
           </a:p>
@@ -1119,7 +1119,7 @@
           <a:p>
             <a:fld id="{5E090EFF-37B5-024C-AB3F-FAC6BB2F278A}" type="datetimeFigureOut">
               <a:rPr lang="en-US" smtClean="0"/>
-              <a:t>2014-04-08</a:t>
+              <a:t>2014-04-15</a:t>
             </a:fld>
             <a:endParaRPr lang="en-US"/>
           </a:p>
@@ -1259,7 +1259,7 @@
           <a:p>
             <a:fld id="{5E090EFF-37B5-024C-AB3F-FAC6BB2F278A}" type="datetimeFigureOut">
               <a:rPr lang="en-US" smtClean="0"/>
-              <a:t>2014-04-08</a:t>
+              <a:t>2014-04-15</a:t>
             </a:fld>
             <a:endParaRPr lang="en-US"/>
           </a:p>
@@ -1909,7 +1909,7 @@
           <a:p>
             <a:fld id="{5E090EFF-37B5-024C-AB3F-FAC6BB2F278A}" type="datetimeFigureOut">
               <a:rPr lang="en-US" smtClean="0"/>
-              <a:t>2014-04-08</a:t>
+              <a:t>2014-04-15</a:t>
             </a:fld>
             <a:endParaRPr lang="en-US"/>
           </a:p>
@@ -2022,7 +2022,7 @@
           <a:p>
             <a:fld id="{5E090EFF-37B5-024C-AB3F-FAC6BB2F278A}" type="datetimeFigureOut">
               <a:rPr lang="en-US" smtClean="0"/>
-              <a:t>2014-04-08</a:t>
+              <a:t>2014-04-15</a:t>
             </a:fld>
             <a:endParaRPr lang="en-US"/>
           </a:p>
@@ -2112,7 +2112,7 @@
           <a:p>
             <a:fld id="{5E090EFF-37B5-024C-AB3F-FAC6BB2F278A}" type="datetimeFigureOut">
               <a:rPr lang="en-US" smtClean="0"/>
-              <a:t>2014-04-08</a:t>
+              <a:t>2014-04-15</a:t>
             </a:fld>
             <a:endParaRPr lang="en-US"/>
           </a:p>
@@ -2402,7 +2402,7 @@
           <a:p>
             <a:fld id="{5E090EFF-37B5-024C-AB3F-FAC6BB2F278A}" type="datetimeFigureOut">
               <a:rPr lang="en-US" smtClean="0"/>
-              <a:t>2014-04-08</a:t>
+              <a:t>2014-04-15</a:t>
             </a:fld>
             <a:endParaRPr lang="en-US"/>
           </a:p>
@@ -2726,7 +2726,7 @@
           <a:p>
             <a:fld id="{5E090EFF-37B5-024C-AB3F-FAC6BB2F278A}" type="datetimeFigureOut">
               <a:rPr lang="en-US" smtClean="0"/>
-              <a:t>2014-04-08</a:t>
+              <a:t>2014-04-15</a:t>
             </a:fld>
             <a:endParaRPr lang="en-US"/>
           </a:p>
@@ -3183,7 +3183,7 @@
           <a:p>
             <a:fld id="{5E090EFF-37B5-024C-AB3F-FAC6BB2F278A}" type="datetimeFigureOut">
               <a:rPr lang="en-US" smtClean="0"/>
-              <a:t>2014-04-08</a:t>
+              <a:t>2014-04-15</a:t>
             </a:fld>
             <a:endParaRPr lang="en-US"/>
           </a:p>
@@ -3872,13 +3872,13 @@
   <p:clrMapOvr>
     <a:masterClrMapping/>
   </p:clrMapOvr>
-  <mc:AlternateContent xmlns:mc="http://schemas.openxmlformats.org/markup-compatibility/2006">
-    <mc:Choice xmlns:p14="http://schemas.microsoft.com/office/powerpoint/2010/main" Requires="p14">
+  <mc:AlternateContent xmlns:mc="http://schemas.openxmlformats.org/markup-compatibility/2006" xmlns:p14="http://schemas.microsoft.com/office/powerpoint/2010/main">
+    <mc:Choice Requires="p14">
       <p:transition spd="slow" p14:dur="3400">
         <p14:reveal/>
       </p:transition>
     </mc:Choice>
-    <mc:Fallback>
+    <mc:Fallback xmlns="">
       <p:transition xmlns:p14="http://schemas.microsoft.com/office/powerpoint/2010/main" spd="slow">
         <p:fade/>
       </p:transition>
@@ -3913,28 +3913,6 @@
       </p:grpSpPr>
       <p:sp>
         <p:nvSpPr>
-          <p:cNvPr id="2" name="Content Placeholder 1"/>
-          <p:cNvSpPr>
-            <a:spLocks noGrp="1"/>
-          </p:cNvSpPr>
-          <p:nvPr>
-            <p:ph idx="1"/>
-          </p:nvPr>
-        </p:nvSpPr>
-        <p:spPr/>
-        <p:txBody>
-          <a:bodyPr/>
-          <a:lstStyle/>
-          <a:p>
-            <a:pPr marL="18288" indent="0">
-              <a:buNone/>
-            </a:pPr>
-            <a:endParaRPr lang="en-US" dirty="0"/>
-          </a:p>
-        </p:txBody>
-      </p:sp>
-      <p:sp>
-        <p:nvSpPr>
           <p:cNvPr id="3" name="Title 2"/>
           <p:cNvSpPr>
             <a:spLocks noGrp="1"/>
@@ -3948,10 +3926,6 @@
           <a:bodyPr/>
           <a:lstStyle/>
           <a:p>
-            <a:r>
-              <a:rPr lang="en-US" dirty="0" smtClean="0"/>
-              <a:t>Back Ground of </a:t>
-            </a:r>
             <a:r>
               <a:rPr lang="en-US" dirty="0" err="1" smtClean="0"/>
               <a:t>InPress</a:t>
@@ -3984,6 +3958,275 @@
           </a:prstGeom>
         </p:spPr>
       </p:pic>
+      <p:sp>
+        <p:nvSpPr>
+          <p:cNvPr id="5" name="Content Placeholder 1"/>
+          <p:cNvSpPr txBox="1">
+            <a:spLocks/>
+          </p:cNvSpPr>
+          <p:nvPr/>
+        </p:nvSpPr>
+        <p:spPr>
+          <a:xfrm>
+            <a:off x="2286000" y="838201"/>
+            <a:ext cx="6096000" cy="3657599"/>
+          </a:xfrm>
+          <a:prstGeom prst="rect">
+            <a:avLst/>
+          </a:prstGeom>
+        </p:spPr>
+        <p:txBody>
+          <a:bodyPr vert="horz" lIns="91440" tIns="45720" rIns="91440" bIns="45720" rtlCol="0" anchor="ctr">
+            <a:normAutofit/>
+          </a:bodyPr>
+          <a:lstStyle>
+            <a:lvl1pPr marL="274320" indent="-256032" algn="l" defTabSz="914400" rtl="0" eaLnBrk="1" latinLnBrk="0" hangingPunct="1">
+              <a:spcBef>
+                <a:spcPct val="20000"/>
+              </a:spcBef>
+              <a:spcAft>
+                <a:spcPts val="0"/>
+              </a:spcAft>
+              <a:buSzPct val="60000"/>
+              <a:buFont typeface="Wingdings" pitchFamily="2" charset="2"/>
+              <a:buChar char=""/>
+              <a:defRPr sz="2100" kern="1200">
+                <a:solidFill>
+                  <a:schemeClr val="tx1"/>
+                </a:solidFill>
+                <a:effectLst>
+                  <a:outerShdw blurRad="38100" dist="38100" dir="2700000" algn="tl">
+                    <a:srgbClr val="000000">
+                      <a:alpha val="43137"/>
+                    </a:srgbClr>
+                  </a:outerShdw>
+                </a:effectLst>
+                <a:latin typeface="+mn-lt"/>
+                <a:ea typeface="+mn-ea"/>
+                <a:cs typeface="+mn-cs"/>
+              </a:defRPr>
+            </a:lvl1pPr>
+            <a:lvl2pPr marL="640080" indent="-256032" algn="l" defTabSz="914400" rtl="0" eaLnBrk="1" latinLnBrk="0" hangingPunct="1">
+              <a:spcBef>
+                <a:spcPct val="20000"/>
+              </a:spcBef>
+              <a:buSzPct val="60000"/>
+              <a:buFont typeface="Wingdings" pitchFamily="2" charset="2"/>
+              <a:buChar char=""/>
+              <a:defRPr sz="1900" kern="1200">
+                <a:solidFill>
+                  <a:schemeClr val="tx1"/>
+                </a:solidFill>
+                <a:effectLst>
+                  <a:outerShdw blurRad="38100" dist="38100" dir="2700000" algn="tl">
+                    <a:srgbClr val="000000">
+                      <a:alpha val="43137"/>
+                    </a:srgbClr>
+                  </a:outerShdw>
+                </a:effectLst>
+                <a:latin typeface="+mn-lt"/>
+                <a:ea typeface="+mn-ea"/>
+                <a:cs typeface="+mn-cs"/>
+              </a:defRPr>
+            </a:lvl2pPr>
+            <a:lvl3pPr marL="1005840" indent="-256032" algn="l" defTabSz="914400" rtl="0" eaLnBrk="1" latinLnBrk="0" hangingPunct="1">
+              <a:spcBef>
+                <a:spcPct val="20000"/>
+              </a:spcBef>
+              <a:buSzPct val="60000"/>
+              <a:buFont typeface="Wingdings" pitchFamily="2" charset="2"/>
+              <a:buChar char=""/>
+              <a:defRPr sz="1700" kern="1200">
+                <a:solidFill>
+                  <a:schemeClr val="tx1"/>
+                </a:solidFill>
+                <a:effectLst>
+                  <a:outerShdw blurRad="38100" dist="38100" dir="2700000" algn="tl">
+                    <a:srgbClr val="000000">
+                      <a:alpha val="43137"/>
+                    </a:srgbClr>
+                  </a:outerShdw>
+                </a:effectLst>
+                <a:latin typeface="+mn-lt"/>
+                <a:ea typeface="+mn-ea"/>
+                <a:cs typeface="+mn-cs"/>
+              </a:defRPr>
+            </a:lvl3pPr>
+            <a:lvl4pPr marL="1371600" indent="-256032" algn="l" defTabSz="914400" rtl="0" eaLnBrk="1" latinLnBrk="0" hangingPunct="1">
+              <a:spcBef>
+                <a:spcPct val="20000"/>
+              </a:spcBef>
+              <a:buSzPct val="60000"/>
+              <a:buFont typeface="Wingdings" pitchFamily="2" charset="2"/>
+              <a:buChar char=""/>
+              <a:defRPr sz="1600" kern="1200">
+                <a:solidFill>
+                  <a:schemeClr val="tx1"/>
+                </a:solidFill>
+                <a:effectLst>
+                  <a:outerShdw blurRad="38100" dist="38100" dir="2700000" algn="tl">
+                    <a:srgbClr val="000000">
+                      <a:alpha val="43137"/>
+                    </a:srgbClr>
+                  </a:outerShdw>
+                </a:effectLst>
+                <a:latin typeface="+mn-lt"/>
+                <a:ea typeface="+mn-ea"/>
+                <a:cs typeface="+mn-cs"/>
+              </a:defRPr>
+            </a:lvl4pPr>
+            <a:lvl5pPr marL="1645920" indent="-256032" algn="l" defTabSz="914400" rtl="0" eaLnBrk="1" latinLnBrk="0" hangingPunct="1">
+              <a:spcBef>
+                <a:spcPct val="20000"/>
+              </a:spcBef>
+              <a:buSzPct val="60000"/>
+              <a:buFont typeface="Wingdings" pitchFamily="2" charset="2"/>
+              <a:buChar char=""/>
+              <a:defRPr sz="1500" kern="1200">
+                <a:solidFill>
+                  <a:schemeClr val="tx1"/>
+                </a:solidFill>
+                <a:effectLst>
+                  <a:outerShdw blurRad="38100" dist="38100" dir="2700000" algn="tl">
+                    <a:srgbClr val="000000">
+                      <a:alpha val="43137"/>
+                    </a:srgbClr>
+                  </a:outerShdw>
+                </a:effectLst>
+                <a:latin typeface="+mn-lt"/>
+                <a:ea typeface="+mn-ea"/>
+                <a:cs typeface="+mn-cs"/>
+              </a:defRPr>
+            </a:lvl5pPr>
+            <a:lvl6pPr marL="1965960" indent="-256032" algn="l" defTabSz="914400" rtl="0" eaLnBrk="1" latinLnBrk="0" hangingPunct="1">
+              <a:spcBef>
+                <a:spcPct val="20000"/>
+              </a:spcBef>
+              <a:buSzPct val="60000"/>
+              <a:buFont typeface="Wingdings" pitchFamily="2" charset="2"/>
+              <a:buChar char=""/>
+              <a:defRPr sz="1400" kern="1200">
+                <a:solidFill>
+                  <a:schemeClr val="tx1"/>
+                </a:solidFill>
+                <a:effectLst>
+                  <a:outerShdw blurRad="38100" dist="38100" dir="2700000" algn="ctr" rotWithShape="0">
+                    <a:srgbClr val="000000">
+                      <a:alpha val="43000"/>
+                    </a:srgbClr>
+                  </a:outerShdw>
+                </a:effectLst>
+                <a:latin typeface="+mn-lt"/>
+                <a:ea typeface="+mn-ea"/>
+                <a:cs typeface="+mn-cs"/>
+              </a:defRPr>
+            </a:lvl6pPr>
+            <a:lvl7pPr marL="2240280" indent="-256032" algn="l" defTabSz="914400" rtl="0" eaLnBrk="1" latinLnBrk="0" hangingPunct="1">
+              <a:spcBef>
+                <a:spcPct val="20000"/>
+              </a:spcBef>
+              <a:buSzPct val="60000"/>
+              <a:buFont typeface="Wingdings" pitchFamily="2" charset="2"/>
+              <a:buChar char=""/>
+              <a:defRPr sz="1400" kern="1200">
+                <a:solidFill>
+                  <a:schemeClr val="tx1"/>
+                </a:solidFill>
+                <a:effectLst>
+                  <a:outerShdw blurRad="38100" dist="38100" dir="2700000" algn="ctr" rotWithShape="0">
+                    <a:srgbClr val="000000">
+                      <a:alpha val="43000"/>
+                    </a:srgbClr>
+                  </a:outerShdw>
+                </a:effectLst>
+                <a:latin typeface="+mn-lt"/>
+                <a:ea typeface="+mn-ea"/>
+                <a:cs typeface="+mn-cs"/>
+              </a:defRPr>
+            </a:lvl7pPr>
+            <a:lvl8pPr marL="2514600" indent="-256032" algn="l" defTabSz="914400" rtl="0" eaLnBrk="1" latinLnBrk="0" hangingPunct="1">
+              <a:spcBef>
+                <a:spcPct val="20000"/>
+              </a:spcBef>
+              <a:buSzPct val="60000"/>
+              <a:buFont typeface="Wingdings" pitchFamily="2" charset="2"/>
+              <a:buChar char=""/>
+              <a:defRPr sz="1400" kern="1200">
+                <a:solidFill>
+                  <a:schemeClr val="tx1"/>
+                </a:solidFill>
+                <a:effectLst>
+                  <a:outerShdw blurRad="38100" dist="38100" dir="2700000" algn="ctr" rotWithShape="0">
+                    <a:srgbClr val="000000">
+                      <a:alpha val="43000"/>
+                    </a:srgbClr>
+                  </a:outerShdw>
+                </a:effectLst>
+                <a:latin typeface="+mn-lt"/>
+                <a:ea typeface="+mn-ea"/>
+                <a:cs typeface="+mn-cs"/>
+              </a:defRPr>
+            </a:lvl8pPr>
+            <a:lvl9pPr marL="2834640" indent="-256032" algn="l" defTabSz="914400" rtl="0" eaLnBrk="1" latinLnBrk="0" hangingPunct="1">
+              <a:spcBef>
+                <a:spcPct val="20000"/>
+              </a:spcBef>
+              <a:buSzPct val="60000"/>
+              <a:buFont typeface="Wingdings" pitchFamily="2" charset="2"/>
+              <a:buChar char=""/>
+              <a:defRPr sz="1400" kern="1200">
+                <a:solidFill>
+                  <a:schemeClr val="tx1"/>
+                </a:solidFill>
+                <a:effectLst>
+                  <a:outerShdw blurRad="38100" dist="38100" dir="2700000" algn="ctr" rotWithShape="0">
+                    <a:srgbClr val="000000">
+                      <a:alpha val="43000"/>
+                    </a:srgbClr>
+                  </a:outerShdw>
+                </a:effectLst>
+                <a:latin typeface="+mn-lt"/>
+                <a:ea typeface="+mn-ea"/>
+                <a:cs typeface="+mn-cs"/>
+              </a:defRPr>
+            </a:lvl9pPr>
+          </a:lstStyle>
+          <a:p>
+            <a:endParaRPr lang="en-US" altLang="zh-CN" dirty="0" smtClean="0"/>
+          </a:p>
+          <a:p>
+            <a:r>
+              <a:rPr lang="en-US" dirty="0" smtClean="0"/>
+              <a:t>This application is made to simulate a clicker [smartphone question/voting system] </a:t>
+            </a:r>
+          </a:p>
+          <a:p>
+            <a:endParaRPr lang="en-US" altLang="zh-CN" dirty="0" smtClean="0"/>
+          </a:p>
+          <a:p>
+            <a:r>
+              <a:rPr lang="en-US" altLang="zh-CN" dirty="0" smtClean="0"/>
+              <a:t>This </a:t>
+            </a:r>
+            <a:r>
+              <a:rPr lang="en-US" dirty="0" smtClean="0"/>
+              <a:t>project is written for web enabled devices</a:t>
+            </a:r>
+          </a:p>
+          <a:p>
+            <a:endParaRPr lang="en-US" dirty="0" smtClean="0"/>
+          </a:p>
+          <a:p>
+            <a:r>
+              <a:rPr lang="en-US" dirty="0" smtClean="0"/>
+              <a:t>Used for students to participate in class/tutorial question sessions, by using their laptop/phone to interact with instructor.</a:t>
+            </a:r>
+          </a:p>
+          <a:p>
+            <a:endParaRPr lang="en-US" dirty="0"/>
+          </a:p>
+        </p:txBody>
+      </p:sp>
     </p:spTree>
     <p:extLst>
       <p:ext uri="{BB962C8B-B14F-4D97-AF65-F5344CB8AC3E}">
@@ -4029,6 +4272,22 @@
           <a:bodyPr/>
           <a:lstStyle/>
           <a:p>
+            <a:r>
+              <a:rPr lang="en-US" dirty="0" smtClean="0"/>
+              <a:t>To create a web-based application which will replace </a:t>
+            </a:r>
+            <a:r>
+              <a:rPr lang="en-US" dirty="0" err="1" smtClean="0"/>
+              <a:t>i</a:t>
+            </a:r>
+            <a:r>
+              <a:rPr lang="en-US" dirty="0" smtClean="0"/>
+              <a:t>-Clicker, used for student and instructor to interaction class. Also for student to study </a:t>
+            </a:r>
+            <a:r>
+              <a:rPr lang="en-US" smtClean="0"/>
+              <a:t>after class.</a:t>
+            </a:r>
             <a:endParaRPr lang="en-US" dirty="0"/>
           </a:p>
         </p:txBody>

--- a/Documentation/Presentation.pptx
+++ b/Documentation/Presentation.pptx
@@ -1,18 +1,19 @@
 
 <file path=ppt/presentation.xml><?xml version="1.0" encoding="utf-8"?>
-<p:presentation xmlns:a="http://schemas.openxmlformats.org/drawingml/2006/main" xmlns:r="http://schemas.openxmlformats.org/officeDocument/2006/relationships" xmlns:p="http://schemas.openxmlformats.org/presentationml/2006/main" saveSubsetFonts="1" autoCompressPictures="0">
+<p:presentation xmlns:a="http://schemas.openxmlformats.org/drawingml/2006/main" xmlns:r="http://schemas.openxmlformats.org/officeDocument/2006/relationships" xmlns:mc="http://schemas.openxmlformats.org/markup-compatibility/2006" xmlns:mv="urn:schemas-microsoft-com:mac:vml" xmlns:p="http://schemas.openxmlformats.org/presentationml/2006/main" mc:Ignorable="mv" mc:PreserveAttributes="mv:*" saveSubsetFonts="1" autoCompressPictures="0">
   <p:sldMasterIdLst>
-    <p:sldMasterId id="2147483853" r:id="rId1"/>
+    <p:sldMasterId r:id="rId1"/>
   </p:sldMasterIdLst>
   <p:sldIdLst>
     <p:sldId id="256" r:id="rId2"/>
-    <p:sldId id="257" r:id="rId3"/>
-    <p:sldId id="258" r:id="rId4"/>
+    <p:sldId id="258" r:id="rId3"/>
+    <p:sldId id="257" r:id="rId4"/>
     <p:sldId id="259" r:id="rId5"/>
     <p:sldId id="260" r:id="rId6"/>
     <p:sldId id="261" r:id="rId7"/>
     <p:sldId id="262" r:id="rId8"/>
-    <p:sldId id="263" r:id="rId9"/>
+    <p:sldId id="264" r:id="rId9"/>
+    <p:sldId id="263" r:id="rId10"/>
   </p:sldIdLst>
   <p:sldSz cx="9144000" cy="6858000" type="screen4x3"/>
   <p:notesSz cx="6858000" cy="9144000"/>
@@ -115,7 +116,7 @@
 </file>
 
 <file path=ppt/slideLayouts/slideLayout1.xml><?xml version="1.0" encoding="utf-8"?>
-<p:sldLayout xmlns:a="http://schemas.openxmlformats.org/drawingml/2006/main" xmlns:r="http://schemas.openxmlformats.org/officeDocument/2006/relationships" xmlns:p="http://schemas.openxmlformats.org/presentationml/2006/main" type="title" preserve="1">
+<p:sldLayout xmlns:a="http://schemas.openxmlformats.org/drawingml/2006/main" xmlns:r="http://schemas.openxmlformats.org/officeDocument/2006/relationships" xmlns:mc="http://schemas.openxmlformats.org/markup-compatibility/2006" xmlns:mv="urn:schemas-microsoft-com:mac:vml" xmlns:p="http://schemas.openxmlformats.org/presentationml/2006/main" mc:Ignorable="mv" mc:PreserveAttributes="mv:*" type="title" preserve="1">
   <p:cSld name="Title Slide">
     <p:spTree>
       <p:nvGrpSpPr>
@@ -351,7 +352,8 @@
           <a:p>
             <a:fld id="{5E090EFF-37B5-024C-AB3F-FAC6BB2F278A}" type="datetimeFigureOut">
               <a:rPr lang="en-US" smtClean="0"/>
-              <a:t>2014-04-08</a:t>
+              <a:pPr/>
+              <a:t>4/15/14</a:t>
             </a:fld>
             <a:endParaRPr lang="en-US"/>
           </a:p>
@@ -409,7 +411,7 @@
 </file>
 
 <file path=ppt/slideLayouts/slideLayout10.xml><?xml version="1.0" encoding="utf-8"?>
-<p:sldLayout xmlns:a="http://schemas.openxmlformats.org/drawingml/2006/main" xmlns:r="http://schemas.openxmlformats.org/officeDocument/2006/relationships" xmlns:p="http://schemas.openxmlformats.org/presentationml/2006/main" type="vertTx" preserve="1">
+<p:sldLayout xmlns:a="http://schemas.openxmlformats.org/drawingml/2006/main" xmlns:r="http://schemas.openxmlformats.org/officeDocument/2006/relationships" xmlns:mc="http://schemas.openxmlformats.org/markup-compatibility/2006" xmlns:mv="urn:schemas-microsoft-com:mac:vml" xmlns:p="http://schemas.openxmlformats.org/presentationml/2006/main" mc:Ignorable="mv" mc:PreserveAttributes="mv:*" type="vertTx" preserve="1">
   <p:cSld name="Title and Vertical Text">
     <p:spTree>
       <p:nvGrpSpPr>
@@ -522,7 +524,8 @@
           <a:p>
             <a:fld id="{5E090EFF-37B5-024C-AB3F-FAC6BB2F278A}" type="datetimeFigureOut">
               <a:rPr lang="en-US" smtClean="0"/>
-              <a:t>2014-04-08</a:t>
+              <a:pPr/>
+              <a:t>4/15/14</a:t>
             </a:fld>
             <a:endParaRPr lang="en-US"/>
           </a:p>
@@ -564,6 +567,7 @@
           <a:p>
             <a:fld id="{ECE186A8-1EE1-8542-BDA3-0885D92A6394}" type="slidenum">
               <a:rPr lang="en-US" smtClean="0"/>
+              <a:pPr/>
               <a:t>‹#›</a:t>
             </a:fld>
             <a:endParaRPr lang="en-US"/>
@@ -579,7 +583,7 @@
 </file>
 
 <file path=ppt/slideLayouts/slideLayout11.xml><?xml version="1.0" encoding="utf-8"?>
-<p:sldLayout xmlns:a="http://schemas.openxmlformats.org/drawingml/2006/main" xmlns:r="http://schemas.openxmlformats.org/officeDocument/2006/relationships" xmlns:p="http://schemas.openxmlformats.org/presentationml/2006/main" type="vertTitleAndTx" preserve="1">
+<p:sldLayout xmlns:a="http://schemas.openxmlformats.org/drawingml/2006/main" xmlns:r="http://schemas.openxmlformats.org/officeDocument/2006/relationships" xmlns:mc="http://schemas.openxmlformats.org/markup-compatibility/2006" xmlns:mv="urn:schemas-microsoft-com:mac:vml" xmlns:p="http://schemas.openxmlformats.org/presentationml/2006/main" mc:Ignorable="mv" mc:PreserveAttributes="mv:*" type="vertTitleAndTx" preserve="1">
   <p:cSld name="Vertical Title and Text">
     <p:spTree>
       <p:nvGrpSpPr>
@@ -697,7 +701,8 @@
           <a:p>
             <a:fld id="{5E090EFF-37B5-024C-AB3F-FAC6BB2F278A}" type="datetimeFigureOut">
               <a:rPr lang="en-US" smtClean="0"/>
-              <a:t>2014-04-08</a:t>
+              <a:pPr/>
+              <a:t>4/15/14</a:t>
             </a:fld>
             <a:endParaRPr lang="en-US"/>
           </a:p>
@@ -739,6 +744,7 @@
           <a:p>
             <a:fld id="{ECE186A8-1EE1-8542-BDA3-0885D92A6394}" type="slidenum">
               <a:rPr lang="en-US" smtClean="0"/>
+              <a:pPr/>
               <a:t>‹#›</a:t>
             </a:fld>
             <a:endParaRPr lang="en-US"/>
@@ -754,7 +760,7 @@
 </file>
 
 <file path=ppt/slideLayouts/slideLayout2.xml><?xml version="1.0" encoding="utf-8"?>
-<p:sldLayout xmlns:a="http://schemas.openxmlformats.org/drawingml/2006/main" xmlns:r="http://schemas.openxmlformats.org/officeDocument/2006/relationships" xmlns:p="http://schemas.openxmlformats.org/presentationml/2006/main" type="obj" preserve="1">
+<p:sldLayout xmlns:a="http://schemas.openxmlformats.org/drawingml/2006/main" xmlns:r="http://schemas.openxmlformats.org/officeDocument/2006/relationships" xmlns:mc="http://schemas.openxmlformats.org/markup-compatibility/2006" xmlns:mv="urn:schemas-microsoft-com:mac:vml" xmlns:p="http://schemas.openxmlformats.org/presentationml/2006/main" mc:Ignorable="mv" mc:PreserveAttributes="mv:*" type="obj" preserve="1">
   <p:cSld name="Title and Content">
     <p:spTree>
       <p:nvGrpSpPr>
@@ -862,7 +868,8 @@
           <a:p>
             <a:fld id="{5E090EFF-37B5-024C-AB3F-FAC6BB2F278A}" type="datetimeFigureOut">
               <a:rPr lang="en-US" smtClean="0"/>
-              <a:t>2014-04-08</a:t>
+              <a:pPr/>
+              <a:t>4/15/14</a:t>
             </a:fld>
             <a:endParaRPr lang="en-US"/>
           </a:p>
@@ -885,6 +892,7 @@
           <a:p>
             <a:fld id="{ECE186A8-1EE1-8542-BDA3-0885D92A6394}" type="slidenum">
               <a:rPr lang="en-US" smtClean="0"/>
+              <a:pPr/>
               <a:t>‹#›</a:t>
             </a:fld>
             <a:endParaRPr lang="en-US"/>
@@ -919,7 +927,7 @@
 </file>
 
 <file path=ppt/slideLayouts/slideLayout3.xml><?xml version="1.0" encoding="utf-8"?>
-<p:sldLayout xmlns:a="http://schemas.openxmlformats.org/drawingml/2006/main" xmlns:r="http://schemas.openxmlformats.org/officeDocument/2006/relationships" xmlns:p="http://schemas.openxmlformats.org/presentationml/2006/main" type="secHead" preserve="1">
+<p:sldLayout xmlns:a="http://schemas.openxmlformats.org/drawingml/2006/main" xmlns:r="http://schemas.openxmlformats.org/officeDocument/2006/relationships" xmlns:mc="http://schemas.openxmlformats.org/markup-compatibility/2006" xmlns:mv="urn:schemas-microsoft-com:mac:vml" xmlns:p="http://schemas.openxmlformats.org/presentationml/2006/main" mc:Ignorable="mv" mc:PreserveAttributes="mv:*" type="secHead" preserve="1">
   <p:cSld name="Section Header">
     <p:spTree>
       <p:nvGrpSpPr>
@@ -1119,7 +1127,8 @@
           <a:p>
             <a:fld id="{5E090EFF-37B5-024C-AB3F-FAC6BB2F278A}" type="datetimeFigureOut">
               <a:rPr lang="en-US" smtClean="0"/>
-              <a:t>2014-04-08</a:t>
+              <a:pPr/>
+              <a:t>4/15/14</a:t>
             </a:fld>
             <a:endParaRPr lang="en-US"/>
           </a:p>
@@ -1142,6 +1151,7 @@
           <a:p>
             <a:fld id="{ECE186A8-1EE1-8542-BDA3-0885D92A6394}" type="slidenum">
               <a:rPr lang="en-US" smtClean="0"/>
+              <a:pPr/>
               <a:t>‹#›</a:t>
             </a:fld>
             <a:endParaRPr lang="en-US"/>
@@ -1226,7 +1236,7 @@
 </file>
 
 <file path=ppt/slideLayouts/slideLayout4.xml><?xml version="1.0" encoding="utf-8"?>
-<p:sldLayout xmlns:a="http://schemas.openxmlformats.org/drawingml/2006/main" xmlns:r="http://schemas.openxmlformats.org/officeDocument/2006/relationships" xmlns:p="http://schemas.openxmlformats.org/presentationml/2006/main" type="twoObj" preserve="1">
+<p:sldLayout xmlns:a="http://schemas.openxmlformats.org/drawingml/2006/main" xmlns:r="http://schemas.openxmlformats.org/officeDocument/2006/relationships" xmlns:mc="http://schemas.openxmlformats.org/markup-compatibility/2006" xmlns:mv="urn:schemas-microsoft-com:mac:vml" xmlns:p="http://schemas.openxmlformats.org/presentationml/2006/main" mc:Ignorable="mv" mc:PreserveAttributes="mv:*" type="twoObj" preserve="1">
   <p:cSld name="Two Content">
     <p:spTree>
       <p:nvGrpSpPr>
@@ -1259,7 +1269,8 @@
           <a:p>
             <a:fld id="{5E090EFF-37B5-024C-AB3F-FAC6BB2F278A}" type="datetimeFigureOut">
               <a:rPr lang="en-US" smtClean="0"/>
-              <a:t>2014-04-08</a:t>
+              <a:pPr/>
+              <a:t>4/15/14</a:t>
             </a:fld>
             <a:endParaRPr lang="en-US"/>
           </a:p>
@@ -1282,6 +1293,7 @@
           <a:p>
             <a:fld id="{ECE186A8-1EE1-8542-BDA3-0885D92A6394}" type="slidenum">
               <a:rPr lang="en-US" smtClean="0"/>
+              <a:pPr/>
               <a:t>‹#›</a:t>
             </a:fld>
             <a:endParaRPr lang="en-US"/>
@@ -1453,7 +1465,7 @@
 </file>
 
 <file path=ppt/slideLayouts/slideLayout5.xml><?xml version="1.0" encoding="utf-8"?>
-<p:sldLayout xmlns:a="http://schemas.openxmlformats.org/drawingml/2006/main" xmlns:r="http://schemas.openxmlformats.org/officeDocument/2006/relationships" xmlns:p="http://schemas.openxmlformats.org/presentationml/2006/main" type="twoTxTwoObj" preserve="1">
+<p:sldLayout xmlns:a="http://schemas.openxmlformats.org/drawingml/2006/main" xmlns:r="http://schemas.openxmlformats.org/officeDocument/2006/relationships" xmlns:mc="http://schemas.openxmlformats.org/markup-compatibility/2006" xmlns:mv="urn:schemas-microsoft-com:mac:vml" xmlns:p="http://schemas.openxmlformats.org/presentationml/2006/main" mc:Ignorable="mv" mc:PreserveAttributes="mv:*" type="twoTxTwoObj" preserve="1">
   <p:cSld name="Comparison">
     <p:spTree>
       <p:nvGrpSpPr>
@@ -1909,7 +1921,8 @@
           <a:p>
             <a:fld id="{5E090EFF-37B5-024C-AB3F-FAC6BB2F278A}" type="datetimeFigureOut">
               <a:rPr lang="en-US" smtClean="0"/>
-              <a:t>2014-04-08</a:t>
+              <a:pPr/>
+              <a:t>4/15/14</a:t>
             </a:fld>
             <a:endParaRPr lang="en-US"/>
           </a:p>
@@ -1932,6 +1945,7 @@
           <a:p>
             <a:fld id="{ECE186A8-1EE1-8542-BDA3-0885D92A6394}" type="slidenum">
               <a:rPr lang="en-US" smtClean="0"/>
+              <a:pPr/>
               <a:t>‹#›</a:t>
             </a:fld>
             <a:endParaRPr lang="en-US"/>
@@ -1966,7 +1980,7 @@
 </file>
 
 <file path=ppt/slideLayouts/slideLayout6.xml><?xml version="1.0" encoding="utf-8"?>
-<p:sldLayout xmlns:a="http://schemas.openxmlformats.org/drawingml/2006/main" xmlns:r="http://schemas.openxmlformats.org/officeDocument/2006/relationships" xmlns:p="http://schemas.openxmlformats.org/presentationml/2006/main" type="titleOnly" preserve="1">
+<p:sldLayout xmlns:a="http://schemas.openxmlformats.org/drawingml/2006/main" xmlns:r="http://schemas.openxmlformats.org/officeDocument/2006/relationships" xmlns:mc="http://schemas.openxmlformats.org/markup-compatibility/2006" xmlns:mv="urn:schemas-microsoft-com:mac:vml" xmlns:p="http://schemas.openxmlformats.org/presentationml/2006/main" mc:Ignorable="mv" mc:PreserveAttributes="mv:*" type="titleOnly" preserve="1">
   <p:cSld name="Title Only">
     <p:spTree>
       <p:nvGrpSpPr>
@@ -2022,7 +2036,8 @@
           <a:p>
             <a:fld id="{5E090EFF-37B5-024C-AB3F-FAC6BB2F278A}" type="datetimeFigureOut">
               <a:rPr lang="en-US" smtClean="0"/>
-              <a:t>2014-04-08</a:t>
+              <a:pPr/>
+              <a:t>4/15/14</a:t>
             </a:fld>
             <a:endParaRPr lang="en-US"/>
           </a:p>
@@ -2045,6 +2060,7 @@
           <a:p>
             <a:fld id="{ECE186A8-1EE1-8542-BDA3-0885D92A6394}" type="slidenum">
               <a:rPr lang="en-US" smtClean="0"/>
+              <a:pPr/>
               <a:t>‹#›</a:t>
             </a:fld>
             <a:endParaRPr lang="en-US"/>
@@ -2079,7 +2095,7 @@
 </file>
 
 <file path=ppt/slideLayouts/slideLayout7.xml><?xml version="1.0" encoding="utf-8"?>
-<p:sldLayout xmlns:a="http://schemas.openxmlformats.org/drawingml/2006/main" xmlns:r="http://schemas.openxmlformats.org/officeDocument/2006/relationships" xmlns:p="http://schemas.openxmlformats.org/presentationml/2006/main" type="blank" preserve="1">
+<p:sldLayout xmlns:a="http://schemas.openxmlformats.org/drawingml/2006/main" xmlns:r="http://schemas.openxmlformats.org/officeDocument/2006/relationships" xmlns:mc="http://schemas.openxmlformats.org/markup-compatibility/2006" xmlns:mv="urn:schemas-microsoft-com:mac:vml" xmlns:p="http://schemas.openxmlformats.org/presentationml/2006/main" mc:Ignorable="mv" mc:PreserveAttributes="mv:*" type="blank" preserve="1">
   <p:cSld name="Blank">
     <p:spTree>
       <p:nvGrpSpPr>
@@ -2112,7 +2128,8 @@
           <a:p>
             <a:fld id="{5E090EFF-37B5-024C-AB3F-FAC6BB2F278A}" type="datetimeFigureOut">
               <a:rPr lang="en-US" smtClean="0"/>
-              <a:t>2014-04-08</a:t>
+              <a:pPr/>
+              <a:t>4/15/14</a:t>
             </a:fld>
             <a:endParaRPr lang="en-US"/>
           </a:p>
@@ -2135,6 +2152,7 @@
           <a:p>
             <a:fld id="{ECE186A8-1EE1-8542-BDA3-0885D92A6394}" type="slidenum">
               <a:rPr lang="en-US" smtClean="0"/>
+              <a:pPr/>
               <a:t>‹#›</a:t>
             </a:fld>
             <a:endParaRPr lang="en-US"/>
@@ -2169,7 +2187,7 @@
 </file>
 
 <file path=ppt/slideLayouts/slideLayout8.xml><?xml version="1.0" encoding="utf-8"?>
-<p:sldLayout xmlns:a="http://schemas.openxmlformats.org/drawingml/2006/main" xmlns:r="http://schemas.openxmlformats.org/officeDocument/2006/relationships" xmlns:p="http://schemas.openxmlformats.org/presentationml/2006/main" type="objTx" preserve="1">
+<p:sldLayout xmlns:a="http://schemas.openxmlformats.org/drawingml/2006/main" xmlns:r="http://schemas.openxmlformats.org/officeDocument/2006/relationships" xmlns:mc="http://schemas.openxmlformats.org/markup-compatibility/2006" xmlns:mv="urn:schemas-microsoft-com:mac:vml" xmlns:p="http://schemas.openxmlformats.org/presentationml/2006/main" mc:Ignorable="mv" mc:PreserveAttributes="mv:*" type="objTx" preserve="1">
   <p:cSld name="Content with Caption">
     <p:spTree>
       <p:nvGrpSpPr>
@@ -2402,7 +2420,8 @@
           <a:p>
             <a:fld id="{5E090EFF-37B5-024C-AB3F-FAC6BB2F278A}" type="datetimeFigureOut">
               <a:rPr lang="en-US" smtClean="0"/>
-              <a:t>2014-04-08</a:t>
+              <a:pPr/>
+              <a:t>4/15/14</a:t>
             </a:fld>
             <a:endParaRPr lang="en-US"/>
           </a:p>
@@ -2483,7 +2502,7 @@
 </file>
 
 <file path=ppt/slideLayouts/slideLayout9.xml><?xml version="1.0" encoding="utf-8"?>
-<p:sldLayout xmlns:a="http://schemas.openxmlformats.org/drawingml/2006/main" xmlns:r="http://schemas.openxmlformats.org/officeDocument/2006/relationships" xmlns:p="http://schemas.openxmlformats.org/presentationml/2006/main" type="picTx" preserve="1">
+<p:sldLayout xmlns:a="http://schemas.openxmlformats.org/drawingml/2006/main" xmlns:r="http://schemas.openxmlformats.org/officeDocument/2006/relationships" xmlns:mc="http://schemas.openxmlformats.org/markup-compatibility/2006" xmlns:mv="urn:schemas-microsoft-com:mac:vml" xmlns:p="http://schemas.openxmlformats.org/presentationml/2006/main" mc:Ignorable="mv" mc:PreserveAttributes="mv:*" type="picTx" preserve="1">
   <p:cSld name="Picture with Caption">
     <p:spTree>
       <p:nvGrpSpPr>
@@ -2726,7 +2745,8 @@
           <a:p>
             <a:fld id="{5E090EFF-37B5-024C-AB3F-FAC6BB2F278A}" type="datetimeFigureOut">
               <a:rPr lang="en-US" smtClean="0"/>
-              <a:t>2014-04-08</a:t>
+              <a:pPr/>
+              <a:t>4/15/14</a:t>
             </a:fld>
             <a:endParaRPr lang="en-US"/>
           </a:p>
@@ -2749,6 +2769,7 @@
           <a:p>
             <a:fld id="{ECE186A8-1EE1-8542-BDA3-0885D92A6394}" type="slidenum">
               <a:rPr lang="en-US" smtClean="0"/>
+              <a:pPr/>
               <a:t>‹#›</a:t>
             </a:fld>
             <a:endParaRPr lang="en-US"/>
@@ -2783,7 +2804,7 @@
 </file>
 
 <file path=ppt/slideMasters/slideMaster1.xml><?xml version="1.0" encoding="utf-8"?>
-<p:sldMaster xmlns:a="http://schemas.openxmlformats.org/drawingml/2006/main" xmlns:r="http://schemas.openxmlformats.org/officeDocument/2006/relationships" xmlns:p="http://schemas.openxmlformats.org/presentationml/2006/main">
+<p:sldMaster xmlns:a="http://schemas.openxmlformats.org/drawingml/2006/main" xmlns:r="http://schemas.openxmlformats.org/officeDocument/2006/relationships" xmlns:mc="http://schemas.openxmlformats.org/markup-compatibility/2006" xmlns:mv="urn:schemas-microsoft-com:mac:vml" xmlns:p="http://schemas.openxmlformats.org/presentationml/2006/main" mc:Ignorable="mv" mc:PreserveAttributes="mv:*">
   <p:cSld>
     <p:bg>
       <p:bgRef idx="1003">
@@ -3183,7 +3204,8 @@
           <a:p>
             <a:fld id="{5E090EFF-37B5-024C-AB3F-FAC6BB2F278A}" type="datetimeFigureOut">
               <a:rPr lang="en-US" smtClean="0"/>
-              <a:t>2014-04-08</a:t>
+              <a:pPr/>
+              <a:t>4/15/14</a:t>
             </a:fld>
             <a:endParaRPr lang="en-US"/>
           </a:p>
@@ -3263,6 +3285,7 @@
           <a:p>
             <a:fld id="{ECE186A8-1EE1-8542-BDA3-0885D92A6394}" type="slidenum">
               <a:rPr lang="en-US" smtClean="0"/>
+              <a:pPr/>
               <a:t>‹#›</a:t>
             </a:fld>
             <a:endParaRPr lang="en-US"/>
@@ -3273,17 +3296,17 @@
   </p:cSld>
   <p:clrMap bg1="dk1" tx1="lt1" bg2="dk2" tx2="lt2" accent1="accent1" accent2="accent2" accent3="accent3" accent4="accent4" accent5="accent5" accent6="accent6" hlink="hlink" folHlink="folHlink"/>
   <p:sldLayoutIdLst>
-    <p:sldLayoutId id="2147483854" r:id="rId1"/>
-    <p:sldLayoutId id="2147483855" r:id="rId2"/>
-    <p:sldLayoutId id="2147483856" r:id="rId3"/>
-    <p:sldLayoutId id="2147483857" r:id="rId4"/>
-    <p:sldLayoutId id="2147483858" r:id="rId5"/>
-    <p:sldLayoutId id="2147483859" r:id="rId6"/>
-    <p:sldLayoutId id="2147483860" r:id="rId7"/>
-    <p:sldLayoutId id="2147483861" r:id="rId8"/>
-    <p:sldLayoutId id="2147483862" r:id="rId9"/>
-    <p:sldLayoutId id="2147483863" r:id="rId10"/>
-    <p:sldLayoutId id="2147483864" r:id="rId11"/>
+    <p:sldLayoutId r:id="rId1"/>
+    <p:sldLayoutId r:id="rId2"/>
+    <p:sldLayoutId r:id="rId3"/>
+    <p:sldLayoutId r:id="rId4"/>
+    <p:sldLayoutId r:id="rId5"/>
+    <p:sldLayoutId r:id="rId6"/>
+    <p:sldLayoutId r:id="rId7"/>
+    <p:sldLayoutId r:id="rId8"/>
+    <p:sldLayoutId r:id="rId9"/>
+    <p:sldLayoutId r:id="rId10"/>
+    <p:sldLayoutId r:id="rId11"/>
   </p:sldLayoutIdLst>
   <p:txStyles>
     <p:titleStyle>
@@ -3677,7 +3700,7 @@
 </file>
 
 <file path=ppt/slides/slide1.xml><?xml version="1.0" encoding="utf-8"?>
-<p:sld xmlns:a="http://schemas.openxmlformats.org/drawingml/2006/main" xmlns:r="http://schemas.openxmlformats.org/officeDocument/2006/relationships" xmlns:p="http://schemas.openxmlformats.org/presentationml/2006/main">
+<p:sld xmlns:a="http://schemas.openxmlformats.org/drawingml/2006/main" xmlns:r="http://schemas.openxmlformats.org/officeDocument/2006/relationships" xmlns:mc="http://schemas.openxmlformats.org/markup-compatibility/2006" xmlns:mv="urn:schemas-microsoft-com:mac:vml" xmlns:p="http://schemas.openxmlformats.org/presentationml/2006/main" mc:Ignorable="mv" mc:PreserveAttributes="mv:*">
   <p:cSld>
     <p:spTree>
       <p:nvGrpSpPr>
@@ -3865,29 +3888,27 @@
     </p:spTree>
     <p:extLst>
       <p:ext uri="{BB962C8B-B14F-4D97-AF65-F5344CB8AC3E}">
-        <p14:creationId xmlns:p14="http://schemas.microsoft.com/office/powerpoint/2010/main" val="1026658195"/>
+        <p14:creationId xmlns:p14="http://schemas.microsoft.com/office/powerpoint/2010/main" xmlns:p="http://schemas.openxmlformats.org/presentationml/2006/main" xmlns:r="http://schemas.openxmlformats.org/officeDocument/2006/relationships" xmlns:a="http://schemas.openxmlformats.org/drawingml/2006/main" xmlns="" val="1026658195"/>
       </p:ext>
     </p:extLst>
   </p:cSld>
   <p:clrMapOvr>
     <a:masterClrMapping/>
   </p:clrMapOvr>
-  <mc:AlternateContent xmlns:mc="http://schemas.openxmlformats.org/markup-compatibility/2006">
-    <mc:Choice xmlns:p14="http://schemas.microsoft.com/office/powerpoint/2010/main" Requires="p14">
+  <mc:AlternateContent>
+    <mc:Choice xmlns:mc="http://schemas.openxmlformats.org/markup-compatibility/2006" xmlns:p14="http://schemas.microsoft.com/office/powerpoint/2010/main" xmlns:p="http://schemas.openxmlformats.org/presentationml/2006/main" xmlns:r="http://schemas.openxmlformats.org/officeDocument/2006/relationships" xmlns:a="http://schemas.openxmlformats.org/drawingml/2006/main" xmlns="" Requires="p14">
       <p:transition spd="slow" p14:dur="3400">
         <p14:reveal/>
       </p:transition>
     </mc:Choice>
     <mc:Fallback>
-      <p:transition xmlns:p14="http://schemas.microsoft.com/office/powerpoint/2010/main" spd="slow">
-        <p:fade/>
-      </p:transition>
+      <mp:transition xmlns:mp="http://schemas.microsoft.com/office/mac/powerpoint/2008/main" spd="slow"/>
     </mc:Fallback>
   </mc:AlternateContent>
   <p:timing>
     <p:tnLst>
       <p:par>
-        <p:cTn xmlns:p14="http://schemas.microsoft.com/office/powerpoint/2010/main" id="1" dur="indefinite" restart="never" nodeType="tmRoot"/>
+        <p:cTn id="1" dur="indefinite" restart="never" nodeType="tmRoot"/>
       </p:par>
     </p:tnLst>
   </p:timing>
@@ -3895,7 +3916,7 @@
 </file>
 
 <file path=ppt/slides/slide2.xml><?xml version="1.0" encoding="utf-8"?>
-<p:sld xmlns:a="http://schemas.openxmlformats.org/drawingml/2006/main" xmlns:r="http://schemas.openxmlformats.org/officeDocument/2006/relationships" xmlns:p="http://schemas.openxmlformats.org/presentationml/2006/main">
+<p:sld xmlns:a="http://schemas.openxmlformats.org/drawingml/2006/main" xmlns:r="http://schemas.openxmlformats.org/officeDocument/2006/relationships" xmlns:mc="http://schemas.openxmlformats.org/markup-compatibility/2006" xmlns:mv="urn:schemas-microsoft-com:mac:vml" xmlns:p="http://schemas.openxmlformats.org/presentationml/2006/main" mc:Ignorable="mv" mc:PreserveAttributes="mv:*">
   <p:cSld>
     <p:spTree>
       <p:nvGrpSpPr>
@@ -3926,9 +3947,16 @@
           <a:bodyPr/>
           <a:lstStyle/>
           <a:p>
-            <a:pPr marL="18288" indent="0">
-              <a:buNone/>
-            </a:pPr>
+            <a:r>
+              <a:rPr lang="en-US" dirty="0" smtClean="0"/>
+              <a:t>Interactive in class </a:t>
+            </a:r>
+          </a:p>
+          <a:p>
+            <a:r>
+              <a:rPr lang="en-US" dirty="0" smtClean="0"/>
+              <a:t>What other Technologies lack </a:t>
+            </a:r>
             <a:endParaRPr lang="en-US" dirty="0"/>
           </a:p>
         </p:txBody>
@@ -3949,12 +3977,8 @@
           <a:lstStyle/>
           <a:p>
             <a:r>
-              <a:rPr lang="en-US" dirty="0" smtClean="0"/>
-              <a:t>Back Ground of </a:t>
-            </a:r>
-            <a:r>
-              <a:rPr lang="en-US" dirty="0" err="1" smtClean="0"/>
-              <a:t>InPress</a:t>
+              <a:rPr lang="en-US" altLang="zh-CN" dirty="0" smtClean="0"/>
+              <a:t>The Problem </a:t>
             </a:r>
             <a:endParaRPr lang="en-US" dirty="0"/>
           </a:p>
@@ -3987,7 +4011,7 @@
     </p:spTree>
     <p:extLst>
       <p:ext uri="{BB962C8B-B14F-4D97-AF65-F5344CB8AC3E}">
-        <p14:creationId xmlns:p14="http://schemas.microsoft.com/office/powerpoint/2010/main" val="3247832161"/>
+        <p14:creationId xmlns:p14="http://schemas.microsoft.com/office/powerpoint/2010/main" xmlns:p="http://schemas.openxmlformats.org/presentationml/2006/main" xmlns:r="http://schemas.openxmlformats.org/officeDocument/2006/relationships" xmlns:a="http://schemas.openxmlformats.org/drawingml/2006/main" xmlns="" val="2425152046"/>
       </p:ext>
     </p:extLst>
   </p:cSld>
@@ -3998,7 +4022,7 @@
 </file>
 
 <file path=ppt/slides/slide3.xml><?xml version="1.0" encoding="utf-8"?>
-<p:sld xmlns:a="http://schemas.openxmlformats.org/drawingml/2006/main" xmlns:r="http://schemas.openxmlformats.org/officeDocument/2006/relationships" xmlns:p="http://schemas.openxmlformats.org/presentationml/2006/main">
+<p:sld xmlns:a="http://schemas.openxmlformats.org/drawingml/2006/main" xmlns:r="http://schemas.openxmlformats.org/officeDocument/2006/relationships" xmlns:mc="http://schemas.openxmlformats.org/markup-compatibility/2006" xmlns:mv="urn:schemas-microsoft-com:mac:vml" xmlns:p="http://schemas.openxmlformats.org/presentationml/2006/main" mc:Ignorable="mv" mc:PreserveAttributes="mv:*">
   <p:cSld>
     <p:spTree>
       <p:nvGrpSpPr>
@@ -4029,6 +4053,9 @@
           <a:bodyPr/>
           <a:lstStyle/>
           <a:p>
+            <a:pPr marL="18288" indent="0">
+              <a:buNone/>
+            </a:pPr>
             <a:endParaRPr lang="en-US" dirty="0"/>
           </a:p>
         </p:txBody>
@@ -4049,8 +4076,12 @@
           <a:lstStyle/>
           <a:p>
             <a:r>
-              <a:rPr lang="en-US" altLang="zh-CN" dirty="0" smtClean="0"/>
-              <a:t>Purpose</a:t>
+              <a:rPr lang="en-US" dirty="0" smtClean="0"/>
+              <a:t>Back Ground of </a:t>
+            </a:r>
+            <a:r>
+              <a:rPr lang="en-US" dirty="0" err="1" smtClean="0"/>
+              <a:t>InPress</a:t>
             </a:r>
             <a:endParaRPr lang="en-US" dirty="0"/>
           </a:p>
@@ -4083,7 +4114,7 @@
     </p:spTree>
     <p:extLst>
       <p:ext uri="{BB962C8B-B14F-4D97-AF65-F5344CB8AC3E}">
-        <p14:creationId xmlns:p14="http://schemas.microsoft.com/office/powerpoint/2010/main" val="2425152046"/>
+        <p14:creationId xmlns:p14="http://schemas.microsoft.com/office/powerpoint/2010/main" xmlns:p="http://schemas.openxmlformats.org/presentationml/2006/main" xmlns:r="http://schemas.openxmlformats.org/officeDocument/2006/relationships" xmlns:a="http://schemas.openxmlformats.org/drawingml/2006/main" xmlns="" val="3247832161"/>
       </p:ext>
     </p:extLst>
   </p:cSld>
@@ -4094,7 +4125,7 @@
 </file>
 
 <file path=ppt/slides/slide4.xml><?xml version="1.0" encoding="utf-8"?>
-<p:sld xmlns:a="http://schemas.openxmlformats.org/drawingml/2006/main" xmlns:r="http://schemas.openxmlformats.org/officeDocument/2006/relationships" xmlns:p="http://schemas.openxmlformats.org/presentationml/2006/main">
+<p:sld xmlns:a="http://schemas.openxmlformats.org/drawingml/2006/main" xmlns:r="http://schemas.openxmlformats.org/officeDocument/2006/relationships" xmlns:mc="http://schemas.openxmlformats.org/markup-compatibility/2006" xmlns:mv="urn:schemas-microsoft-com:mac:vml" xmlns:p="http://schemas.openxmlformats.org/presentationml/2006/main" mc:Ignorable="mv" mc:PreserveAttributes="mv:*">
   <p:cSld>
     <p:spTree>
       <p:nvGrpSpPr>
@@ -4125,7 +4156,47 @@
           <a:bodyPr/>
           <a:lstStyle/>
           <a:p>
-            <a:endParaRPr lang="en-US"/>
+            <a:r>
+              <a:rPr lang="en-US" dirty="0" smtClean="0"/>
+              <a:t>Two main modules:</a:t>
+            </a:r>
+          </a:p>
+          <a:p>
+            <a:r>
+              <a:rPr lang="en-US" dirty="0" smtClean="0"/>
+              <a:t>Instructor</a:t>
+            </a:r>
+          </a:p>
+          <a:p>
+            <a:r>
+              <a:rPr lang="en-US" dirty="0" smtClean="0"/>
+              <a:t>Student</a:t>
+            </a:r>
+          </a:p>
+          <a:p>
+            <a:endParaRPr lang="en-US" dirty="0" smtClean="0"/>
+          </a:p>
+          <a:p>
+            <a:r>
+              <a:rPr lang="en-US" dirty="0" smtClean="0"/>
+              <a:t>Technology used (software – Python </a:t>
+            </a:r>
+            <a:r>
+              <a:rPr lang="en-US" dirty="0" err="1" smtClean="0"/>
+              <a:t>Django</a:t>
+            </a:r>
+            <a:r>
+              <a:rPr lang="en-US" smtClean="0"/>
+              <a:t>, why?) </a:t>
+            </a:r>
+            <a:endParaRPr lang="en-US" dirty="0" smtClean="0"/>
+          </a:p>
+          <a:p>
+            <a:r>
+              <a:rPr lang="en-US" dirty="0" smtClean="0"/>
+              <a:t>Basic Hardware  </a:t>
+            </a:r>
+            <a:endParaRPr lang="en-US" dirty="0"/>
           </a:p>
         </p:txBody>
       </p:sp>
@@ -4179,7 +4250,7 @@
     </p:spTree>
     <p:extLst>
       <p:ext uri="{BB962C8B-B14F-4D97-AF65-F5344CB8AC3E}">
-        <p14:creationId xmlns:p14="http://schemas.microsoft.com/office/powerpoint/2010/main" val="3735635188"/>
+        <p14:creationId xmlns:p14="http://schemas.microsoft.com/office/powerpoint/2010/main" xmlns:p="http://schemas.openxmlformats.org/presentationml/2006/main" xmlns:r="http://schemas.openxmlformats.org/officeDocument/2006/relationships" xmlns:a="http://schemas.openxmlformats.org/drawingml/2006/main" xmlns="" val="3735635188"/>
       </p:ext>
     </p:extLst>
   </p:cSld>
@@ -4190,7 +4261,7 @@
 </file>
 
 <file path=ppt/slides/slide5.xml><?xml version="1.0" encoding="utf-8"?>
-<p:sld xmlns:a="http://schemas.openxmlformats.org/drawingml/2006/main" xmlns:r="http://schemas.openxmlformats.org/officeDocument/2006/relationships" xmlns:p="http://schemas.openxmlformats.org/presentationml/2006/main">
+<p:sld xmlns:a="http://schemas.openxmlformats.org/drawingml/2006/main" xmlns:r="http://schemas.openxmlformats.org/officeDocument/2006/relationships" xmlns:mc="http://schemas.openxmlformats.org/markup-compatibility/2006" xmlns:mv="urn:schemas-microsoft-com:mac:vml" xmlns:p="http://schemas.openxmlformats.org/presentationml/2006/main" mc:Ignorable="mv" mc:PreserveAttributes="mv:*">
   <p:cSld>
     <p:spTree>
       <p:nvGrpSpPr>
@@ -4275,7 +4346,7 @@
     </p:spTree>
     <p:extLst>
       <p:ext uri="{BB962C8B-B14F-4D97-AF65-F5344CB8AC3E}">
-        <p14:creationId xmlns:p14="http://schemas.microsoft.com/office/powerpoint/2010/main" val="3336173187"/>
+        <p14:creationId xmlns:p14="http://schemas.microsoft.com/office/powerpoint/2010/main" xmlns:p="http://schemas.openxmlformats.org/presentationml/2006/main" xmlns:r="http://schemas.openxmlformats.org/officeDocument/2006/relationships" xmlns:a="http://schemas.openxmlformats.org/drawingml/2006/main" xmlns="" val="3336173187"/>
       </p:ext>
     </p:extLst>
   </p:cSld>
@@ -4286,7 +4357,7 @@
 </file>
 
 <file path=ppt/slides/slide6.xml><?xml version="1.0" encoding="utf-8"?>
-<p:sld xmlns:a="http://schemas.openxmlformats.org/drawingml/2006/main" xmlns:r="http://schemas.openxmlformats.org/officeDocument/2006/relationships" xmlns:p="http://schemas.openxmlformats.org/presentationml/2006/main">
+<p:sld xmlns:a="http://schemas.openxmlformats.org/drawingml/2006/main" xmlns:r="http://schemas.openxmlformats.org/officeDocument/2006/relationships" xmlns:mc="http://schemas.openxmlformats.org/markup-compatibility/2006" xmlns:mv="urn:schemas-microsoft-com:mac:vml" xmlns:p="http://schemas.openxmlformats.org/presentationml/2006/main" mc:Ignorable="mv" mc:PreserveAttributes="mv:*">
   <p:cSld>
     <p:spTree>
       <p:nvGrpSpPr>
@@ -4371,7 +4442,7 @@
     </p:spTree>
     <p:extLst>
       <p:ext uri="{BB962C8B-B14F-4D97-AF65-F5344CB8AC3E}">
-        <p14:creationId xmlns:p14="http://schemas.microsoft.com/office/powerpoint/2010/main" val="3488674932"/>
+        <p14:creationId xmlns:p14="http://schemas.microsoft.com/office/powerpoint/2010/main" xmlns:p="http://schemas.openxmlformats.org/presentationml/2006/main" xmlns:r="http://schemas.openxmlformats.org/officeDocument/2006/relationships" xmlns:a="http://schemas.openxmlformats.org/drawingml/2006/main" xmlns="" val="3488674932"/>
       </p:ext>
     </p:extLst>
   </p:cSld>
@@ -4382,7 +4453,7 @@
 </file>
 
 <file path=ppt/slides/slide7.xml><?xml version="1.0" encoding="utf-8"?>
-<p:sld xmlns:a="http://schemas.openxmlformats.org/drawingml/2006/main" xmlns:r="http://schemas.openxmlformats.org/officeDocument/2006/relationships" xmlns:p="http://schemas.openxmlformats.org/presentationml/2006/main">
+<p:sld xmlns:a="http://schemas.openxmlformats.org/drawingml/2006/main" xmlns:r="http://schemas.openxmlformats.org/officeDocument/2006/relationships" xmlns:mc="http://schemas.openxmlformats.org/markup-compatibility/2006" xmlns:mv="urn:schemas-microsoft-com:mac:vml" xmlns:p="http://schemas.openxmlformats.org/presentationml/2006/main" mc:Ignorable="mv" mc:PreserveAttributes="mv:*">
   <p:cSld>
     <p:spTree>
       <p:nvGrpSpPr>
@@ -4467,7 +4538,7 @@
     </p:spTree>
     <p:extLst>
       <p:ext uri="{BB962C8B-B14F-4D97-AF65-F5344CB8AC3E}">
-        <p14:creationId xmlns:p14="http://schemas.microsoft.com/office/powerpoint/2010/main" val="100663824"/>
+        <p14:creationId xmlns:p14="http://schemas.microsoft.com/office/powerpoint/2010/main" xmlns:p="http://schemas.openxmlformats.org/presentationml/2006/main" xmlns:r="http://schemas.openxmlformats.org/officeDocument/2006/relationships" xmlns:a="http://schemas.openxmlformats.org/drawingml/2006/main" xmlns="" val="100663824"/>
       </p:ext>
     </p:extLst>
   </p:cSld>
@@ -4478,7 +4549,7 @@
 </file>
 
 <file path=ppt/slides/slide8.xml><?xml version="1.0" encoding="utf-8"?>
-<p:sld xmlns:a="http://schemas.openxmlformats.org/drawingml/2006/main" xmlns:r="http://schemas.openxmlformats.org/officeDocument/2006/relationships" xmlns:p="http://schemas.openxmlformats.org/presentationml/2006/main">
+<p:sld xmlns:a="http://schemas.openxmlformats.org/drawingml/2006/main" xmlns:r="http://schemas.openxmlformats.org/officeDocument/2006/relationships" xmlns:mc="http://schemas.openxmlformats.org/markup-compatibility/2006" xmlns:mv="urn:schemas-microsoft-com:mac:vml" xmlns:p="http://schemas.openxmlformats.org/presentationml/2006/main" mc:Ignorable="mv" mc:PreserveAttributes="mv:*">
   <p:cSld>
     <p:spTree>
       <p:nvGrpSpPr>
@@ -4509,7 +4580,25 @@
           <a:bodyPr/>
           <a:lstStyle/>
           <a:p>
-            <a:endParaRPr lang="en-US"/>
+            <a:r>
+              <a:rPr lang="en-US" dirty="0" smtClean="0"/>
+              <a:t>Different Schools</a:t>
+            </a:r>
+          </a:p>
+          <a:p>
+            <a:r>
+              <a:rPr lang="en-US" dirty="0" smtClean="0"/>
+              <a:t>Open Source</a:t>
+            </a:r>
+          </a:p>
+          <a:p>
+            <a:r>
+              <a:rPr lang="en-US" dirty="0" smtClean="0"/>
+              <a:t>Security </a:t>
+            </a:r>
+          </a:p>
+          <a:p>
+            <a:endParaRPr lang="en-US" dirty="0"/>
           </a:p>
         </p:txBody>
       </p:sp>
@@ -4530,16 +4619,112 @@
           <a:p>
             <a:r>
               <a:rPr lang="en-US" dirty="0" smtClean="0"/>
-              <a:t>Conclusion</a:t>
+              <a:t>The Next Steps </a:t>
             </a:r>
             <a:endParaRPr lang="en-US" dirty="0"/>
           </a:p>
         </p:txBody>
       </p:sp>
+      <p:pic>
+        <p:nvPicPr>
+          <p:cNvPr id="4" name="Picture 3"/>
+          <p:cNvPicPr>
+            <a:picLocks noChangeAspect="1"/>
+          </p:cNvPicPr>
+          <p:nvPr/>
+        </p:nvPicPr>
+        <p:blipFill>
+          <a:blip r:embed="rId2"/>
+          <a:stretch>
+            <a:fillRect/>
+          </a:stretch>
+        </p:blipFill>
+        <p:spPr>
+          <a:xfrm>
+            <a:off x="7364822" y="111794"/>
+            <a:ext cx="1660040" cy="917575"/>
+          </a:xfrm>
+          <a:prstGeom prst="rect">
+            <a:avLst/>
+          </a:prstGeom>
+        </p:spPr>
+      </p:pic>
     </p:spTree>
     <p:extLst>
       <p:ext uri="{BB962C8B-B14F-4D97-AF65-F5344CB8AC3E}">
-        <p14:creationId xmlns:p14="http://schemas.microsoft.com/office/powerpoint/2010/main" val="4256347672"/>
+        <p14:creationId xmlns:p14="http://schemas.microsoft.com/office/powerpoint/2010/main" xmlns:p="http://schemas.openxmlformats.org/presentationml/2006/main" xmlns:r="http://schemas.openxmlformats.org/officeDocument/2006/relationships" xmlns:a="http://schemas.openxmlformats.org/drawingml/2006/main" xmlns="" val="100663824"/>
+      </p:ext>
+    </p:extLst>
+  </p:cSld>
+  <p:clrMapOvr>
+    <a:masterClrMapping/>
+  </p:clrMapOvr>
+</p:sld>
+</file>
+
+<file path=ppt/slides/slide9.xml><?xml version="1.0" encoding="utf-8"?>
+<p:sld xmlns:a="http://schemas.openxmlformats.org/drawingml/2006/main" xmlns:r="http://schemas.openxmlformats.org/officeDocument/2006/relationships" xmlns:mc="http://schemas.openxmlformats.org/markup-compatibility/2006" xmlns:mv="urn:schemas-microsoft-com:mac:vml" xmlns:p="http://schemas.openxmlformats.org/presentationml/2006/main" mc:Ignorable="mv" mc:PreserveAttributes="mv:*">
+  <p:cSld>
+    <p:spTree>
+      <p:nvGrpSpPr>
+        <p:cNvPr id="1" name=""/>
+        <p:cNvGrpSpPr/>
+        <p:nvPr/>
+      </p:nvGrpSpPr>
+      <p:grpSpPr>
+        <a:xfrm>
+          <a:off x="0" y="0"/>
+          <a:ext cx="0" cy="0"/>
+          <a:chOff x="0" y="0"/>
+          <a:chExt cx="0" cy="0"/>
+        </a:xfrm>
+      </p:grpSpPr>
+      <p:sp>
+        <p:nvSpPr>
+          <p:cNvPr id="2" name="Content Placeholder 1"/>
+          <p:cNvSpPr>
+            <a:spLocks noGrp="1"/>
+          </p:cNvSpPr>
+          <p:nvPr>
+            <p:ph idx="1"/>
+          </p:nvPr>
+        </p:nvSpPr>
+        <p:spPr/>
+        <p:txBody>
+          <a:bodyPr/>
+          <a:lstStyle/>
+          <a:p>
+            <a:endParaRPr lang="en-US"/>
+          </a:p>
+        </p:txBody>
+      </p:sp>
+      <p:sp>
+        <p:nvSpPr>
+          <p:cNvPr id="3" name="Title 2"/>
+          <p:cNvSpPr>
+            <a:spLocks noGrp="1"/>
+          </p:cNvSpPr>
+          <p:nvPr>
+            <p:ph type="title"/>
+          </p:nvPr>
+        </p:nvSpPr>
+        <p:spPr/>
+        <p:txBody>
+          <a:bodyPr/>
+          <a:lstStyle/>
+          <a:p>
+            <a:r>
+              <a:rPr lang="en-US" dirty="0" smtClean="0"/>
+              <a:t>Conclusion</a:t>
+            </a:r>
+            <a:endParaRPr lang="en-US" dirty="0"/>
+          </a:p>
+        </p:txBody>
+      </p:sp>
+    </p:spTree>
+    <p:extLst>
+      <p:ext uri="{BB962C8B-B14F-4D97-AF65-F5344CB8AC3E}">
+        <p14:creationId xmlns:p14="http://schemas.microsoft.com/office/powerpoint/2010/main" xmlns:p="http://schemas.openxmlformats.org/presentationml/2006/main" xmlns:r="http://schemas.openxmlformats.org/officeDocument/2006/relationships" xmlns:a="http://schemas.openxmlformats.org/drawingml/2006/main" xmlns="" val="4256347672"/>
       </p:ext>
     </p:extLst>
   </p:cSld>

--- a/Documentation/Presentation.pptx
+++ b/Documentation/Presentation.pptx
@@ -1,19 +1,20 @@
 
 <file path=ppt/presentation.xml><?xml version="1.0" encoding="utf-8"?>
-<p:presentation xmlns:a="http://schemas.openxmlformats.org/drawingml/2006/main" xmlns:r="http://schemas.openxmlformats.org/officeDocument/2006/relationships" xmlns:mc="http://schemas.openxmlformats.org/markup-compatibility/2006" xmlns:mv="urn:schemas-microsoft-com:mac:vml" xmlns:p="http://schemas.openxmlformats.org/presentationml/2006/main" mc:Ignorable="mv" mc:PreserveAttributes="mv:*" saveSubsetFonts="1" autoCompressPictures="0">
+<p:presentation xmlns:a="http://schemas.openxmlformats.org/drawingml/2006/main" xmlns:r="http://schemas.openxmlformats.org/officeDocument/2006/relationships" xmlns:p="http://schemas.openxmlformats.org/presentationml/2006/main" saveSubsetFonts="1" autoCompressPictures="0">
   <p:sldMasterIdLst>
-    <p:sldMasterId r:id="rId1"/>
+    <p:sldMasterId id="2147483648" r:id="rId1"/>
   </p:sldMasterIdLst>
   <p:sldIdLst>
     <p:sldId id="256" r:id="rId2"/>
     <p:sldId id="258" r:id="rId3"/>
     <p:sldId id="257" r:id="rId4"/>
     <p:sldId id="259" r:id="rId5"/>
-    <p:sldId id="260" r:id="rId6"/>
-    <p:sldId id="261" r:id="rId7"/>
+    <p:sldId id="261" r:id="rId6"/>
+    <p:sldId id="260" r:id="rId7"/>
     <p:sldId id="262" r:id="rId8"/>
     <p:sldId id="264" r:id="rId9"/>
     <p:sldId id="263" r:id="rId10"/>
+    <p:sldId id="265" r:id="rId11"/>
   </p:sldIdLst>
   <p:sldSz cx="9144000" cy="6858000" type="screen4x3"/>
   <p:notesSz cx="6858000" cy="9144000"/>
@@ -116,7 +117,7 @@
 </file>
 
 <file path=ppt/slideLayouts/slideLayout1.xml><?xml version="1.0" encoding="utf-8"?>
-<p:sldLayout xmlns:a="http://schemas.openxmlformats.org/drawingml/2006/main" xmlns:r="http://schemas.openxmlformats.org/officeDocument/2006/relationships" xmlns:mc="http://schemas.openxmlformats.org/markup-compatibility/2006" xmlns:mv="urn:schemas-microsoft-com:mac:vml" xmlns:p="http://schemas.openxmlformats.org/presentationml/2006/main" mc:Ignorable="mv" mc:PreserveAttributes="mv:*" type="title" preserve="1">
+<p:sldLayout xmlns:a="http://schemas.openxmlformats.org/drawingml/2006/main" xmlns:r="http://schemas.openxmlformats.org/officeDocument/2006/relationships" xmlns:p="http://schemas.openxmlformats.org/presentationml/2006/main" type="title" preserve="1">
   <p:cSld name="Title Slide">
     <p:spTree>
       <p:nvGrpSpPr>
@@ -353,7 +354,7 @@
             <a:fld id="{5E090EFF-37B5-024C-AB3F-FAC6BB2F278A}" type="datetimeFigureOut">
               <a:rPr lang="en-US" smtClean="0"/>
               <a:pPr/>
-              <a:t>4/15/14</a:t>
+              <a:t>2014-04-15</a:t>
             </a:fld>
             <a:endParaRPr lang="en-US"/>
           </a:p>
@@ -411,7 +412,7 @@
 </file>
 
 <file path=ppt/slideLayouts/slideLayout10.xml><?xml version="1.0" encoding="utf-8"?>
-<p:sldLayout xmlns:a="http://schemas.openxmlformats.org/drawingml/2006/main" xmlns:r="http://schemas.openxmlformats.org/officeDocument/2006/relationships" xmlns:mc="http://schemas.openxmlformats.org/markup-compatibility/2006" xmlns:mv="urn:schemas-microsoft-com:mac:vml" xmlns:p="http://schemas.openxmlformats.org/presentationml/2006/main" mc:Ignorable="mv" mc:PreserveAttributes="mv:*" type="vertTx" preserve="1">
+<p:sldLayout xmlns:a="http://schemas.openxmlformats.org/drawingml/2006/main" xmlns:r="http://schemas.openxmlformats.org/officeDocument/2006/relationships" xmlns:p="http://schemas.openxmlformats.org/presentationml/2006/main" type="vertTx" preserve="1">
   <p:cSld name="Title and Vertical Text">
     <p:spTree>
       <p:nvGrpSpPr>
@@ -525,7 +526,7 @@
             <a:fld id="{5E090EFF-37B5-024C-AB3F-FAC6BB2F278A}" type="datetimeFigureOut">
               <a:rPr lang="en-US" smtClean="0"/>
               <a:pPr/>
-              <a:t>4/15/14</a:t>
+              <a:t>2014-04-15</a:t>
             </a:fld>
             <a:endParaRPr lang="en-US"/>
           </a:p>
@@ -583,7 +584,7 @@
 </file>
 
 <file path=ppt/slideLayouts/slideLayout11.xml><?xml version="1.0" encoding="utf-8"?>
-<p:sldLayout xmlns:a="http://schemas.openxmlformats.org/drawingml/2006/main" xmlns:r="http://schemas.openxmlformats.org/officeDocument/2006/relationships" xmlns:mc="http://schemas.openxmlformats.org/markup-compatibility/2006" xmlns:mv="urn:schemas-microsoft-com:mac:vml" xmlns:p="http://schemas.openxmlformats.org/presentationml/2006/main" mc:Ignorable="mv" mc:PreserveAttributes="mv:*" type="vertTitleAndTx" preserve="1">
+<p:sldLayout xmlns:a="http://schemas.openxmlformats.org/drawingml/2006/main" xmlns:r="http://schemas.openxmlformats.org/officeDocument/2006/relationships" xmlns:p="http://schemas.openxmlformats.org/presentationml/2006/main" type="vertTitleAndTx" preserve="1">
   <p:cSld name="Vertical Title and Text">
     <p:spTree>
       <p:nvGrpSpPr>
@@ -702,7 +703,7 @@
             <a:fld id="{5E090EFF-37B5-024C-AB3F-FAC6BB2F278A}" type="datetimeFigureOut">
               <a:rPr lang="en-US" smtClean="0"/>
               <a:pPr/>
-              <a:t>4/15/14</a:t>
+              <a:t>2014-04-15</a:t>
             </a:fld>
             <a:endParaRPr lang="en-US"/>
           </a:p>
@@ -760,7 +761,7 @@
 </file>
 
 <file path=ppt/slideLayouts/slideLayout2.xml><?xml version="1.0" encoding="utf-8"?>
-<p:sldLayout xmlns:a="http://schemas.openxmlformats.org/drawingml/2006/main" xmlns:r="http://schemas.openxmlformats.org/officeDocument/2006/relationships" xmlns:mc="http://schemas.openxmlformats.org/markup-compatibility/2006" xmlns:mv="urn:schemas-microsoft-com:mac:vml" xmlns:p="http://schemas.openxmlformats.org/presentationml/2006/main" mc:Ignorable="mv" mc:PreserveAttributes="mv:*" type="obj" preserve="1">
+<p:sldLayout xmlns:a="http://schemas.openxmlformats.org/drawingml/2006/main" xmlns:r="http://schemas.openxmlformats.org/officeDocument/2006/relationships" xmlns:p="http://schemas.openxmlformats.org/presentationml/2006/main" type="obj" preserve="1">
   <p:cSld name="Title and Content">
     <p:spTree>
       <p:nvGrpSpPr>
@@ -869,7 +870,7 @@
             <a:fld id="{5E090EFF-37B5-024C-AB3F-FAC6BB2F278A}" type="datetimeFigureOut">
               <a:rPr lang="en-US" smtClean="0"/>
               <a:pPr/>
-              <a:t>4/15/14</a:t>
+              <a:t>2014-04-15</a:t>
             </a:fld>
             <a:endParaRPr lang="en-US"/>
           </a:p>
@@ -927,7 +928,7 @@
 </file>
 
 <file path=ppt/slideLayouts/slideLayout3.xml><?xml version="1.0" encoding="utf-8"?>
-<p:sldLayout xmlns:a="http://schemas.openxmlformats.org/drawingml/2006/main" xmlns:r="http://schemas.openxmlformats.org/officeDocument/2006/relationships" xmlns:mc="http://schemas.openxmlformats.org/markup-compatibility/2006" xmlns:mv="urn:schemas-microsoft-com:mac:vml" xmlns:p="http://schemas.openxmlformats.org/presentationml/2006/main" mc:Ignorable="mv" mc:PreserveAttributes="mv:*" type="secHead" preserve="1">
+<p:sldLayout xmlns:a="http://schemas.openxmlformats.org/drawingml/2006/main" xmlns:r="http://schemas.openxmlformats.org/officeDocument/2006/relationships" xmlns:p="http://schemas.openxmlformats.org/presentationml/2006/main" type="secHead" preserve="1">
   <p:cSld name="Section Header">
     <p:spTree>
       <p:nvGrpSpPr>
@@ -1128,7 +1129,7 @@
             <a:fld id="{5E090EFF-37B5-024C-AB3F-FAC6BB2F278A}" type="datetimeFigureOut">
               <a:rPr lang="en-US" smtClean="0"/>
               <a:pPr/>
-              <a:t>4/15/14</a:t>
+              <a:t>2014-04-15</a:t>
             </a:fld>
             <a:endParaRPr lang="en-US"/>
           </a:p>
@@ -1236,7 +1237,7 @@
 </file>
 
 <file path=ppt/slideLayouts/slideLayout4.xml><?xml version="1.0" encoding="utf-8"?>
-<p:sldLayout xmlns:a="http://schemas.openxmlformats.org/drawingml/2006/main" xmlns:r="http://schemas.openxmlformats.org/officeDocument/2006/relationships" xmlns:mc="http://schemas.openxmlformats.org/markup-compatibility/2006" xmlns:mv="urn:schemas-microsoft-com:mac:vml" xmlns:p="http://schemas.openxmlformats.org/presentationml/2006/main" mc:Ignorable="mv" mc:PreserveAttributes="mv:*" type="twoObj" preserve="1">
+<p:sldLayout xmlns:a="http://schemas.openxmlformats.org/drawingml/2006/main" xmlns:r="http://schemas.openxmlformats.org/officeDocument/2006/relationships" xmlns:p="http://schemas.openxmlformats.org/presentationml/2006/main" type="twoObj" preserve="1">
   <p:cSld name="Two Content">
     <p:spTree>
       <p:nvGrpSpPr>
@@ -1270,7 +1271,7 @@
             <a:fld id="{5E090EFF-37B5-024C-AB3F-FAC6BB2F278A}" type="datetimeFigureOut">
               <a:rPr lang="en-US" smtClean="0"/>
               <a:pPr/>
-              <a:t>4/15/14</a:t>
+              <a:t>2014-04-15</a:t>
             </a:fld>
             <a:endParaRPr lang="en-US"/>
           </a:p>
@@ -1465,7 +1466,7 @@
 </file>
 
 <file path=ppt/slideLayouts/slideLayout5.xml><?xml version="1.0" encoding="utf-8"?>
-<p:sldLayout xmlns:a="http://schemas.openxmlformats.org/drawingml/2006/main" xmlns:r="http://schemas.openxmlformats.org/officeDocument/2006/relationships" xmlns:mc="http://schemas.openxmlformats.org/markup-compatibility/2006" xmlns:mv="urn:schemas-microsoft-com:mac:vml" xmlns:p="http://schemas.openxmlformats.org/presentationml/2006/main" mc:Ignorable="mv" mc:PreserveAttributes="mv:*" type="twoTxTwoObj" preserve="1">
+<p:sldLayout xmlns:a="http://schemas.openxmlformats.org/drawingml/2006/main" xmlns:r="http://schemas.openxmlformats.org/officeDocument/2006/relationships" xmlns:p="http://schemas.openxmlformats.org/presentationml/2006/main" type="twoTxTwoObj" preserve="1">
   <p:cSld name="Comparison">
     <p:spTree>
       <p:nvGrpSpPr>
@@ -1922,7 +1923,7 @@
             <a:fld id="{5E090EFF-37B5-024C-AB3F-FAC6BB2F278A}" type="datetimeFigureOut">
               <a:rPr lang="en-US" smtClean="0"/>
               <a:pPr/>
-              <a:t>4/15/14</a:t>
+              <a:t>2014-04-15</a:t>
             </a:fld>
             <a:endParaRPr lang="en-US"/>
           </a:p>
@@ -1980,7 +1981,7 @@
 </file>
 
 <file path=ppt/slideLayouts/slideLayout6.xml><?xml version="1.0" encoding="utf-8"?>
-<p:sldLayout xmlns:a="http://schemas.openxmlformats.org/drawingml/2006/main" xmlns:r="http://schemas.openxmlformats.org/officeDocument/2006/relationships" xmlns:mc="http://schemas.openxmlformats.org/markup-compatibility/2006" xmlns:mv="urn:schemas-microsoft-com:mac:vml" xmlns:p="http://schemas.openxmlformats.org/presentationml/2006/main" mc:Ignorable="mv" mc:PreserveAttributes="mv:*" type="titleOnly" preserve="1">
+<p:sldLayout xmlns:a="http://schemas.openxmlformats.org/drawingml/2006/main" xmlns:r="http://schemas.openxmlformats.org/officeDocument/2006/relationships" xmlns:p="http://schemas.openxmlformats.org/presentationml/2006/main" type="titleOnly" preserve="1">
   <p:cSld name="Title Only">
     <p:spTree>
       <p:nvGrpSpPr>
@@ -2037,7 +2038,7 @@
             <a:fld id="{5E090EFF-37B5-024C-AB3F-FAC6BB2F278A}" type="datetimeFigureOut">
               <a:rPr lang="en-US" smtClean="0"/>
               <a:pPr/>
-              <a:t>4/15/14</a:t>
+              <a:t>2014-04-15</a:t>
             </a:fld>
             <a:endParaRPr lang="en-US"/>
           </a:p>
@@ -2095,7 +2096,7 @@
 </file>
 
 <file path=ppt/slideLayouts/slideLayout7.xml><?xml version="1.0" encoding="utf-8"?>
-<p:sldLayout xmlns:a="http://schemas.openxmlformats.org/drawingml/2006/main" xmlns:r="http://schemas.openxmlformats.org/officeDocument/2006/relationships" xmlns:mc="http://schemas.openxmlformats.org/markup-compatibility/2006" xmlns:mv="urn:schemas-microsoft-com:mac:vml" xmlns:p="http://schemas.openxmlformats.org/presentationml/2006/main" mc:Ignorable="mv" mc:PreserveAttributes="mv:*" type="blank" preserve="1">
+<p:sldLayout xmlns:a="http://schemas.openxmlformats.org/drawingml/2006/main" xmlns:r="http://schemas.openxmlformats.org/officeDocument/2006/relationships" xmlns:p="http://schemas.openxmlformats.org/presentationml/2006/main" type="blank" preserve="1">
   <p:cSld name="Blank">
     <p:spTree>
       <p:nvGrpSpPr>
@@ -2129,7 +2130,7 @@
             <a:fld id="{5E090EFF-37B5-024C-AB3F-FAC6BB2F278A}" type="datetimeFigureOut">
               <a:rPr lang="en-US" smtClean="0"/>
               <a:pPr/>
-              <a:t>4/15/14</a:t>
+              <a:t>2014-04-15</a:t>
             </a:fld>
             <a:endParaRPr lang="en-US"/>
           </a:p>
@@ -2187,7 +2188,7 @@
 </file>
 
 <file path=ppt/slideLayouts/slideLayout8.xml><?xml version="1.0" encoding="utf-8"?>
-<p:sldLayout xmlns:a="http://schemas.openxmlformats.org/drawingml/2006/main" xmlns:r="http://schemas.openxmlformats.org/officeDocument/2006/relationships" xmlns:mc="http://schemas.openxmlformats.org/markup-compatibility/2006" xmlns:mv="urn:schemas-microsoft-com:mac:vml" xmlns:p="http://schemas.openxmlformats.org/presentationml/2006/main" mc:Ignorable="mv" mc:PreserveAttributes="mv:*" type="objTx" preserve="1">
+<p:sldLayout xmlns:a="http://schemas.openxmlformats.org/drawingml/2006/main" xmlns:r="http://schemas.openxmlformats.org/officeDocument/2006/relationships" xmlns:p="http://schemas.openxmlformats.org/presentationml/2006/main" type="objTx" preserve="1">
   <p:cSld name="Content with Caption">
     <p:spTree>
       <p:nvGrpSpPr>
@@ -2421,7 +2422,7 @@
             <a:fld id="{5E090EFF-37B5-024C-AB3F-FAC6BB2F278A}" type="datetimeFigureOut">
               <a:rPr lang="en-US" smtClean="0"/>
               <a:pPr/>
-              <a:t>4/15/14</a:t>
+              <a:t>2014-04-15</a:t>
             </a:fld>
             <a:endParaRPr lang="en-US"/>
           </a:p>
@@ -2502,7 +2503,7 @@
 </file>
 
 <file path=ppt/slideLayouts/slideLayout9.xml><?xml version="1.0" encoding="utf-8"?>
-<p:sldLayout xmlns:a="http://schemas.openxmlformats.org/drawingml/2006/main" xmlns:r="http://schemas.openxmlformats.org/officeDocument/2006/relationships" xmlns:mc="http://schemas.openxmlformats.org/markup-compatibility/2006" xmlns:mv="urn:schemas-microsoft-com:mac:vml" xmlns:p="http://schemas.openxmlformats.org/presentationml/2006/main" mc:Ignorable="mv" mc:PreserveAttributes="mv:*" type="picTx" preserve="1">
+<p:sldLayout xmlns:a="http://schemas.openxmlformats.org/drawingml/2006/main" xmlns:r="http://schemas.openxmlformats.org/officeDocument/2006/relationships" xmlns:p="http://schemas.openxmlformats.org/presentationml/2006/main" type="picTx" preserve="1">
   <p:cSld name="Picture with Caption">
     <p:spTree>
       <p:nvGrpSpPr>
@@ -2746,7 +2747,7 @@
             <a:fld id="{5E090EFF-37B5-024C-AB3F-FAC6BB2F278A}" type="datetimeFigureOut">
               <a:rPr lang="en-US" smtClean="0"/>
               <a:pPr/>
-              <a:t>4/15/14</a:t>
+              <a:t>2014-04-15</a:t>
             </a:fld>
             <a:endParaRPr lang="en-US"/>
           </a:p>
@@ -2804,7 +2805,7 @@
 </file>
 
 <file path=ppt/slideMasters/slideMaster1.xml><?xml version="1.0" encoding="utf-8"?>
-<p:sldMaster xmlns:a="http://schemas.openxmlformats.org/drawingml/2006/main" xmlns:r="http://schemas.openxmlformats.org/officeDocument/2006/relationships" xmlns:mc="http://schemas.openxmlformats.org/markup-compatibility/2006" xmlns:mv="urn:schemas-microsoft-com:mac:vml" xmlns:p="http://schemas.openxmlformats.org/presentationml/2006/main" mc:Ignorable="mv" mc:PreserveAttributes="mv:*">
+<p:sldMaster xmlns:a="http://schemas.openxmlformats.org/drawingml/2006/main" xmlns:r="http://schemas.openxmlformats.org/officeDocument/2006/relationships" xmlns:p="http://schemas.openxmlformats.org/presentationml/2006/main">
   <p:cSld>
     <p:bg>
       <p:bgRef idx="1003">
@@ -3205,7 +3206,7 @@
             <a:fld id="{5E090EFF-37B5-024C-AB3F-FAC6BB2F278A}" type="datetimeFigureOut">
               <a:rPr lang="en-US" smtClean="0"/>
               <a:pPr/>
-              <a:t>4/15/14</a:t>
+              <a:t>2014-04-15</a:t>
             </a:fld>
             <a:endParaRPr lang="en-US"/>
           </a:p>
@@ -3296,17 +3297,17 @@
   </p:cSld>
   <p:clrMap bg1="dk1" tx1="lt1" bg2="dk2" tx2="lt2" accent1="accent1" accent2="accent2" accent3="accent3" accent4="accent4" accent5="accent5" accent6="accent6" hlink="hlink" folHlink="folHlink"/>
   <p:sldLayoutIdLst>
-    <p:sldLayoutId r:id="rId1"/>
-    <p:sldLayoutId r:id="rId2"/>
-    <p:sldLayoutId r:id="rId3"/>
-    <p:sldLayoutId r:id="rId4"/>
-    <p:sldLayoutId r:id="rId5"/>
-    <p:sldLayoutId r:id="rId6"/>
-    <p:sldLayoutId r:id="rId7"/>
-    <p:sldLayoutId r:id="rId8"/>
-    <p:sldLayoutId r:id="rId9"/>
-    <p:sldLayoutId r:id="rId10"/>
-    <p:sldLayoutId r:id="rId11"/>
+    <p:sldLayoutId id="2147483649" r:id="rId1"/>
+    <p:sldLayoutId id="2147483650" r:id="rId2"/>
+    <p:sldLayoutId id="2147483651" r:id="rId3"/>
+    <p:sldLayoutId id="2147483652" r:id="rId4"/>
+    <p:sldLayoutId id="2147483653" r:id="rId5"/>
+    <p:sldLayoutId id="2147483654" r:id="rId6"/>
+    <p:sldLayoutId id="2147483655" r:id="rId7"/>
+    <p:sldLayoutId id="2147483656" r:id="rId8"/>
+    <p:sldLayoutId id="2147483657" r:id="rId9"/>
+    <p:sldLayoutId id="2147483658" r:id="rId10"/>
+    <p:sldLayoutId id="2147483659" r:id="rId11"/>
   </p:sldLayoutIdLst>
   <p:txStyles>
     <p:titleStyle>
@@ -3700,7 +3701,7 @@
 </file>
 
 <file path=ppt/slides/slide1.xml><?xml version="1.0" encoding="utf-8"?>
-<p:sld xmlns:a="http://schemas.openxmlformats.org/drawingml/2006/main" xmlns:r="http://schemas.openxmlformats.org/officeDocument/2006/relationships" xmlns:mc="http://schemas.openxmlformats.org/markup-compatibility/2006" xmlns:mv="urn:schemas-microsoft-com:mac:vml" xmlns:p="http://schemas.openxmlformats.org/presentationml/2006/main" mc:Ignorable="mv" mc:PreserveAttributes="mv:*">
+<p:sld xmlns:a="http://schemas.openxmlformats.org/drawingml/2006/main" xmlns:r="http://schemas.openxmlformats.org/officeDocument/2006/relationships" xmlns:p="http://schemas.openxmlformats.org/presentationml/2006/main">
   <p:cSld>
     <p:spTree>
       <p:nvGrpSpPr>
@@ -3888,35 +3889,35 @@
     </p:spTree>
     <p:extLst>
       <p:ext uri="{BB962C8B-B14F-4D97-AF65-F5344CB8AC3E}">
-        <p14:creationId xmlns:p14="http://schemas.microsoft.com/office/powerpoint/2010/main" xmlns:p="http://schemas.openxmlformats.org/presentationml/2006/main" xmlns:r="http://schemas.openxmlformats.org/officeDocument/2006/relationships" xmlns:a="http://schemas.openxmlformats.org/drawingml/2006/main" xmlns="" val="1026658195"/>
+        <p14:creationId xmlns:p14="http://schemas.microsoft.com/office/powerpoint/2010/main" val="1026658195"/>
       </p:ext>
     </p:extLst>
   </p:cSld>
   <p:clrMapOvr>
     <a:masterClrMapping/>
   </p:clrMapOvr>
-  <mc:AlternateContent>
-    <mc:Choice xmlns:mc="http://schemas.openxmlformats.org/markup-compatibility/2006" xmlns:p14="http://schemas.microsoft.com/office/powerpoint/2010/main" xmlns:p="http://schemas.openxmlformats.org/presentationml/2006/main" xmlns:r="http://schemas.openxmlformats.org/officeDocument/2006/relationships" xmlns:a="http://schemas.openxmlformats.org/drawingml/2006/main" xmlns="" Requires="p14">
+  <mc:AlternateContent xmlns:mc="http://schemas.openxmlformats.org/markup-compatibility/2006" xmlns:p14="http://schemas.microsoft.com/office/powerpoint/2010/main">
+    <mc:Choice Requires="p14">
       <p:transition spd="slow" p14:dur="3400">
         <p14:reveal/>
       </p:transition>
     </mc:Choice>
-    <mc:Fallback>
+    <mc:Fallback xmlns:mv="urn:schemas-microsoft-com:mac:vml" xmlns="">
       <mp:transition xmlns:mp="http://schemas.microsoft.com/office/mac/powerpoint/2008/main" spd="slow"/>
     </mc:Fallback>
   </mc:AlternateContent>
   <p:timing>
     <p:tnLst>
       <p:par>
-        <p:cTn id="1" dur="indefinite" restart="never" nodeType="tmRoot"/>
+        <p:cTn xmlns:p14="http://schemas.microsoft.com/office/powerpoint/2010/main" id="1" dur="indefinite" restart="never" nodeType="tmRoot"/>
       </p:par>
     </p:tnLst>
   </p:timing>
 </p:sld>
 </file>
 
-<file path=ppt/slides/slide2.xml><?xml version="1.0" encoding="utf-8"?>
-<p:sld xmlns:a="http://schemas.openxmlformats.org/drawingml/2006/main" xmlns:r="http://schemas.openxmlformats.org/officeDocument/2006/relationships" xmlns:mc="http://schemas.openxmlformats.org/markup-compatibility/2006" xmlns:mv="urn:schemas-microsoft-com:mac:vml" xmlns:p="http://schemas.openxmlformats.org/presentationml/2006/main" mc:Ignorable="mv" mc:PreserveAttributes="mv:*">
+<file path=ppt/slides/slide10.xml><?xml version="1.0" encoding="utf-8"?>
+<p:sld xmlns:a="http://schemas.openxmlformats.org/drawingml/2006/main" xmlns:r="http://schemas.openxmlformats.org/officeDocument/2006/relationships" xmlns:p="http://schemas.openxmlformats.org/presentationml/2006/main">
   <p:cSld>
     <p:spTree>
       <p:nvGrpSpPr>
@@ -3934,6 +3935,107 @@
       </p:grpSpPr>
       <p:sp>
         <p:nvSpPr>
+          <p:cNvPr id="3" name="Title 2"/>
+          <p:cNvSpPr>
+            <a:spLocks noGrp="1"/>
+          </p:cNvSpPr>
+          <p:nvPr>
+            <p:ph type="title"/>
+          </p:nvPr>
+        </p:nvSpPr>
+        <p:spPr/>
+        <p:txBody>
+          <a:bodyPr/>
+          <a:lstStyle/>
+          <a:p>
+            <a:r>
+              <a:rPr lang="en-US" dirty="0" smtClean="0"/>
+              <a:t>Question Time</a:t>
+            </a:r>
+            <a:endParaRPr lang="en-US" dirty="0"/>
+          </a:p>
+        </p:txBody>
+      </p:sp>
+      <p:pic>
+        <p:nvPicPr>
+          <p:cNvPr id="4" name="Picture 3"/>
+          <p:cNvPicPr>
+            <a:picLocks noChangeAspect="1"/>
+          </p:cNvPicPr>
+          <p:nvPr/>
+        </p:nvPicPr>
+        <p:blipFill>
+          <a:blip r:embed="rId2"/>
+          <a:stretch>
+            <a:fillRect/>
+          </a:stretch>
+        </p:blipFill>
+        <p:spPr>
+          <a:xfrm>
+            <a:off x="7364822" y="111794"/>
+            <a:ext cx="1660040" cy="917575"/>
+          </a:xfrm>
+          <a:prstGeom prst="rect">
+            <a:avLst/>
+          </a:prstGeom>
+        </p:spPr>
+      </p:pic>
+      <p:pic>
+        <p:nvPicPr>
+          <p:cNvPr id="6" name="Picture 5"/>
+          <p:cNvPicPr>
+            <a:picLocks noChangeAspect="1"/>
+          </p:cNvPicPr>
+          <p:nvPr/>
+        </p:nvPicPr>
+        <p:blipFill>
+          <a:blip r:embed="rId3"/>
+          <a:stretch>
+            <a:fillRect/>
+          </a:stretch>
+        </p:blipFill>
+        <p:spPr>
+          <a:xfrm>
+            <a:off x="1459030" y="848104"/>
+            <a:ext cx="6214444" cy="4135643"/>
+          </a:xfrm>
+          <a:prstGeom prst="rect">
+            <a:avLst/>
+          </a:prstGeom>
+        </p:spPr>
+      </p:pic>
+    </p:spTree>
+    <p:extLst>
+      <p:ext uri="{BB962C8B-B14F-4D97-AF65-F5344CB8AC3E}">
+        <p14:creationId xmlns:p14="http://schemas.microsoft.com/office/powerpoint/2010/main" val="1573006518"/>
+      </p:ext>
+    </p:extLst>
+  </p:cSld>
+  <p:clrMapOvr>
+    <a:masterClrMapping/>
+  </p:clrMapOvr>
+</p:sld>
+</file>
+
+<file path=ppt/slides/slide2.xml><?xml version="1.0" encoding="utf-8"?>
+<p:sld xmlns:a="http://schemas.openxmlformats.org/drawingml/2006/main" xmlns:r="http://schemas.openxmlformats.org/officeDocument/2006/relationships" xmlns:p="http://schemas.openxmlformats.org/presentationml/2006/main">
+  <p:cSld>
+    <p:spTree>
+      <p:nvGrpSpPr>
+        <p:cNvPr id="1" name=""/>
+        <p:cNvGrpSpPr/>
+        <p:nvPr/>
+      </p:nvGrpSpPr>
+      <p:grpSpPr>
+        <a:xfrm>
+          <a:off x="0" y="0"/>
+          <a:ext cx="0" cy="0"/>
+          <a:chOff x="0" y="0"/>
+          <a:chExt cx="0" cy="0"/>
+        </a:xfrm>
+      </p:grpSpPr>
+      <p:sp>
+        <p:nvSpPr>
           <p:cNvPr id="2" name="Content Placeholder 1"/>
           <p:cNvSpPr>
             <a:spLocks noGrp="1"/>
@@ -3955,7 +4057,11 @@
           <a:p>
             <a:r>
               <a:rPr lang="en-US" dirty="0" smtClean="0"/>
-              <a:t>What other Technologies lack </a:t>
+              <a:t>What other Technologies </a:t>
+            </a:r>
+            <a:r>
+              <a:rPr lang="en-US" dirty="0" smtClean="0"/>
+              <a:t>lack</a:t>
             </a:r>
             <a:endParaRPr lang="en-US" dirty="0"/>
           </a:p>
@@ -4011,7 +4117,7 @@
     </p:spTree>
     <p:extLst>
       <p:ext uri="{BB962C8B-B14F-4D97-AF65-F5344CB8AC3E}">
-        <p14:creationId xmlns:p14="http://schemas.microsoft.com/office/powerpoint/2010/main" xmlns:p="http://schemas.openxmlformats.org/presentationml/2006/main" xmlns:r="http://schemas.openxmlformats.org/officeDocument/2006/relationships" xmlns:a="http://schemas.openxmlformats.org/drawingml/2006/main" xmlns="" val="2425152046"/>
+        <p14:creationId xmlns:p14="http://schemas.microsoft.com/office/powerpoint/2010/main" val="2425152046"/>
       </p:ext>
     </p:extLst>
   </p:cSld>
@@ -4022,7 +4128,7 @@
 </file>
 
 <file path=ppt/slides/slide3.xml><?xml version="1.0" encoding="utf-8"?>
-<p:sld xmlns:a="http://schemas.openxmlformats.org/drawingml/2006/main" xmlns:r="http://schemas.openxmlformats.org/officeDocument/2006/relationships" xmlns:mc="http://schemas.openxmlformats.org/markup-compatibility/2006" xmlns:mv="urn:schemas-microsoft-com:mac:vml" xmlns:p="http://schemas.openxmlformats.org/presentationml/2006/main" mc:Ignorable="mv" mc:PreserveAttributes="mv:*">
+<p:sld xmlns:a="http://schemas.openxmlformats.org/drawingml/2006/main" xmlns:r="http://schemas.openxmlformats.org/officeDocument/2006/relationships" xmlns:p="http://schemas.openxmlformats.org/presentationml/2006/main">
   <p:cSld>
     <p:spTree>
       <p:nvGrpSpPr>
@@ -4077,11 +4183,7 @@
           <a:p>
             <a:r>
               <a:rPr lang="en-US" dirty="0" smtClean="0"/>
-              <a:t>Back Ground of </a:t>
-            </a:r>
-            <a:r>
-              <a:rPr lang="en-US" dirty="0" err="1" smtClean="0"/>
-              <a:t>InPress</a:t>
+              <a:t>Motivation</a:t>
             </a:r>
             <a:endParaRPr lang="en-US" dirty="0"/>
           </a:p>
@@ -4114,7 +4216,7 @@
     </p:spTree>
     <p:extLst>
       <p:ext uri="{BB962C8B-B14F-4D97-AF65-F5344CB8AC3E}">
-        <p14:creationId xmlns:p14="http://schemas.microsoft.com/office/powerpoint/2010/main" xmlns:p="http://schemas.openxmlformats.org/presentationml/2006/main" xmlns:r="http://schemas.openxmlformats.org/officeDocument/2006/relationships" xmlns:a="http://schemas.openxmlformats.org/drawingml/2006/main" xmlns="" val="3247832161"/>
+        <p14:creationId xmlns:p14="http://schemas.microsoft.com/office/powerpoint/2010/main" val="3247832161"/>
       </p:ext>
     </p:extLst>
   </p:cSld>
@@ -4125,7 +4227,7 @@
 </file>
 
 <file path=ppt/slides/slide4.xml><?xml version="1.0" encoding="utf-8"?>
-<p:sld xmlns:a="http://schemas.openxmlformats.org/drawingml/2006/main" xmlns:r="http://schemas.openxmlformats.org/officeDocument/2006/relationships" xmlns:mc="http://schemas.openxmlformats.org/markup-compatibility/2006" xmlns:mv="urn:schemas-microsoft-com:mac:vml" xmlns:p="http://schemas.openxmlformats.org/presentationml/2006/main" mc:Ignorable="mv" mc:PreserveAttributes="mv:*">
+<p:sld xmlns:a="http://schemas.openxmlformats.org/drawingml/2006/main" xmlns:r="http://schemas.openxmlformats.org/officeDocument/2006/relationships" xmlns:p="http://schemas.openxmlformats.org/presentationml/2006/main">
   <p:cSld>
     <p:spTree>
       <p:nvGrpSpPr>
@@ -4151,9 +4253,16 @@
             <p:ph idx="1"/>
           </p:nvPr>
         </p:nvSpPr>
-        <p:spPr/>
-        <p:txBody>
-          <a:bodyPr/>
+        <p:spPr>
+          <a:xfrm>
+            <a:off x="777240" y="859591"/>
+            <a:ext cx="6096000" cy="4113462"/>
+          </a:xfrm>
+        </p:spPr>
+        <p:txBody>
+          <a:bodyPr>
+            <a:normAutofit/>
+          </a:bodyPr>
           <a:lstStyle/>
           <a:p>
             <a:r>
@@ -4179,22 +4288,56 @@
           <a:p>
             <a:r>
               <a:rPr lang="en-US" dirty="0" smtClean="0"/>
-              <a:t>Technology used (software – Python </a:t>
-            </a:r>
+              <a:t>Technology </a:t>
+            </a:r>
+            <a:r>
+              <a:rPr lang="en-US" dirty="0" smtClean="0"/>
+              <a:t>used </a:t>
+            </a:r>
+          </a:p>
+          <a:p>
+            <a:pPr lvl="1"/>
+            <a:r>
+              <a:rPr lang="en-US" dirty="0" smtClean="0"/>
+              <a:t>Python</a:t>
+            </a:r>
+          </a:p>
+          <a:p>
+            <a:pPr lvl="1"/>
             <a:r>
               <a:rPr lang="en-US" dirty="0" err="1" smtClean="0"/>
               <a:t>Django</a:t>
             </a:r>
-            <a:r>
-              <a:rPr lang="en-US" smtClean="0"/>
-              <a:t>, why?) </a:t>
-            </a:r>
             <a:endParaRPr lang="en-US" dirty="0" smtClean="0"/>
           </a:p>
           <a:p>
+            <a:pPr lvl="1"/>
+            <a:r>
+              <a:rPr lang="en-US" dirty="0" err="1" smtClean="0"/>
+              <a:t>Javascript</a:t>
+            </a:r>
+            <a:endParaRPr lang="en-US" dirty="0" smtClean="0"/>
+          </a:p>
+          <a:p>
+            <a:pPr lvl="1"/>
+            <a:r>
+              <a:rPr lang="en-US" dirty="0" err="1" smtClean="0"/>
+              <a:t>PostgresSQL</a:t>
+            </a:r>
+            <a:endParaRPr lang="en-US" dirty="0" smtClean="0"/>
+          </a:p>
+          <a:p>
+            <a:pPr lvl="1"/>
+            <a:endParaRPr lang="en-US" dirty="0" smtClean="0"/>
+          </a:p>
+          <a:p>
             <a:r>
               <a:rPr lang="en-US" dirty="0" smtClean="0"/>
-              <a:t>Basic Hardware  </a:t>
+              <a:t>Basic </a:t>
+            </a:r>
+            <a:r>
+              <a:rPr lang="en-US" dirty="0" smtClean="0"/>
+              <a:t>Hardware  </a:t>
             </a:r>
             <a:endParaRPr lang="en-US" dirty="0"/>
           </a:p>
@@ -4250,7 +4393,7 @@
     </p:spTree>
     <p:extLst>
       <p:ext uri="{BB962C8B-B14F-4D97-AF65-F5344CB8AC3E}">
-        <p14:creationId xmlns:p14="http://schemas.microsoft.com/office/powerpoint/2010/main" xmlns:p="http://schemas.openxmlformats.org/presentationml/2006/main" xmlns:r="http://schemas.openxmlformats.org/officeDocument/2006/relationships" xmlns:a="http://schemas.openxmlformats.org/drawingml/2006/main" xmlns="" val="3735635188"/>
+        <p14:creationId xmlns:p14="http://schemas.microsoft.com/office/powerpoint/2010/main" val="3735635188"/>
       </p:ext>
     </p:extLst>
   </p:cSld>
@@ -4261,7 +4404,7 @@
 </file>
 
 <file path=ppt/slides/slide5.xml><?xml version="1.0" encoding="utf-8"?>
-<p:sld xmlns:a="http://schemas.openxmlformats.org/drawingml/2006/main" xmlns:r="http://schemas.openxmlformats.org/officeDocument/2006/relationships" xmlns:mc="http://schemas.openxmlformats.org/markup-compatibility/2006" xmlns:mv="urn:schemas-microsoft-com:mac:vml" xmlns:p="http://schemas.openxmlformats.org/presentationml/2006/main" mc:Ignorable="mv" mc:PreserveAttributes="mv:*">
+<p:sld xmlns:a="http://schemas.openxmlformats.org/drawingml/2006/main" xmlns:r="http://schemas.openxmlformats.org/officeDocument/2006/relationships" xmlns:p="http://schemas.openxmlformats.org/presentationml/2006/main">
   <p:cSld>
     <p:spTree>
       <p:nvGrpSpPr>
@@ -4292,7 +4435,43 @@
           <a:bodyPr/>
           <a:lstStyle/>
           <a:p>
-            <a:endParaRPr lang="en-US"/>
+            <a:r>
+              <a:rPr lang="en-US" dirty="0" smtClean="0"/>
+              <a:t>Create Courses and Student</a:t>
+            </a:r>
+            <a:r>
+              <a:rPr lang="en-US" dirty="0"/>
+              <a:t> </a:t>
+            </a:r>
+            <a:r>
+              <a:rPr lang="en-US" dirty="0" smtClean="0"/>
+              <a:t>Accounts</a:t>
+            </a:r>
+            <a:endParaRPr lang="en-US" dirty="0"/>
+          </a:p>
+          <a:p>
+            <a:r>
+              <a:rPr lang="en-US" dirty="0" smtClean="0"/>
+              <a:t>Create Assessments</a:t>
+            </a:r>
+          </a:p>
+          <a:p>
+            <a:r>
+              <a:rPr lang="en-US" dirty="0" smtClean="0"/>
+              <a:t>Add Short Answer and Multiple Choice questions</a:t>
+            </a:r>
+          </a:p>
+          <a:p>
+            <a:r>
+              <a:rPr lang="en-US" dirty="0" smtClean="0"/>
+              <a:t>Update question status</a:t>
+            </a:r>
+          </a:p>
+          <a:p>
+            <a:r>
+              <a:rPr lang="en-US" dirty="0" smtClean="0"/>
+              <a:t>Collect and analysis students’ answer</a:t>
+            </a:r>
           </a:p>
         </p:txBody>
       </p:sp>
@@ -4313,7 +4492,7 @@
           <a:p>
             <a:r>
               <a:rPr lang="en-US" dirty="0" smtClean="0"/>
-              <a:t>Student view</a:t>
+              <a:t>Instructor view</a:t>
             </a:r>
             <a:endParaRPr lang="en-US" dirty="0"/>
           </a:p>
@@ -4346,7 +4525,7 @@
     </p:spTree>
     <p:extLst>
       <p:ext uri="{BB962C8B-B14F-4D97-AF65-F5344CB8AC3E}">
-        <p14:creationId xmlns:p14="http://schemas.microsoft.com/office/powerpoint/2010/main" xmlns:p="http://schemas.openxmlformats.org/presentationml/2006/main" xmlns:r="http://schemas.openxmlformats.org/officeDocument/2006/relationships" xmlns:a="http://schemas.openxmlformats.org/drawingml/2006/main" xmlns="" val="3336173187"/>
+        <p14:creationId xmlns:p14="http://schemas.microsoft.com/office/powerpoint/2010/main" val="3488674932"/>
       </p:ext>
     </p:extLst>
   </p:cSld>
@@ -4357,7 +4536,7 @@
 </file>
 
 <file path=ppt/slides/slide6.xml><?xml version="1.0" encoding="utf-8"?>
-<p:sld xmlns:a="http://schemas.openxmlformats.org/drawingml/2006/main" xmlns:r="http://schemas.openxmlformats.org/officeDocument/2006/relationships" xmlns:mc="http://schemas.openxmlformats.org/markup-compatibility/2006" xmlns:mv="urn:schemas-microsoft-com:mac:vml" xmlns:p="http://schemas.openxmlformats.org/presentationml/2006/main" mc:Ignorable="mv" mc:PreserveAttributes="mv:*">
+<p:sld xmlns:a="http://schemas.openxmlformats.org/drawingml/2006/main" xmlns:r="http://schemas.openxmlformats.org/officeDocument/2006/relationships" xmlns:p="http://schemas.openxmlformats.org/presentationml/2006/main">
   <p:cSld>
     <p:spTree>
       <p:nvGrpSpPr>
@@ -4388,7 +4567,23 @@
           <a:bodyPr/>
           <a:lstStyle/>
           <a:p>
-            <a:endParaRPr lang="en-US"/>
+            <a:r>
+              <a:rPr lang="en-US" dirty="0" smtClean="0"/>
+              <a:t>Go to their courses and answer the questions</a:t>
+            </a:r>
+          </a:p>
+          <a:p>
+            <a:r>
+              <a:rPr lang="en-US" dirty="0" smtClean="0"/>
+              <a:t>Review</a:t>
+            </a:r>
+            <a:r>
+              <a:rPr lang="en-US" dirty="0" smtClean="0"/>
+              <a:t> the questions and answers after class</a:t>
+            </a:r>
+          </a:p>
+          <a:p>
+            <a:endParaRPr lang="en-US" dirty="0"/>
           </a:p>
         </p:txBody>
       </p:sp>
@@ -4409,7 +4604,7 @@
           <a:p>
             <a:r>
               <a:rPr lang="en-US" dirty="0" smtClean="0"/>
-              <a:t>Instructor view</a:t>
+              <a:t>Student view</a:t>
             </a:r>
             <a:endParaRPr lang="en-US" dirty="0"/>
           </a:p>
@@ -4442,7 +4637,7 @@
     </p:spTree>
     <p:extLst>
       <p:ext uri="{BB962C8B-B14F-4D97-AF65-F5344CB8AC3E}">
-        <p14:creationId xmlns:p14="http://schemas.microsoft.com/office/powerpoint/2010/main" xmlns:p="http://schemas.openxmlformats.org/presentationml/2006/main" xmlns:r="http://schemas.openxmlformats.org/officeDocument/2006/relationships" xmlns:a="http://schemas.openxmlformats.org/drawingml/2006/main" xmlns="" val="3488674932"/>
+        <p14:creationId xmlns:p14="http://schemas.microsoft.com/office/powerpoint/2010/main" val="3336173187"/>
       </p:ext>
     </p:extLst>
   </p:cSld>
@@ -4453,7 +4648,7 @@
 </file>
 
 <file path=ppt/slides/slide7.xml><?xml version="1.0" encoding="utf-8"?>
-<p:sld xmlns:a="http://schemas.openxmlformats.org/drawingml/2006/main" xmlns:r="http://schemas.openxmlformats.org/officeDocument/2006/relationships" xmlns:mc="http://schemas.openxmlformats.org/markup-compatibility/2006" xmlns:mv="urn:schemas-microsoft-com:mac:vml" xmlns:p="http://schemas.openxmlformats.org/presentationml/2006/main" mc:Ignorable="mv" mc:PreserveAttributes="mv:*">
+<p:sld xmlns:a="http://schemas.openxmlformats.org/drawingml/2006/main" xmlns:r="http://schemas.openxmlformats.org/officeDocument/2006/relationships" xmlns:p="http://schemas.openxmlformats.org/presentationml/2006/main">
   <p:cSld>
     <p:spTree>
       <p:nvGrpSpPr>
@@ -4538,7 +4733,7 @@
     </p:spTree>
     <p:extLst>
       <p:ext uri="{BB962C8B-B14F-4D97-AF65-F5344CB8AC3E}">
-        <p14:creationId xmlns:p14="http://schemas.microsoft.com/office/powerpoint/2010/main" xmlns:p="http://schemas.openxmlformats.org/presentationml/2006/main" xmlns:r="http://schemas.openxmlformats.org/officeDocument/2006/relationships" xmlns:a="http://schemas.openxmlformats.org/drawingml/2006/main" xmlns="" val="100663824"/>
+        <p14:creationId xmlns:p14="http://schemas.microsoft.com/office/powerpoint/2010/main" val="100663824"/>
       </p:ext>
     </p:extLst>
   </p:cSld>
@@ -4549,7 +4744,7 @@
 </file>
 
 <file path=ppt/slides/slide8.xml><?xml version="1.0" encoding="utf-8"?>
-<p:sld xmlns:a="http://schemas.openxmlformats.org/drawingml/2006/main" xmlns:r="http://schemas.openxmlformats.org/officeDocument/2006/relationships" xmlns:mc="http://schemas.openxmlformats.org/markup-compatibility/2006" xmlns:mv="urn:schemas-microsoft-com:mac:vml" xmlns:p="http://schemas.openxmlformats.org/presentationml/2006/main" mc:Ignorable="mv" mc:PreserveAttributes="mv:*">
+<p:sld xmlns:a="http://schemas.openxmlformats.org/drawingml/2006/main" xmlns:r="http://schemas.openxmlformats.org/officeDocument/2006/relationships" xmlns:p="http://schemas.openxmlformats.org/presentationml/2006/main">
   <p:cSld>
     <p:spTree>
       <p:nvGrpSpPr>
@@ -4575,27 +4770,65 @@
             <p:ph idx="1"/>
           </p:nvPr>
         </p:nvSpPr>
-        <p:spPr/>
+        <p:spPr>
+          <a:xfrm>
+            <a:off x="1161874" y="1318128"/>
+            <a:ext cx="6096000" cy="3657599"/>
+          </a:xfrm>
+        </p:spPr>
         <p:txBody>
           <a:bodyPr/>
           <a:lstStyle/>
           <a:p>
             <a:r>
               <a:rPr lang="en-US" dirty="0" smtClean="0"/>
-              <a:t>Different Schools</a:t>
-            </a:r>
+              <a:t>Portability for different environment (Different Schools)</a:t>
+            </a:r>
+            <a:endParaRPr lang="en-US" dirty="0" smtClean="0"/>
           </a:p>
           <a:p>
             <a:r>
               <a:rPr lang="en-US" dirty="0" smtClean="0"/>
-              <a:t>Open Source</a:t>
-            </a:r>
-          </a:p>
-          <a:p>
+              <a:t>Open </a:t>
+            </a:r>
             <a:r>
               <a:rPr lang="en-US" dirty="0" smtClean="0"/>
-              <a:t>Security </a:t>
-            </a:r>
+              <a:t>Source</a:t>
+            </a:r>
+          </a:p>
+          <a:p>
+            <a:r>
+              <a:rPr lang="en-US" dirty="0" smtClean="0"/>
+              <a:t>Security</a:t>
+            </a:r>
+          </a:p>
+          <a:p>
+            <a:r>
+              <a:rPr lang="en-US" dirty="0"/>
+              <a:t>Installation </a:t>
+            </a:r>
+            <a:r>
+              <a:rPr lang="en-US" dirty="0" smtClean="0"/>
+              <a:t>kit</a:t>
+            </a:r>
+            <a:endParaRPr lang="en-US" dirty="0" smtClean="0"/>
+          </a:p>
+          <a:p>
+            <a:r>
+              <a:rPr lang="en-US" dirty="0" smtClean="0"/>
+              <a:t>Localization</a:t>
+            </a:r>
+            <a:endParaRPr lang="en-US" dirty="0" smtClean="0"/>
+          </a:p>
+          <a:p>
+            <a:pPr marL="18288" indent="0">
+              <a:buNone/>
+            </a:pPr>
+            <a:r>
+              <a:rPr lang="en-US" dirty="0" smtClean="0"/>
+              <a:t> </a:t>
+            </a:r>
+            <a:endParaRPr lang="en-US" dirty="0" smtClean="0"/>
           </a:p>
           <a:p>
             <a:endParaRPr lang="en-US" dirty="0"/>
@@ -4652,7 +4885,7 @@
     </p:spTree>
     <p:extLst>
       <p:ext uri="{BB962C8B-B14F-4D97-AF65-F5344CB8AC3E}">
-        <p14:creationId xmlns:p14="http://schemas.microsoft.com/office/powerpoint/2010/main" xmlns:p="http://schemas.openxmlformats.org/presentationml/2006/main" xmlns:r="http://schemas.openxmlformats.org/officeDocument/2006/relationships" xmlns:a="http://schemas.openxmlformats.org/drawingml/2006/main" xmlns="" val="100663824"/>
+        <p14:creationId xmlns:p14="http://schemas.microsoft.com/office/powerpoint/2010/main" val="100663824"/>
       </p:ext>
     </p:extLst>
   </p:cSld>
@@ -4663,7 +4896,7 @@
 </file>
 
 <file path=ppt/slides/slide9.xml><?xml version="1.0" encoding="utf-8"?>
-<p:sld xmlns:a="http://schemas.openxmlformats.org/drawingml/2006/main" xmlns:r="http://schemas.openxmlformats.org/officeDocument/2006/relationships" xmlns:mc="http://schemas.openxmlformats.org/markup-compatibility/2006" xmlns:mv="urn:schemas-microsoft-com:mac:vml" xmlns:p="http://schemas.openxmlformats.org/presentationml/2006/main" mc:Ignorable="mv" mc:PreserveAttributes="mv:*">
+<p:sld xmlns:a="http://schemas.openxmlformats.org/drawingml/2006/main" xmlns:r="http://schemas.openxmlformats.org/officeDocument/2006/relationships" xmlns:p="http://schemas.openxmlformats.org/presentationml/2006/main">
   <p:cSld>
     <p:spTree>
       <p:nvGrpSpPr>
@@ -4681,25 +4914,6 @@
       </p:grpSpPr>
       <p:sp>
         <p:nvSpPr>
-          <p:cNvPr id="2" name="Content Placeholder 1"/>
-          <p:cNvSpPr>
-            <a:spLocks noGrp="1"/>
-          </p:cNvSpPr>
-          <p:nvPr>
-            <p:ph idx="1"/>
-          </p:nvPr>
-        </p:nvSpPr>
-        <p:spPr/>
-        <p:txBody>
-          <a:bodyPr/>
-          <a:lstStyle/>
-          <a:p>
-            <a:endParaRPr lang="en-US"/>
-          </a:p>
-        </p:txBody>
-      </p:sp>
-      <p:sp>
-        <p:nvSpPr>
           <p:cNvPr id="3" name="Title 2"/>
           <p:cNvSpPr>
             <a:spLocks noGrp="1"/>
@@ -4721,10 +4935,34 @@
           </a:p>
         </p:txBody>
       </p:sp>
+      <p:pic>
+        <p:nvPicPr>
+          <p:cNvPr id="5" name="Picture 4"/>
+          <p:cNvPicPr>
+            <a:picLocks noChangeAspect="1"/>
+          </p:cNvPicPr>
+          <p:nvPr/>
+        </p:nvPicPr>
+        <p:blipFill>
+          <a:blip r:embed="rId2"/>
+          <a:stretch>
+            <a:fillRect/>
+          </a:stretch>
+        </p:blipFill>
+        <p:spPr>
+          <a:xfrm>
+            <a:off x="7364822" y="111794"/>
+            <a:ext cx="1660040" cy="917575"/>
+          </a:xfrm>
+          <a:prstGeom prst="rect">
+            <a:avLst/>
+          </a:prstGeom>
+        </p:spPr>
+      </p:pic>
     </p:spTree>
     <p:extLst>
       <p:ext uri="{BB962C8B-B14F-4D97-AF65-F5344CB8AC3E}">
-        <p14:creationId xmlns:p14="http://schemas.microsoft.com/office/powerpoint/2010/main" xmlns:p="http://schemas.openxmlformats.org/presentationml/2006/main" xmlns:r="http://schemas.openxmlformats.org/officeDocument/2006/relationships" xmlns:a="http://schemas.openxmlformats.org/drawingml/2006/main" xmlns="" val="4256347672"/>
+        <p14:creationId xmlns:p14="http://schemas.microsoft.com/office/powerpoint/2010/main" val="4256347672"/>
       </p:ext>
     </p:extLst>
   </p:cSld>

--- a/Documentation/Presentation.pptx
+++ b/Documentation/Presentation.pptx
@@ -3902,7 +3902,7 @@
         <p14:reveal/>
       </p:transition>
     </mc:Choice>
-    <mc:Fallback xmlns:mv="urn:schemas-microsoft-com:mac:vml" xmlns="">
+    <mc:Fallback xmlns="" xmlns:mv="urn:schemas-microsoft-com:mac:vml">
       <mp:transition xmlns:mp="http://schemas.microsoft.com/office/mac/powerpoint/2008/main" spd="slow"/>
     </mc:Fallback>
   </mc:AlternateContent>
@@ -4057,11 +4057,7 @@
           <a:p>
             <a:r>
               <a:rPr lang="en-US" dirty="0" smtClean="0"/>
-              <a:t>What other Technologies </a:t>
-            </a:r>
-            <a:r>
-              <a:rPr lang="en-US" dirty="0" smtClean="0"/>
-              <a:t>lack</a:t>
+              <a:t>What other Technologies lack</a:t>
             </a:r>
             <a:endParaRPr lang="en-US" dirty="0"/>
           </a:p>
@@ -4146,28 +4142,6 @@
       </p:grpSpPr>
       <p:sp>
         <p:nvSpPr>
-          <p:cNvPr id="2" name="Content Placeholder 1"/>
-          <p:cNvSpPr>
-            <a:spLocks noGrp="1"/>
-          </p:cNvSpPr>
-          <p:nvPr>
-            <p:ph idx="1"/>
-          </p:nvPr>
-        </p:nvSpPr>
-        <p:spPr/>
-        <p:txBody>
-          <a:bodyPr/>
-          <a:lstStyle/>
-          <a:p>
-            <a:pPr marL="18288" indent="0">
-              <a:buNone/>
-            </a:pPr>
-            <a:endParaRPr lang="en-US" dirty="0"/>
-          </a:p>
-        </p:txBody>
-      </p:sp>
-      <p:sp>
-        <p:nvSpPr>
           <p:cNvPr id="3" name="Title 2"/>
           <p:cNvSpPr>
             <a:spLocks noGrp="1"/>
@@ -4213,6 +4187,54 @@
           </a:prstGeom>
         </p:spPr>
       </p:pic>
+      <p:sp>
+        <p:nvSpPr>
+          <p:cNvPr id="8" name="Content Placeholder 1"/>
+          <p:cNvSpPr>
+            <a:spLocks noGrp="1"/>
+          </p:cNvSpPr>
+          <p:nvPr>
+            <p:ph idx="1"/>
+          </p:nvPr>
+        </p:nvSpPr>
+        <p:spPr>
+          <a:xfrm>
+            <a:off x="2133600" y="685801"/>
+            <a:ext cx="6096000" cy="3657599"/>
+          </a:xfrm>
+        </p:spPr>
+        <p:txBody>
+          <a:bodyPr/>
+          <a:lstStyle/>
+          <a:p>
+            <a:r>
+              <a:rPr lang="en-US" dirty="0" smtClean="0"/>
+              <a:t>To Create a Web-based application</a:t>
+            </a:r>
+            <a:endParaRPr lang="en-US" dirty="0" smtClean="0"/>
+          </a:p>
+          <a:p>
+            <a:r>
+              <a:rPr lang="en-US" dirty="0" smtClean="0"/>
+              <a:t>Student can interact with instructor without bring any additional device</a:t>
+            </a:r>
+            <a:endParaRPr lang="en-US" dirty="0"/>
+          </a:p>
+          <a:p>
+            <a:r>
+              <a:rPr lang="en-US" dirty="0" smtClean="0"/>
+              <a:t>Student also can review the in class activities after class </a:t>
+            </a:r>
+          </a:p>
+          <a:p>
+            <a:r>
+              <a:rPr lang="en-US" dirty="0" smtClean="0"/>
+              <a:t>Decrease the distance between student’s thought and instructor’s</a:t>
+            </a:r>
+            <a:endParaRPr lang="en-US" dirty="0" smtClean="0"/>
+          </a:p>
+        </p:txBody>
+      </p:sp>
     </p:spTree>
     <p:extLst>
       <p:ext uri="{BB962C8B-B14F-4D97-AF65-F5344CB8AC3E}">
@@ -4255,7 +4277,7 @@
         </p:nvSpPr>
         <p:spPr>
           <a:xfrm>
-            <a:off x="777240" y="859591"/>
+            <a:off x="2100714" y="859591"/>
             <a:ext cx="6096000" cy="4113462"/>
           </a:xfrm>
         </p:spPr>
@@ -4288,11 +4310,7 @@
           <a:p>
             <a:r>
               <a:rPr lang="en-US" dirty="0" smtClean="0"/>
-              <a:t>Technology </a:t>
-            </a:r>
-            <a:r>
-              <a:rPr lang="en-US" dirty="0" smtClean="0"/>
-              <a:t>used </a:t>
+              <a:t>Technology used </a:t>
             </a:r>
           </a:p>
           <a:p>
@@ -4333,11 +4351,7 @@
           <a:p>
             <a:r>
               <a:rPr lang="en-US" dirty="0" smtClean="0"/>
-              <a:t>Basic </a:t>
-            </a:r>
-            <a:r>
-              <a:rPr lang="en-US" dirty="0" smtClean="0"/>
-              <a:t>Hardware  </a:t>
+              <a:t>Basic Hardware  </a:t>
             </a:r>
             <a:endParaRPr lang="en-US" dirty="0"/>
           </a:p>
@@ -4575,11 +4589,7 @@
           <a:p>
             <a:r>
               <a:rPr lang="en-US" dirty="0" smtClean="0"/>
-              <a:t>Review</a:t>
-            </a:r>
-            <a:r>
-              <a:rPr lang="en-US" dirty="0" smtClean="0"/>
-              <a:t> the questions and answers after class</a:t>
+              <a:t>Review the questions and answers after class</a:t>
             </a:r>
           </a:p>
           <a:p>
@@ -4772,7 +4782,7 @@
         </p:nvSpPr>
         <p:spPr>
           <a:xfrm>
-            <a:off x="1161874" y="1318128"/>
+            <a:off x="1709979" y="1352888"/>
             <a:ext cx="6096000" cy="3657599"/>
           </a:xfrm>
         </p:spPr>
@@ -4782,18 +4792,18 @@
           <a:p>
             <a:r>
               <a:rPr lang="en-US" dirty="0" smtClean="0"/>
-              <a:t>Portability for different environment (Different Schools)</a:t>
+              <a:t>Portability for different </a:t>
+            </a:r>
+            <a:r>
+              <a:rPr lang="en-US" dirty="0" smtClean="0"/>
+              <a:t>environment</a:t>
             </a:r>
             <a:endParaRPr lang="en-US" dirty="0" smtClean="0"/>
           </a:p>
           <a:p>
             <a:r>
               <a:rPr lang="en-US" dirty="0" smtClean="0"/>
-              <a:t>Open </a:t>
-            </a:r>
-            <a:r>
-              <a:rPr lang="en-US" dirty="0" smtClean="0"/>
-              <a:t>Source</a:t>
+              <a:t>Open Source</a:t>
             </a:r>
           </a:p>
           <a:p>
@@ -4818,7 +4828,6 @@
               <a:rPr lang="en-US" dirty="0" smtClean="0"/>
               <a:t>Localization</a:t>
             </a:r>
-            <a:endParaRPr lang="en-US" dirty="0" smtClean="0"/>
           </a:p>
           <a:p>
             <a:pPr marL="18288" indent="0">
@@ -4828,7 +4837,6 @@
               <a:rPr lang="en-US" dirty="0" smtClean="0"/>
               <a:t> </a:t>
             </a:r>
-            <a:endParaRPr lang="en-US" dirty="0" smtClean="0"/>
           </a:p>
           <a:p>
             <a:endParaRPr lang="en-US" dirty="0"/>

--- a/Documentation/Presentation.pptx
+++ b/Documentation/Presentation.pptx
@@ -1,8 +1,8 @@
 
 <file path=ppt/presentation.xml><?xml version="1.0" encoding="utf-8"?>
-<p:presentation xmlns:a="http://schemas.openxmlformats.org/drawingml/2006/main" xmlns:r="http://schemas.openxmlformats.org/officeDocument/2006/relationships" xmlns:p="http://schemas.openxmlformats.org/presentationml/2006/main" saveSubsetFonts="1" autoCompressPictures="0">
+<p:presentation xmlns:a="http://schemas.openxmlformats.org/drawingml/2006/main" xmlns:r="http://schemas.openxmlformats.org/officeDocument/2006/relationships" xmlns:mc="http://schemas.openxmlformats.org/markup-compatibility/2006" xmlns:mv="urn:schemas-microsoft-com:mac:vml" xmlns:p="http://schemas.openxmlformats.org/presentationml/2006/main" mc:Ignorable="mv" mc:PreserveAttributes="mv:*" saveSubsetFonts="1" autoCompressPictures="0">
   <p:sldMasterIdLst>
-    <p:sldMasterId id="2147483648" r:id="rId1"/>
+    <p:sldMasterId r:id="rId1"/>
   </p:sldMasterIdLst>
   <p:sldIdLst>
     <p:sldId id="256" r:id="rId2"/>
@@ -117,7 +117,7 @@
 </file>
 
 <file path=ppt/slideLayouts/slideLayout1.xml><?xml version="1.0" encoding="utf-8"?>
-<p:sldLayout xmlns:a="http://schemas.openxmlformats.org/drawingml/2006/main" xmlns:r="http://schemas.openxmlformats.org/officeDocument/2006/relationships" xmlns:p="http://schemas.openxmlformats.org/presentationml/2006/main" type="title" preserve="1">
+<p:sldLayout xmlns:a="http://schemas.openxmlformats.org/drawingml/2006/main" xmlns:r="http://schemas.openxmlformats.org/officeDocument/2006/relationships" xmlns:mc="http://schemas.openxmlformats.org/markup-compatibility/2006" xmlns:mv="urn:schemas-microsoft-com:mac:vml" xmlns:p="http://schemas.openxmlformats.org/presentationml/2006/main" mc:Ignorable="mv" mc:PreserveAttributes="mv:*" type="title" preserve="1">
   <p:cSld name="Title Slide">
     <p:spTree>
       <p:nvGrpSpPr>
@@ -354,7 +354,7 @@
             <a:fld id="{5E090EFF-37B5-024C-AB3F-FAC6BB2F278A}" type="datetimeFigureOut">
               <a:rPr lang="en-US" smtClean="0"/>
               <a:pPr/>
-              <a:t>2014-04-15</a:t>
+              <a:t>4/15/14</a:t>
             </a:fld>
             <a:endParaRPr lang="en-US"/>
           </a:p>
@@ -412,7 +412,7 @@
 </file>
 
 <file path=ppt/slideLayouts/slideLayout10.xml><?xml version="1.0" encoding="utf-8"?>
-<p:sldLayout xmlns:a="http://schemas.openxmlformats.org/drawingml/2006/main" xmlns:r="http://schemas.openxmlformats.org/officeDocument/2006/relationships" xmlns:p="http://schemas.openxmlformats.org/presentationml/2006/main" type="vertTx" preserve="1">
+<p:sldLayout xmlns:a="http://schemas.openxmlformats.org/drawingml/2006/main" xmlns:r="http://schemas.openxmlformats.org/officeDocument/2006/relationships" xmlns:mc="http://schemas.openxmlformats.org/markup-compatibility/2006" xmlns:mv="urn:schemas-microsoft-com:mac:vml" xmlns:p="http://schemas.openxmlformats.org/presentationml/2006/main" mc:Ignorable="mv" mc:PreserveAttributes="mv:*" type="vertTx" preserve="1">
   <p:cSld name="Title and Vertical Text">
     <p:spTree>
       <p:nvGrpSpPr>
@@ -526,7 +526,7 @@
             <a:fld id="{5E090EFF-37B5-024C-AB3F-FAC6BB2F278A}" type="datetimeFigureOut">
               <a:rPr lang="en-US" smtClean="0"/>
               <a:pPr/>
-              <a:t>2014-04-15</a:t>
+              <a:t>4/15/14</a:t>
             </a:fld>
             <a:endParaRPr lang="en-US"/>
           </a:p>
@@ -584,7 +584,7 @@
 </file>
 
 <file path=ppt/slideLayouts/slideLayout11.xml><?xml version="1.0" encoding="utf-8"?>
-<p:sldLayout xmlns:a="http://schemas.openxmlformats.org/drawingml/2006/main" xmlns:r="http://schemas.openxmlformats.org/officeDocument/2006/relationships" xmlns:p="http://schemas.openxmlformats.org/presentationml/2006/main" type="vertTitleAndTx" preserve="1">
+<p:sldLayout xmlns:a="http://schemas.openxmlformats.org/drawingml/2006/main" xmlns:r="http://schemas.openxmlformats.org/officeDocument/2006/relationships" xmlns:mc="http://schemas.openxmlformats.org/markup-compatibility/2006" xmlns:mv="urn:schemas-microsoft-com:mac:vml" xmlns:p="http://schemas.openxmlformats.org/presentationml/2006/main" mc:Ignorable="mv" mc:PreserveAttributes="mv:*" type="vertTitleAndTx" preserve="1">
   <p:cSld name="Vertical Title and Text">
     <p:spTree>
       <p:nvGrpSpPr>
@@ -703,7 +703,7 @@
             <a:fld id="{5E090EFF-37B5-024C-AB3F-FAC6BB2F278A}" type="datetimeFigureOut">
               <a:rPr lang="en-US" smtClean="0"/>
               <a:pPr/>
-              <a:t>2014-04-15</a:t>
+              <a:t>4/15/14</a:t>
             </a:fld>
             <a:endParaRPr lang="en-US"/>
           </a:p>
@@ -761,7 +761,7 @@
 </file>
 
 <file path=ppt/slideLayouts/slideLayout2.xml><?xml version="1.0" encoding="utf-8"?>
-<p:sldLayout xmlns:a="http://schemas.openxmlformats.org/drawingml/2006/main" xmlns:r="http://schemas.openxmlformats.org/officeDocument/2006/relationships" xmlns:p="http://schemas.openxmlformats.org/presentationml/2006/main" type="obj" preserve="1">
+<p:sldLayout xmlns:a="http://schemas.openxmlformats.org/drawingml/2006/main" xmlns:r="http://schemas.openxmlformats.org/officeDocument/2006/relationships" xmlns:mc="http://schemas.openxmlformats.org/markup-compatibility/2006" xmlns:mv="urn:schemas-microsoft-com:mac:vml" xmlns:p="http://schemas.openxmlformats.org/presentationml/2006/main" mc:Ignorable="mv" mc:PreserveAttributes="mv:*" type="obj" preserve="1">
   <p:cSld name="Title and Content">
     <p:spTree>
       <p:nvGrpSpPr>
@@ -870,7 +870,7 @@
             <a:fld id="{5E090EFF-37B5-024C-AB3F-FAC6BB2F278A}" type="datetimeFigureOut">
               <a:rPr lang="en-US" smtClean="0"/>
               <a:pPr/>
-              <a:t>2014-04-15</a:t>
+              <a:t>4/15/14</a:t>
             </a:fld>
             <a:endParaRPr lang="en-US"/>
           </a:p>
@@ -928,7 +928,7 @@
 </file>
 
 <file path=ppt/slideLayouts/slideLayout3.xml><?xml version="1.0" encoding="utf-8"?>
-<p:sldLayout xmlns:a="http://schemas.openxmlformats.org/drawingml/2006/main" xmlns:r="http://schemas.openxmlformats.org/officeDocument/2006/relationships" xmlns:p="http://schemas.openxmlformats.org/presentationml/2006/main" type="secHead" preserve="1">
+<p:sldLayout xmlns:a="http://schemas.openxmlformats.org/drawingml/2006/main" xmlns:r="http://schemas.openxmlformats.org/officeDocument/2006/relationships" xmlns:mc="http://schemas.openxmlformats.org/markup-compatibility/2006" xmlns:mv="urn:schemas-microsoft-com:mac:vml" xmlns:p="http://schemas.openxmlformats.org/presentationml/2006/main" mc:Ignorable="mv" mc:PreserveAttributes="mv:*" type="secHead" preserve="1">
   <p:cSld name="Section Header">
     <p:spTree>
       <p:nvGrpSpPr>
@@ -1129,7 +1129,7 @@
             <a:fld id="{5E090EFF-37B5-024C-AB3F-FAC6BB2F278A}" type="datetimeFigureOut">
               <a:rPr lang="en-US" smtClean="0"/>
               <a:pPr/>
-              <a:t>2014-04-15</a:t>
+              <a:t>4/15/14</a:t>
             </a:fld>
             <a:endParaRPr lang="en-US"/>
           </a:p>
@@ -1237,7 +1237,7 @@
 </file>
 
 <file path=ppt/slideLayouts/slideLayout4.xml><?xml version="1.0" encoding="utf-8"?>
-<p:sldLayout xmlns:a="http://schemas.openxmlformats.org/drawingml/2006/main" xmlns:r="http://schemas.openxmlformats.org/officeDocument/2006/relationships" xmlns:p="http://schemas.openxmlformats.org/presentationml/2006/main" type="twoObj" preserve="1">
+<p:sldLayout xmlns:a="http://schemas.openxmlformats.org/drawingml/2006/main" xmlns:r="http://schemas.openxmlformats.org/officeDocument/2006/relationships" xmlns:mc="http://schemas.openxmlformats.org/markup-compatibility/2006" xmlns:mv="urn:schemas-microsoft-com:mac:vml" xmlns:p="http://schemas.openxmlformats.org/presentationml/2006/main" mc:Ignorable="mv" mc:PreserveAttributes="mv:*" type="twoObj" preserve="1">
   <p:cSld name="Two Content">
     <p:spTree>
       <p:nvGrpSpPr>
@@ -1271,7 +1271,7 @@
             <a:fld id="{5E090EFF-37B5-024C-AB3F-FAC6BB2F278A}" type="datetimeFigureOut">
               <a:rPr lang="en-US" smtClean="0"/>
               <a:pPr/>
-              <a:t>2014-04-15</a:t>
+              <a:t>4/15/14</a:t>
             </a:fld>
             <a:endParaRPr lang="en-US"/>
           </a:p>
@@ -1466,7 +1466,7 @@
 </file>
 
 <file path=ppt/slideLayouts/slideLayout5.xml><?xml version="1.0" encoding="utf-8"?>
-<p:sldLayout xmlns:a="http://schemas.openxmlformats.org/drawingml/2006/main" xmlns:r="http://schemas.openxmlformats.org/officeDocument/2006/relationships" xmlns:p="http://schemas.openxmlformats.org/presentationml/2006/main" type="twoTxTwoObj" preserve="1">
+<p:sldLayout xmlns:a="http://schemas.openxmlformats.org/drawingml/2006/main" xmlns:r="http://schemas.openxmlformats.org/officeDocument/2006/relationships" xmlns:mc="http://schemas.openxmlformats.org/markup-compatibility/2006" xmlns:mv="urn:schemas-microsoft-com:mac:vml" xmlns:p="http://schemas.openxmlformats.org/presentationml/2006/main" mc:Ignorable="mv" mc:PreserveAttributes="mv:*" type="twoTxTwoObj" preserve="1">
   <p:cSld name="Comparison">
     <p:spTree>
       <p:nvGrpSpPr>
@@ -1923,7 +1923,7 @@
             <a:fld id="{5E090EFF-37B5-024C-AB3F-FAC6BB2F278A}" type="datetimeFigureOut">
               <a:rPr lang="en-US" smtClean="0"/>
               <a:pPr/>
-              <a:t>2014-04-15</a:t>
+              <a:t>4/15/14</a:t>
             </a:fld>
             <a:endParaRPr lang="en-US"/>
           </a:p>
@@ -1981,7 +1981,7 @@
 </file>
 
 <file path=ppt/slideLayouts/slideLayout6.xml><?xml version="1.0" encoding="utf-8"?>
-<p:sldLayout xmlns:a="http://schemas.openxmlformats.org/drawingml/2006/main" xmlns:r="http://schemas.openxmlformats.org/officeDocument/2006/relationships" xmlns:p="http://schemas.openxmlformats.org/presentationml/2006/main" type="titleOnly" preserve="1">
+<p:sldLayout xmlns:a="http://schemas.openxmlformats.org/drawingml/2006/main" xmlns:r="http://schemas.openxmlformats.org/officeDocument/2006/relationships" xmlns:mc="http://schemas.openxmlformats.org/markup-compatibility/2006" xmlns:mv="urn:schemas-microsoft-com:mac:vml" xmlns:p="http://schemas.openxmlformats.org/presentationml/2006/main" mc:Ignorable="mv" mc:PreserveAttributes="mv:*" type="titleOnly" preserve="1">
   <p:cSld name="Title Only">
     <p:spTree>
       <p:nvGrpSpPr>
@@ -2038,7 +2038,7 @@
             <a:fld id="{5E090EFF-37B5-024C-AB3F-FAC6BB2F278A}" type="datetimeFigureOut">
               <a:rPr lang="en-US" smtClean="0"/>
               <a:pPr/>
-              <a:t>2014-04-15</a:t>
+              <a:t>4/15/14</a:t>
             </a:fld>
             <a:endParaRPr lang="en-US"/>
           </a:p>
@@ -2096,7 +2096,7 @@
 </file>
 
 <file path=ppt/slideLayouts/slideLayout7.xml><?xml version="1.0" encoding="utf-8"?>
-<p:sldLayout xmlns:a="http://schemas.openxmlformats.org/drawingml/2006/main" xmlns:r="http://schemas.openxmlformats.org/officeDocument/2006/relationships" xmlns:p="http://schemas.openxmlformats.org/presentationml/2006/main" type="blank" preserve="1">
+<p:sldLayout xmlns:a="http://schemas.openxmlformats.org/drawingml/2006/main" xmlns:r="http://schemas.openxmlformats.org/officeDocument/2006/relationships" xmlns:mc="http://schemas.openxmlformats.org/markup-compatibility/2006" xmlns:mv="urn:schemas-microsoft-com:mac:vml" xmlns:p="http://schemas.openxmlformats.org/presentationml/2006/main" mc:Ignorable="mv" mc:PreserveAttributes="mv:*" type="blank" preserve="1">
   <p:cSld name="Blank">
     <p:spTree>
       <p:nvGrpSpPr>
@@ -2130,7 +2130,7 @@
             <a:fld id="{5E090EFF-37B5-024C-AB3F-FAC6BB2F278A}" type="datetimeFigureOut">
               <a:rPr lang="en-US" smtClean="0"/>
               <a:pPr/>
-              <a:t>2014-04-15</a:t>
+              <a:t>4/15/14</a:t>
             </a:fld>
             <a:endParaRPr lang="en-US"/>
           </a:p>
@@ -2188,7 +2188,7 @@
 </file>
 
 <file path=ppt/slideLayouts/slideLayout8.xml><?xml version="1.0" encoding="utf-8"?>
-<p:sldLayout xmlns:a="http://schemas.openxmlformats.org/drawingml/2006/main" xmlns:r="http://schemas.openxmlformats.org/officeDocument/2006/relationships" xmlns:p="http://schemas.openxmlformats.org/presentationml/2006/main" type="objTx" preserve="1">
+<p:sldLayout xmlns:a="http://schemas.openxmlformats.org/drawingml/2006/main" xmlns:r="http://schemas.openxmlformats.org/officeDocument/2006/relationships" xmlns:mc="http://schemas.openxmlformats.org/markup-compatibility/2006" xmlns:mv="urn:schemas-microsoft-com:mac:vml" xmlns:p="http://schemas.openxmlformats.org/presentationml/2006/main" mc:Ignorable="mv" mc:PreserveAttributes="mv:*" type="objTx" preserve="1">
   <p:cSld name="Content with Caption">
     <p:spTree>
       <p:nvGrpSpPr>
@@ -2422,7 +2422,7 @@
             <a:fld id="{5E090EFF-37B5-024C-AB3F-FAC6BB2F278A}" type="datetimeFigureOut">
               <a:rPr lang="en-US" smtClean="0"/>
               <a:pPr/>
-              <a:t>2014-04-15</a:t>
+              <a:t>4/15/14</a:t>
             </a:fld>
             <a:endParaRPr lang="en-US"/>
           </a:p>
@@ -2503,7 +2503,7 @@
 </file>
 
 <file path=ppt/slideLayouts/slideLayout9.xml><?xml version="1.0" encoding="utf-8"?>
-<p:sldLayout xmlns:a="http://schemas.openxmlformats.org/drawingml/2006/main" xmlns:r="http://schemas.openxmlformats.org/officeDocument/2006/relationships" xmlns:p="http://schemas.openxmlformats.org/presentationml/2006/main" type="picTx" preserve="1">
+<p:sldLayout xmlns:a="http://schemas.openxmlformats.org/drawingml/2006/main" xmlns:r="http://schemas.openxmlformats.org/officeDocument/2006/relationships" xmlns:mc="http://schemas.openxmlformats.org/markup-compatibility/2006" xmlns:mv="urn:schemas-microsoft-com:mac:vml" xmlns:p="http://schemas.openxmlformats.org/presentationml/2006/main" mc:Ignorable="mv" mc:PreserveAttributes="mv:*" type="picTx" preserve="1">
   <p:cSld name="Picture with Caption">
     <p:spTree>
       <p:nvGrpSpPr>
@@ -2747,7 +2747,7 @@
             <a:fld id="{5E090EFF-37B5-024C-AB3F-FAC6BB2F278A}" type="datetimeFigureOut">
               <a:rPr lang="en-US" smtClean="0"/>
               <a:pPr/>
-              <a:t>2014-04-15</a:t>
+              <a:t>4/15/14</a:t>
             </a:fld>
             <a:endParaRPr lang="en-US"/>
           </a:p>
@@ -2805,7 +2805,7 @@
 </file>
 
 <file path=ppt/slideMasters/slideMaster1.xml><?xml version="1.0" encoding="utf-8"?>
-<p:sldMaster xmlns:a="http://schemas.openxmlformats.org/drawingml/2006/main" xmlns:r="http://schemas.openxmlformats.org/officeDocument/2006/relationships" xmlns:p="http://schemas.openxmlformats.org/presentationml/2006/main">
+<p:sldMaster xmlns:a="http://schemas.openxmlformats.org/drawingml/2006/main" xmlns:r="http://schemas.openxmlformats.org/officeDocument/2006/relationships" xmlns:mc="http://schemas.openxmlformats.org/markup-compatibility/2006" xmlns:mv="urn:schemas-microsoft-com:mac:vml" xmlns:p="http://schemas.openxmlformats.org/presentationml/2006/main" mc:Ignorable="mv" mc:PreserveAttributes="mv:*">
   <p:cSld>
     <p:bg>
       <p:bgRef idx="1003">
@@ -3206,7 +3206,7 @@
             <a:fld id="{5E090EFF-37B5-024C-AB3F-FAC6BB2F278A}" type="datetimeFigureOut">
               <a:rPr lang="en-US" smtClean="0"/>
               <a:pPr/>
-              <a:t>2014-04-15</a:t>
+              <a:t>4/15/14</a:t>
             </a:fld>
             <a:endParaRPr lang="en-US"/>
           </a:p>
@@ -3297,17 +3297,17 @@
   </p:cSld>
   <p:clrMap bg1="dk1" tx1="lt1" bg2="dk2" tx2="lt2" accent1="accent1" accent2="accent2" accent3="accent3" accent4="accent4" accent5="accent5" accent6="accent6" hlink="hlink" folHlink="folHlink"/>
   <p:sldLayoutIdLst>
-    <p:sldLayoutId id="2147483649" r:id="rId1"/>
-    <p:sldLayoutId id="2147483650" r:id="rId2"/>
-    <p:sldLayoutId id="2147483651" r:id="rId3"/>
-    <p:sldLayoutId id="2147483652" r:id="rId4"/>
-    <p:sldLayoutId id="2147483653" r:id="rId5"/>
-    <p:sldLayoutId id="2147483654" r:id="rId6"/>
-    <p:sldLayoutId id="2147483655" r:id="rId7"/>
-    <p:sldLayoutId id="2147483656" r:id="rId8"/>
-    <p:sldLayoutId id="2147483657" r:id="rId9"/>
-    <p:sldLayoutId id="2147483658" r:id="rId10"/>
-    <p:sldLayoutId id="2147483659" r:id="rId11"/>
+    <p:sldLayoutId r:id="rId1"/>
+    <p:sldLayoutId r:id="rId2"/>
+    <p:sldLayoutId r:id="rId3"/>
+    <p:sldLayoutId r:id="rId4"/>
+    <p:sldLayoutId r:id="rId5"/>
+    <p:sldLayoutId r:id="rId6"/>
+    <p:sldLayoutId r:id="rId7"/>
+    <p:sldLayoutId r:id="rId8"/>
+    <p:sldLayoutId r:id="rId9"/>
+    <p:sldLayoutId r:id="rId10"/>
+    <p:sldLayoutId r:id="rId11"/>
   </p:sldLayoutIdLst>
   <p:txStyles>
     <p:titleStyle>
@@ -3701,7 +3701,7 @@
 </file>
 
 <file path=ppt/slides/slide1.xml><?xml version="1.0" encoding="utf-8"?>
-<p:sld xmlns:a="http://schemas.openxmlformats.org/drawingml/2006/main" xmlns:r="http://schemas.openxmlformats.org/officeDocument/2006/relationships" xmlns:p="http://schemas.openxmlformats.org/presentationml/2006/main">
+<p:sld xmlns:a="http://schemas.openxmlformats.org/drawingml/2006/main" xmlns:r="http://schemas.openxmlformats.org/officeDocument/2006/relationships" xmlns:mc="http://schemas.openxmlformats.org/markup-compatibility/2006" xmlns:mv="urn:schemas-microsoft-com:mac:vml" xmlns:p="http://schemas.openxmlformats.org/presentationml/2006/main" mc:Ignorable="mv" mc:PreserveAttributes="mv:*">
   <p:cSld>
     <p:spTree>
       <p:nvGrpSpPr>
@@ -3889,27 +3889,27 @@
     </p:spTree>
     <p:extLst>
       <p:ext uri="{BB962C8B-B14F-4D97-AF65-F5344CB8AC3E}">
-        <p14:creationId xmlns:p14="http://schemas.microsoft.com/office/powerpoint/2010/main" val="1026658195"/>
+        <p14:creationId xmlns:p14="http://schemas.microsoft.com/office/powerpoint/2010/main" xmlns:p="http://schemas.openxmlformats.org/presentationml/2006/main" xmlns:r="http://schemas.openxmlformats.org/officeDocument/2006/relationships" xmlns:a="http://schemas.openxmlformats.org/drawingml/2006/main" xmlns="" val="1026658195"/>
       </p:ext>
     </p:extLst>
   </p:cSld>
   <p:clrMapOvr>
     <a:masterClrMapping/>
   </p:clrMapOvr>
-  <mc:AlternateContent xmlns:mc="http://schemas.openxmlformats.org/markup-compatibility/2006" xmlns:p14="http://schemas.microsoft.com/office/powerpoint/2010/main">
-    <mc:Choice Requires="p14">
+  <mc:AlternateContent>
+    <mc:Choice xmlns:mc="http://schemas.openxmlformats.org/markup-compatibility/2006" xmlns:p14="http://schemas.microsoft.com/office/powerpoint/2010/main" xmlns:p="http://schemas.openxmlformats.org/presentationml/2006/main" xmlns:r="http://schemas.openxmlformats.org/officeDocument/2006/relationships" xmlns:a="http://schemas.openxmlformats.org/drawingml/2006/main" xmlns="" Requires="p14">
       <p:transition spd="slow" p14:dur="3400">
         <p14:reveal/>
       </p:transition>
     </mc:Choice>
-    <mc:Fallback xmlns:mv="urn:schemas-microsoft-com:mac:vml" xmlns="">
+    <mc:Fallback>
       <mp:transition xmlns:mp="http://schemas.microsoft.com/office/mac/powerpoint/2008/main" spd="slow"/>
     </mc:Fallback>
   </mc:AlternateContent>
   <p:timing>
     <p:tnLst>
       <p:par>
-        <p:cTn xmlns:p14="http://schemas.microsoft.com/office/powerpoint/2010/main" id="1" dur="indefinite" restart="never" nodeType="tmRoot"/>
+        <p:cTn id="1" dur="indefinite" restart="never" nodeType="tmRoot"/>
       </p:par>
     </p:tnLst>
   </p:timing>
@@ -3917,7 +3917,7 @@
 </file>
 
 <file path=ppt/slides/slide10.xml><?xml version="1.0" encoding="utf-8"?>
-<p:sld xmlns:a="http://schemas.openxmlformats.org/drawingml/2006/main" xmlns:r="http://schemas.openxmlformats.org/officeDocument/2006/relationships" xmlns:p="http://schemas.openxmlformats.org/presentationml/2006/main">
+<p:sld xmlns:a="http://schemas.openxmlformats.org/drawingml/2006/main" xmlns:r="http://schemas.openxmlformats.org/officeDocument/2006/relationships" xmlns:mc="http://schemas.openxmlformats.org/markup-compatibility/2006" xmlns:mv="urn:schemas-microsoft-com:mac:vml" xmlns:p="http://schemas.openxmlformats.org/presentationml/2006/main" mc:Ignorable="mv" mc:PreserveAttributes="mv:*">
   <p:cSld>
     <p:spTree>
       <p:nvGrpSpPr>
@@ -4007,7 +4007,7 @@
     </p:spTree>
     <p:extLst>
       <p:ext uri="{BB962C8B-B14F-4D97-AF65-F5344CB8AC3E}">
-        <p14:creationId xmlns:p14="http://schemas.microsoft.com/office/powerpoint/2010/main" val="1573006518"/>
+        <p14:creationId xmlns:p14="http://schemas.microsoft.com/office/powerpoint/2010/main" xmlns:p="http://schemas.openxmlformats.org/presentationml/2006/main" xmlns:r="http://schemas.openxmlformats.org/officeDocument/2006/relationships" xmlns:a="http://schemas.openxmlformats.org/drawingml/2006/main" xmlns="" val="1573006518"/>
       </p:ext>
     </p:extLst>
   </p:cSld>
@@ -4018,7 +4018,7 @@
 </file>
 
 <file path=ppt/slides/slide2.xml><?xml version="1.0" encoding="utf-8"?>
-<p:sld xmlns:a="http://schemas.openxmlformats.org/drawingml/2006/main" xmlns:r="http://schemas.openxmlformats.org/officeDocument/2006/relationships" xmlns:p="http://schemas.openxmlformats.org/presentationml/2006/main">
+<p:sld xmlns:a="http://schemas.openxmlformats.org/drawingml/2006/main" xmlns:r="http://schemas.openxmlformats.org/officeDocument/2006/relationships" xmlns:mc="http://schemas.openxmlformats.org/markup-compatibility/2006" xmlns:mv="urn:schemas-microsoft-com:mac:vml" xmlns:p="http://schemas.openxmlformats.org/presentationml/2006/main" mc:Ignorable="mv" mc:PreserveAttributes="mv:*">
   <p:cSld>
     <p:spTree>
       <p:nvGrpSpPr>
@@ -4057,11 +4057,7 @@
           <a:p>
             <a:r>
               <a:rPr lang="en-US" dirty="0" smtClean="0"/>
-              <a:t>What other Technologies </a:t>
-            </a:r>
-            <a:r>
-              <a:rPr lang="en-US" dirty="0" smtClean="0"/>
-              <a:t>lack</a:t>
+              <a:t>What other Technologies lack</a:t>
             </a:r>
             <a:endParaRPr lang="en-US" dirty="0"/>
           </a:p>
@@ -4117,7 +4113,7 @@
     </p:spTree>
     <p:extLst>
       <p:ext uri="{BB962C8B-B14F-4D97-AF65-F5344CB8AC3E}">
-        <p14:creationId xmlns:p14="http://schemas.microsoft.com/office/powerpoint/2010/main" val="2425152046"/>
+        <p14:creationId xmlns:p14="http://schemas.microsoft.com/office/powerpoint/2010/main" xmlns:p="http://schemas.openxmlformats.org/presentationml/2006/main" xmlns:r="http://schemas.openxmlformats.org/officeDocument/2006/relationships" xmlns:a="http://schemas.openxmlformats.org/drawingml/2006/main" xmlns="" val="2425152046"/>
       </p:ext>
     </p:extLst>
   </p:cSld>
@@ -4128,7 +4124,7 @@
 </file>
 
 <file path=ppt/slides/slide3.xml><?xml version="1.0" encoding="utf-8"?>
-<p:sld xmlns:a="http://schemas.openxmlformats.org/drawingml/2006/main" xmlns:r="http://schemas.openxmlformats.org/officeDocument/2006/relationships" xmlns:p="http://schemas.openxmlformats.org/presentationml/2006/main">
+<p:sld xmlns:a="http://schemas.openxmlformats.org/drawingml/2006/main" xmlns:r="http://schemas.openxmlformats.org/officeDocument/2006/relationships" xmlns:mc="http://schemas.openxmlformats.org/markup-compatibility/2006" xmlns:mv="urn:schemas-microsoft-com:mac:vml" xmlns:p="http://schemas.openxmlformats.org/presentationml/2006/main" mc:Ignorable="mv" mc:PreserveAttributes="mv:*">
   <p:cSld>
     <p:spTree>
       <p:nvGrpSpPr>
@@ -4162,6 +4158,32 @@
             <a:pPr marL="18288" indent="0">
               <a:buNone/>
             </a:pPr>
+            <a:r>
+              <a:rPr lang="en-US" dirty="0" smtClean="0"/>
+              <a:t>“For the Students, from the Students”</a:t>
+            </a:r>
+          </a:p>
+          <a:p>
+            <a:pPr marL="18288" indent="0">
+              <a:buNone/>
+            </a:pPr>
+            <a:r>
+              <a:rPr lang="en-US" dirty="0" smtClean="0"/>
+              <a:t>Students should be the one in charge</a:t>
+            </a:r>
+          </a:p>
+          <a:p>
+            <a:pPr marL="18288" indent="0">
+              <a:buNone/>
+            </a:pPr>
+            <a:r>
+              <a:rPr lang="en-US" dirty="0" err="1" smtClean="0"/>
+              <a:t>Enage</a:t>
+            </a:r>
+            <a:r>
+              <a:rPr lang="en-US" dirty="0" smtClean="0"/>
+              <a:t> Students </a:t>
+            </a:r>
             <a:endParaRPr lang="en-US" dirty="0"/>
           </a:p>
         </p:txBody>
@@ -4216,7 +4238,7 @@
     </p:spTree>
     <p:extLst>
       <p:ext uri="{BB962C8B-B14F-4D97-AF65-F5344CB8AC3E}">
-        <p14:creationId xmlns:p14="http://schemas.microsoft.com/office/powerpoint/2010/main" val="3247832161"/>
+        <p14:creationId xmlns:p14="http://schemas.microsoft.com/office/powerpoint/2010/main" xmlns:p="http://schemas.openxmlformats.org/presentationml/2006/main" xmlns:r="http://schemas.openxmlformats.org/officeDocument/2006/relationships" xmlns:a="http://schemas.openxmlformats.org/drawingml/2006/main" xmlns="" val="3247832161"/>
       </p:ext>
     </p:extLst>
   </p:cSld>
@@ -4227,7 +4249,7 @@
 </file>
 
 <file path=ppt/slides/slide4.xml><?xml version="1.0" encoding="utf-8"?>
-<p:sld xmlns:a="http://schemas.openxmlformats.org/drawingml/2006/main" xmlns:r="http://schemas.openxmlformats.org/officeDocument/2006/relationships" xmlns:p="http://schemas.openxmlformats.org/presentationml/2006/main">
+<p:sld xmlns:a="http://schemas.openxmlformats.org/drawingml/2006/main" xmlns:r="http://schemas.openxmlformats.org/officeDocument/2006/relationships" xmlns:mc="http://schemas.openxmlformats.org/markup-compatibility/2006" xmlns:mv="urn:schemas-microsoft-com:mac:vml" xmlns:p="http://schemas.openxmlformats.org/presentationml/2006/main" mc:Ignorable="mv" mc:PreserveAttributes="mv:*">
   <p:cSld>
     <p:spTree>
       <p:nvGrpSpPr>
@@ -4288,11 +4310,7 @@
           <a:p>
             <a:r>
               <a:rPr lang="en-US" dirty="0" smtClean="0"/>
-              <a:t>Technology </a:t>
-            </a:r>
-            <a:r>
-              <a:rPr lang="en-US" dirty="0" smtClean="0"/>
-              <a:t>used </a:t>
+              <a:t>Technology used </a:t>
             </a:r>
           </a:p>
           <a:p>
@@ -4333,11 +4351,7 @@
           <a:p>
             <a:r>
               <a:rPr lang="en-US" dirty="0" smtClean="0"/>
-              <a:t>Basic </a:t>
-            </a:r>
-            <a:r>
-              <a:rPr lang="en-US" dirty="0" smtClean="0"/>
-              <a:t>Hardware  </a:t>
+              <a:t>Basic Hardware  </a:t>
             </a:r>
             <a:endParaRPr lang="en-US" dirty="0"/>
           </a:p>
@@ -4393,7 +4407,7 @@
     </p:spTree>
     <p:extLst>
       <p:ext uri="{BB962C8B-B14F-4D97-AF65-F5344CB8AC3E}">
-        <p14:creationId xmlns:p14="http://schemas.microsoft.com/office/powerpoint/2010/main" val="3735635188"/>
+        <p14:creationId xmlns:p14="http://schemas.microsoft.com/office/powerpoint/2010/main" xmlns:p="http://schemas.openxmlformats.org/presentationml/2006/main" xmlns:r="http://schemas.openxmlformats.org/officeDocument/2006/relationships" xmlns:a="http://schemas.openxmlformats.org/drawingml/2006/main" xmlns="" val="3735635188"/>
       </p:ext>
     </p:extLst>
   </p:cSld>
@@ -4404,7 +4418,7 @@
 </file>
 
 <file path=ppt/slides/slide5.xml><?xml version="1.0" encoding="utf-8"?>
-<p:sld xmlns:a="http://schemas.openxmlformats.org/drawingml/2006/main" xmlns:r="http://schemas.openxmlformats.org/officeDocument/2006/relationships" xmlns:p="http://schemas.openxmlformats.org/presentationml/2006/main">
+<p:sld xmlns:a="http://schemas.openxmlformats.org/drawingml/2006/main" xmlns:r="http://schemas.openxmlformats.org/officeDocument/2006/relationships" xmlns:mc="http://schemas.openxmlformats.org/markup-compatibility/2006" xmlns:mv="urn:schemas-microsoft-com:mac:vml" xmlns:p="http://schemas.openxmlformats.org/presentationml/2006/main" mc:Ignorable="mv" mc:PreserveAttributes="mv:*">
   <p:cSld>
     <p:spTree>
       <p:nvGrpSpPr>
@@ -4525,7 +4539,7 @@
     </p:spTree>
     <p:extLst>
       <p:ext uri="{BB962C8B-B14F-4D97-AF65-F5344CB8AC3E}">
-        <p14:creationId xmlns:p14="http://schemas.microsoft.com/office/powerpoint/2010/main" val="3488674932"/>
+        <p14:creationId xmlns:p14="http://schemas.microsoft.com/office/powerpoint/2010/main" xmlns:p="http://schemas.openxmlformats.org/presentationml/2006/main" xmlns:r="http://schemas.openxmlformats.org/officeDocument/2006/relationships" xmlns:a="http://schemas.openxmlformats.org/drawingml/2006/main" xmlns="" val="3488674932"/>
       </p:ext>
     </p:extLst>
   </p:cSld>
@@ -4536,7 +4550,7 @@
 </file>
 
 <file path=ppt/slides/slide6.xml><?xml version="1.0" encoding="utf-8"?>
-<p:sld xmlns:a="http://schemas.openxmlformats.org/drawingml/2006/main" xmlns:r="http://schemas.openxmlformats.org/officeDocument/2006/relationships" xmlns:p="http://schemas.openxmlformats.org/presentationml/2006/main">
+<p:sld xmlns:a="http://schemas.openxmlformats.org/drawingml/2006/main" xmlns:r="http://schemas.openxmlformats.org/officeDocument/2006/relationships" xmlns:mc="http://schemas.openxmlformats.org/markup-compatibility/2006" xmlns:mv="urn:schemas-microsoft-com:mac:vml" xmlns:p="http://schemas.openxmlformats.org/presentationml/2006/main" mc:Ignorable="mv" mc:PreserveAttributes="mv:*">
   <p:cSld>
     <p:spTree>
       <p:nvGrpSpPr>
@@ -4575,11 +4589,7 @@
           <a:p>
             <a:r>
               <a:rPr lang="en-US" dirty="0" smtClean="0"/>
-              <a:t>Review</a:t>
-            </a:r>
-            <a:r>
-              <a:rPr lang="en-US" dirty="0" smtClean="0"/>
-              <a:t> the questions and answers after class</a:t>
+              <a:t>Review the questions and answers after class</a:t>
             </a:r>
           </a:p>
           <a:p>
@@ -4637,7 +4647,7 @@
     </p:spTree>
     <p:extLst>
       <p:ext uri="{BB962C8B-B14F-4D97-AF65-F5344CB8AC3E}">
-        <p14:creationId xmlns:p14="http://schemas.microsoft.com/office/powerpoint/2010/main" val="3336173187"/>
+        <p14:creationId xmlns:p14="http://schemas.microsoft.com/office/powerpoint/2010/main" xmlns:p="http://schemas.openxmlformats.org/presentationml/2006/main" xmlns:r="http://schemas.openxmlformats.org/officeDocument/2006/relationships" xmlns:a="http://schemas.openxmlformats.org/drawingml/2006/main" xmlns="" val="3336173187"/>
       </p:ext>
     </p:extLst>
   </p:cSld>
@@ -4648,7 +4658,7 @@
 </file>
 
 <file path=ppt/slides/slide7.xml><?xml version="1.0" encoding="utf-8"?>
-<p:sld xmlns:a="http://schemas.openxmlformats.org/drawingml/2006/main" xmlns:r="http://schemas.openxmlformats.org/officeDocument/2006/relationships" xmlns:p="http://schemas.openxmlformats.org/presentationml/2006/main">
+<p:sld xmlns:a="http://schemas.openxmlformats.org/drawingml/2006/main" xmlns:r="http://schemas.openxmlformats.org/officeDocument/2006/relationships" xmlns:mc="http://schemas.openxmlformats.org/markup-compatibility/2006" xmlns:mv="urn:schemas-microsoft-com:mac:vml" xmlns:p="http://schemas.openxmlformats.org/presentationml/2006/main" mc:Ignorable="mv" mc:PreserveAttributes="mv:*">
   <p:cSld>
     <p:spTree>
       <p:nvGrpSpPr>
@@ -4679,6 +4689,37 @@
           <a:bodyPr/>
           <a:lstStyle/>
           <a:p>
+            <a:r>
+              <a:rPr lang="en-US" dirty="0" smtClean="0"/>
+              <a:t>Two Field Test – Video / </a:t>
+            </a:r>
+            <a:r>
+              <a:rPr lang="en-US" dirty="0" err="1" smtClean="0"/>
+              <a:t>Picutres</a:t>
+            </a:r>
+            <a:endParaRPr lang="en-US" dirty="0" smtClean="0"/>
+          </a:p>
+          <a:p>
+            <a:r>
+              <a:rPr lang="en-US" dirty="0" smtClean="0"/>
+              <a:t>Why it failed on the first time </a:t>
+            </a:r>
+          </a:p>
+          <a:p>
+            <a:r>
+              <a:rPr lang="en-US" dirty="0" smtClean="0"/>
+              <a:t>How we found out , and what we learnt</a:t>
+            </a:r>
+          </a:p>
+          <a:p>
+            <a:r>
+              <a:rPr lang="en-US" dirty="0" smtClean="0"/>
+              <a:t>What did we use (TOP </a:t>
+            </a:r>
+            <a:r>
+              <a:rPr lang="en-US" smtClean="0"/>
+              <a:t>/ new relic) </a:t>
+            </a:r>
             <a:endParaRPr lang="en-US"/>
           </a:p>
         </p:txBody>
@@ -4733,7 +4774,7 @@
     </p:spTree>
     <p:extLst>
       <p:ext uri="{BB962C8B-B14F-4D97-AF65-F5344CB8AC3E}">
-        <p14:creationId xmlns:p14="http://schemas.microsoft.com/office/powerpoint/2010/main" val="100663824"/>
+        <p14:creationId xmlns:p14="http://schemas.microsoft.com/office/powerpoint/2010/main" xmlns:p="http://schemas.openxmlformats.org/presentationml/2006/main" xmlns:r="http://schemas.openxmlformats.org/officeDocument/2006/relationships" xmlns:a="http://schemas.openxmlformats.org/drawingml/2006/main" xmlns="" val="100663824"/>
       </p:ext>
     </p:extLst>
   </p:cSld>
@@ -4744,7 +4785,7 @@
 </file>
 
 <file path=ppt/slides/slide8.xml><?xml version="1.0" encoding="utf-8"?>
-<p:sld xmlns:a="http://schemas.openxmlformats.org/drawingml/2006/main" xmlns:r="http://schemas.openxmlformats.org/officeDocument/2006/relationships" xmlns:p="http://schemas.openxmlformats.org/presentationml/2006/main">
+<p:sld xmlns:a="http://schemas.openxmlformats.org/drawingml/2006/main" xmlns:r="http://schemas.openxmlformats.org/officeDocument/2006/relationships" xmlns:mc="http://schemas.openxmlformats.org/markup-compatibility/2006" xmlns:mv="urn:schemas-microsoft-com:mac:vml" xmlns:p="http://schemas.openxmlformats.org/presentationml/2006/main" mc:Ignorable="mv" mc:PreserveAttributes="mv:*">
   <p:cSld>
     <p:spTree>
       <p:nvGrpSpPr>
@@ -4784,16 +4825,11 @@
               <a:rPr lang="en-US" dirty="0" smtClean="0"/>
               <a:t>Portability for different environment (Different Schools)</a:t>
             </a:r>
-            <a:endParaRPr lang="en-US" dirty="0" smtClean="0"/>
           </a:p>
           <a:p>
             <a:r>
               <a:rPr lang="en-US" dirty="0" smtClean="0"/>
-              <a:t>Open </a:t>
-            </a:r>
-            <a:r>
-              <a:rPr lang="en-US" dirty="0" smtClean="0"/>
-              <a:t>Source</a:t>
+              <a:t>Open Source</a:t>
             </a:r>
           </a:p>
           <a:p>
@@ -4811,14 +4847,12 @@
               <a:rPr lang="en-US" dirty="0" smtClean="0"/>
               <a:t>kit</a:t>
             </a:r>
-            <a:endParaRPr lang="en-US" dirty="0" smtClean="0"/>
           </a:p>
           <a:p>
             <a:r>
               <a:rPr lang="en-US" dirty="0" smtClean="0"/>
               <a:t>Localization</a:t>
             </a:r>
-            <a:endParaRPr lang="en-US" dirty="0" smtClean="0"/>
           </a:p>
           <a:p>
             <a:pPr marL="18288" indent="0">
@@ -4828,7 +4862,6 @@
               <a:rPr lang="en-US" dirty="0" smtClean="0"/>
               <a:t> </a:t>
             </a:r>
-            <a:endParaRPr lang="en-US" dirty="0" smtClean="0"/>
           </a:p>
           <a:p>
             <a:endParaRPr lang="en-US" dirty="0"/>
@@ -4885,7 +4918,7 @@
     </p:spTree>
     <p:extLst>
       <p:ext uri="{BB962C8B-B14F-4D97-AF65-F5344CB8AC3E}">
-        <p14:creationId xmlns:p14="http://schemas.microsoft.com/office/powerpoint/2010/main" val="100663824"/>
+        <p14:creationId xmlns:p14="http://schemas.microsoft.com/office/powerpoint/2010/main" xmlns:p="http://schemas.openxmlformats.org/presentationml/2006/main" xmlns:r="http://schemas.openxmlformats.org/officeDocument/2006/relationships" xmlns:a="http://schemas.openxmlformats.org/drawingml/2006/main" xmlns="" val="100663824"/>
       </p:ext>
     </p:extLst>
   </p:cSld>
@@ -4896,7 +4929,7 @@
 </file>
 
 <file path=ppt/slides/slide9.xml><?xml version="1.0" encoding="utf-8"?>
-<p:sld xmlns:a="http://schemas.openxmlformats.org/drawingml/2006/main" xmlns:r="http://schemas.openxmlformats.org/officeDocument/2006/relationships" xmlns:p="http://schemas.openxmlformats.org/presentationml/2006/main">
+<p:sld xmlns:a="http://schemas.openxmlformats.org/drawingml/2006/main" xmlns:r="http://schemas.openxmlformats.org/officeDocument/2006/relationships" xmlns:mc="http://schemas.openxmlformats.org/markup-compatibility/2006" xmlns:mv="urn:schemas-microsoft-com:mac:vml" xmlns:p="http://schemas.openxmlformats.org/presentationml/2006/main" mc:Ignorable="mv" mc:PreserveAttributes="mv:*">
   <p:cSld>
     <p:spTree>
       <p:nvGrpSpPr>
@@ -4962,7 +4995,7 @@
     </p:spTree>
     <p:extLst>
       <p:ext uri="{BB962C8B-B14F-4D97-AF65-F5344CB8AC3E}">
-        <p14:creationId xmlns:p14="http://schemas.microsoft.com/office/powerpoint/2010/main" val="4256347672"/>
+        <p14:creationId xmlns:p14="http://schemas.microsoft.com/office/powerpoint/2010/main" xmlns:p="http://schemas.openxmlformats.org/presentationml/2006/main" xmlns:r="http://schemas.openxmlformats.org/officeDocument/2006/relationships" xmlns:a="http://schemas.openxmlformats.org/drawingml/2006/main" xmlns="" val="4256347672"/>
       </p:ext>
     </p:extLst>
   </p:cSld>

--- a/Documentation/Presentation.pptx
+++ b/Documentation/Presentation.pptx
@@ -4,11 +4,14 @@
   <p:sldMasterIdLst>
     <p:sldMasterId id="2147483648" r:id="rId1"/>
   </p:sldMasterIdLst>
+  <p:notesMasterIdLst>
+    <p:notesMasterId r:id="rId12"/>
+  </p:notesMasterIdLst>
   <p:sldIdLst>
     <p:sldId id="256" r:id="rId2"/>
     <p:sldId id="258" r:id="rId3"/>
-    <p:sldId id="257" r:id="rId4"/>
-    <p:sldId id="259" r:id="rId5"/>
+    <p:sldId id="259" r:id="rId4"/>
+    <p:sldId id="267" r:id="rId5"/>
     <p:sldId id="261" r:id="rId6"/>
     <p:sldId id="260" r:id="rId7"/>
     <p:sldId id="262" r:id="rId8"/>
@@ -114,6 +117,732 @@
     </a:lvl9pPr>
   </p:defaultTextStyle>
 </p:presentation>
+</file>
+
+<file path=ppt/notesMasters/notesMaster1.xml><?xml version="1.0" encoding="utf-8"?>
+<p:notesMaster xmlns:a="http://schemas.openxmlformats.org/drawingml/2006/main" xmlns:r="http://schemas.openxmlformats.org/officeDocument/2006/relationships" xmlns:p="http://schemas.openxmlformats.org/presentationml/2006/main">
+  <p:cSld>
+    <p:bg>
+      <p:bgRef idx="1001">
+        <a:schemeClr val="bg1"/>
+      </p:bgRef>
+    </p:bg>
+    <p:spTree>
+      <p:nvGrpSpPr>
+        <p:cNvPr id="1" name=""/>
+        <p:cNvGrpSpPr/>
+        <p:nvPr/>
+      </p:nvGrpSpPr>
+      <p:grpSpPr>
+        <a:xfrm>
+          <a:off x="0" y="0"/>
+          <a:ext cx="0" cy="0"/>
+          <a:chOff x="0" y="0"/>
+          <a:chExt cx="0" cy="0"/>
+        </a:xfrm>
+      </p:grpSpPr>
+      <p:sp>
+        <p:nvSpPr>
+          <p:cNvPr id="2" name="Header Placeholder 1"/>
+          <p:cNvSpPr>
+            <a:spLocks noGrp="1"/>
+          </p:cNvSpPr>
+          <p:nvPr>
+            <p:ph type="hdr" sz="quarter"/>
+          </p:nvPr>
+        </p:nvSpPr>
+        <p:spPr>
+          <a:xfrm>
+            <a:off x="0" y="0"/>
+            <a:ext cx="2971800" cy="457200"/>
+          </a:xfrm>
+          <a:prstGeom prst="rect">
+            <a:avLst/>
+          </a:prstGeom>
+        </p:spPr>
+        <p:txBody>
+          <a:bodyPr vert="horz" lIns="91440" tIns="45720" rIns="91440" bIns="45720" rtlCol="0"/>
+          <a:lstStyle>
+            <a:lvl1pPr algn="l">
+              <a:defRPr sz="1200"/>
+            </a:lvl1pPr>
+          </a:lstStyle>
+          <a:p>
+            <a:endParaRPr lang="en-US"/>
+          </a:p>
+        </p:txBody>
+      </p:sp>
+      <p:sp>
+        <p:nvSpPr>
+          <p:cNvPr id="3" name="Date Placeholder 2"/>
+          <p:cNvSpPr>
+            <a:spLocks noGrp="1"/>
+          </p:cNvSpPr>
+          <p:nvPr>
+            <p:ph type="dt" idx="1"/>
+          </p:nvPr>
+        </p:nvSpPr>
+        <p:spPr>
+          <a:xfrm>
+            <a:off x="3884613" y="0"/>
+            <a:ext cx="2971800" cy="457200"/>
+          </a:xfrm>
+          <a:prstGeom prst="rect">
+            <a:avLst/>
+          </a:prstGeom>
+        </p:spPr>
+        <p:txBody>
+          <a:bodyPr vert="horz" lIns="91440" tIns="45720" rIns="91440" bIns="45720" rtlCol="0"/>
+          <a:lstStyle>
+            <a:lvl1pPr algn="r">
+              <a:defRPr sz="1200"/>
+            </a:lvl1pPr>
+          </a:lstStyle>
+          <a:p>
+            <a:fld id="{4F405883-54D8-CE4F-B25E-85697DC78400}" type="datetimeFigureOut">
+              <a:rPr lang="en-US" smtClean="0"/>
+              <a:t>2014-04-15</a:t>
+            </a:fld>
+            <a:endParaRPr lang="en-US"/>
+          </a:p>
+        </p:txBody>
+      </p:sp>
+      <p:sp>
+        <p:nvSpPr>
+          <p:cNvPr id="4" name="Slide Image Placeholder 3"/>
+          <p:cNvSpPr>
+            <a:spLocks noGrp="1" noRot="1" noChangeAspect="1"/>
+          </p:cNvSpPr>
+          <p:nvPr>
+            <p:ph type="sldImg" idx="2"/>
+          </p:nvPr>
+        </p:nvSpPr>
+        <p:spPr>
+          <a:xfrm>
+            <a:off x="1143000" y="685800"/>
+            <a:ext cx="4572000" cy="3429000"/>
+          </a:xfrm>
+          <a:prstGeom prst="rect">
+            <a:avLst/>
+          </a:prstGeom>
+          <a:noFill/>
+          <a:ln w="12700">
+            <a:solidFill>
+              <a:prstClr val="black"/>
+            </a:solidFill>
+          </a:ln>
+        </p:spPr>
+        <p:txBody>
+          <a:bodyPr vert="horz" lIns="91440" tIns="45720" rIns="91440" bIns="45720" rtlCol="0" anchor="ctr"/>
+          <a:lstStyle/>
+          <a:p>
+            <a:endParaRPr lang="en-US"/>
+          </a:p>
+        </p:txBody>
+      </p:sp>
+      <p:sp>
+        <p:nvSpPr>
+          <p:cNvPr id="5" name="Notes Placeholder 4"/>
+          <p:cNvSpPr>
+            <a:spLocks noGrp="1"/>
+          </p:cNvSpPr>
+          <p:nvPr>
+            <p:ph type="body" sz="quarter" idx="3"/>
+          </p:nvPr>
+        </p:nvSpPr>
+        <p:spPr>
+          <a:xfrm>
+            <a:off x="685800" y="4343400"/>
+            <a:ext cx="5486400" cy="4114800"/>
+          </a:xfrm>
+          <a:prstGeom prst="rect">
+            <a:avLst/>
+          </a:prstGeom>
+        </p:spPr>
+        <p:txBody>
+          <a:bodyPr vert="horz" lIns="91440" tIns="45720" rIns="91440" bIns="45720" rtlCol="0"/>
+          <a:lstStyle/>
+          <a:p>
+            <a:pPr lvl="0"/>
+            <a:r>
+              <a:rPr lang="en-CA" smtClean="0"/>
+              <a:t>Click to edit Master text styles</a:t>
+            </a:r>
+          </a:p>
+          <a:p>
+            <a:pPr lvl="1"/>
+            <a:r>
+              <a:rPr lang="en-CA" smtClean="0"/>
+              <a:t>Second level</a:t>
+            </a:r>
+          </a:p>
+          <a:p>
+            <a:pPr lvl="2"/>
+            <a:r>
+              <a:rPr lang="en-CA" smtClean="0"/>
+              <a:t>Third level</a:t>
+            </a:r>
+          </a:p>
+          <a:p>
+            <a:pPr lvl="3"/>
+            <a:r>
+              <a:rPr lang="en-CA" smtClean="0"/>
+              <a:t>Fourth level</a:t>
+            </a:r>
+          </a:p>
+          <a:p>
+            <a:pPr lvl="4"/>
+            <a:r>
+              <a:rPr lang="en-CA" smtClean="0"/>
+              <a:t>Fifth level</a:t>
+            </a:r>
+            <a:endParaRPr lang="en-US"/>
+          </a:p>
+        </p:txBody>
+      </p:sp>
+      <p:sp>
+        <p:nvSpPr>
+          <p:cNvPr id="6" name="Footer Placeholder 5"/>
+          <p:cNvSpPr>
+            <a:spLocks noGrp="1"/>
+          </p:cNvSpPr>
+          <p:nvPr>
+            <p:ph type="ftr" sz="quarter" idx="4"/>
+          </p:nvPr>
+        </p:nvSpPr>
+        <p:spPr>
+          <a:xfrm>
+            <a:off x="0" y="8685213"/>
+            <a:ext cx="2971800" cy="457200"/>
+          </a:xfrm>
+          <a:prstGeom prst="rect">
+            <a:avLst/>
+          </a:prstGeom>
+        </p:spPr>
+        <p:txBody>
+          <a:bodyPr vert="horz" lIns="91440" tIns="45720" rIns="91440" bIns="45720" rtlCol="0" anchor="b"/>
+          <a:lstStyle>
+            <a:lvl1pPr algn="l">
+              <a:defRPr sz="1200"/>
+            </a:lvl1pPr>
+          </a:lstStyle>
+          <a:p>
+            <a:endParaRPr lang="en-US"/>
+          </a:p>
+        </p:txBody>
+      </p:sp>
+      <p:sp>
+        <p:nvSpPr>
+          <p:cNvPr id="7" name="Slide Number Placeholder 6"/>
+          <p:cNvSpPr>
+            <a:spLocks noGrp="1"/>
+          </p:cNvSpPr>
+          <p:nvPr>
+            <p:ph type="sldNum" sz="quarter" idx="5"/>
+          </p:nvPr>
+        </p:nvSpPr>
+        <p:spPr>
+          <a:xfrm>
+            <a:off x="3884613" y="8685213"/>
+            <a:ext cx="2971800" cy="457200"/>
+          </a:xfrm>
+          <a:prstGeom prst="rect">
+            <a:avLst/>
+          </a:prstGeom>
+        </p:spPr>
+        <p:txBody>
+          <a:bodyPr vert="horz" lIns="91440" tIns="45720" rIns="91440" bIns="45720" rtlCol="0" anchor="b"/>
+          <a:lstStyle>
+            <a:lvl1pPr algn="r">
+              <a:defRPr sz="1200"/>
+            </a:lvl1pPr>
+          </a:lstStyle>
+          <a:p>
+            <a:fld id="{C338E142-AFDC-AE47-9FD3-50F8F6079FF1}" type="slidenum">
+              <a:rPr lang="en-US" smtClean="0"/>
+              <a:t>‹#›</a:t>
+            </a:fld>
+            <a:endParaRPr lang="en-US"/>
+          </a:p>
+        </p:txBody>
+      </p:sp>
+    </p:spTree>
+    <p:extLst>
+      <p:ext uri="{BB962C8B-B14F-4D97-AF65-F5344CB8AC3E}">
+        <p14:creationId xmlns:p14="http://schemas.microsoft.com/office/powerpoint/2010/main" val="4127568524"/>
+      </p:ext>
+    </p:extLst>
+  </p:cSld>
+  <p:clrMap bg1="lt1" tx1="dk1" bg2="lt2" tx2="dk2" accent1="accent1" accent2="accent2" accent3="accent3" accent4="accent4" accent5="accent5" accent6="accent6" hlink="hlink" folHlink="folHlink"/>
+  <p:notesStyle>
+    <a:lvl1pPr marL="0" algn="l" defTabSz="457200" rtl="0" eaLnBrk="1" latinLnBrk="0" hangingPunct="1">
+      <a:defRPr sz="1200" kern="1200">
+        <a:solidFill>
+          <a:schemeClr val="tx1"/>
+        </a:solidFill>
+        <a:latin typeface="+mn-lt"/>
+        <a:ea typeface="+mn-ea"/>
+        <a:cs typeface="+mn-cs"/>
+      </a:defRPr>
+    </a:lvl1pPr>
+    <a:lvl2pPr marL="457200" algn="l" defTabSz="457200" rtl="0" eaLnBrk="1" latinLnBrk="0" hangingPunct="1">
+      <a:defRPr sz="1200" kern="1200">
+        <a:solidFill>
+          <a:schemeClr val="tx1"/>
+        </a:solidFill>
+        <a:latin typeface="+mn-lt"/>
+        <a:ea typeface="+mn-ea"/>
+        <a:cs typeface="+mn-cs"/>
+      </a:defRPr>
+    </a:lvl2pPr>
+    <a:lvl3pPr marL="914400" algn="l" defTabSz="457200" rtl="0" eaLnBrk="1" latinLnBrk="0" hangingPunct="1">
+      <a:defRPr sz="1200" kern="1200">
+        <a:solidFill>
+          <a:schemeClr val="tx1"/>
+        </a:solidFill>
+        <a:latin typeface="+mn-lt"/>
+        <a:ea typeface="+mn-ea"/>
+        <a:cs typeface="+mn-cs"/>
+      </a:defRPr>
+    </a:lvl3pPr>
+    <a:lvl4pPr marL="1371600" algn="l" defTabSz="457200" rtl="0" eaLnBrk="1" latinLnBrk="0" hangingPunct="1">
+      <a:defRPr sz="1200" kern="1200">
+        <a:solidFill>
+          <a:schemeClr val="tx1"/>
+        </a:solidFill>
+        <a:latin typeface="+mn-lt"/>
+        <a:ea typeface="+mn-ea"/>
+        <a:cs typeface="+mn-cs"/>
+      </a:defRPr>
+    </a:lvl4pPr>
+    <a:lvl5pPr marL="1828800" algn="l" defTabSz="457200" rtl="0" eaLnBrk="1" latinLnBrk="0" hangingPunct="1">
+      <a:defRPr sz="1200" kern="1200">
+        <a:solidFill>
+          <a:schemeClr val="tx1"/>
+        </a:solidFill>
+        <a:latin typeface="+mn-lt"/>
+        <a:ea typeface="+mn-ea"/>
+        <a:cs typeface="+mn-cs"/>
+      </a:defRPr>
+    </a:lvl5pPr>
+    <a:lvl6pPr marL="2286000" algn="l" defTabSz="457200" rtl="0" eaLnBrk="1" latinLnBrk="0" hangingPunct="1">
+      <a:defRPr sz="1200" kern="1200">
+        <a:solidFill>
+          <a:schemeClr val="tx1"/>
+        </a:solidFill>
+        <a:latin typeface="+mn-lt"/>
+        <a:ea typeface="+mn-ea"/>
+        <a:cs typeface="+mn-cs"/>
+      </a:defRPr>
+    </a:lvl6pPr>
+    <a:lvl7pPr marL="2743200" algn="l" defTabSz="457200" rtl="0" eaLnBrk="1" latinLnBrk="0" hangingPunct="1">
+      <a:defRPr sz="1200" kern="1200">
+        <a:solidFill>
+          <a:schemeClr val="tx1"/>
+        </a:solidFill>
+        <a:latin typeface="+mn-lt"/>
+        <a:ea typeface="+mn-ea"/>
+        <a:cs typeface="+mn-cs"/>
+      </a:defRPr>
+    </a:lvl7pPr>
+    <a:lvl8pPr marL="3200400" algn="l" defTabSz="457200" rtl="0" eaLnBrk="1" latinLnBrk="0" hangingPunct="1">
+      <a:defRPr sz="1200" kern="1200">
+        <a:solidFill>
+          <a:schemeClr val="tx1"/>
+        </a:solidFill>
+        <a:latin typeface="+mn-lt"/>
+        <a:ea typeface="+mn-ea"/>
+        <a:cs typeface="+mn-cs"/>
+      </a:defRPr>
+    </a:lvl8pPr>
+    <a:lvl9pPr marL="3657600" algn="l" defTabSz="457200" rtl="0" eaLnBrk="1" latinLnBrk="0" hangingPunct="1">
+      <a:defRPr sz="1200" kern="1200">
+        <a:solidFill>
+          <a:schemeClr val="tx1"/>
+        </a:solidFill>
+        <a:latin typeface="+mn-lt"/>
+        <a:ea typeface="+mn-ea"/>
+        <a:cs typeface="+mn-cs"/>
+      </a:defRPr>
+    </a:lvl9pPr>
+  </p:notesStyle>
+</p:notesMaster>
+</file>
+
+<file path=ppt/notesSlides/notesSlide1.xml><?xml version="1.0" encoding="utf-8"?>
+<p:notes xmlns:a="http://schemas.openxmlformats.org/drawingml/2006/main" xmlns:r="http://schemas.openxmlformats.org/officeDocument/2006/relationships" xmlns:p="http://schemas.openxmlformats.org/presentationml/2006/main">
+  <p:cSld>
+    <p:spTree>
+      <p:nvGrpSpPr>
+        <p:cNvPr id="1" name=""/>
+        <p:cNvGrpSpPr/>
+        <p:nvPr/>
+      </p:nvGrpSpPr>
+      <p:grpSpPr>
+        <a:xfrm>
+          <a:off x="0" y="0"/>
+          <a:ext cx="0" cy="0"/>
+          <a:chOff x="0" y="0"/>
+          <a:chExt cx="0" cy="0"/>
+        </a:xfrm>
+      </p:grpSpPr>
+      <p:sp>
+        <p:nvSpPr>
+          <p:cNvPr id="2" name="Slide Image Placeholder 1"/>
+          <p:cNvSpPr>
+            <a:spLocks noGrp="1" noRot="1" noChangeAspect="1"/>
+          </p:cNvSpPr>
+          <p:nvPr>
+            <p:ph type="sldImg"/>
+          </p:nvPr>
+        </p:nvSpPr>
+        <p:spPr/>
+      </p:sp>
+      <p:sp>
+        <p:nvSpPr>
+          <p:cNvPr id="3" name="Notes Placeholder 2"/>
+          <p:cNvSpPr>
+            <a:spLocks noGrp="1"/>
+          </p:cNvSpPr>
+          <p:nvPr>
+            <p:ph type="body" idx="1"/>
+          </p:nvPr>
+        </p:nvSpPr>
+        <p:spPr/>
+        <p:txBody>
+          <a:bodyPr/>
+          <a:lstStyle/>
+          <a:p>
+            <a:r>
+              <a:rPr lang="en-US" dirty="0" smtClean="0"/>
+              <a:t>“For the students, from the students"</a:t>
+            </a:r>
+          </a:p>
+          <a:p>
+            <a:r>
+              <a:rPr lang="en-US" dirty="0" smtClean="0"/>
+              <a:t>To create a web-based application</a:t>
+            </a:r>
+          </a:p>
+          <a:p>
+            <a:r>
+              <a:rPr lang="en-US" dirty="0" smtClean="0"/>
+              <a:t>Student can interact with instructor without bring any additional device</a:t>
+            </a:r>
+          </a:p>
+          <a:p>
+            <a:r>
+              <a:rPr lang="en-US" dirty="0" smtClean="0"/>
+              <a:t>Student also can review the in class activities after class </a:t>
+            </a:r>
+          </a:p>
+          <a:p>
+            <a:r>
+              <a:rPr lang="en-US" dirty="0" smtClean="0"/>
+              <a:t>Decrease the distance between student’s thought and instructor’s</a:t>
+            </a:r>
+          </a:p>
+          <a:p>
+            <a:endParaRPr lang="en-US" dirty="0" smtClean="0"/>
+          </a:p>
+          <a:p>
+            <a:endParaRPr lang="en-US" dirty="0" smtClean="0"/>
+          </a:p>
+          <a:p>
+            <a:r>
+              <a:rPr lang="en-US" dirty="0" smtClean="0"/>
+              <a:t>Two main modules:</a:t>
+            </a:r>
+          </a:p>
+          <a:p>
+            <a:r>
+              <a:rPr lang="en-US" dirty="0" smtClean="0"/>
+              <a:t>Instructor</a:t>
+            </a:r>
+          </a:p>
+          <a:p>
+            <a:r>
+              <a:rPr lang="en-US" dirty="0" smtClean="0"/>
+              <a:t>Student</a:t>
+            </a:r>
+          </a:p>
+          <a:p>
+            <a:endParaRPr lang="en-US" dirty="0" smtClean="0"/>
+          </a:p>
+          <a:p>
+            <a:r>
+              <a:rPr lang="en-US" dirty="0" smtClean="0"/>
+              <a:t>Technology used </a:t>
+            </a:r>
+          </a:p>
+          <a:p>
+            <a:pPr lvl="1"/>
+            <a:r>
+              <a:rPr lang="en-US" dirty="0" smtClean="0"/>
+              <a:t>Python</a:t>
+            </a:r>
+          </a:p>
+          <a:p>
+            <a:pPr lvl="1"/>
+            <a:r>
+              <a:rPr lang="en-US" dirty="0" err="1" smtClean="0"/>
+              <a:t>Django</a:t>
+            </a:r>
+            <a:endParaRPr lang="en-US" dirty="0" smtClean="0"/>
+          </a:p>
+          <a:p>
+            <a:pPr lvl="1"/>
+            <a:r>
+              <a:rPr lang="en-US" dirty="0" err="1" smtClean="0"/>
+              <a:t>Javascript</a:t>
+            </a:r>
+            <a:endParaRPr lang="en-US" dirty="0" smtClean="0"/>
+          </a:p>
+          <a:p>
+            <a:pPr lvl="1"/>
+            <a:r>
+              <a:rPr lang="en-US" dirty="0" err="1" smtClean="0"/>
+              <a:t>PostgresSQL</a:t>
+            </a:r>
+            <a:endParaRPr lang="en-US" dirty="0" smtClean="0"/>
+          </a:p>
+          <a:p>
+            <a:pPr lvl="1"/>
+            <a:endParaRPr lang="en-US" dirty="0" smtClean="0"/>
+          </a:p>
+          <a:p>
+            <a:r>
+              <a:rPr lang="en-US" dirty="0" smtClean="0"/>
+              <a:t>Basic Hardware  </a:t>
+            </a:r>
+          </a:p>
+          <a:p>
+            <a:endParaRPr lang="en-US" dirty="0"/>
+          </a:p>
+        </p:txBody>
+      </p:sp>
+      <p:sp>
+        <p:nvSpPr>
+          <p:cNvPr id="4" name="Slide Number Placeholder 3"/>
+          <p:cNvSpPr>
+            <a:spLocks noGrp="1"/>
+          </p:cNvSpPr>
+          <p:nvPr>
+            <p:ph type="sldNum" sz="quarter" idx="10"/>
+          </p:nvPr>
+        </p:nvSpPr>
+        <p:spPr/>
+        <p:txBody>
+          <a:bodyPr/>
+          <a:lstStyle/>
+          <a:p>
+            <a:fld id="{C338E142-AFDC-AE47-9FD3-50F8F6079FF1}" type="slidenum">
+              <a:rPr lang="en-US" smtClean="0"/>
+              <a:t>3</a:t>
+            </a:fld>
+            <a:endParaRPr lang="en-US"/>
+          </a:p>
+        </p:txBody>
+      </p:sp>
+    </p:spTree>
+    <p:extLst>
+      <p:ext uri="{BB962C8B-B14F-4D97-AF65-F5344CB8AC3E}">
+        <p14:creationId xmlns:p14="http://schemas.microsoft.com/office/powerpoint/2010/main" val="2984006627"/>
+      </p:ext>
+    </p:extLst>
+  </p:cSld>
+  <p:clrMapOvr>
+    <a:masterClrMapping/>
+  </p:clrMapOvr>
+</p:notes>
+</file>
+
+<file path=ppt/notesSlides/notesSlide2.xml><?xml version="1.0" encoding="utf-8"?>
+<p:notes xmlns:a="http://schemas.openxmlformats.org/drawingml/2006/main" xmlns:r="http://schemas.openxmlformats.org/officeDocument/2006/relationships" xmlns:p="http://schemas.openxmlformats.org/presentationml/2006/main">
+  <p:cSld>
+    <p:spTree>
+      <p:nvGrpSpPr>
+        <p:cNvPr id="1" name=""/>
+        <p:cNvGrpSpPr/>
+        <p:nvPr/>
+      </p:nvGrpSpPr>
+      <p:grpSpPr>
+        <a:xfrm>
+          <a:off x="0" y="0"/>
+          <a:ext cx="0" cy="0"/>
+          <a:chOff x="0" y="0"/>
+          <a:chExt cx="0" cy="0"/>
+        </a:xfrm>
+      </p:grpSpPr>
+      <p:sp>
+        <p:nvSpPr>
+          <p:cNvPr id="2" name="Slide Image Placeholder 1"/>
+          <p:cNvSpPr>
+            <a:spLocks noGrp="1" noRot="1" noChangeAspect="1"/>
+          </p:cNvSpPr>
+          <p:nvPr>
+            <p:ph type="sldImg"/>
+          </p:nvPr>
+        </p:nvSpPr>
+        <p:spPr/>
+      </p:sp>
+      <p:sp>
+        <p:nvSpPr>
+          <p:cNvPr id="3" name="Notes Placeholder 2"/>
+          <p:cNvSpPr>
+            <a:spLocks noGrp="1"/>
+          </p:cNvSpPr>
+          <p:nvPr>
+            <p:ph type="body" idx="1"/>
+          </p:nvPr>
+        </p:nvSpPr>
+        <p:spPr/>
+        <p:txBody>
+          <a:bodyPr/>
+          <a:lstStyle/>
+          <a:p>
+            <a:r>
+              <a:rPr lang="en-US" dirty="0" smtClean="0"/>
+              <a:t>“For the students, from the students"</a:t>
+            </a:r>
+          </a:p>
+          <a:p>
+            <a:r>
+              <a:rPr lang="en-US" dirty="0" smtClean="0"/>
+              <a:t>To create a web-based application</a:t>
+            </a:r>
+          </a:p>
+          <a:p>
+            <a:r>
+              <a:rPr lang="en-US" dirty="0" smtClean="0"/>
+              <a:t>Student can interact with instructor without bring any additional device</a:t>
+            </a:r>
+          </a:p>
+          <a:p>
+            <a:r>
+              <a:rPr lang="en-US" dirty="0" smtClean="0"/>
+              <a:t>Student also can review the in class activities after class </a:t>
+            </a:r>
+          </a:p>
+          <a:p>
+            <a:r>
+              <a:rPr lang="en-US" dirty="0" smtClean="0"/>
+              <a:t>Decrease the distance between student’s thought and instructor’s</a:t>
+            </a:r>
+          </a:p>
+          <a:p>
+            <a:endParaRPr lang="en-US" dirty="0" smtClean="0"/>
+          </a:p>
+          <a:p>
+            <a:endParaRPr lang="en-US" dirty="0" smtClean="0"/>
+          </a:p>
+          <a:p>
+            <a:r>
+              <a:rPr lang="en-US" dirty="0" smtClean="0"/>
+              <a:t>Two main modules:</a:t>
+            </a:r>
+          </a:p>
+          <a:p>
+            <a:r>
+              <a:rPr lang="en-US" dirty="0" smtClean="0"/>
+              <a:t>Instructor</a:t>
+            </a:r>
+          </a:p>
+          <a:p>
+            <a:r>
+              <a:rPr lang="en-US" dirty="0" smtClean="0"/>
+              <a:t>Student</a:t>
+            </a:r>
+          </a:p>
+          <a:p>
+            <a:endParaRPr lang="en-US" dirty="0" smtClean="0"/>
+          </a:p>
+          <a:p>
+            <a:r>
+              <a:rPr lang="en-US" dirty="0" smtClean="0"/>
+              <a:t>Technology used </a:t>
+            </a:r>
+          </a:p>
+          <a:p>
+            <a:pPr lvl="1"/>
+            <a:r>
+              <a:rPr lang="en-US" dirty="0" smtClean="0"/>
+              <a:t>Python</a:t>
+            </a:r>
+          </a:p>
+          <a:p>
+            <a:pPr lvl="1"/>
+            <a:r>
+              <a:rPr lang="en-US" dirty="0" err="1" smtClean="0"/>
+              <a:t>Django</a:t>
+            </a:r>
+            <a:endParaRPr lang="en-US" dirty="0" smtClean="0"/>
+          </a:p>
+          <a:p>
+            <a:pPr lvl="1"/>
+            <a:r>
+              <a:rPr lang="en-US" dirty="0" err="1" smtClean="0"/>
+              <a:t>Javascript</a:t>
+            </a:r>
+            <a:endParaRPr lang="en-US" dirty="0" smtClean="0"/>
+          </a:p>
+          <a:p>
+            <a:pPr lvl="1"/>
+            <a:r>
+              <a:rPr lang="en-US" dirty="0" err="1" smtClean="0"/>
+              <a:t>PostgresSQL</a:t>
+            </a:r>
+            <a:endParaRPr lang="en-US" dirty="0" smtClean="0"/>
+          </a:p>
+          <a:p>
+            <a:pPr lvl="1"/>
+            <a:endParaRPr lang="en-US" dirty="0" smtClean="0"/>
+          </a:p>
+          <a:p>
+            <a:r>
+              <a:rPr lang="en-US" dirty="0" smtClean="0"/>
+              <a:t>Basic Hardware  </a:t>
+            </a:r>
+          </a:p>
+          <a:p>
+            <a:endParaRPr lang="en-US" dirty="0"/>
+          </a:p>
+        </p:txBody>
+      </p:sp>
+      <p:sp>
+        <p:nvSpPr>
+          <p:cNvPr id="4" name="Slide Number Placeholder 3"/>
+          <p:cNvSpPr>
+            <a:spLocks noGrp="1"/>
+          </p:cNvSpPr>
+          <p:nvPr>
+            <p:ph type="sldNum" sz="quarter" idx="10"/>
+          </p:nvPr>
+        </p:nvSpPr>
+        <p:spPr/>
+        <p:txBody>
+          <a:bodyPr/>
+          <a:lstStyle/>
+          <a:p>
+            <a:fld id="{C338E142-AFDC-AE47-9FD3-50F8F6079FF1}" type="slidenum">
+              <a:rPr lang="en-US" smtClean="0"/>
+              <a:t>4</a:t>
+            </a:fld>
+            <a:endParaRPr lang="en-US"/>
+          </a:p>
+        </p:txBody>
+      </p:sp>
+    </p:spTree>
+    <p:extLst>
+      <p:ext uri="{BB962C8B-B14F-4D97-AF65-F5344CB8AC3E}">
+        <p14:creationId xmlns:p14="http://schemas.microsoft.com/office/powerpoint/2010/main" val="2984006627"/>
+      </p:ext>
+    </p:extLst>
+  </p:cSld>
+  <p:clrMapOvr>
+    <a:masterClrMapping/>
+  </p:clrMapOvr>
+</p:notes>
 </file>
 
 <file path=ppt/slideLayouts/slideLayout1.xml><?xml version="1.0" encoding="utf-8"?>
@@ -4044,22 +4773,66 @@
             <p:ph idx="1"/>
           </p:nvPr>
         </p:nvSpPr>
-        <p:spPr/>
-        <p:txBody>
-          <a:bodyPr/>
-          <a:lstStyle/>
-          <a:p>
-            <a:r>
-              <a:rPr lang="en-US" dirty="0" smtClean="0"/>
-              <a:t>Interactive in class </a:t>
-            </a:r>
-          </a:p>
-          <a:p>
-            <a:r>
-              <a:rPr lang="en-US" dirty="0" smtClean="0"/>
-              <a:t>What other Technologies lack</a:t>
-            </a:r>
-            <a:endParaRPr lang="en-US" dirty="0"/>
+        <p:spPr>
+          <a:xfrm>
+            <a:off x="4316823" y="1838158"/>
+            <a:ext cx="4827177" cy="3241841"/>
+          </a:xfrm>
+        </p:spPr>
+        <p:txBody>
+          <a:bodyPr>
+            <a:normAutofit fontScale="55000" lnSpcReduction="20000"/>
+          </a:bodyPr>
+          <a:lstStyle/>
+          <a:p>
+            <a:r>
+              <a:rPr lang="en-US" altLang="zh-CN" sz="4500" dirty="0" smtClean="0"/>
+              <a:t>Lack</a:t>
+            </a:r>
+            <a:r>
+              <a:rPr lang="zh-CN" altLang="en-US" sz="4500" dirty="0" smtClean="0"/>
+              <a:t> </a:t>
+            </a:r>
+            <a:r>
+              <a:rPr lang="en-CA" altLang="zh-CN" sz="4500" dirty="0" smtClean="0"/>
+              <a:t>of interaction between Instructors and Students</a:t>
+            </a:r>
+          </a:p>
+          <a:p>
+            <a:endParaRPr lang="en-US" altLang="zh-CN" sz="4500" dirty="0" smtClean="0"/>
+          </a:p>
+          <a:p>
+            <a:r>
+              <a:rPr lang="en-US" sz="4500" dirty="0" smtClean="0"/>
+              <a:t>Learning Pitfalls</a:t>
+            </a:r>
+          </a:p>
+          <a:p>
+            <a:endParaRPr lang="en-US" sz="4500" dirty="0"/>
+          </a:p>
+          <a:p>
+            <a:r>
+              <a:rPr lang="en-US" sz="4500" dirty="0" smtClean="0"/>
+              <a:t>Hardware Constraints</a:t>
+            </a:r>
+          </a:p>
+          <a:p>
+            <a:endParaRPr lang="en-US" sz="4500" dirty="0" smtClean="0"/>
+          </a:p>
+          <a:p>
+            <a:r>
+              <a:rPr lang="en-US" sz="4500" dirty="0" smtClean="0"/>
+              <a:t>Communication barriers</a:t>
+            </a:r>
+          </a:p>
+          <a:p>
+            <a:endParaRPr lang="en-US" dirty="0" smtClean="0"/>
+          </a:p>
+          <a:p>
+            <a:endParaRPr lang="en-US" dirty="0" smtClean="0"/>
+          </a:p>
+          <a:p>
+            <a:endParaRPr lang="en-US" dirty="0" smtClean="0"/>
           </a:p>
         </p:txBody>
       </p:sp>
@@ -4073,7 +4846,12 @@
             <p:ph type="title"/>
           </p:nvPr>
         </p:nvSpPr>
-        <p:spPr/>
+        <p:spPr>
+          <a:xfrm>
+            <a:off x="336082" y="228601"/>
+            <a:ext cx="7543800" cy="914400"/>
+          </a:xfrm>
+        </p:spPr>
         <p:txBody>
           <a:bodyPr/>
           <a:lstStyle/>
@@ -4104,6 +4882,30 @@
           <a:xfrm>
             <a:off x="7364822" y="111794"/>
             <a:ext cx="1660040" cy="917575"/>
+          </a:xfrm>
+          <a:prstGeom prst="rect">
+            <a:avLst/>
+          </a:prstGeom>
+        </p:spPr>
+      </p:pic>
+      <p:pic>
+        <p:nvPicPr>
+          <p:cNvPr id="5" name="Picture 4"/>
+          <p:cNvPicPr>
+            <a:picLocks noChangeAspect="1"/>
+          </p:cNvPicPr>
+          <p:nvPr/>
+        </p:nvPicPr>
+        <p:blipFill>
+          <a:blip r:embed="rId3"/>
+          <a:stretch>
+            <a:fillRect/>
+          </a:stretch>
+        </p:blipFill>
+        <p:spPr>
+          <a:xfrm>
+            <a:off x="0" y="4075363"/>
+            <a:ext cx="4179455" cy="2782637"/>
           </a:xfrm>
           <a:prstGeom prst="rect">
             <a:avLst/>
@@ -4142,6 +4944,81 @@
       </p:grpSpPr>
       <p:sp>
         <p:nvSpPr>
+          <p:cNvPr id="2" name="Content Placeholder 1"/>
+          <p:cNvSpPr>
+            <a:spLocks noGrp="1"/>
+          </p:cNvSpPr>
+          <p:nvPr>
+            <p:ph idx="1"/>
+          </p:nvPr>
+        </p:nvSpPr>
+        <p:spPr>
+          <a:xfrm>
+            <a:off x="231415" y="1703951"/>
+            <a:ext cx="4350634" cy="4581378"/>
+          </a:xfrm>
+        </p:spPr>
+        <p:txBody>
+          <a:bodyPr>
+            <a:normAutofit fontScale="92500" lnSpcReduction="10000"/>
+          </a:bodyPr>
+          <a:lstStyle/>
+          <a:p>
+            <a:r>
+              <a:rPr lang="en-US" sz="2800" dirty="0" smtClean="0"/>
+              <a:t>Web-Based Application (Compatible on most internet enabled devices</a:t>
+            </a:r>
+            <a:r>
+              <a:rPr lang="en-US" sz="2800" dirty="0" smtClean="0"/>
+              <a:t>)</a:t>
+            </a:r>
+          </a:p>
+          <a:p>
+            <a:endParaRPr lang="en-US" sz="2800" dirty="0" smtClean="0"/>
+          </a:p>
+          <a:p>
+            <a:r>
+              <a:rPr lang="en-US" sz="2800" dirty="0" smtClean="0"/>
+              <a:t>Real-time interaction and feedback from </a:t>
+            </a:r>
+            <a:r>
+              <a:rPr lang="en-US" sz="2800" dirty="0" smtClean="0"/>
+              <a:t>students</a:t>
+            </a:r>
+          </a:p>
+          <a:p>
+            <a:endParaRPr lang="en-US" sz="2800" dirty="0" smtClean="0"/>
+          </a:p>
+          <a:p>
+            <a:r>
+              <a:rPr lang="en-US" sz="2800" dirty="0" smtClean="0"/>
+              <a:t>No extra physical hardware </a:t>
+            </a:r>
+            <a:r>
+              <a:rPr lang="en-US" sz="2800" dirty="0" smtClean="0"/>
+              <a:t>required</a:t>
+            </a:r>
+          </a:p>
+          <a:p>
+            <a:endParaRPr lang="en-US" sz="2800" dirty="0" smtClean="0"/>
+          </a:p>
+          <a:p>
+            <a:r>
+              <a:rPr lang="en-US" sz="2800" dirty="0" smtClean="0"/>
+              <a:t>Open Source (Free!)</a:t>
+            </a:r>
+            <a:endParaRPr lang="en-US" sz="2800" dirty="0" smtClean="0"/>
+          </a:p>
+          <a:p>
+            <a:endParaRPr lang="en-US" sz="2800" dirty="0" smtClean="0"/>
+          </a:p>
+          <a:p>
+            <a:endParaRPr lang="en-US" sz="2800" dirty="0" smtClean="0"/>
+          </a:p>
+        </p:txBody>
+      </p:sp>
+      <p:sp>
+        <p:nvSpPr>
           <p:cNvPr id="3" name="Title 2"/>
           <p:cNvSpPr>
             <a:spLocks noGrp="1"/>
@@ -4150,14 +5027,19 @@
             <p:ph type="title"/>
           </p:nvPr>
         </p:nvSpPr>
-        <p:spPr/>
+        <p:spPr>
+          <a:xfrm>
+            <a:off x="202398" y="111794"/>
+            <a:ext cx="7543800" cy="914400"/>
+          </a:xfrm>
+        </p:spPr>
         <p:txBody>
           <a:bodyPr/>
           <a:lstStyle/>
           <a:p>
             <a:r>
               <a:rPr lang="en-US" dirty="0" smtClean="0"/>
-              <a:t>Motivation</a:t>
+              <a:t>The Solution</a:t>
             </a:r>
             <a:endParaRPr lang="en-US" dirty="0"/>
           </a:p>
@@ -4172,7 +5054,7 @@
           <p:nvPr/>
         </p:nvPicPr>
         <p:blipFill>
-          <a:blip r:embed="rId2"/>
+          <a:blip r:embed="rId3"/>
           <a:stretch>
             <a:fillRect/>
           </a:stretch>
@@ -4187,58 +5069,34 @@
           </a:prstGeom>
         </p:spPr>
       </p:pic>
-      <p:sp>
-        <p:nvSpPr>
-          <p:cNvPr id="8" name="Content Placeholder 1"/>
-          <p:cNvSpPr>
-            <a:spLocks noGrp="1"/>
-          </p:cNvSpPr>
-          <p:nvPr>
-            <p:ph idx="1"/>
-          </p:nvPr>
-        </p:nvSpPr>
+      <p:pic>
+        <p:nvPicPr>
+          <p:cNvPr id="5" name="Picture 4"/>
+          <p:cNvPicPr>
+            <a:picLocks noChangeAspect="1"/>
+          </p:cNvPicPr>
+          <p:nvPr/>
+        </p:nvPicPr>
+        <p:blipFill>
+          <a:blip r:embed="rId4"/>
+          <a:stretch>
+            <a:fillRect/>
+          </a:stretch>
+        </p:blipFill>
         <p:spPr>
           <a:xfrm>
-            <a:off x="2133600" y="685801"/>
-            <a:ext cx="6096000" cy="3657599"/>
+            <a:off x="4298000" y="3745477"/>
+            <a:ext cx="4845999" cy="3112523"/>
           </a:xfrm>
+          <a:prstGeom prst="rect">
+            <a:avLst/>
+          </a:prstGeom>
         </p:spPr>
-        <p:txBody>
-          <a:bodyPr/>
-          <a:lstStyle/>
-          <a:p>
-            <a:r>
-              <a:rPr lang="en-US" dirty="0" smtClean="0"/>
-              <a:t>To Create a Web-based application</a:t>
-            </a:r>
-            <a:endParaRPr lang="en-US" dirty="0" smtClean="0"/>
-          </a:p>
-          <a:p>
-            <a:r>
-              <a:rPr lang="en-US" dirty="0" smtClean="0"/>
-              <a:t>Student can interact with instructor without bring any additional device</a:t>
-            </a:r>
-            <a:endParaRPr lang="en-US" dirty="0"/>
-          </a:p>
-          <a:p>
-            <a:r>
-              <a:rPr lang="en-US" dirty="0" smtClean="0"/>
-              <a:t>Student also can review the in class activities after class </a:t>
-            </a:r>
-          </a:p>
-          <a:p>
-            <a:r>
-              <a:rPr lang="en-US" dirty="0" smtClean="0"/>
-              <a:t>Decrease the distance between student’s thought and instructor’s</a:t>
-            </a:r>
-            <a:endParaRPr lang="en-US" dirty="0" smtClean="0"/>
-          </a:p>
-        </p:txBody>
-      </p:sp>
+      </p:pic>
     </p:spTree>
     <p:extLst>
       <p:ext uri="{BB962C8B-B14F-4D97-AF65-F5344CB8AC3E}">
-        <p14:creationId xmlns:p14="http://schemas.microsoft.com/office/powerpoint/2010/main" val="3247832161"/>
+        <p14:creationId xmlns:p14="http://schemas.microsoft.com/office/powerpoint/2010/main" val="3735635188"/>
       </p:ext>
     </p:extLst>
   </p:cSld>
@@ -4277,104 +5135,150 @@
         </p:nvSpPr>
         <p:spPr>
           <a:xfrm>
-            <a:off x="2100714" y="859591"/>
-            <a:ext cx="6096000" cy="4113462"/>
+            <a:off x="1077183" y="1029369"/>
+            <a:ext cx="7855500" cy="5255960"/>
           </a:xfrm>
         </p:spPr>
         <p:txBody>
           <a:bodyPr>
-            <a:normAutofit/>
+            <a:normAutofit fontScale="85000" lnSpcReduction="20000"/>
           </a:bodyPr>
           <a:lstStyle/>
           <a:p>
             <a:r>
+              <a:rPr lang="en-US" dirty="0"/>
+              <a:t>“For the students, from the students"</a:t>
+            </a:r>
+          </a:p>
+          <a:p>
+            <a:r>
+              <a:rPr lang="en-US" dirty="0"/>
+              <a:t>To create a web-based application</a:t>
+            </a:r>
+          </a:p>
+          <a:p>
+            <a:r>
+              <a:rPr lang="en-US" dirty="0"/>
+              <a:t>Student can interact with instructor without bring any additional device</a:t>
+            </a:r>
+          </a:p>
+          <a:p>
+            <a:r>
+              <a:rPr lang="en-US" dirty="0"/>
+              <a:t>Student also can review the in class activities after class </a:t>
+            </a:r>
+          </a:p>
+          <a:p>
+            <a:r>
+              <a:rPr lang="en-US" dirty="0"/>
+              <a:t>Decrease the distance between student’s thought and instructor’s</a:t>
+            </a:r>
+          </a:p>
+          <a:p>
+            <a:endParaRPr lang="en-US" dirty="0"/>
+          </a:p>
+          <a:p>
+            <a:endParaRPr lang="en-US" dirty="0"/>
+          </a:p>
+          <a:p>
+            <a:r>
+              <a:rPr lang="en-US" dirty="0"/>
+              <a:t>Two main modules:</a:t>
+            </a:r>
+          </a:p>
+          <a:p>
+            <a:r>
+              <a:rPr lang="en-US" dirty="0"/>
+              <a:t>Instructor</a:t>
+            </a:r>
+          </a:p>
+          <a:p>
+            <a:r>
+              <a:rPr lang="en-US" dirty="0"/>
+              <a:t>Student</a:t>
+            </a:r>
+          </a:p>
+          <a:p>
+            <a:endParaRPr lang="en-US" dirty="0"/>
+          </a:p>
+          <a:p>
+            <a:r>
+              <a:rPr lang="en-US" dirty="0"/>
+              <a:t>Technology used </a:t>
+            </a:r>
+          </a:p>
+          <a:p>
+            <a:pPr lvl="1"/>
+            <a:r>
+              <a:rPr lang="en-US" dirty="0"/>
+              <a:t>Python</a:t>
+            </a:r>
+          </a:p>
+          <a:p>
+            <a:pPr lvl="1"/>
+            <a:r>
+              <a:rPr lang="en-US" dirty="0" err="1"/>
+              <a:t>Django</a:t>
+            </a:r>
+            <a:endParaRPr lang="en-US" dirty="0"/>
+          </a:p>
+          <a:p>
+            <a:pPr lvl="1"/>
+            <a:r>
+              <a:rPr lang="en-US" dirty="0" err="1"/>
+              <a:t>Javascript</a:t>
+            </a:r>
+            <a:endParaRPr lang="en-US" dirty="0"/>
+          </a:p>
+          <a:p>
+            <a:pPr lvl="1"/>
+            <a:r>
+              <a:rPr lang="en-US" dirty="0" err="1"/>
+              <a:t>PostgresSQL</a:t>
+            </a:r>
+            <a:endParaRPr lang="en-US" dirty="0"/>
+          </a:p>
+          <a:p>
+            <a:pPr lvl="1"/>
+            <a:endParaRPr lang="en-US" dirty="0"/>
+          </a:p>
+          <a:p>
+            <a:r>
+              <a:rPr lang="en-US" dirty="0"/>
+              <a:t>Basic Hardware  </a:t>
+            </a:r>
+          </a:p>
+          <a:p>
+            <a:endParaRPr lang="en-US" dirty="0"/>
+          </a:p>
+          <a:p>
+            <a:endParaRPr lang="en-US" sz="2800" dirty="0" smtClean="0"/>
+          </a:p>
+        </p:txBody>
+      </p:sp>
+      <p:sp>
+        <p:nvSpPr>
+          <p:cNvPr id="3" name="Title 2"/>
+          <p:cNvSpPr>
+            <a:spLocks noGrp="1"/>
+          </p:cNvSpPr>
+          <p:nvPr>
+            <p:ph type="title"/>
+          </p:nvPr>
+        </p:nvSpPr>
+        <p:spPr>
+          <a:xfrm>
+            <a:off x="202398" y="111794"/>
+            <a:ext cx="7543800" cy="914400"/>
+          </a:xfrm>
+        </p:spPr>
+        <p:txBody>
+          <a:bodyPr/>
+          <a:lstStyle/>
+          <a:p>
+            <a:r>
               <a:rPr lang="en-US" dirty="0" smtClean="0"/>
-              <a:t>Two main modules:</a:t>
-            </a:r>
-          </a:p>
-          <a:p>
-            <a:r>
-              <a:rPr lang="en-US" dirty="0" smtClean="0"/>
-              <a:t>Instructor</a:t>
-            </a:r>
-          </a:p>
-          <a:p>
-            <a:r>
-              <a:rPr lang="en-US" dirty="0" smtClean="0"/>
-              <a:t>Student</a:t>
-            </a:r>
-          </a:p>
-          <a:p>
-            <a:endParaRPr lang="en-US" dirty="0" smtClean="0"/>
-          </a:p>
-          <a:p>
-            <a:r>
-              <a:rPr lang="en-US" dirty="0" smtClean="0"/>
-              <a:t>Technology used </a:t>
-            </a:r>
-          </a:p>
-          <a:p>
-            <a:pPr lvl="1"/>
-            <a:r>
-              <a:rPr lang="en-US" dirty="0" smtClean="0"/>
-              <a:t>Python</a:t>
-            </a:r>
-          </a:p>
-          <a:p>
-            <a:pPr lvl="1"/>
-            <a:r>
-              <a:rPr lang="en-US" dirty="0" err="1" smtClean="0"/>
-              <a:t>Django</a:t>
-            </a:r>
-            <a:endParaRPr lang="en-US" dirty="0" smtClean="0"/>
-          </a:p>
-          <a:p>
-            <a:pPr lvl="1"/>
-            <a:r>
-              <a:rPr lang="en-US" dirty="0" err="1" smtClean="0"/>
-              <a:t>Javascript</a:t>
-            </a:r>
-            <a:endParaRPr lang="en-US" dirty="0" smtClean="0"/>
-          </a:p>
-          <a:p>
-            <a:pPr lvl="1"/>
-            <a:r>
-              <a:rPr lang="en-US" dirty="0" err="1" smtClean="0"/>
-              <a:t>PostgresSQL</a:t>
-            </a:r>
-            <a:endParaRPr lang="en-US" dirty="0" smtClean="0"/>
-          </a:p>
-          <a:p>
-            <a:pPr lvl="1"/>
-            <a:endParaRPr lang="en-US" dirty="0" smtClean="0"/>
-          </a:p>
-          <a:p>
-            <a:r>
-              <a:rPr lang="en-US" dirty="0" smtClean="0"/>
-              <a:t>Basic Hardware  </a:t>
-            </a:r>
-            <a:endParaRPr lang="en-US" dirty="0"/>
-          </a:p>
-        </p:txBody>
-      </p:sp>
-      <p:sp>
-        <p:nvSpPr>
-          <p:cNvPr id="3" name="Title 2"/>
-          <p:cNvSpPr>
-            <a:spLocks noGrp="1"/>
-          </p:cNvSpPr>
-          <p:nvPr>
-            <p:ph type="title"/>
-          </p:nvPr>
-        </p:nvSpPr>
-        <p:spPr/>
-        <p:txBody>
-          <a:bodyPr/>
-          <a:lstStyle/>
-          <a:p>
-            <a:r>
-              <a:rPr lang="en-US" dirty="0" smtClean="0"/>
-              <a:t>How we approach</a:t>
+              <a:t>Implementation</a:t>
             </a:r>
             <a:endParaRPr lang="en-US" dirty="0"/>
           </a:p>
@@ -4389,7 +5293,7 @@
           <p:nvPr/>
         </p:nvPicPr>
         <p:blipFill>
-          <a:blip r:embed="rId2"/>
+          <a:blip r:embed="rId3"/>
           <a:stretch>
             <a:fillRect/>
           </a:stretch>
@@ -4407,7 +5311,7 @@
     </p:spTree>
     <p:extLst>
       <p:ext uri="{BB962C8B-B14F-4D97-AF65-F5344CB8AC3E}">
-        <p14:creationId xmlns:p14="http://schemas.microsoft.com/office/powerpoint/2010/main" val="3735635188"/>
+        <p14:creationId xmlns:p14="http://schemas.microsoft.com/office/powerpoint/2010/main" val="3229860538"/>
       </p:ext>
     </p:extLst>
   </p:cSld>
@@ -4792,13 +5696,8 @@
           <a:p>
             <a:r>
               <a:rPr lang="en-US" dirty="0" smtClean="0"/>
-              <a:t>Portability for different </a:t>
-            </a:r>
-            <a:r>
-              <a:rPr lang="en-US" dirty="0" smtClean="0"/>
-              <a:t>environment</a:t>
-            </a:r>
-            <a:endParaRPr lang="en-US" dirty="0" smtClean="0"/>
+              <a:t>Portability for different environment</a:t>
+            </a:r>
           </a:p>
           <a:p>
             <a:r>
@@ -4821,7 +5720,6 @@
               <a:rPr lang="en-US" dirty="0" smtClean="0"/>
               <a:t>kit</a:t>
             </a:r>
-            <a:endParaRPr lang="en-US" dirty="0" smtClean="0"/>
           </a:p>
           <a:p>
             <a:r>
@@ -5255,4 +6153,324 @@
   <a:objectDefaults/>
   <a:extraClrSchemeLst/>
 </a:theme>
+</file>
+
+<file path=ppt/theme/theme2.xml><?xml version="1.0" encoding="utf-8"?>
+<a:theme xmlns:a="http://schemas.openxmlformats.org/drawingml/2006/main" name="Office Theme">
+  <a:themeElements>
+    <a:clrScheme name="Office">
+      <a:dk1>
+        <a:sysClr val="windowText" lastClr="000000"/>
+      </a:dk1>
+      <a:lt1>
+        <a:sysClr val="window" lastClr="FFFFFF"/>
+      </a:lt1>
+      <a:dk2>
+        <a:srgbClr val="1F497D"/>
+      </a:dk2>
+      <a:lt2>
+        <a:srgbClr val="EEECE1"/>
+      </a:lt2>
+      <a:accent1>
+        <a:srgbClr val="4F81BD"/>
+      </a:accent1>
+      <a:accent2>
+        <a:srgbClr val="C0504D"/>
+      </a:accent2>
+      <a:accent3>
+        <a:srgbClr val="9BBB59"/>
+      </a:accent3>
+      <a:accent4>
+        <a:srgbClr val="8064A2"/>
+      </a:accent4>
+      <a:accent5>
+        <a:srgbClr val="4BACC6"/>
+      </a:accent5>
+      <a:accent6>
+        <a:srgbClr val="F79646"/>
+      </a:accent6>
+      <a:hlink>
+        <a:srgbClr val="0000FF"/>
+      </a:hlink>
+      <a:folHlink>
+        <a:srgbClr val="800080"/>
+      </a:folHlink>
+    </a:clrScheme>
+    <a:fontScheme name="Office">
+      <a:majorFont>
+        <a:latin typeface="Calibri"/>
+        <a:ea typeface=""/>
+        <a:cs typeface=""/>
+        <a:font script="Jpan" typeface="ＭＳ Ｐゴシック"/>
+        <a:font script="Hang" typeface="맑은 고딕"/>
+        <a:font script="Hans" typeface="宋体"/>
+        <a:font script="Hant" typeface="新細明體"/>
+        <a:font script="Arab" typeface="Times New Roman"/>
+        <a:font script="Hebr" typeface="Times New Roman"/>
+        <a:font script="Thai" typeface="Angsana New"/>
+        <a:font script="Ethi" typeface="Nyala"/>
+        <a:font script="Beng" typeface="Vrinda"/>
+        <a:font script="Gujr" typeface="Shruti"/>
+        <a:font script="Khmr" typeface="MoolBoran"/>
+        <a:font script="Knda" typeface="Tunga"/>
+        <a:font script="Guru" typeface="Raavi"/>
+        <a:font script="Cans" typeface="Euphemia"/>
+        <a:font script="Cher" typeface="Plantagenet Cherokee"/>
+        <a:font script="Yiii" typeface="Microsoft Yi Baiti"/>
+        <a:font script="Tibt" typeface="Microsoft Himalaya"/>
+        <a:font script="Thaa" typeface="MV Boli"/>
+        <a:font script="Deva" typeface="Mangal"/>
+        <a:font script="Telu" typeface="Gautami"/>
+        <a:font script="Taml" typeface="Latha"/>
+        <a:font script="Syrc" typeface="Estrangelo Edessa"/>
+        <a:font script="Orya" typeface="Kalinga"/>
+        <a:font script="Mlym" typeface="Kartika"/>
+        <a:font script="Laoo" typeface="DokChampa"/>
+        <a:font script="Sinh" typeface="Iskoola Pota"/>
+        <a:font script="Mong" typeface="Mongolian Baiti"/>
+        <a:font script="Viet" typeface="Times New Roman"/>
+        <a:font script="Uigh" typeface="Microsoft Uighur"/>
+        <a:font script="Geor" typeface="Sylfaen"/>
+      </a:majorFont>
+      <a:minorFont>
+        <a:latin typeface="Calibri"/>
+        <a:ea typeface=""/>
+        <a:cs typeface=""/>
+        <a:font script="Jpan" typeface="ＭＳ Ｐゴシック"/>
+        <a:font script="Hang" typeface="맑은 고딕"/>
+        <a:font script="Hans" typeface="宋体"/>
+        <a:font script="Hant" typeface="新細明體"/>
+        <a:font script="Arab" typeface="Arial"/>
+        <a:font script="Hebr" typeface="Arial"/>
+        <a:font script="Thai" typeface="Cordia New"/>
+        <a:font script="Ethi" typeface="Nyala"/>
+        <a:font script="Beng" typeface="Vrinda"/>
+        <a:font script="Gujr" typeface="Shruti"/>
+        <a:font script="Khmr" typeface="DaunPenh"/>
+        <a:font script="Knda" typeface="Tunga"/>
+        <a:font script="Guru" typeface="Raavi"/>
+        <a:font script="Cans" typeface="Euphemia"/>
+        <a:font script="Cher" typeface="Plantagenet Cherokee"/>
+        <a:font script="Yiii" typeface="Microsoft Yi Baiti"/>
+        <a:font script="Tibt" typeface="Microsoft Himalaya"/>
+        <a:font script="Thaa" typeface="MV Boli"/>
+        <a:font script="Deva" typeface="Mangal"/>
+        <a:font script="Telu" typeface="Gautami"/>
+        <a:font script="Taml" typeface="Latha"/>
+        <a:font script="Syrc" typeface="Estrangelo Edessa"/>
+        <a:font script="Orya" typeface="Kalinga"/>
+        <a:font script="Mlym" typeface="Kartika"/>
+        <a:font script="Laoo" typeface="DokChampa"/>
+        <a:font script="Sinh" typeface="Iskoola Pota"/>
+        <a:font script="Mong" typeface="Mongolian Baiti"/>
+        <a:font script="Viet" typeface="Arial"/>
+        <a:font script="Uigh" typeface="Microsoft Uighur"/>
+        <a:font script="Geor" typeface="Sylfaen"/>
+      </a:minorFont>
+    </a:fontScheme>
+    <a:fmtScheme name="Office">
+      <a:fillStyleLst>
+        <a:solidFill>
+          <a:schemeClr val="phClr"/>
+        </a:solidFill>
+        <a:gradFill rotWithShape="1">
+          <a:gsLst>
+            <a:gs pos="0">
+              <a:schemeClr val="phClr">
+                <a:tint val="50000"/>
+                <a:satMod val="300000"/>
+              </a:schemeClr>
+            </a:gs>
+            <a:gs pos="35000">
+              <a:schemeClr val="phClr">
+                <a:tint val="37000"/>
+                <a:satMod val="300000"/>
+              </a:schemeClr>
+            </a:gs>
+            <a:gs pos="100000">
+              <a:schemeClr val="phClr">
+                <a:tint val="15000"/>
+                <a:satMod val="350000"/>
+              </a:schemeClr>
+            </a:gs>
+          </a:gsLst>
+          <a:lin ang="16200000" scaled="1"/>
+        </a:gradFill>
+        <a:gradFill rotWithShape="1">
+          <a:gsLst>
+            <a:gs pos="0">
+              <a:schemeClr val="phClr">
+                <a:tint val="100000"/>
+                <a:shade val="100000"/>
+                <a:satMod val="130000"/>
+              </a:schemeClr>
+            </a:gs>
+            <a:gs pos="100000">
+              <a:schemeClr val="phClr">
+                <a:tint val="50000"/>
+                <a:shade val="100000"/>
+                <a:satMod val="350000"/>
+              </a:schemeClr>
+            </a:gs>
+          </a:gsLst>
+          <a:lin ang="16200000" scaled="0"/>
+        </a:gradFill>
+      </a:fillStyleLst>
+      <a:lnStyleLst>
+        <a:ln w="9525" cap="flat" cmpd="sng" algn="ctr">
+          <a:solidFill>
+            <a:schemeClr val="phClr">
+              <a:shade val="95000"/>
+              <a:satMod val="105000"/>
+            </a:schemeClr>
+          </a:solidFill>
+          <a:prstDash val="solid"/>
+        </a:ln>
+        <a:ln w="25400" cap="flat" cmpd="sng" algn="ctr">
+          <a:solidFill>
+            <a:schemeClr val="phClr"/>
+          </a:solidFill>
+          <a:prstDash val="solid"/>
+        </a:ln>
+        <a:ln w="38100" cap="flat" cmpd="sng" algn="ctr">
+          <a:solidFill>
+            <a:schemeClr val="phClr"/>
+          </a:solidFill>
+          <a:prstDash val="solid"/>
+        </a:ln>
+      </a:lnStyleLst>
+      <a:effectStyleLst>
+        <a:effectStyle>
+          <a:effectLst>
+            <a:outerShdw blurRad="40000" dist="20000" dir="5400000" rotWithShape="0">
+              <a:srgbClr val="000000">
+                <a:alpha val="38000"/>
+              </a:srgbClr>
+            </a:outerShdw>
+          </a:effectLst>
+        </a:effectStyle>
+        <a:effectStyle>
+          <a:effectLst>
+            <a:outerShdw blurRad="40000" dist="23000" dir="5400000" rotWithShape="0">
+              <a:srgbClr val="000000">
+                <a:alpha val="35000"/>
+              </a:srgbClr>
+            </a:outerShdw>
+          </a:effectLst>
+        </a:effectStyle>
+        <a:effectStyle>
+          <a:effectLst>
+            <a:outerShdw blurRad="40000" dist="23000" dir="5400000" rotWithShape="0">
+              <a:srgbClr val="000000">
+                <a:alpha val="35000"/>
+              </a:srgbClr>
+            </a:outerShdw>
+          </a:effectLst>
+          <a:scene3d>
+            <a:camera prst="orthographicFront">
+              <a:rot lat="0" lon="0" rev="0"/>
+            </a:camera>
+            <a:lightRig rig="threePt" dir="t">
+              <a:rot lat="0" lon="0" rev="1200000"/>
+            </a:lightRig>
+          </a:scene3d>
+          <a:sp3d>
+            <a:bevelT w="63500" h="25400"/>
+          </a:sp3d>
+        </a:effectStyle>
+      </a:effectStyleLst>
+      <a:bgFillStyleLst>
+        <a:solidFill>
+          <a:schemeClr val="phClr"/>
+        </a:solidFill>
+        <a:gradFill rotWithShape="1">
+          <a:gsLst>
+            <a:gs pos="0">
+              <a:schemeClr val="phClr">
+                <a:tint val="40000"/>
+                <a:satMod val="350000"/>
+              </a:schemeClr>
+            </a:gs>
+            <a:gs pos="40000">
+              <a:schemeClr val="phClr">
+                <a:tint val="45000"/>
+                <a:shade val="99000"/>
+                <a:satMod val="350000"/>
+              </a:schemeClr>
+            </a:gs>
+            <a:gs pos="100000">
+              <a:schemeClr val="phClr">
+                <a:shade val="20000"/>
+                <a:satMod val="255000"/>
+              </a:schemeClr>
+            </a:gs>
+          </a:gsLst>
+          <a:path path="circle">
+            <a:fillToRect l="50000" t="-80000" r="50000" b="180000"/>
+          </a:path>
+        </a:gradFill>
+        <a:gradFill rotWithShape="1">
+          <a:gsLst>
+            <a:gs pos="0">
+              <a:schemeClr val="phClr">
+                <a:tint val="80000"/>
+                <a:satMod val="300000"/>
+              </a:schemeClr>
+            </a:gs>
+            <a:gs pos="100000">
+              <a:schemeClr val="phClr">
+                <a:shade val="30000"/>
+                <a:satMod val="200000"/>
+              </a:schemeClr>
+            </a:gs>
+          </a:gsLst>
+          <a:path path="circle">
+            <a:fillToRect l="50000" t="50000" r="50000" b="50000"/>
+          </a:path>
+        </a:gradFill>
+      </a:bgFillStyleLst>
+    </a:fmtScheme>
+  </a:themeElements>
+  <a:objectDefaults>
+    <a:spDef>
+      <a:spPr/>
+      <a:bodyPr/>
+      <a:lstStyle/>
+      <a:style>
+        <a:lnRef idx="1">
+          <a:schemeClr val="accent1"/>
+        </a:lnRef>
+        <a:fillRef idx="3">
+          <a:schemeClr val="accent1"/>
+        </a:fillRef>
+        <a:effectRef idx="2">
+          <a:schemeClr val="accent1"/>
+        </a:effectRef>
+        <a:fontRef idx="minor">
+          <a:schemeClr val="lt1"/>
+        </a:fontRef>
+      </a:style>
+    </a:spDef>
+    <a:lnDef>
+      <a:spPr/>
+      <a:bodyPr/>
+      <a:lstStyle/>
+      <a:style>
+        <a:lnRef idx="2">
+          <a:schemeClr val="accent1"/>
+        </a:lnRef>
+        <a:fillRef idx="0">
+          <a:schemeClr val="accent1"/>
+        </a:fillRef>
+        <a:effectRef idx="1">
+          <a:schemeClr val="accent1"/>
+        </a:effectRef>
+        <a:fontRef idx="minor">
+          <a:schemeClr val="tx1"/>
+        </a:fontRef>
+      </a:style>
+    </a:lnDef>
+  </a:objectDefaults>
+  <a:extraClrSchemeLst/>
+</a:theme>
 </file>
--- a/Documentation/Presentation.pptx
+++ b/Documentation/Presentation.pptx
@@ -836,6 +836,120 @@
     <p:extLst>
       <p:ext uri="{BB962C8B-B14F-4D97-AF65-F5344CB8AC3E}">
         <p14:creationId xmlns:p14="http://schemas.microsoft.com/office/powerpoint/2010/main" val="2984006627"/>
+      </p:ext>
+    </p:extLst>
+  </p:cSld>
+  <p:clrMapOvr>
+    <a:masterClrMapping/>
+  </p:clrMapOvr>
+</p:notes>
+</file>
+
+<file path=ppt/notesSlides/notesSlide3.xml><?xml version="1.0" encoding="utf-8"?>
+<p:notes xmlns:a="http://schemas.openxmlformats.org/drawingml/2006/main" xmlns:r="http://schemas.openxmlformats.org/officeDocument/2006/relationships" xmlns:p="http://schemas.openxmlformats.org/presentationml/2006/main">
+  <p:cSld>
+    <p:spTree>
+      <p:nvGrpSpPr>
+        <p:cNvPr id="1" name=""/>
+        <p:cNvGrpSpPr/>
+        <p:nvPr/>
+      </p:nvGrpSpPr>
+      <p:grpSpPr>
+        <a:xfrm>
+          <a:off x="0" y="0"/>
+          <a:ext cx="0" cy="0"/>
+          <a:chOff x="0" y="0"/>
+          <a:chExt cx="0" cy="0"/>
+        </a:xfrm>
+      </p:grpSpPr>
+      <p:sp>
+        <p:nvSpPr>
+          <p:cNvPr id="2" name="Slide Image Placeholder 1"/>
+          <p:cNvSpPr>
+            <a:spLocks noGrp="1" noRot="1" noChangeAspect="1"/>
+          </p:cNvSpPr>
+          <p:nvPr>
+            <p:ph type="sldImg"/>
+          </p:nvPr>
+        </p:nvSpPr>
+        <p:spPr/>
+      </p:sp>
+      <p:sp>
+        <p:nvSpPr>
+          <p:cNvPr id="3" name="Notes Placeholder 2"/>
+          <p:cNvSpPr>
+            <a:spLocks noGrp="1"/>
+          </p:cNvSpPr>
+          <p:nvPr>
+            <p:ph type="body" idx="1"/>
+          </p:nvPr>
+        </p:nvSpPr>
+        <p:spPr/>
+        <p:txBody>
+          <a:bodyPr/>
+          <a:lstStyle/>
+          <a:p>
+            <a:r>
+              <a:rPr lang="en-US" dirty="0" smtClean="0"/>
+              <a:t>Create Courses and Student Accounts</a:t>
+            </a:r>
+          </a:p>
+          <a:p>
+            <a:r>
+              <a:rPr lang="en-US" dirty="0" smtClean="0"/>
+              <a:t>Create Assessments</a:t>
+            </a:r>
+          </a:p>
+          <a:p>
+            <a:r>
+              <a:rPr lang="en-US" dirty="0" smtClean="0"/>
+              <a:t>Add Short Answer and Multiple Choice questions</a:t>
+            </a:r>
+          </a:p>
+          <a:p>
+            <a:r>
+              <a:rPr lang="en-US" dirty="0" smtClean="0"/>
+              <a:t>Update question status</a:t>
+            </a:r>
+          </a:p>
+          <a:p>
+            <a:r>
+              <a:rPr lang="en-US" dirty="0" smtClean="0"/>
+              <a:t>Collect and analysis students’ answer</a:t>
+            </a:r>
+          </a:p>
+          <a:p>
+            <a:endParaRPr lang="en-US" dirty="0"/>
+          </a:p>
+        </p:txBody>
+      </p:sp>
+      <p:sp>
+        <p:nvSpPr>
+          <p:cNvPr id="4" name="Slide Number Placeholder 3"/>
+          <p:cNvSpPr>
+            <a:spLocks noGrp="1"/>
+          </p:cNvSpPr>
+          <p:nvPr>
+            <p:ph type="sldNum" sz="quarter" idx="10"/>
+          </p:nvPr>
+        </p:nvSpPr>
+        <p:spPr/>
+        <p:txBody>
+          <a:bodyPr/>
+          <a:lstStyle/>
+          <a:p>
+            <a:fld id="{C338E142-AFDC-AE47-9FD3-50F8F6079FF1}" type="slidenum">
+              <a:rPr lang="en-US" smtClean="0"/>
+              <a:t>5</a:t>
+            </a:fld>
+            <a:endParaRPr lang="en-US"/>
+          </a:p>
+        </p:txBody>
+      </p:sp>
+    </p:spTree>
+    <p:extLst>
+      <p:ext uri="{BB962C8B-B14F-4D97-AF65-F5344CB8AC3E}">
+        <p14:creationId xmlns:p14="http://schemas.microsoft.com/office/powerpoint/2010/main" val="2274047520"/>
       </p:ext>
     </p:extLst>
   </p:cSld>
@@ -4631,7 +4745,7 @@
         <p14:reveal/>
       </p:transition>
     </mc:Choice>
-    <mc:Fallback xmlns="" xmlns:mv="urn:schemas-microsoft-com:mac:vml">
+    <mc:Fallback xmlns:mv="urn:schemas-microsoft-com:mac:vml" xmlns="">
       <mp:transition xmlns:mp="http://schemas.microsoft.com/office/mac/powerpoint/2008/main" spd="slow"/>
     </mc:Fallback>
   </mc:AlternateContent>
@@ -4966,11 +5080,16 @@
           <a:p>
             <a:r>
               <a:rPr lang="en-US" sz="2800" dirty="0" smtClean="0"/>
-              <a:t>Web-Based Application (Compatible on most internet enabled devices</a:t>
-            </a:r>
+              <a:t>Web-Based Application (Compatible on most internet enabled devices)</a:t>
+            </a:r>
+          </a:p>
+          <a:p>
+            <a:endParaRPr lang="en-US" sz="2800" dirty="0" smtClean="0"/>
+          </a:p>
+          <a:p>
             <a:r>
               <a:rPr lang="en-US" sz="2800" dirty="0" smtClean="0"/>
-              <a:t>)</a:t>
+              <a:t>Real-time interaction and feedback from students</a:t>
             </a:r>
           </a:p>
           <a:p>
@@ -4979,24 +5098,7 @@
           <a:p>
             <a:r>
               <a:rPr lang="en-US" sz="2800" dirty="0" smtClean="0"/>
-              <a:t>Real-time interaction and feedback from </a:t>
-            </a:r>
-            <a:r>
-              <a:rPr lang="en-US" sz="2800" dirty="0" smtClean="0"/>
-              <a:t>students</a:t>
-            </a:r>
-          </a:p>
-          <a:p>
-            <a:endParaRPr lang="en-US" sz="2800" dirty="0" smtClean="0"/>
-          </a:p>
-          <a:p>
-            <a:r>
-              <a:rPr lang="en-US" sz="2800" dirty="0" smtClean="0"/>
-              <a:t>No extra physical hardware </a:t>
-            </a:r>
-            <a:r>
-              <a:rPr lang="en-US" sz="2800" dirty="0" smtClean="0"/>
-              <a:t>required</a:t>
+              <a:t>No extra physical hardware required</a:t>
             </a:r>
           </a:p>
           <a:p>
@@ -5007,7 +5109,6 @@
               <a:rPr lang="en-US" sz="2800" dirty="0" smtClean="0"/>
               <a:t>Open Source (Free!)</a:t>
             </a:r>
-            <a:endParaRPr lang="en-US" sz="2800" dirty="0" smtClean="0"/>
           </a:p>
           <a:p>
             <a:endParaRPr lang="en-US" sz="2800" dirty="0" smtClean="0"/>
@@ -5338,79 +5439,53 @@
           <a:chExt cx="0" cy="0"/>
         </a:xfrm>
       </p:grpSpPr>
-      <p:sp>
-        <p:nvSpPr>
-          <p:cNvPr id="2" name="Content Placeholder 1"/>
-          <p:cNvSpPr>
-            <a:spLocks noGrp="1"/>
-          </p:cNvSpPr>
+      <p:pic>
+        <p:nvPicPr>
+          <p:cNvPr id="5" name="Content Placeholder 4"/>
+          <p:cNvPicPr>
+            <a:picLocks noGrp="1" noChangeAspect="1"/>
+          </p:cNvPicPr>
           <p:nvPr>
             <p:ph idx="1"/>
           </p:nvPr>
-        </p:nvSpPr>
-        <p:spPr/>
+        </p:nvPicPr>
+        <p:blipFill>
+          <a:blip r:embed="rId3"/>
+          <a:srcRect t="13174" b="13174"/>
+          <a:stretch>
+            <a:fillRect/>
+          </a:stretch>
+        </p:blipFill>
+        <p:spPr>
+          <a:xfrm>
+            <a:off x="4105275" y="1279525"/>
+            <a:ext cx="4727575" cy="5222875"/>
+          </a:xfrm>
+        </p:spPr>
+      </p:pic>
+      <p:sp>
+        <p:nvSpPr>
+          <p:cNvPr id="3" name="Title 2"/>
+          <p:cNvSpPr>
+            <a:spLocks noGrp="1"/>
+          </p:cNvSpPr>
+          <p:nvPr>
+            <p:ph type="title"/>
+          </p:nvPr>
+        </p:nvSpPr>
+        <p:spPr>
+          <a:xfrm>
+            <a:off x="341247" y="228601"/>
+            <a:ext cx="7543800" cy="914400"/>
+          </a:xfrm>
+        </p:spPr>
         <p:txBody>
           <a:bodyPr/>
           <a:lstStyle/>
           <a:p>
             <a:r>
               <a:rPr lang="en-US" dirty="0" smtClean="0"/>
-              <a:t>Create Courses and Student</a:t>
-            </a:r>
-            <a:r>
-              <a:rPr lang="en-US" dirty="0"/>
-              <a:t> </a:t>
-            </a:r>
-            <a:r>
-              <a:rPr lang="en-US" dirty="0" smtClean="0"/>
-              <a:t>Accounts</a:t>
-            </a:r>
-            <a:endParaRPr lang="en-US" dirty="0"/>
-          </a:p>
-          <a:p>
-            <a:r>
-              <a:rPr lang="en-US" dirty="0" smtClean="0"/>
-              <a:t>Create Assessments</a:t>
-            </a:r>
-          </a:p>
-          <a:p>
-            <a:r>
-              <a:rPr lang="en-US" dirty="0" smtClean="0"/>
-              <a:t>Add Short Answer and Multiple Choice questions</a:t>
-            </a:r>
-          </a:p>
-          <a:p>
-            <a:r>
-              <a:rPr lang="en-US" dirty="0" smtClean="0"/>
-              <a:t>Update question status</a:t>
-            </a:r>
-          </a:p>
-          <a:p>
-            <a:r>
-              <a:rPr lang="en-US" dirty="0" smtClean="0"/>
-              <a:t>Collect and analysis students’ answer</a:t>
-            </a:r>
-          </a:p>
-        </p:txBody>
-      </p:sp>
-      <p:sp>
-        <p:nvSpPr>
-          <p:cNvPr id="3" name="Title 2"/>
-          <p:cNvSpPr>
-            <a:spLocks noGrp="1"/>
-          </p:cNvSpPr>
-          <p:nvPr>
-            <p:ph type="title"/>
-          </p:nvPr>
-        </p:nvSpPr>
-        <p:spPr/>
-        <p:txBody>
-          <a:bodyPr/>
-          <a:lstStyle/>
-          <a:p>
-            <a:r>
-              <a:rPr lang="en-US" dirty="0" smtClean="0"/>
-              <a:t>Instructor view</a:t>
+              <a:t>Instructor</a:t>
             </a:r>
             <a:endParaRPr lang="en-US" dirty="0"/>
           </a:p>
@@ -5425,7 +5500,7 @@
           <p:nvPr/>
         </p:nvPicPr>
         <p:blipFill>
-          <a:blip r:embed="rId2"/>
+          <a:blip r:embed="rId4"/>
           <a:stretch>
             <a:fillRect/>
           </a:stretch>
@@ -5440,6 +5515,286 @@
           </a:prstGeom>
         </p:spPr>
       </p:pic>
+      <p:sp>
+        <p:nvSpPr>
+          <p:cNvPr id="7" name="Content Placeholder 1"/>
+          <p:cNvSpPr txBox="1">
+            <a:spLocks/>
+          </p:cNvSpPr>
+          <p:nvPr/>
+        </p:nvSpPr>
+        <p:spPr>
+          <a:xfrm>
+            <a:off x="231415" y="3354824"/>
+            <a:ext cx="3692520" cy="3692755"/>
+          </a:xfrm>
+          <a:prstGeom prst="rect">
+            <a:avLst/>
+          </a:prstGeom>
+        </p:spPr>
+        <p:txBody>
+          <a:bodyPr vert="horz" lIns="91440" tIns="45720" rIns="91440" bIns="45720" rtlCol="0" anchor="ctr">
+            <a:normAutofit/>
+          </a:bodyPr>
+          <a:lstStyle>
+            <a:lvl1pPr marL="274320" indent="-256032" algn="l" defTabSz="914400" rtl="0" eaLnBrk="1" latinLnBrk="0" hangingPunct="1">
+              <a:spcBef>
+                <a:spcPct val="20000"/>
+              </a:spcBef>
+              <a:spcAft>
+                <a:spcPts val="0"/>
+              </a:spcAft>
+              <a:buSzPct val="60000"/>
+              <a:buFont typeface="Wingdings" pitchFamily="2" charset="2"/>
+              <a:buChar char=""/>
+              <a:defRPr sz="2100" kern="1200">
+                <a:solidFill>
+                  <a:schemeClr val="tx1"/>
+                </a:solidFill>
+                <a:effectLst>
+                  <a:outerShdw blurRad="38100" dist="38100" dir="2700000" algn="tl">
+                    <a:srgbClr val="000000">
+                      <a:alpha val="43137"/>
+                    </a:srgbClr>
+                  </a:outerShdw>
+                </a:effectLst>
+                <a:latin typeface="+mn-lt"/>
+                <a:ea typeface="+mn-ea"/>
+                <a:cs typeface="+mn-cs"/>
+              </a:defRPr>
+            </a:lvl1pPr>
+            <a:lvl2pPr marL="640080" indent="-256032" algn="l" defTabSz="914400" rtl="0" eaLnBrk="1" latinLnBrk="0" hangingPunct="1">
+              <a:spcBef>
+                <a:spcPct val="20000"/>
+              </a:spcBef>
+              <a:buSzPct val="60000"/>
+              <a:buFont typeface="Wingdings" pitchFamily="2" charset="2"/>
+              <a:buChar char=""/>
+              <a:defRPr sz="1900" kern="1200">
+                <a:solidFill>
+                  <a:schemeClr val="tx1"/>
+                </a:solidFill>
+                <a:effectLst>
+                  <a:outerShdw blurRad="38100" dist="38100" dir="2700000" algn="tl">
+                    <a:srgbClr val="000000">
+                      <a:alpha val="43137"/>
+                    </a:srgbClr>
+                  </a:outerShdw>
+                </a:effectLst>
+                <a:latin typeface="+mn-lt"/>
+                <a:ea typeface="+mn-ea"/>
+                <a:cs typeface="+mn-cs"/>
+              </a:defRPr>
+            </a:lvl2pPr>
+            <a:lvl3pPr marL="1005840" indent="-256032" algn="l" defTabSz="914400" rtl="0" eaLnBrk="1" latinLnBrk="0" hangingPunct="1">
+              <a:spcBef>
+                <a:spcPct val="20000"/>
+              </a:spcBef>
+              <a:buSzPct val="60000"/>
+              <a:buFont typeface="Wingdings" pitchFamily="2" charset="2"/>
+              <a:buChar char=""/>
+              <a:defRPr sz="1700" kern="1200">
+                <a:solidFill>
+                  <a:schemeClr val="tx1"/>
+                </a:solidFill>
+                <a:effectLst>
+                  <a:outerShdw blurRad="38100" dist="38100" dir="2700000" algn="tl">
+                    <a:srgbClr val="000000">
+                      <a:alpha val="43137"/>
+                    </a:srgbClr>
+                  </a:outerShdw>
+                </a:effectLst>
+                <a:latin typeface="+mn-lt"/>
+                <a:ea typeface="+mn-ea"/>
+                <a:cs typeface="+mn-cs"/>
+              </a:defRPr>
+            </a:lvl3pPr>
+            <a:lvl4pPr marL="1371600" indent="-256032" algn="l" defTabSz="914400" rtl="0" eaLnBrk="1" latinLnBrk="0" hangingPunct="1">
+              <a:spcBef>
+                <a:spcPct val="20000"/>
+              </a:spcBef>
+              <a:buSzPct val="60000"/>
+              <a:buFont typeface="Wingdings" pitchFamily="2" charset="2"/>
+              <a:buChar char=""/>
+              <a:defRPr sz="1600" kern="1200">
+                <a:solidFill>
+                  <a:schemeClr val="tx1"/>
+                </a:solidFill>
+                <a:effectLst>
+                  <a:outerShdw blurRad="38100" dist="38100" dir="2700000" algn="tl">
+                    <a:srgbClr val="000000">
+                      <a:alpha val="43137"/>
+                    </a:srgbClr>
+                  </a:outerShdw>
+                </a:effectLst>
+                <a:latin typeface="+mn-lt"/>
+                <a:ea typeface="+mn-ea"/>
+                <a:cs typeface="+mn-cs"/>
+              </a:defRPr>
+            </a:lvl4pPr>
+            <a:lvl5pPr marL="1645920" indent="-256032" algn="l" defTabSz="914400" rtl="0" eaLnBrk="1" latinLnBrk="0" hangingPunct="1">
+              <a:spcBef>
+                <a:spcPct val="20000"/>
+              </a:spcBef>
+              <a:buSzPct val="60000"/>
+              <a:buFont typeface="Wingdings" pitchFamily="2" charset="2"/>
+              <a:buChar char=""/>
+              <a:defRPr sz="1500" kern="1200">
+                <a:solidFill>
+                  <a:schemeClr val="tx1"/>
+                </a:solidFill>
+                <a:effectLst>
+                  <a:outerShdw blurRad="38100" dist="38100" dir="2700000" algn="tl">
+                    <a:srgbClr val="000000">
+                      <a:alpha val="43137"/>
+                    </a:srgbClr>
+                  </a:outerShdw>
+                </a:effectLst>
+                <a:latin typeface="+mn-lt"/>
+                <a:ea typeface="+mn-ea"/>
+                <a:cs typeface="+mn-cs"/>
+              </a:defRPr>
+            </a:lvl5pPr>
+            <a:lvl6pPr marL="1965960" indent="-256032" algn="l" defTabSz="914400" rtl="0" eaLnBrk="1" latinLnBrk="0" hangingPunct="1">
+              <a:spcBef>
+                <a:spcPct val="20000"/>
+              </a:spcBef>
+              <a:buSzPct val="60000"/>
+              <a:buFont typeface="Wingdings" pitchFamily="2" charset="2"/>
+              <a:buChar char=""/>
+              <a:defRPr sz="1400" kern="1200">
+                <a:solidFill>
+                  <a:schemeClr val="tx1"/>
+                </a:solidFill>
+                <a:effectLst>
+                  <a:outerShdw blurRad="38100" dist="38100" dir="2700000" algn="ctr" rotWithShape="0">
+                    <a:srgbClr val="000000">
+                      <a:alpha val="43000"/>
+                    </a:srgbClr>
+                  </a:outerShdw>
+                </a:effectLst>
+                <a:latin typeface="+mn-lt"/>
+                <a:ea typeface="+mn-ea"/>
+                <a:cs typeface="+mn-cs"/>
+              </a:defRPr>
+            </a:lvl6pPr>
+            <a:lvl7pPr marL="2240280" indent="-256032" algn="l" defTabSz="914400" rtl="0" eaLnBrk="1" latinLnBrk="0" hangingPunct="1">
+              <a:spcBef>
+                <a:spcPct val="20000"/>
+              </a:spcBef>
+              <a:buSzPct val="60000"/>
+              <a:buFont typeface="Wingdings" pitchFamily="2" charset="2"/>
+              <a:buChar char=""/>
+              <a:defRPr sz="1400" kern="1200">
+                <a:solidFill>
+                  <a:schemeClr val="tx1"/>
+                </a:solidFill>
+                <a:effectLst>
+                  <a:outerShdw blurRad="38100" dist="38100" dir="2700000" algn="ctr" rotWithShape="0">
+                    <a:srgbClr val="000000">
+                      <a:alpha val="43000"/>
+                    </a:srgbClr>
+                  </a:outerShdw>
+                </a:effectLst>
+                <a:latin typeface="+mn-lt"/>
+                <a:ea typeface="+mn-ea"/>
+                <a:cs typeface="+mn-cs"/>
+              </a:defRPr>
+            </a:lvl7pPr>
+            <a:lvl8pPr marL="2514600" indent="-256032" algn="l" defTabSz="914400" rtl="0" eaLnBrk="1" latinLnBrk="0" hangingPunct="1">
+              <a:spcBef>
+                <a:spcPct val="20000"/>
+              </a:spcBef>
+              <a:buSzPct val="60000"/>
+              <a:buFont typeface="Wingdings" pitchFamily="2" charset="2"/>
+              <a:buChar char=""/>
+              <a:defRPr sz="1400" kern="1200">
+                <a:solidFill>
+                  <a:schemeClr val="tx1"/>
+                </a:solidFill>
+                <a:effectLst>
+                  <a:outerShdw blurRad="38100" dist="38100" dir="2700000" algn="ctr" rotWithShape="0">
+                    <a:srgbClr val="000000">
+                      <a:alpha val="43000"/>
+                    </a:srgbClr>
+                  </a:outerShdw>
+                </a:effectLst>
+                <a:latin typeface="+mn-lt"/>
+                <a:ea typeface="+mn-ea"/>
+                <a:cs typeface="+mn-cs"/>
+              </a:defRPr>
+            </a:lvl8pPr>
+            <a:lvl9pPr marL="2834640" indent="-256032" algn="l" defTabSz="914400" rtl="0" eaLnBrk="1" latinLnBrk="0" hangingPunct="1">
+              <a:spcBef>
+                <a:spcPct val="20000"/>
+              </a:spcBef>
+              <a:buSzPct val="60000"/>
+              <a:buFont typeface="Wingdings" pitchFamily="2" charset="2"/>
+              <a:buChar char=""/>
+              <a:defRPr sz="1400" kern="1200">
+                <a:solidFill>
+                  <a:schemeClr val="tx1"/>
+                </a:solidFill>
+                <a:effectLst>
+                  <a:outerShdw blurRad="38100" dist="38100" dir="2700000" algn="ctr" rotWithShape="0">
+                    <a:srgbClr val="000000">
+                      <a:alpha val="43000"/>
+                    </a:srgbClr>
+                  </a:outerShdw>
+                </a:effectLst>
+                <a:latin typeface="+mn-lt"/>
+                <a:ea typeface="+mn-ea"/>
+                <a:cs typeface="+mn-cs"/>
+              </a:defRPr>
+            </a:lvl9pPr>
+          </a:lstStyle>
+          <a:p>
+            <a:r>
+              <a:rPr lang="en-US" sz="2800" dirty="0" smtClean="0"/>
+              <a:t>Create Questions in seconds</a:t>
+            </a:r>
+          </a:p>
+          <a:p>
+            <a:endParaRPr lang="en-US" sz="2800" dirty="0" smtClean="0"/>
+          </a:p>
+          <a:p>
+            <a:r>
+              <a:rPr lang="en-US" sz="2800" dirty="0" smtClean="0"/>
+              <a:t>LaTex Supported</a:t>
+            </a:r>
+          </a:p>
+          <a:p>
+            <a:endParaRPr lang="en-US" sz="2800" dirty="0"/>
+          </a:p>
+          <a:p>
+            <a:r>
+              <a:rPr lang="en-US" sz="2800" dirty="0" smtClean="0"/>
+              <a:t>Real-Time Data Analysis</a:t>
+            </a:r>
+          </a:p>
+          <a:p>
+            <a:endParaRPr lang="en-US" sz="2800" dirty="0"/>
+          </a:p>
+          <a:p>
+            <a:endParaRPr lang="en-US" sz="2800" dirty="0" smtClean="0"/>
+          </a:p>
+          <a:p>
+            <a:endParaRPr lang="en-US" sz="2800" dirty="0"/>
+          </a:p>
+          <a:p>
+            <a:endParaRPr lang="en-US" sz="2800" dirty="0" smtClean="0"/>
+          </a:p>
+          <a:p>
+            <a:endParaRPr lang="en-US" sz="2800" dirty="0" smtClean="0"/>
+          </a:p>
+          <a:p>
+            <a:endParaRPr lang="en-US" sz="2800" dirty="0" smtClean="0"/>
+          </a:p>
+          <a:p>
+            <a:endParaRPr lang="en-US" sz="2800" dirty="0" smtClean="0"/>
+          </a:p>
+        </p:txBody>
+      </p:sp>
     </p:spTree>
     <p:extLst>
       <p:ext uri="{BB962C8B-B14F-4D97-AF65-F5344CB8AC3E}">

--- a/Documentation/Presentation.pptx
+++ b/Documentation/Presentation.pptx
@@ -5,7 +5,7 @@
     <p:sldMasterId id="2147483648" r:id="rId1"/>
   </p:sldMasterIdLst>
   <p:notesMasterIdLst>
-    <p:notesMasterId r:id="rId12"/>
+    <p:notesMasterId r:id="rId13"/>
   </p:notesMasterIdLst>
   <p:sldIdLst>
     <p:sldId id="256" r:id="rId2"/>
@@ -13,11 +13,12 @@
     <p:sldId id="259" r:id="rId4"/>
     <p:sldId id="267" r:id="rId5"/>
     <p:sldId id="261" r:id="rId6"/>
-    <p:sldId id="260" r:id="rId7"/>
-    <p:sldId id="262" r:id="rId8"/>
-    <p:sldId id="264" r:id="rId9"/>
-    <p:sldId id="263" r:id="rId10"/>
-    <p:sldId id="265" r:id="rId11"/>
+    <p:sldId id="268" r:id="rId7"/>
+    <p:sldId id="269" r:id="rId8"/>
+    <p:sldId id="262" r:id="rId9"/>
+    <p:sldId id="264" r:id="rId10"/>
+    <p:sldId id="263" r:id="rId11"/>
+    <p:sldId id="265" r:id="rId12"/>
   </p:sldIdLst>
   <p:sldSz cx="9144000" cy="6858000" type="screen4x3"/>
   <p:notesSz cx="6858000" cy="9144000"/>
@@ -4745,7 +4746,7 @@
         <p14:reveal/>
       </p:transition>
     </mc:Choice>
-    <mc:Fallback xmlns:mv="urn:schemas-microsoft-com:mac:vml" xmlns="">
+    <mc:Fallback xmlns="" xmlns:mv="urn:schemas-microsoft-com:mac:vml">
       <mp:transition xmlns:mp="http://schemas.microsoft.com/office/mac/powerpoint/2008/main" spd="slow"/>
     </mc:Fallback>
   </mc:AlternateContent>
@@ -4760,6 +4761,83 @@
 </file>
 
 <file path=ppt/slides/slide10.xml><?xml version="1.0" encoding="utf-8"?>
+<p:sld xmlns:a="http://schemas.openxmlformats.org/drawingml/2006/main" xmlns:r="http://schemas.openxmlformats.org/officeDocument/2006/relationships" xmlns:p="http://schemas.openxmlformats.org/presentationml/2006/main">
+  <p:cSld>
+    <p:spTree>
+      <p:nvGrpSpPr>
+        <p:cNvPr id="1" name=""/>
+        <p:cNvGrpSpPr/>
+        <p:nvPr/>
+      </p:nvGrpSpPr>
+      <p:grpSpPr>
+        <a:xfrm>
+          <a:off x="0" y="0"/>
+          <a:ext cx="0" cy="0"/>
+          <a:chOff x="0" y="0"/>
+          <a:chExt cx="0" cy="0"/>
+        </a:xfrm>
+      </p:grpSpPr>
+      <p:sp>
+        <p:nvSpPr>
+          <p:cNvPr id="3" name="Title 2"/>
+          <p:cNvSpPr>
+            <a:spLocks noGrp="1"/>
+          </p:cNvSpPr>
+          <p:nvPr>
+            <p:ph type="title"/>
+          </p:nvPr>
+        </p:nvSpPr>
+        <p:spPr/>
+        <p:txBody>
+          <a:bodyPr/>
+          <a:lstStyle/>
+          <a:p>
+            <a:r>
+              <a:rPr lang="en-US" dirty="0" smtClean="0"/>
+              <a:t>Conclusion</a:t>
+            </a:r>
+            <a:endParaRPr lang="en-US" dirty="0"/>
+          </a:p>
+        </p:txBody>
+      </p:sp>
+      <p:pic>
+        <p:nvPicPr>
+          <p:cNvPr id="5" name="Picture 4"/>
+          <p:cNvPicPr>
+            <a:picLocks noChangeAspect="1"/>
+          </p:cNvPicPr>
+          <p:nvPr/>
+        </p:nvPicPr>
+        <p:blipFill>
+          <a:blip r:embed="rId2"/>
+          <a:stretch>
+            <a:fillRect/>
+          </a:stretch>
+        </p:blipFill>
+        <p:spPr>
+          <a:xfrm>
+            <a:off x="7364822" y="111794"/>
+            <a:ext cx="1660040" cy="917575"/>
+          </a:xfrm>
+          <a:prstGeom prst="rect">
+            <a:avLst/>
+          </a:prstGeom>
+        </p:spPr>
+      </p:pic>
+    </p:spTree>
+    <p:extLst>
+      <p:ext uri="{BB962C8B-B14F-4D97-AF65-F5344CB8AC3E}">
+        <p14:creationId xmlns:p14="http://schemas.microsoft.com/office/powerpoint/2010/main" val="4256347672"/>
+      </p:ext>
+    </p:extLst>
+  </p:cSld>
+  <p:clrMapOvr>
+    <a:masterClrMapping/>
+  </p:clrMapOvr>
+</p:sld>
+</file>
+
+<file path=ppt/slides/slide11.xml><?xml version="1.0" encoding="utf-8"?>
 <p:sld xmlns:a="http://schemas.openxmlformats.org/drawingml/2006/main" xmlns:r="http://schemas.openxmlformats.org/officeDocument/2006/relationships" xmlns:p="http://schemas.openxmlformats.org/presentationml/2006/main">
   <p:cSld>
     <p:spTree>
@@ -5835,24 +5913,104 @@
             <p:ph idx="1"/>
           </p:nvPr>
         </p:nvSpPr>
-        <p:spPr/>
-        <p:txBody>
-          <a:bodyPr/>
-          <a:lstStyle/>
-          <a:p>
-            <a:r>
-              <a:rPr lang="en-US" dirty="0" smtClean="0"/>
-              <a:t>Go to their courses and answer the questions</a:t>
-            </a:r>
-          </a:p>
-          <a:p>
-            <a:r>
-              <a:rPr lang="en-US" dirty="0" smtClean="0"/>
+        <p:spPr>
+          <a:xfrm>
+            <a:off x="429399" y="622969"/>
+            <a:ext cx="6096000" cy="3657599"/>
+          </a:xfrm>
+        </p:spPr>
+        <p:txBody>
+          <a:bodyPr>
+            <a:normAutofit/>
+          </a:bodyPr>
+          <a:lstStyle/>
+          <a:p>
+            <a:r>
+              <a:rPr lang="en-US" sz="2400" dirty="0" smtClean="0"/>
+              <a:t>Visit</a:t>
+            </a:r>
+            <a:r>
+              <a:rPr lang="zh-CN" altLang="en-US" sz="2400" dirty="0"/>
+              <a:t> </a:t>
+            </a:r>
+            <a:r>
+              <a:rPr lang="en-US" altLang="zh-CN" sz="2400" dirty="0" smtClean="0"/>
+              <a:t>course</a:t>
+            </a:r>
+            <a:r>
+              <a:rPr lang="zh-CN" altLang="en-US" sz="2400" dirty="0" smtClean="0"/>
+              <a:t> </a:t>
+            </a:r>
+            <a:r>
+              <a:rPr lang="en-US" altLang="zh-CN" sz="2400" dirty="0" smtClean="0"/>
+              <a:t>page</a:t>
+            </a:r>
+          </a:p>
+          <a:p>
+            <a:r>
+              <a:rPr lang="en-US" sz="2400" dirty="0" smtClean="0"/>
+              <a:t>Answer</a:t>
+            </a:r>
+            <a:r>
+              <a:rPr lang="zh-CN" altLang="en-US" sz="2400" dirty="0" smtClean="0"/>
+              <a:t> </a:t>
+            </a:r>
+            <a:r>
+              <a:rPr lang="en-US" altLang="zh-CN" sz="2400" dirty="0" smtClean="0"/>
+              <a:t>questions</a:t>
+            </a:r>
+            <a:r>
+              <a:rPr lang="zh-CN" altLang="en-US" sz="2400" dirty="0" smtClean="0"/>
+              <a:t> </a:t>
+            </a:r>
+            <a:r>
+              <a:rPr lang="en-US" altLang="zh-CN" sz="2400" dirty="0" smtClean="0"/>
+              <a:t>with</a:t>
+            </a:r>
+            <a:r>
+              <a:rPr lang="zh-CN" altLang="en-US" sz="2400" dirty="0" smtClean="0"/>
+              <a:t> </a:t>
+            </a:r>
+            <a:r>
+              <a:rPr lang="en-US" altLang="zh-CN" sz="2400" dirty="0" smtClean="0"/>
+              <a:t>classmates</a:t>
+            </a:r>
+            <a:r>
+              <a:rPr lang="zh-CN" altLang="en-US" sz="2400" dirty="0" smtClean="0"/>
+              <a:t> </a:t>
+            </a:r>
+            <a:r>
+              <a:rPr lang="en-US" altLang="zh-CN" sz="2400" dirty="0" smtClean="0"/>
+              <a:t>together</a:t>
+            </a:r>
+            <a:endParaRPr lang="en-US" sz="2400" dirty="0" smtClean="0"/>
+          </a:p>
+          <a:p>
+            <a:r>
+              <a:rPr lang="en-US" sz="2400" dirty="0" smtClean="0"/>
               <a:t>Review the questions and answers after class</a:t>
             </a:r>
           </a:p>
           <a:p>
-            <a:endParaRPr lang="en-US" dirty="0"/>
+            <a:r>
+              <a:rPr lang="en-US" sz="2400" dirty="0" smtClean="0"/>
+              <a:t>Student data structure</a:t>
+            </a:r>
+          </a:p>
+          <a:p>
+            <a:pPr lvl="1"/>
+            <a:r>
+              <a:rPr lang="en-US" sz="2200" dirty="0" smtClean="0"/>
+              <a:t>Student number</a:t>
+            </a:r>
+          </a:p>
+          <a:p>
+            <a:pPr lvl="1"/>
+            <a:r>
+              <a:rPr lang="en-US" sz="2200" dirty="0" smtClean="0"/>
+              <a:t>Student answer</a:t>
+            </a:r>
+            <a:endParaRPr lang="en-US" sz="2200" dirty="0"/>
           </a:p>
         </p:txBody>
       </p:sp>
@@ -5866,7 +6024,12 @@
             <p:ph type="title"/>
           </p:nvPr>
         </p:nvSpPr>
-        <p:spPr/>
+        <p:spPr>
+          <a:xfrm>
+            <a:off x="150223" y="114969"/>
+            <a:ext cx="7543800" cy="914400"/>
+          </a:xfrm>
+        </p:spPr>
         <p:txBody>
           <a:bodyPr/>
           <a:lstStyle/>
@@ -5874,6 +6037,203 @@
             <a:r>
               <a:rPr lang="en-US" dirty="0" smtClean="0"/>
               <a:t>Student view</a:t>
+            </a:r>
+            <a:endParaRPr lang="en-US" dirty="0"/>
+          </a:p>
+        </p:txBody>
+      </p:sp>
+      <p:pic>
+        <p:nvPicPr>
+          <p:cNvPr id="4" name="Picture 3"/>
+          <p:cNvPicPr>
+            <a:picLocks noChangeAspect="1"/>
+          </p:cNvPicPr>
+          <p:nvPr/>
+        </p:nvPicPr>
+        <p:blipFill>
+          <a:blip r:embed="rId2"/>
+          <a:stretch>
+            <a:fillRect/>
+          </a:stretch>
+        </p:blipFill>
+        <p:spPr>
+          <a:xfrm>
+            <a:off x="7364822" y="111794"/>
+            <a:ext cx="1660040" cy="917575"/>
+          </a:xfrm>
+          <a:prstGeom prst="rect">
+            <a:avLst/>
+          </a:prstGeom>
+        </p:spPr>
+      </p:pic>
+      <p:pic>
+        <p:nvPicPr>
+          <p:cNvPr id="5" name="Picture 4"/>
+          <p:cNvPicPr>
+            <a:picLocks noChangeAspect="1"/>
+          </p:cNvPicPr>
+          <p:nvPr/>
+        </p:nvPicPr>
+        <p:blipFill>
+          <a:blip r:embed="rId3"/>
+          <a:stretch>
+            <a:fillRect/>
+          </a:stretch>
+        </p:blipFill>
+        <p:spPr>
+          <a:xfrm>
+            <a:off x="277223" y="4280568"/>
+            <a:ext cx="4197117" cy="2161692"/>
+          </a:xfrm>
+          <a:prstGeom prst="rect">
+            <a:avLst/>
+          </a:prstGeom>
+        </p:spPr>
+      </p:pic>
+      <p:pic>
+        <p:nvPicPr>
+          <p:cNvPr id="9" name="Picture 8"/>
+          <p:cNvPicPr>
+            <a:picLocks noChangeAspect="1"/>
+          </p:cNvPicPr>
+          <p:nvPr/>
+        </p:nvPicPr>
+        <p:blipFill>
+          <a:blip r:embed="rId4"/>
+          <a:stretch>
+            <a:fillRect/>
+          </a:stretch>
+        </p:blipFill>
+        <p:spPr>
+          <a:xfrm>
+            <a:off x="5775489" y="4280568"/>
+            <a:ext cx="3178666" cy="2161692"/>
+          </a:xfrm>
+          <a:prstGeom prst="rect">
+            <a:avLst/>
+          </a:prstGeom>
+        </p:spPr>
+      </p:pic>
+    </p:spTree>
+    <p:extLst>
+      <p:ext uri="{BB962C8B-B14F-4D97-AF65-F5344CB8AC3E}">
+        <p14:creationId xmlns:p14="http://schemas.microsoft.com/office/powerpoint/2010/main" val="3073049691"/>
+      </p:ext>
+    </p:extLst>
+  </p:cSld>
+  <p:clrMapOvr>
+    <a:masterClrMapping/>
+  </p:clrMapOvr>
+</p:sld>
+</file>
+
+<file path=ppt/slides/slide7.xml><?xml version="1.0" encoding="utf-8"?>
+<p:sld xmlns:a="http://schemas.openxmlformats.org/drawingml/2006/main" xmlns:r="http://schemas.openxmlformats.org/officeDocument/2006/relationships" xmlns:p="http://schemas.openxmlformats.org/presentationml/2006/main">
+  <p:cSld>
+    <p:spTree>
+      <p:nvGrpSpPr>
+        <p:cNvPr id="1" name=""/>
+        <p:cNvGrpSpPr/>
+        <p:nvPr/>
+      </p:nvGrpSpPr>
+      <p:grpSpPr>
+        <a:xfrm>
+          <a:off x="0" y="0"/>
+          <a:ext cx="0" cy="0"/>
+          <a:chOff x="0" y="0"/>
+          <a:chExt cx="0" cy="0"/>
+        </a:xfrm>
+      </p:grpSpPr>
+      <p:sp>
+        <p:nvSpPr>
+          <p:cNvPr id="2" name="Content Placeholder 1"/>
+          <p:cNvSpPr>
+            <a:spLocks noGrp="1"/>
+          </p:cNvSpPr>
+          <p:nvPr>
+            <p:ph idx="1"/>
+          </p:nvPr>
+        </p:nvSpPr>
+        <p:spPr>
+          <a:xfrm>
+            <a:off x="184573" y="1108392"/>
+            <a:ext cx="6096000" cy="3657599"/>
+          </a:xfrm>
+        </p:spPr>
+        <p:txBody>
+          <a:bodyPr/>
+          <a:lstStyle/>
+          <a:p>
+            <a:r>
+              <a:rPr lang="en-US" dirty="0" smtClean="0"/>
+              <a:t>Student’s answer will be keeping update</a:t>
+            </a:r>
+          </a:p>
+          <a:p>
+            <a:r>
+              <a:rPr lang="en-US" dirty="0" smtClean="0"/>
+              <a:t>Instructor can see the answer summary </a:t>
+            </a:r>
+          </a:p>
+          <a:p>
+            <a:pPr lvl="1"/>
+            <a:r>
+              <a:rPr lang="en-US" dirty="0" smtClean="0"/>
+              <a:t>How many answered</a:t>
+            </a:r>
+          </a:p>
+          <a:p>
+            <a:pPr lvl="1"/>
+            <a:r>
+              <a:rPr lang="en-US" dirty="0" smtClean="0"/>
+              <a:t>Which answer been most answered</a:t>
+            </a:r>
+          </a:p>
+          <a:p>
+            <a:pPr lvl="1"/>
+            <a:r>
+              <a:rPr lang="en-US" dirty="0" smtClean="0"/>
+              <a:t>…</a:t>
+            </a:r>
+            <a:endParaRPr lang="en-US" dirty="0"/>
+          </a:p>
+        </p:txBody>
+      </p:sp>
+      <p:sp>
+        <p:nvSpPr>
+          <p:cNvPr id="3" name="Title 2"/>
+          <p:cNvSpPr>
+            <a:spLocks noGrp="1"/>
+          </p:cNvSpPr>
+          <p:nvPr>
+            <p:ph type="title"/>
+          </p:nvPr>
+        </p:nvSpPr>
+        <p:spPr>
+          <a:xfrm>
+            <a:off x="184573" y="248356"/>
+            <a:ext cx="7543800" cy="914400"/>
+          </a:xfrm>
+        </p:spPr>
+        <p:txBody>
+          <a:bodyPr/>
+          <a:lstStyle/>
+          <a:p>
+            <a:r>
+              <a:rPr lang="en-US" dirty="0" smtClean="0"/>
+              <a:t>Student Answer </a:t>
+            </a:r>
+            <a:r>
+              <a:rPr lang="en-US" dirty="0" err="1"/>
+              <a:t>A</a:t>
+            </a:r>
+            <a:r>
+              <a:rPr lang="en-US" dirty="0" err="1" smtClean="0"/>
+              <a:t>naylsis</a:t>
+            </a:r>
+            <a:r>
+              <a:rPr lang="en-US" dirty="0" smtClean="0"/>
+              <a:t>	</a:t>
             </a:r>
             <a:endParaRPr lang="en-US" dirty="0"/>
           </a:p>
@@ -5906,103 +6266,7 @@
     </p:spTree>
     <p:extLst>
       <p:ext uri="{BB962C8B-B14F-4D97-AF65-F5344CB8AC3E}">
-        <p14:creationId xmlns:p14="http://schemas.microsoft.com/office/powerpoint/2010/main" val="3336173187"/>
-      </p:ext>
-    </p:extLst>
-  </p:cSld>
-  <p:clrMapOvr>
-    <a:masterClrMapping/>
-  </p:clrMapOvr>
-</p:sld>
-</file>
-
-<file path=ppt/slides/slide7.xml><?xml version="1.0" encoding="utf-8"?>
-<p:sld xmlns:a="http://schemas.openxmlformats.org/drawingml/2006/main" xmlns:r="http://schemas.openxmlformats.org/officeDocument/2006/relationships" xmlns:p="http://schemas.openxmlformats.org/presentationml/2006/main">
-  <p:cSld>
-    <p:spTree>
-      <p:nvGrpSpPr>
-        <p:cNvPr id="1" name=""/>
-        <p:cNvGrpSpPr/>
-        <p:nvPr/>
-      </p:nvGrpSpPr>
-      <p:grpSpPr>
-        <a:xfrm>
-          <a:off x="0" y="0"/>
-          <a:ext cx="0" cy="0"/>
-          <a:chOff x="0" y="0"/>
-          <a:chExt cx="0" cy="0"/>
-        </a:xfrm>
-      </p:grpSpPr>
-      <p:sp>
-        <p:nvSpPr>
-          <p:cNvPr id="2" name="Content Placeholder 1"/>
-          <p:cNvSpPr>
-            <a:spLocks noGrp="1"/>
-          </p:cNvSpPr>
-          <p:nvPr>
-            <p:ph idx="1"/>
-          </p:nvPr>
-        </p:nvSpPr>
-        <p:spPr/>
-        <p:txBody>
-          <a:bodyPr/>
-          <a:lstStyle/>
-          <a:p>
-            <a:endParaRPr lang="en-US"/>
-          </a:p>
-        </p:txBody>
-      </p:sp>
-      <p:sp>
-        <p:nvSpPr>
-          <p:cNvPr id="3" name="Title 2"/>
-          <p:cNvSpPr>
-            <a:spLocks noGrp="1"/>
-          </p:cNvSpPr>
-          <p:nvPr>
-            <p:ph type="title"/>
-          </p:nvPr>
-        </p:nvSpPr>
-        <p:spPr/>
-        <p:txBody>
-          <a:bodyPr/>
-          <a:lstStyle/>
-          <a:p>
-            <a:r>
-              <a:rPr lang="en-US" dirty="0" smtClean="0"/>
-              <a:t>Field Test</a:t>
-            </a:r>
-            <a:endParaRPr lang="en-US" dirty="0"/>
-          </a:p>
-        </p:txBody>
-      </p:sp>
-      <p:pic>
-        <p:nvPicPr>
-          <p:cNvPr id="4" name="Picture 3"/>
-          <p:cNvPicPr>
-            <a:picLocks noChangeAspect="1"/>
-          </p:cNvPicPr>
-          <p:nvPr/>
-        </p:nvPicPr>
-        <p:blipFill>
-          <a:blip r:embed="rId2"/>
-          <a:stretch>
-            <a:fillRect/>
-          </a:stretch>
-        </p:blipFill>
-        <p:spPr>
-          <a:xfrm>
-            <a:off x="7364822" y="111794"/>
-            <a:ext cx="1660040" cy="917575"/>
-          </a:xfrm>
-          <a:prstGeom prst="rect">
-            <a:avLst/>
-          </a:prstGeom>
-        </p:spPr>
-      </p:pic>
-    </p:spTree>
-    <p:extLst>
-      <p:ext uri="{BB962C8B-B14F-4D97-AF65-F5344CB8AC3E}">
-        <p14:creationId xmlns:p14="http://schemas.microsoft.com/office/powerpoint/2010/main" val="100663824"/>
+        <p14:creationId xmlns:p14="http://schemas.microsoft.com/office/powerpoint/2010/main" val="2769467012"/>
       </p:ext>
     </p:extLst>
   </p:cSld>
@@ -6039,81 +6303,33 @@
             <p:ph idx="1"/>
           </p:nvPr>
         </p:nvSpPr>
-        <p:spPr>
-          <a:xfrm>
-            <a:off x="1709979" y="1352888"/>
-            <a:ext cx="6096000" cy="3657599"/>
-          </a:xfrm>
-        </p:spPr>
+        <p:spPr/>
         <p:txBody>
           <a:bodyPr/>
           <a:lstStyle/>
           <a:p>
+            <a:endParaRPr lang="en-US"/>
+          </a:p>
+        </p:txBody>
+      </p:sp>
+      <p:sp>
+        <p:nvSpPr>
+          <p:cNvPr id="3" name="Title 2"/>
+          <p:cNvSpPr>
+            <a:spLocks noGrp="1"/>
+          </p:cNvSpPr>
+          <p:nvPr>
+            <p:ph type="title"/>
+          </p:nvPr>
+        </p:nvSpPr>
+        <p:spPr/>
+        <p:txBody>
+          <a:bodyPr/>
+          <a:lstStyle/>
+          <a:p>
             <a:r>
               <a:rPr lang="en-US" dirty="0" smtClean="0"/>
-              <a:t>Portability for different environment</a:t>
-            </a:r>
-          </a:p>
-          <a:p>
-            <a:r>
-              <a:rPr lang="en-US" dirty="0" smtClean="0"/>
-              <a:t>Open Source</a:t>
-            </a:r>
-          </a:p>
-          <a:p>
-            <a:r>
-              <a:rPr lang="en-US" dirty="0" smtClean="0"/>
-              <a:t>Security</a:t>
-            </a:r>
-          </a:p>
-          <a:p>
-            <a:r>
-              <a:rPr lang="en-US" dirty="0"/>
-              <a:t>Installation </a:t>
-            </a:r>
-            <a:r>
-              <a:rPr lang="en-US" dirty="0" smtClean="0"/>
-              <a:t>kit</a:t>
-            </a:r>
-          </a:p>
-          <a:p>
-            <a:r>
-              <a:rPr lang="en-US" dirty="0" smtClean="0"/>
-              <a:t>Localization</a:t>
-            </a:r>
-          </a:p>
-          <a:p>
-            <a:pPr marL="18288" indent="0">
-              <a:buNone/>
-            </a:pPr>
-            <a:r>
-              <a:rPr lang="en-US" dirty="0" smtClean="0"/>
-              <a:t> </a:t>
-            </a:r>
-          </a:p>
-          <a:p>
-            <a:endParaRPr lang="en-US" dirty="0"/>
-          </a:p>
-        </p:txBody>
-      </p:sp>
-      <p:sp>
-        <p:nvSpPr>
-          <p:cNvPr id="3" name="Title 2"/>
-          <p:cNvSpPr>
-            <a:spLocks noGrp="1"/>
-          </p:cNvSpPr>
-          <p:nvPr>
-            <p:ph type="title"/>
-          </p:nvPr>
-        </p:nvSpPr>
-        <p:spPr/>
-        <p:txBody>
-          <a:bodyPr/>
-          <a:lstStyle/>
-          <a:p>
-            <a:r>
-              <a:rPr lang="en-US" dirty="0" smtClean="0"/>
-              <a:t>The Next Steps </a:t>
+              <a:t>Field Test</a:t>
             </a:r>
             <a:endParaRPr lang="en-US" dirty="0"/>
           </a:p>
@@ -6175,6 +6391,73 @@
       </p:grpSpPr>
       <p:sp>
         <p:nvSpPr>
+          <p:cNvPr id="2" name="Content Placeholder 1"/>
+          <p:cNvSpPr>
+            <a:spLocks noGrp="1"/>
+          </p:cNvSpPr>
+          <p:nvPr>
+            <p:ph idx="1"/>
+          </p:nvPr>
+        </p:nvSpPr>
+        <p:spPr>
+          <a:xfrm>
+            <a:off x="1709979" y="1352888"/>
+            <a:ext cx="6096000" cy="3657599"/>
+          </a:xfrm>
+        </p:spPr>
+        <p:txBody>
+          <a:bodyPr/>
+          <a:lstStyle/>
+          <a:p>
+            <a:r>
+              <a:rPr lang="en-US" dirty="0" smtClean="0"/>
+              <a:t>Portability for different environment</a:t>
+            </a:r>
+          </a:p>
+          <a:p>
+            <a:r>
+              <a:rPr lang="en-US" dirty="0" smtClean="0"/>
+              <a:t>Open Source</a:t>
+            </a:r>
+          </a:p>
+          <a:p>
+            <a:r>
+              <a:rPr lang="en-US" dirty="0" smtClean="0"/>
+              <a:t>Security</a:t>
+            </a:r>
+          </a:p>
+          <a:p>
+            <a:r>
+              <a:rPr lang="en-US" dirty="0"/>
+              <a:t>Installation </a:t>
+            </a:r>
+            <a:r>
+              <a:rPr lang="en-US" dirty="0" smtClean="0"/>
+              <a:t>kit</a:t>
+            </a:r>
+          </a:p>
+          <a:p>
+            <a:r>
+              <a:rPr lang="en-US" dirty="0" smtClean="0"/>
+              <a:t>Localization</a:t>
+            </a:r>
+          </a:p>
+          <a:p>
+            <a:pPr marL="18288" indent="0">
+              <a:buNone/>
+            </a:pPr>
+            <a:r>
+              <a:rPr lang="en-US" dirty="0" smtClean="0"/>
+              <a:t> </a:t>
+            </a:r>
+          </a:p>
+          <a:p>
+            <a:endParaRPr lang="en-US" dirty="0"/>
+          </a:p>
+        </p:txBody>
+      </p:sp>
+      <p:sp>
+        <p:nvSpPr>
           <p:cNvPr id="3" name="Title 2"/>
           <p:cNvSpPr>
             <a:spLocks noGrp="1"/>
@@ -6190,7 +6473,7 @@
           <a:p>
             <a:r>
               <a:rPr lang="en-US" dirty="0" smtClean="0"/>
-              <a:t>Conclusion</a:t>
+              <a:t>The Next Steps </a:t>
             </a:r>
             <a:endParaRPr lang="en-US" dirty="0"/>
           </a:p>
@@ -6198,7 +6481,7 @@
       </p:sp>
       <p:pic>
         <p:nvPicPr>
-          <p:cNvPr id="5" name="Picture 4"/>
+          <p:cNvPr id="4" name="Picture 3"/>
           <p:cNvPicPr>
             <a:picLocks noChangeAspect="1"/>
           </p:cNvPicPr>
@@ -6223,7 +6506,7 @@
     </p:spTree>
     <p:extLst>
       <p:ext uri="{BB962C8B-B14F-4D97-AF65-F5344CB8AC3E}">
-        <p14:creationId xmlns:p14="http://schemas.microsoft.com/office/powerpoint/2010/main" val="4256347672"/>
+        <p14:creationId xmlns:p14="http://schemas.microsoft.com/office/powerpoint/2010/main" val="100663824"/>
       </p:ext>
     </p:extLst>
   </p:cSld>

--- a/Documentation/Presentation.pptx
+++ b/Documentation/Presentation.pptx
@@ -5,7 +5,7 @@
     <p:sldMasterId id="2147483648" r:id="rId1"/>
   </p:sldMasterIdLst>
   <p:notesMasterIdLst>
-    <p:notesMasterId r:id="rId13"/>
+    <p:notesMasterId r:id="rId14"/>
   </p:notesMasterIdLst>
   <p:sldIdLst>
     <p:sldId id="256" r:id="rId2"/>
@@ -13,12 +13,13 @@
     <p:sldId id="259" r:id="rId4"/>
     <p:sldId id="267" r:id="rId5"/>
     <p:sldId id="261" r:id="rId6"/>
-    <p:sldId id="268" r:id="rId7"/>
-    <p:sldId id="269" r:id="rId8"/>
-    <p:sldId id="262" r:id="rId9"/>
-    <p:sldId id="264" r:id="rId10"/>
-    <p:sldId id="263" r:id="rId11"/>
-    <p:sldId id="265" r:id="rId12"/>
+    <p:sldId id="271" r:id="rId7"/>
+    <p:sldId id="268" r:id="rId8"/>
+    <p:sldId id="269" r:id="rId9"/>
+    <p:sldId id="262" r:id="rId10"/>
+    <p:sldId id="264" r:id="rId11"/>
+    <p:sldId id="263" r:id="rId12"/>
+    <p:sldId id="265" r:id="rId13"/>
   </p:sldIdLst>
   <p:sldSz cx="9144000" cy="6858000" type="screen4x3"/>
   <p:notesSz cx="6858000" cy="9144000"/>
@@ -942,6 +943,120 @@
             <a:fld id="{C338E142-AFDC-AE47-9FD3-50F8F6079FF1}" type="slidenum">
               <a:rPr lang="en-US" smtClean="0"/>
               <a:t>5</a:t>
+            </a:fld>
+            <a:endParaRPr lang="en-US"/>
+          </a:p>
+        </p:txBody>
+      </p:sp>
+    </p:spTree>
+    <p:extLst>
+      <p:ext uri="{BB962C8B-B14F-4D97-AF65-F5344CB8AC3E}">
+        <p14:creationId xmlns:p14="http://schemas.microsoft.com/office/powerpoint/2010/main" val="2274047520"/>
+      </p:ext>
+    </p:extLst>
+  </p:cSld>
+  <p:clrMapOvr>
+    <a:masterClrMapping/>
+  </p:clrMapOvr>
+</p:notes>
+</file>
+
+<file path=ppt/notesSlides/notesSlide4.xml><?xml version="1.0" encoding="utf-8"?>
+<p:notes xmlns:a="http://schemas.openxmlformats.org/drawingml/2006/main" xmlns:r="http://schemas.openxmlformats.org/officeDocument/2006/relationships" xmlns:p="http://schemas.openxmlformats.org/presentationml/2006/main">
+  <p:cSld>
+    <p:spTree>
+      <p:nvGrpSpPr>
+        <p:cNvPr id="1" name=""/>
+        <p:cNvGrpSpPr/>
+        <p:nvPr/>
+      </p:nvGrpSpPr>
+      <p:grpSpPr>
+        <a:xfrm>
+          <a:off x="0" y="0"/>
+          <a:ext cx="0" cy="0"/>
+          <a:chOff x="0" y="0"/>
+          <a:chExt cx="0" cy="0"/>
+        </a:xfrm>
+      </p:grpSpPr>
+      <p:sp>
+        <p:nvSpPr>
+          <p:cNvPr id="2" name="Slide Image Placeholder 1"/>
+          <p:cNvSpPr>
+            <a:spLocks noGrp="1" noRot="1" noChangeAspect="1"/>
+          </p:cNvSpPr>
+          <p:nvPr>
+            <p:ph type="sldImg"/>
+          </p:nvPr>
+        </p:nvSpPr>
+        <p:spPr/>
+      </p:sp>
+      <p:sp>
+        <p:nvSpPr>
+          <p:cNvPr id="3" name="Notes Placeholder 2"/>
+          <p:cNvSpPr>
+            <a:spLocks noGrp="1"/>
+          </p:cNvSpPr>
+          <p:nvPr>
+            <p:ph type="body" idx="1"/>
+          </p:nvPr>
+        </p:nvSpPr>
+        <p:spPr/>
+        <p:txBody>
+          <a:bodyPr/>
+          <a:lstStyle/>
+          <a:p>
+            <a:r>
+              <a:rPr lang="en-US" dirty="0" smtClean="0"/>
+              <a:t>Create Courses and Student Accounts</a:t>
+            </a:r>
+          </a:p>
+          <a:p>
+            <a:r>
+              <a:rPr lang="en-US" dirty="0" smtClean="0"/>
+              <a:t>Create Assessments</a:t>
+            </a:r>
+          </a:p>
+          <a:p>
+            <a:r>
+              <a:rPr lang="en-US" dirty="0" smtClean="0"/>
+              <a:t>Add Short Answer and Multiple Choice questions</a:t>
+            </a:r>
+          </a:p>
+          <a:p>
+            <a:r>
+              <a:rPr lang="en-US" dirty="0" smtClean="0"/>
+              <a:t>Update question status</a:t>
+            </a:r>
+          </a:p>
+          <a:p>
+            <a:r>
+              <a:rPr lang="en-US" dirty="0" smtClean="0"/>
+              <a:t>Collect and analysis students’ answer</a:t>
+            </a:r>
+          </a:p>
+          <a:p>
+            <a:endParaRPr lang="en-US" dirty="0"/>
+          </a:p>
+        </p:txBody>
+      </p:sp>
+      <p:sp>
+        <p:nvSpPr>
+          <p:cNvPr id="4" name="Slide Number Placeholder 3"/>
+          <p:cNvSpPr>
+            <a:spLocks noGrp="1"/>
+          </p:cNvSpPr>
+          <p:nvPr>
+            <p:ph type="sldNum" sz="quarter" idx="10"/>
+          </p:nvPr>
+        </p:nvSpPr>
+        <p:spPr/>
+        <p:txBody>
+          <a:bodyPr/>
+          <a:lstStyle/>
+          <a:p>
+            <a:fld id="{C338E142-AFDC-AE47-9FD3-50F8F6079FF1}" type="slidenum">
+              <a:rPr lang="en-US" smtClean="0"/>
+              <a:t>6</a:t>
             </a:fld>
             <a:endParaRPr lang="en-US"/>
           </a:p>
@@ -4779,6 +4894,150 @@
       </p:grpSpPr>
       <p:sp>
         <p:nvSpPr>
+          <p:cNvPr id="2" name="Content Placeholder 1"/>
+          <p:cNvSpPr>
+            <a:spLocks noGrp="1"/>
+          </p:cNvSpPr>
+          <p:nvPr>
+            <p:ph idx="1"/>
+          </p:nvPr>
+        </p:nvSpPr>
+        <p:spPr>
+          <a:xfrm>
+            <a:off x="1709979" y="1352888"/>
+            <a:ext cx="6096000" cy="3657599"/>
+          </a:xfrm>
+        </p:spPr>
+        <p:txBody>
+          <a:bodyPr/>
+          <a:lstStyle/>
+          <a:p>
+            <a:r>
+              <a:rPr lang="en-US" dirty="0" smtClean="0"/>
+              <a:t>Portability for different environment</a:t>
+            </a:r>
+          </a:p>
+          <a:p>
+            <a:r>
+              <a:rPr lang="en-US" dirty="0" smtClean="0"/>
+              <a:t>Open Source</a:t>
+            </a:r>
+          </a:p>
+          <a:p>
+            <a:r>
+              <a:rPr lang="en-US" dirty="0" smtClean="0"/>
+              <a:t>Security</a:t>
+            </a:r>
+          </a:p>
+          <a:p>
+            <a:r>
+              <a:rPr lang="en-US" dirty="0"/>
+              <a:t>Installation </a:t>
+            </a:r>
+            <a:r>
+              <a:rPr lang="en-US" dirty="0" smtClean="0"/>
+              <a:t>kit</a:t>
+            </a:r>
+          </a:p>
+          <a:p>
+            <a:r>
+              <a:rPr lang="en-US" dirty="0" smtClean="0"/>
+              <a:t>Localization</a:t>
+            </a:r>
+          </a:p>
+          <a:p>
+            <a:pPr marL="18288" indent="0">
+              <a:buNone/>
+            </a:pPr>
+            <a:r>
+              <a:rPr lang="en-US" dirty="0" smtClean="0"/>
+              <a:t> </a:t>
+            </a:r>
+          </a:p>
+          <a:p>
+            <a:endParaRPr lang="en-US" dirty="0"/>
+          </a:p>
+        </p:txBody>
+      </p:sp>
+      <p:sp>
+        <p:nvSpPr>
+          <p:cNvPr id="3" name="Title 2"/>
+          <p:cNvSpPr>
+            <a:spLocks noGrp="1"/>
+          </p:cNvSpPr>
+          <p:nvPr>
+            <p:ph type="title"/>
+          </p:nvPr>
+        </p:nvSpPr>
+        <p:spPr/>
+        <p:txBody>
+          <a:bodyPr/>
+          <a:lstStyle/>
+          <a:p>
+            <a:r>
+              <a:rPr lang="en-US" dirty="0" smtClean="0"/>
+              <a:t>The Next Steps </a:t>
+            </a:r>
+            <a:endParaRPr lang="en-US" dirty="0"/>
+          </a:p>
+        </p:txBody>
+      </p:sp>
+      <p:pic>
+        <p:nvPicPr>
+          <p:cNvPr id="4" name="Picture 3"/>
+          <p:cNvPicPr>
+            <a:picLocks noChangeAspect="1"/>
+          </p:cNvPicPr>
+          <p:nvPr/>
+        </p:nvPicPr>
+        <p:blipFill>
+          <a:blip r:embed="rId2"/>
+          <a:stretch>
+            <a:fillRect/>
+          </a:stretch>
+        </p:blipFill>
+        <p:spPr>
+          <a:xfrm>
+            <a:off x="7364822" y="111794"/>
+            <a:ext cx="1660040" cy="917575"/>
+          </a:xfrm>
+          <a:prstGeom prst="rect">
+            <a:avLst/>
+          </a:prstGeom>
+        </p:spPr>
+      </p:pic>
+    </p:spTree>
+    <p:extLst>
+      <p:ext uri="{BB962C8B-B14F-4D97-AF65-F5344CB8AC3E}">
+        <p14:creationId xmlns:p14="http://schemas.microsoft.com/office/powerpoint/2010/main" val="100663824"/>
+      </p:ext>
+    </p:extLst>
+  </p:cSld>
+  <p:clrMapOvr>
+    <a:masterClrMapping/>
+  </p:clrMapOvr>
+</p:sld>
+</file>
+
+<file path=ppt/slides/slide11.xml><?xml version="1.0" encoding="utf-8"?>
+<p:sld xmlns:a="http://schemas.openxmlformats.org/drawingml/2006/main" xmlns:r="http://schemas.openxmlformats.org/officeDocument/2006/relationships" xmlns:p="http://schemas.openxmlformats.org/presentationml/2006/main">
+  <p:cSld>
+    <p:spTree>
+      <p:nvGrpSpPr>
+        <p:cNvPr id="1" name=""/>
+        <p:cNvGrpSpPr/>
+        <p:nvPr/>
+      </p:nvGrpSpPr>
+      <p:grpSpPr>
+        <a:xfrm>
+          <a:off x="0" y="0"/>
+          <a:ext cx="0" cy="0"/>
+          <a:chOff x="0" y="0"/>
+          <a:chExt cx="0" cy="0"/>
+        </a:xfrm>
+      </p:grpSpPr>
+      <p:sp>
+        <p:nvSpPr>
           <p:cNvPr id="3" name="Title 2"/>
           <p:cNvSpPr>
             <a:spLocks noGrp="1"/>
@@ -4837,7 +5096,7 @@
 </p:sld>
 </file>
 
-<file path=ppt/slides/slide11.xml><?xml version="1.0" encoding="utf-8"?>
+<file path=ppt/slides/slide12.xml><?xml version="1.0" encoding="utf-8"?>
 <p:sld xmlns:a="http://schemas.openxmlformats.org/drawingml/2006/main" xmlns:r="http://schemas.openxmlformats.org/officeDocument/2006/relationships" xmlns:p="http://schemas.openxmlformats.org/presentationml/2006/main">
   <p:cSld>
     <p:spTree>
@@ -5905,18 +6164,906 @@
       </p:grpSpPr>
       <p:sp>
         <p:nvSpPr>
-          <p:cNvPr id="2" name="Content Placeholder 1"/>
-          <p:cNvSpPr>
-            <a:spLocks noGrp="1"/>
-          </p:cNvSpPr>
-          <p:nvPr>
-            <p:ph idx="1"/>
+          <p:cNvPr id="3" name="Title 2"/>
+          <p:cNvSpPr>
+            <a:spLocks noGrp="1"/>
+          </p:cNvSpPr>
+          <p:nvPr>
+            <p:ph type="title"/>
           </p:nvPr>
         </p:nvSpPr>
         <p:spPr>
           <a:xfrm>
-            <a:off x="429399" y="622969"/>
-            <a:ext cx="6096000" cy="3657599"/>
+            <a:off x="341247" y="228601"/>
+            <a:ext cx="7543800" cy="914400"/>
+          </a:xfrm>
+        </p:spPr>
+        <p:txBody>
+          <a:bodyPr/>
+          <a:lstStyle/>
+          <a:p>
+            <a:r>
+              <a:rPr lang="en-US" dirty="0" smtClean="0"/>
+              <a:t>Database Schema</a:t>
+            </a:r>
+            <a:endParaRPr lang="en-US" dirty="0"/>
+          </a:p>
+        </p:txBody>
+      </p:sp>
+      <p:pic>
+        <p:nvPicPr>
+          <p:cNvPr id="4" name="Picture 3"/>
+          <p:cNvPicPr>
+            <a:picLocks noChangeAspect="1"/>
+          </p:cNvPicPr>
+          <p:nvPr/>
+        </p:nvPicPr>
+        <p:blipFill>
+          <a:blip r:embed="rId3"/>
+          <a:stretch>
+            <a:fillRect/>
+          </a:stretch>
+        </p:blipFill>
+        <p:spPr>
+          <a:xfrm>
+            <a:off x="7364822" y="111794"/>
+            <a:ext cx="1660040" cy="917575"/>
+          </a:xfrm>
+          <a:prstGeom prst="rect">
+            <a:avLst/>
+          </a:prstGeom>
+        </p:spPr>
+      </p:pic>
+      <p:graphicFrame>
+        <p:nvGraphicFramePr>
+          <p:cNvPr id="12" name="Table 11"/>
+          <p:cNvGraphicFramePr>
+            <a:graphicFrameLocks noGrp="1"/>
+          </p:cNvGraphicFramePr>
+          <p:nvPr>
+            <p:extLst>
+              <p:ext uri="{D42A27DB-BD31-4B8C-83A1-F6EECF244321}">
+                <p14:modId xmlns:p14="http://schemas.microsoft.com/office/powerpoint/2010/main" val="4062088038"/>
+              </p:ext>
+            </p:extLst>
+          </p:nvPr>
+        </p:nvGraphicFramePr>
+        <p:xfrm>
+          <a:off x="6824287" y="3863152"/>
+          <a:ext cx="2123058" cy="2377439"/>
+        </p:xfrm>
+        <a:graphic>
+          <a:graphicData uri="http://schemas.openxmlformats.org/drawingml/2006/table">
+            <a:tbl>
+              <a:tblPr firstRow="1" bandRow="1">
+                <a:tableStyleId>{073A0DAA-6AF3-43AB-8588-CEC1D06C72B9}</a:tableStyleId>
+              </a:tblPr>
+              <a:tblGrid>
+                <a:gridCol w="2123058"/>
+              </a:tblGrid>
+              <a:tr h="0">
+                <a:tc>
+                  <a:txBody>
+                    <a:bodyPr/>
+                    <a:lstStyle/>
+                    <a:p>
+                      <a:pPr marL="0" marR="0" indent="0" algn="l" defTabSz="914400" rtl="0" eaLnBrk="1" fontAlgn="auto" latinLnBrk="0" hangingPunct="1">
+                        <a:lnSpc>
+                          <a:spcPct val="100000"/>
+                        </a:lnSpc>
+                        <a:spcBef>
+                          <a:spcPts val="0"/>
+                        </a:spcBef>
+                        <a:spcAft>
+                          <a:spcPts val="0"/>
+                        </a:spcAft>
+                        <a:buClrTx/>
+                        <a:buSzTx/>
+                        <a:buFontTx/>
+                        <a:buNone/>
+                        <a:tabLst/>
+                        <a:defRPr/>
+                      </a:pPr>
+                      <a:r>
+                        <a:rPr lang="en-US" dirty="0" smtClean="0"/>
+                        <a:t>AssessmentData</a:t>
+                      </a:r>
+                    </a:p>
+                    <a:p>
+                      <a:endParaRPr lang="en-US" dirty="0"/>
+                    </a:p>
+                  </a:txBody>
+                  <a:tcPr/>
+                </a:tc>
+              </a:tr>
+              <a:tr h="370840">
+                <a:tc>
+                  <a:txBody>
+                    <a:bodyPr/>
+                    <a:lstStyle/>
+                    <a:p>
+                      <a:r>
+                        <a:rPr lang="en-US" dirty="0" err="1" smtClean="0"/>
+                        <a:t>QuestionNo</a:t>
+                      </a:r>
+                      <a:endParaRPr lang="en-US" dirty="0" smtClean="0"/>
+                    </a:p>
+                    <a:p>
+                      <a:r>
+                        <a:rPr lang="en-US" dirty="0" err="1" smtClean="0"/>
+                        <a:t>QuestionData</a:t>
+                      </a:r>
+                      <a:endParaRPr lang="en-US" dirty="0" smtClean="0"/>
+                    </a:p>
+                    <a:p>
+                      <a:r>
+                        <a:rPr lang="en-US" dirty="0" err="1" smtClean="0"/>
+                        <a:t>ChoiceA</a:t>
+                      </a:r>
+                      <a:r>
+                        <a:rPr lang="en-US" dirty="0" smtClean="0"/>
+                        <a:t>…</a:t>
+                      </a:r>
+                      <a:r>
+                        <a:rPr lang="en-US" dirty="0" err="1" smtClean="0"/>
+                        <a:t>ChoiceE</a:t>
+                      </a:r>
+                      <a:endParaRPr lang="en-US" dirty="0" smtClean="0"/>
+                    </a:p>
+                    <a:p>
+                      <a:r>
+                        <a:rPr lang="en-US" dirty="0" err="1" smtClean="0"/>
+                        <a:t>QuestionType</a:t>
+                      </a:r>
+                      <a:endParaRPr lang="en-US" dirty="0" smtClean="0"/>
+                    </a:p>
+                    <a:p>
+                      <a:r>
+                        <a:rPr lang="en-US" dirty="0" err="1" smtClean="0"/>
+                        <a:t>QuestionAnswer</a:t>
+                      </a:r>
+                      <a:endParaRPr lang="en-US" dirty="0" smtClean="0"/>
+                    </a:p>
+                    <a:p>
+                      <a:endParaRPr lang="en-US" dirty="0"/>
+                    </a:p>
+                  </a:txBody>
+                  <a:tcPr/>
+                </a:tc>
+              </a:tr>
+            </a:tbl>
+          </a:graphicData>
+        </a:graphic>
+      </p:graphicFrame>
+      <p:graphicFrame>
+        <p:nvGraphicFramePr>
+          <p:cNvPr id="13" name="Table 12"/>
+          <p:cNvGraphicFramePr>
+            <a:graphicFrameLocks noGrp="1"/>
+          </p:cNvGraphicFramePr>
+          <p:nvPr>
+            <p:extLst>
+              <p:ext uri="{D42A27DB-BD31-4B8C-83A1-F6EECF244321}">
+                <p14:modId xmlns:p14="http://schemas.microsoft.com/office/powerpoint/2010/main" val="672406842"/>
+              </p:ext>
+            </p:extLst>
+          </p:nvPr>
+        </p:nvGraphicFramePr>
+        <p:xfrm>
+          <a:off x="4384275" y="4351214"/>
+          <a:ext cx="1515708" cy="1828800"/>
+        </p:xfrm>
+        <a:graphic>
+          <a:graphicData uri="http://schemas.openxmlformats.org/drawingml/2006/table">
+            <a:tbl>
+              <a:tblPr firstRow="1" bandRow="1">
+                <a:tableStyleId>{073A0DAA-6AF3-43AB-8588-CEC1D06C72B9}</a:tableStyleId>
+              </a:tblPr>
+              <a:tblGrid>
+                <a:gridCol w="1515708"/>
+              </a:tblGrid>
+              <a:tr h="601908">
+                <a:tc>
+                  <a:txBody>
+                    <a:bodyPr/>
+                    <a:lstStyle/>
+                    <a:p>
+                      <a:pPr marL="0" marR="0" indent="0" algn="l" defTabSz="914400" rtl="0" eaLnBrk="1" fontAlgn="auto" latinLnBrk="0" hangingPunct="1">
+                        <a:lnSpc>
+                          <a:spcPct val="100000"/>
+                        </a:lnSpc>
+                        <a:spcBef>
+                          <a:spcPts val="0"/>
+                        </a:spcBef>
+                        <a:spcAft>
+                          <a:spcPts val="0"/>
+                        </a:spcAft>
+                        <a:buClrTx/>
+                        <a:buSzTx/>
+                        <a:buFontTx/>
+                        <a:buNone/>
+                        <a:tabLst/>
+                        <a:defRPr/>
+                      </a:pPr>
+                      <a:r>
+                        <a:rPr lang="en-US" dirty="0" smtClean="0"/>
+                        <a:t>Assessment</a:t>
+                      </a:r>
+                    </a:p>
+                    <a:p>
+                      <a:endParaRPr lang="en-US" dirty="0"/>
+                    </a:p>
+                  </a:txBody>
+                  <a:tcPr/>
+                </a:tc>
+              </a:tr>
+              <a:tr h="370840">
+                <a:tc>
+                  <a:txBody>
+                    <a:bodyPr/>
+                    <a:lstStyle/>
+                    <a:p>
+                      <a:r>
+                        <a:rPr lang="en-US" dirty="0" smtClean="0"/>
+                        <a:t>Name</a:t>
+                      </a:r>
+                    </a:p>
+                    <a:p>
+                      <a:r>
+                        <a:rPr lang="en-US" dirty="0" err="1" smtClean="0"/>
+                        <a:t>PostDate</a:t>
+                      </a:r>
+                      <a:endParaRPr lang="en-US" dirty="0" smtClean="0"/>
+                    </a:p>
+                    <a:p>
+                      <a:r>
+                        <a:rPr lang="en-US" dirty="0" smtClean="0"/>
+                        <a:t>Post</a:t>
+                      </a:r>
+                    </a:p>
+                    <a:p>
+                      <a:endParaRPr lang="en-US" dirty="0"/>
+                    </a:p>
+                  </a:txBody>
+                  <a:tcPr/>
+                </a:tc>
+              </a:tr>
+            </a:tbl>
+          </a:graphicData>
+        </a:graphic>
+      </p:graphicFrame>
+      <p:graphicFrame>
+        <p:nvGraphicFramePr>
+          <p:cNvPr id="14" name="Table 13"/>
+          <p:cNvGraphicFramePr>
+            <a:graphicFrameLocks noGrp="1"/>
+          </p:cNvGraphicFramePr>
+          <p:nvPr>
+            <p:extLst>
+              <p:ext uri="{D42A27DB-BD31-4B8C-83A1-F6EECF244321}">
+                <p14:modId xmlns:p14="http://schemas.microsoft.com/office/powerpoint/2010/main" val="1490035476"/>
+              </p:ext>
+            </p:extLst>
+          </p:nvPr>
+        </p:nvGraphicFramePr>
+        <p:xfrm>
+          <a:off x="2370704" y="4488374"/>
+          <a:ext cx="1061138" cy="1554479"/>
+        </p:xfrm>
+        <a:graphic>
+          <a:graphicData uri="http://schemas.openxmlformats.org/drawingml/2006/table">
+            <a:tbl>
+              <a:tblPr firstRow="1" bandRow="1">
+                <a:tableStyleId>{073A0DAA-6AF3-43AB-8588-CEC1D06C72B9}</a:tableStyleId>
+              </a:tblPr>
+              <a:tblGrid>
+                <a:gridCol w="1061138"/>
+              </a:tblGrid>
+              <a:tr h="546406">
+                <a:tc>
+                  <a:txBody>
+                    <a:bodyPr/>
+                    <a:lstStyle/>
+                    <a:p>
+                      <a:pPr marL="0" marR="0" indent="0" algn="l" defTabSz="914400" rtl="0" eaLnBrk="1" fontAlgn="auto" latinLnBrk="0" hangingPunct="1">
+                        <a:lnSpc>
+                          <a:spcPct val="100000"/>
+                        </a:lnSpc>
+                        <a:spcBef>
+                          <a:spcPts val="0"/>
+                        </a:spcBef>
+                        <a:spcAft>
+                          <a:spcPts val="0"/>
+                        </a:spcAft>
+                        <a:buClrTx/>
+                        <a:buSzTx/>
+                        <a:buFontTx/>
+                        <a:buNone/>
+                        <a:tabLst/>
+                        <a:defRPr/>
+                      </a:pPr>
+                      <a:r>
+                        <a:rPr lang="en-US" dirty="0" smtClean="0"/>
+                        <a:t>Courses</a:t>
+                      </a:r>
+                    </a:p>
+                    <a:p>
+                      <a:endParaRPr lang="en-US" dirty="0"/>
+                    </a:p>
+                  </a:txBody>
+                  <a:tcPr/>
+                </a:tc>
+              </a:tr>
+              <a:tr h="780580">
+                <a:tc>
+                  <a:txBody>
+                    <a:bodyPr/>
+                    <a:lstStyle/>
+                    <a:p>
+                      <a:r>
+                        <a:rPr lang="en-US" dirty="0" smtClean="0"/>
+                        <a:t>Name</a:t>
+                      </a:r>
+                    </a:p>
+                    <a:p>
+                      <a:r>
+                        <a:rPr lang="en-US" dirty="0" smtClean="0"/>
+                        <a:t>Code</a:t>
+                      </a:r>
+                    </a:p>
+                    <a:p>
+                      <a:endParaRPr lang="en-US" dirty="0"/>
+                    </a:p>
+                  </a:txBody>
+                  <a:tcPr/>
+                </a:tc>
+              </a:tr>
+            </a:tbl>
+          </a:graphicData>
+        </a:graphic>
+      </p:graphicFrame>
+      <p:graphicFrame>
+        <p:nvGraphicFramePr>
+          <p:cNvPr id="15" name="Table 14"/>
+          <p:cNvGraphicFramePr>
+            <a:graphicFrameLocks noGrp="1"/>
+          </p:cNvGraphicFramePr>
+          <p:nvPr>
+            <p:extLst>
+              <p:ext uri="{D42A27DB-BD31-4B8C-83A1-F6EECF244321}">
+                <p14:modId xmlns:p14="http://schemas.microsoft.com/office/powerpoint/2010/main" val="4167361910"/>
+              </p:ext>
+            </p:extLst>
+          </p:nvPr>
+        </p:nvGraphicFramePr>
+        <p:xfrm>
+          <a:off x="7316736" y="1689406"/>
+          <a:ext cx="1136622" cy="1554479"/>
+        </p:xfrm>
+        <a:graphic>
+          <a:graphicData uri="http://schemas.openxmlformats.org/drawingml/2006/table">
+            <a:tbl>
+              <a:tblPr firstRow="1" bandRow="1">
+                <a:tableStyleId>{073A0DAA-6AF3-43AB-8588-CEC1D06C72B9}</a:tableStyleId>
+              </a:tblPr>
+              <a:tblGrid>
+                <a:gridCol w="1136622"/>
+              </a:tblGrid>
+              <a:tr h="601908">
+                <a:tc>
+                  <a:txBody>
+                    <a:bodyPr/>
+                    <a:lstStyle/>
+                    <a:p>
+                      <a:pPr marL="0" marR="0" indent="0" algn="l" defTabSz="914400" rtl="0" eaLnBrk="1" fontAlgn="auto" latinLnBrk="0" hangingPunct="1">
+                        <a:lnSpc>
+                          <a:spcPct val="100000"/>
+                        </a:lnSpc>
+                        <a:spcBef>
+                          <a:spcPts val="0"/>
+                        </a:spcBef>
+                        <a:spcAft>
+                          <a:spcPts val="0"/>
+                        </a:spcAft>
+                        <a:buClrTx/>
+                        <a:buSzTx/>
+                        <a:buFontTx/>
+                        <a:buNone/>
+                        <a:tabLst/>
+                        <a:defRPr/>
+                      </a:pPr>
+                      <a:r>
+                        <a:rPr lang="en-US" dirty="0" smtClean="0"/>
+                        <a:t>Student</a:t>
+                      </a:r>
+                    </a:p>
+                    <a:p>
+                      <a:pPr marL="0" marR="0" indent="0" algn="l" defTabSz="914400" rtl="0" eaLnBrk="1" fontAlgn="auto" latinLnBrk="0" hangingPunct="1">
+                        <a:lnSpc>
+                          <a:spcPct val="100000"/>
+                        </a:lnSpc>
+                        <a:spcBef>
+                          <a:spcPts val="0"/>
+                        </a:spcBef>
+                        <a:spcAft>
+                          <a:spcPts val="0"/>
+                        </a:spcAft>
+                        <a:buClrTx/>
+                        <a:buSzTx/>
+                        <a:buFontTx/>
+                        <a:buNone/>
+                        <a:tabLst/>
+                        <a:defRPr/>
+                      </a:pPr>
+                      <a:r>
+                        <a:rPr lang="en-US" dirty="0" smtClean="0"/>
+                        <a:t>Answer</a:t>
+                      </a:r>
+                    </a:p>
+                    <a:p>
+                      <a:endParaRPr lang="en-US" dirty="0"/>
+                    </a:p>
+                  </a:txBody>
+                  <a:tcPr/>
+                </a:tc>
+              </a:tr>
+              <a:tr h="370840">
+                <a:tc>
+                  <a:txBody>
+                    <a:bodyPr/>
+                    <a:lstStyle/>
+                    <a:p>
+                      <a:r>
+                        <a:rPr lang="en-US" dirty="0" smtClean="0"/>
+                        <a:t>Answer</a:t>
+                      </a:r>
+                    </a:p>
+                    <a:p>
+                      <a:endParaRPr lang="en-US" dirty="0"/>
+                    </a:p>
+                  </a:txBody>
+                  <a:tcPr/>
+                </a:tc>
+              </a:tr>
+            </a:tbl>
+          </a:graphicData>
+        </a:graphic>
+      </p:graphicFrame>
+      <p:cxnSp>
+        <p:nvCxnSpPr>
+          <p:cNvPr id="38" name="Straight Connector 37"/>
+          <p:cNvCxnSpPr>
+            <a:endCxn id="12" idx="0"/>
+          </p:cNvCxnSpPr>
+          <p:nvPr/>
+        </p:nvCxnSpPr>
+        <p:spPr>
+          <a:xfrm>
+            <a:off x="7885082" y="3243885"/>
+            <a:ext cx="734" cy="619267"/>
+          </a:xfrm>
+          <a:prstGeom prst="line">
+            <a:avLst/>
+          </a:prstGeom>
+          <a:ln w="127000">
+            <a:solidFill>
+              <a:schemeClr val="tx1"/>
+            </a:solidFill>
+            <a:tailEnd type="triangle"/>
+          </a:ln>
+        </p:spPr>
+        <p:style>
+          <a:lnRef idx="2">
+            <a:schemeClr val="accent1"/>
+          </a:lnRef>
+          <a:fillRef idx="0">
+            <a:schemeClr val="accent1"/>
+          </a:fillRef>
+          <a:effectRef idx="1">
+            <a:schemeClr val="accent1"/>
+          </a:effectRef>
+          <a:fontRef idx="minor">
+            <a:schemeClr val="tx1"/>
+          </a:fontRef>
+        </p:style>
+      </p:cxnSp>
+      <p:cxnSp>
+        <p:nvCxnSpPr>
+          <p:cNvPr id="43" name="Straight Connector 42"/>
+          <p:cNvCxnSpPr/>
+          <p:nvPr/>
+        </p:nvCxnSpPr>
+        <p:spPr>
+          <a:xfrm flipH="1">
+            <a:off x="5899983" y="5265614"/>
+            <a:ext cx="924304" cy="0"/>
+          </a:xfrm>
+          <a:prstGeom prst="line">
+            <a:avLst/>
+          </a:prstGeom>
+          <a:ln w="127000">
+            <a:solidFill>
+              <a:schemeClr val="tx1"/>
+            </a:solidFill>
+            <a:tailEnd type="triangle"/>
+          </a:ln>
+        </p:spPr>
+        <p:style>
+          <a:lnRef idx="2">
+            <a:schemeClr val="accent1"/>
+          </a:lnRef>
+          <a:fillRef idx="0">
+            <a:schemeClr val="accent1"/>
+          </a:fillRef>
+          <a:effectRef idx="1">
+            <a:schemeClr val="accent1"/>
+          </a:effectRef>
+          <a:fontRef idx="minor">
+            <a:schemeClr val="tx1"/>
+          </a:fontRef>
+        </p:style>
+      </p:cxnSp>
+      <p:cxnSp>
+        <p:nvCxnSpPr>
+          <p:cNvPr id="46" name="Straight Connector 45"/>
+          <p:cNvCxnSpPr>
+            <a:stCxn id="13" idx="1"/>
+          </p:cNvCxnSpPr>
+          <p:nvPr/>
+        </p:nvCxnSpPr>
+        <p:spPr>
+          <a:xfrm flipH="1">
+            <a:off x="3431842" y="5265614"/>
+            <a:ext cx="952433" cy="0"/>
+          </a:xfrm>
+          <a:prstGeom prst="line">
+            <a:avLst/>
+          </a:prstGeom>
+          <a:ln w="127000">
+            <a:solidFill>
+              <a:schemeClr val="tx1"/>
+            </a:solidFill>
+            <a:tailEnd type="triangle"/>
+          </a:ln>
+        </p:spPr>
+        <p:style>
+          <a:lnRef idx="2">
+            <a:schemeClr val="accent1"/>
+          </a:lnRef>
+          <a:fillRef idx="0">
+            <a:schemeClr val="accent1"/>
+          </a:fillRef>
+          <a:effectRef idx="1">
+            <a:schemeClr val="accent1"/>
+          </a:effectRef>
+          <a:fontRef idx="minor">
+            <a:schemeClr val="tx1"/>
+          </a:fontRef>
+        </p:style>
+      </p:cxnSp>
+      <p:graphicFrame>
+        <p:nvGraphicFramePr>
+          <p:cNvPr id="57" name="Table 56"/>
+          <p:cNvGraphicFramePr>
+            <a:graphicFrameLocks noGrp="1"/>
+          </p:cNvGraphicFramePr>
+          <p:nvPr>
+            <p:extLst>
+              <p:ext uri="{D42A27DB-BD31-4B8C-83A1-F6EECF244321}">
+                <p14:modId xmlns:p14="http://schemas.microsoft.com/office/powerpoint/2010/main" val="2420716236"/>
+              </p:ext>
+            </p:extLst>
+          </p:nvPr>
+        </p:nvGraphicFramePr>
+        <p:xfrm>
+          <a:off x="2181312" y="1689406"/>
+          <a:ext cx="1439922" cy="1420660"/>
+        </p:xfrm>
+        <a:graphic>
+          <a:graphicData uri="http://schemas.openxmlformats.org/drawingml/2006/table">
+            <a:tbl>
+              <a:tblPr firstRow="1" bandRow="1">
+                <a:tableStyleId>{073A0DAA-6AF3-43AB-8588-CEC1D06C72B9}</a:tableStyleId>
+              </a:tblPr>
+              <a:tblGrid>
+                <a:gridCol w="1439922"/>
+              </a:tblGrid>
+              <a:tr h="546406">
+                <a:tc>
+                  <a:txBody>
+                    <a:bodyPr/>
+                    <a:lstStyle/>
+                    <a:p>
+                      <a:pPr marL="0" marR="0" indent="0" algn="l" defTabSz="914400" rtl="0" eaLnBrk="1" fontAlgn="auto" latinLnBrk="0" hangingPunct="1">
+                        <a:lnSpc>
+                          <a:spcPct val="100000"/>
+                        </a:lnSpc>
+                        <a:spcBef>
+                          <a:spcPts val="0"/>
+                        </a:spcBef>
+                        <a:spcAft>
+                          <a:spcPts val="0"/>
+                        </a:spcAft>
+                        <a:buClrTx/>
+                        <a:buSzTx/>
+                        <a:buFontTx/>
+                        <a:buNone/>
+                        <a:tabLst/>
+                        <a:defRPr/>
+                      </a:pPr>
+                      <a:r>
+                        <a:rPr lang="en-US" dirty="0" smtClean="0"/>
+                        <a:t>Enrollment</a:t>
+                      </a:r>
+                    </a:p>
+                    <a:p>
+                      <a:endParaRPr lang="en-US" dirty="0"/>
+                    </a:p>
+                  </a:txBody>
+                  <a:tcPr/>
+                </a:tc>
+              </a:tr>
+              <a:tr h="780580">
+                <a:tc>
+                  <a:txBody>
+                    <a:bodyPr/>
+                    <a:lstStyle/>
+                    <a:p>
+                      <a:endParaRPr lang="en-US" dirty="0"/>
+                    </a:p>
+                  </a:txBody>
+                  <a:tcPr/>
+                </a:tc>
+              </a:tr>
+            </a:tbl>
+          </a:graphicData>
+        </a:graphic>
+      </p:graphicFrame>
+      <p:graphicFrame>
+        <p:nvGraphicFramePr>
+          <p:cNvPr id="58" name="Table 57"/>
+          <p:cNvGraphicFramePr>
+            <a:graphicFrameLocks noGrp="1"/>
+          </p:cNvGraphicFramePr>
+          <p:nvPr>
+            <p:extLst>
+              <p:ext uri="{D42A27DB-BD31-4B8C-83A1-F6EECF244321}">
+                <p14:modId xmlns:p14="http://schemas.microsoft.com/office/powerpoint/2010/main" val="1424742959"/>
+              </p:ext>
+            </p:extLst>
+          </p:nvPr>
+        </p:nvGraphicFramePr>
+        <p:xfrm>
+          <a:off x="345850" y="1739983"/>
+          <a:ext cx="1140085" cy="1420660"/>
+        </p:xfrm>
+        <a:graphic>
+          <a:graphicData uri="http://schemas.openxmlformats.org/drawingml/2006/table">
+            <a:tbl>
+              <a:tblPr firstRow="1" bandRow="1">
+                <a:tableStyleId>{073A0DAA-6AF3-43AB-8588-CEC1D06C72B9}</a:tableStyleId>
+              </a:tblPr>
+              <a:tblGrid>
+                <a:gridCol w="1140085"/>
+              </a:tblGrid>
+              <a:tr h="546406">
+                <a:tc>
+                  <a:txBody>
+                    <a:bodyPr/>
+                    <a:lstStyle/>
+                    <a:p>
+                      <a:pPr marL="0" marR="0" indent="0" algn="l" defTabSz="914400" rtl="0" eaLnBrk="1" fontAlgn="auto" latinLnBrk="0" hangingPunct="1">
+                        <a:lnSpc>
+                          <a:spcPct val="100000"/>
+                        </a:lnSpc>
+                        <a:spcBef>
+                          <a:spcPts val="0"/>
+                        </a:spcBef>
+                        <a:spcAft>
+                          <a:spcPts val="0"/>
+                        </a:spcAft>
+                        <a:buClrTx/>
+                        <a:buSzTx/>
+                        <a:buFontTx/>
+                        <a:buNone/>
+                        <a:tabLst/>
+                        <a:defRPr/>
+                      </a:pPr>
+                      <a:r>
+                        <a:rPr lang="en-US" dirty="0" smtClean="0"/>
+                        <a:t>Students</a:t>
+                      </a:r>
+                    </a:p>
+                    <a:p>
+                      <a:endParaRPr lang="en-US" dirty="0"/>
+                    </a:p>
+                  </a:txBody>
+                  <a:tcPr/>
+                </a:tc>
+              </a:tr>
+              <a:tr h="780580">
+                <a:tc>
+                  <a:txBody>
+                    <a:bodyPr/>
+                    <a:lstStyle/>
+                    <a:p>
+                      <a:r>
+                        <a:rPr lang="en-US" dirty="0" smtClean="0"/>
+                        <a:t>Student</a:t>
+                      </a:r>
+                      <a:r>
+                        <a:rPr lang="en-US" baseline="0" dirty="0" smtClean="0"/>
+                        <a:t> Number</a:t>
+                      </a:r>
+                      <a:endParaRPr lang="en-US" dirty="0"/>
+                    </a:p>
+                  </a:txBody>
+                  <a:tcPr/>
+                </a:tc>
+              </a:tr>
+            </a:tbl>
+          </a:graphicData>
+        </a:graphic>
+      </p:graphicFrame>
+      <p:cxnSp>
+        <p:nvCxnSpPr>
+          <p:cNvPr id="59" name="Straight Connector 58"/>
+          <p:cNvCxnSpPr>
+            <a:stCxn id="57" idx="2"/>
+            <a:endCxn id="14" idx="0"/>
+          </p:cNvCxnSpPr>
+          <p:nvPr/>
+        </p:nvCxnSpPr>
+        <p:spPr>
+          <a:xfrm>
+            <a:off x="2901273" y="3110066"/>
+            <a:ext cx="0" cy="1378308"/>
+          </a:xfrm>
+          <a:prstGeom prst="line">
+            <a:avLst/>
+          </a:prstGeom>
+          <a:ln w="127000">
+            <a:solidFill>
+              <a:schemeClr val="tx1"/>
+            </a:solidFill>
+            <a:tailEnd type="triangle"/>
+          </a:ln>
+        </p:spPr>
+        <p:style>
+          <a:lnRef idx="2">
+            <a:schemeClr val="accent1"/>
+          </a:lnRef>
+          <a:fillRef idx="0">
+            <a:schemeClr val="accent1"/>
+          </a:fillRef>
+          <a:effectRef idx="1">
+            <a:schemeClr val="accent1"/>
+          </a:effectRef>
+          <a:fontRef idx="minor">
+            <a:schemeClr val="tx1"/>
+          </a:fontRef>
+        </p:style>
+      </p:cxnSp>
+      <p:cxnSp>
+        <p:nvCxnSpPr>
+          <p:cNvPr id="63" name="Straight Connector 62"/>
+          <p:cNvCxnSpPr>
+            <a:stCxn id="57" idx="3"/>
+          </p:cNvCxnSpPr>
+          <p:nvPr/>
+        </p:nvCxnSpPr>
+        <p:spPr>
+          <a:xfrm>
+            <a:off x="3621234" y="2399736"/>
+            <a:ext cx="3695502" cy="0"/>
+          </a:xfrm>
+          <a:prstGeom prst="line">
+            <a:avLst/>
+          </a:prstGeom>
+          <a:ln w="127000">
+            <a:solidFill>
+              <a:schemeClr val="tx1"/>
+            </a:solidFill>
+            <a:tailEnd type="triangle"/>
+          </a:ln>
+        </p:spPr>
+        <p:style>
+          <a:lnRef idx="2">
+            <a:schemeClr val="accent1"/>
+          </a:lnRef>
+          <a:fillRef idx="0">
+            <a:schemeClr val="accent1"/>
+          </a:fillRef>
+          <a:effectRef idx="1">
+            <a:schemeClr val="accent1"/>
+          </a:effectRef>
+          <a:fontRef idx="minor">
+            <a:schemeClr val="tx1"/>
+          </a:fontRef>
+        </p:style>
+      </p:cxnSp>
+      <p:cxnSp>
+        <p:nvCxnSpPr>
+          <p:cNvPr id="76" name="Straight Connector 75"/>
+          <p:cNvCxnSpPr>
+            <a:stCxn id="57" idx="1"/>
+          </p:cNvCxnSpPr>
+          <p:nvPr/>
+        </p:nvCxnSpPr>
+        <p:spPr>
+          <a:xfrm flipH="1">
+            <a:off x="1485936" y="2399736"/>
+            <a:ext cx="695376" cy="0"/>
+          </a:xfrm>
+          <a:prstGeom prst="line">
+            <a:avLst/>
+          </a:prstGeom>
+          <a:ln w="127000">
+            <a:solidFill>
+              <a:schemeClr val="tx1"/>
+            </a:solidFill>
+            <a:tailEnd type="triangle"/>
+          </a:ln>
+        </p:spPr>
+        <p:style>
+          <a:lnRef idx="2">
+            <a:schemeClr val="accent1"/>
+          </a:lnRef>
+          <a:fillRef idx="0">
+            <a:schemeClr val="accent1"/>
+          </a:fillRef>
+          <a:effectRef idx="1">
+            <a:schemeClr val="accent1"/>
+          </a:effectRef>
+          <a:fontRef idx="minor">
+            <a:schemeClr val="tx1"/>
+          </a:fontRef>
+        </p:style>
+      </p:cxnSp>
+    </p:spTree>
+    <p:extLst>
+      <p:ext uri="{BB962C8B-B14F-4D97-AF65-F5344CB8AC3E}">
+        <p14:creationId xmlns:p14="http://schemas.microsoft.com/office/powerpoint/2010/main" val="665529192"/>
+      </p:ext>
+    </p:extLst>
+  </p:cSld>
+  <p:clrMapOvr>
+    <a:masterClrMapping/>
+  </p:clrMapOvr>
+</p:sld>
+</file>
+
+<file path=ppt/slides/slide7.xml><?xml version="1.0" encoding="utf-8"?>
+<p:sld xmlns:a="http://schemas.openxmlformats.org/drawingml/2006/main" xmlns:r="http://schemas.openxmlformats.org/officeDocument/2006/relationships" xmlns:p="http://schemas.openxmlformats.org/presentationml/2006/main">
+  <p:cSld>
+    <p:spTree>
+      <p:nvGrpSpPr>
+        <p:cNvPr id="1" name=""/>
+        <p:cNvGrpSpPr/>
+        <p:nvPr/>
+      </p:nvGrpSpPr>
+      <p:grpSpPr>
+        <a:xfrm>
+          <a:off x="0" y="0"/>
+          <a:ext cx="0" cy="0"/>
+          <a:chOff x="0" y="0"/>
+          <a:chExt cx="0" cy="0"/>
+        </a:xfrm>
+      </p:grpSpPr>
+      <p:sp>
+        <p:nvSpPr>
+          <p:cNvPr id="2" name="Content Placeholder 1"/>
+          <p:cNvSpPr>
+            <a:spLocks noGrp="1"/>
+          </p:cNvSpPr>
+          <p:nvPr>
+            <p:ph idx="1"/>
+          </p:nvPr>
+        </p:nvSpPr>
+        <p:spPr>
+          <a:xfrm>
+            <a:off x="429398" y="698801"/>
+            <a:ext cx="6935423" cy="3657599"/>
           </a:xfrm>
         </p:spPr>
         <p:txBody>
@@ -5988,7 +7135,15 @@
           <a:p>
             <a:r>
               <a:rPr lang="en-US" sz="2400" dirty="0" smtClean="0"/>
-              <a:t>Review the questions and answers after class</a:t>
+              <a:t>Review </a:t>
+            </a:r>
+            <a:r>
+              <a:rPr lang="en-US" sz="2400" dirty="0" smtClean="0"/>
+              <a:t>questions </a:t>
+            </a:r>
+            <a:r>
+              <a:rPr lang="en-US" sz="2400" dirty="0" smtClean="0"/>
+              <a:t>and answers after class</a:t>
             </a:r>
           </a:p>
           <a:p>
@@ -6127,7 +7282,7 @@
 </p:sld>
 </file>
 
-<file path=ppt/slides/slide7.xml><?xml version="1.0" encoding="utf-8"?>
+<file path=ppt/slides/slide8.xml><?xml version="1.0" encoding="utf-8"?>
 <p:sld xmlns:a="http://schemas.openxmlformats.org/drawingml/2006/main" xmlns:r="http://schemas.openxmlformats.org/officeDocument/2006/relationships" xmlns:p="http://schemas.openxmlformats.org/presentationml/2006/main">
   <p:cSld>
     <p:spTree>
@@ -6224,12 +7379,8 @@
               <a:t>Student Answer </a:t>
             </a:r>
             <a:r>
-              <a:rPr lang="en-US" dirty="0" err="1"/>
-              <a:t>A</a:t>
-            </a:r>
-            <a:r>
-              <a:rPr lang="en-US" dirty="0" err="1" smtClean="0"/>
-              <a:t>naylsis</a:t>
+              <a:rPr lang="en-US" dirty="0" smtClean="0"/>
+              <a:t>Analysis</a:t>
             </a:r>
             <a:r>
               <a:rPr lang="en-US" dirty="0" smtClean="0"/>
@@ -6276,102 +7427,6 @@
 </p:sld>
 </file>
 
-<file path=ppt/slides/slide8.xml><?xml version="1.0" encoding="utf-8"?>
-<p:sld xmlns:a="http://schemas.openxmlformats.org/drawingml/2006/main" xmlns:r="http://schemas.openxmlformats.org/officeDocument/2006/relationships" xmlns:p="http://schemas.openxmlformats.org/presentationml/2006/main">
-  <p:cSld>
-    <p:spTree>
-      <p:nvGrpSpPr>
-        <p:cNvPr id="1" name=""/>
-        <p:cNvGrpSpPr/>
-        <p:nvPr/>
-      </p:nvGrpSpPr>
-      <p:grpSpPr>
-        <a:xfrm>
-          <a:off x="0" y="0"/>
-          <a:ext cx="0" cy="0"/>
-          <a:chOff x="0" y="0"/>
-          <a:chExt cx="0" cy="0"/>
-        </a:xfrm>
-      </p:grpSpPr>
-      <p:sp>
-        <p:nvSpPr>
-          <p:cNvPr id="2" name="Content Placeholder 1"/>
-          <p:cNvSpPr>
-            <a:spLocks noGrp="1"/>
-          </p:cNvSpPr>
-          <p:nvPr>
-            <p:ph idx="1"/>
-          </p:nvPr>
-        </p:nvSpPr>
-        <p:spPr/>
-        <p:txBody>
-          <a:bodyPr/>
-          <a:lstStyle/>
-          <a:p>
-            <a:endParaRPr lang="en-US"/>
-          </a:p>
-        </p:txBody>
-      </p:sp>
-      <p:sp>
-        <p:nvSpPr>
-          <p:cNvPr id="3" name="Title 2"/>
-          <p:cNvSpPr>
-            <a:spLocks noGrp="1"/>
-          </p:cNvSpPr>
-          <p:nvPr>
-            <p:ph type="title"/>
-          </p:nvPr>
-        </p:nvSpPr>
-        <p:spPr/>
-        <p:txBody>
-          <a:bodyPr/>
-          <a:lstStyle/>
-          <a:p>
-            <a:r>
-              <a:rPr lang="en-US" dirty="0" smtClean="0"/>
-              <a:t>Field Test</a:t>
-            </a:r>
-            <a:endParaRPr lang="en-US" dirty="0"/>
-          </a:p>
-        </p:txBody>
-      </p:sp>
-      <p:pic>
-        <p:nvPicPr>
-          <p:cNvPr id="4" name="Picture 3"/>
-          <p:cNvPicPr>
-            <a:picLocks noChangeAspect="1"/>
-          </p:cNvPicPr>
-          <p:nvPr/>
-        </p:nvPicPr>
-        <p:blipFill>
-          <a:blip r:embed="rId2"/>
-          <a:stretch>
-            <a:fillRect/>
-          </a:stretch>
-        </p:blipFill>
-        <p:spPr>
-          <a:xfrm>
-            <a:off x="7364822" y="111794"/>
-            <a:ext cx="1660040" cy="917575"/>
-          </a:xfrm>
-          <a:prstGeom prst="rect">
-            <a:avLst/>
-          </a:prstGeom>
-        </p:spPr>
-      </p:pic>
-    </p:spTree>
-    <p:extLst>
-      <p:ext uri="{BB962C8B-B14F-4D97-AF65-F5344CB8AC3E}">
-        <p14:creationId xmlns:p14="http://schemas.microsoft.com/office/powerpoint/2010/main" val="100663824"/>
-      </p:ext>
-    </p:extLst>
-  </p:cSld>
-  <p:clrMapOvr>
-    <a:masterClrMapping/>
-  </p:clrMapOvr>
-</p:sld>
-</file>
-
 <file path=ppt/slides/slide9.xml><?xml version="1.0" encoding="utf-8"?>
 <p:sld xmlns:a="http://schemas.openxmlformats.org/drawingml/2006/main" xmlns:r="http://schemas.openxmlformats.org/officeDocument/2006/relationships" xmlns:p="http://schemas.openxmlformats.org/presentationml/2006/main">
   <p:cSld>
@@ -6399,81 +7454,33 @@
             <p:ph idx="1"/>
           </p:nvPr>
         </p:nvSpPr>
-        <p:spPr>
-          <a:xfrm>
-            <a:off x="1709979" y="1352888"/>
-            <a:ext cx="6096000" cy="3657599"/>
-          </a:xfrm>
-        </p:spPr>
+        <p:spPr/>
         <p:txBody>
           <a:bodyPr/>
           <a:lstStyle/>
           <a:p>
+            <a:endParaRPr lang="en-US"/>
+          </a:p>
+        </p:txBody>
+      </p:sp>
+      <p:sp>
+        <p:nvSpPr>
+          <p:cNvPr id="3" name="Title 2"/>
+          <p:cNvSpPr>
+            <a:spLocks noGrp="1"/>
+          </p:cNvSpPr>
+          <p:nvPr>
+            <p:ph type="title"/>
+          </p:nvPr>
+        </p:nvSpPr>
+        <p:spPr/>
+        <p:txBody>
+          <a:bodyPr/>
+          <a:lstStyle/>
+          <a:p>
             <a:r>
               <a:rPr lang="en-US" dirty="0" smtClean="0"/>
-              <a:t>Portability for different environment</a:t>
-            </a:r>
-          </a:p>
-          <a:p>
-            <a:r>
-              <a:rPr lang="en-US" dirty="0" smtClean="0"/>
-              <a:t>Open Source</a:t>
-            </a:r>
-          </a:p>
-          <a:p>
-            <a:r>
-              <a:rPr lang="en-US" dirty="0" smtClean="0"/>
-              <a:t>Security</a:t>
-            </a:r>
-          </a:p>
-          <a:p>
-            <a:r>
-              <a:rPr lang="en-US" dirty="0"/>
-              <a:t>Installation </a:t>
-            </a:r>
-            <a:r>
-              <a:rPr lang="en-US" dirty="0" smtClean="0"/>
-              <a:t>kit</a:t>
-            </a:r>
-          </a:p>
-          <a:p>
-            <a:r>
-              <a:rPr lang="en-US" dirty="0" smtClean="0"/>
-              <a:t>Localization</a:t>
-            </a:r>
-          </a:p>
-          <a:p>
-            <a:pPr marL="18288" indent="0">
-              <a:buNone/>
-            </a:pPr>
-            <a:r>
-              <a:rPr lang="en-US" dirty="0" smtClean="0"/>
-              <a:t> </a:t>
-            </a:r>
-          </a:p>
-          <a:p>
-            <a:endParaRPr lang="en-US" dirty="0"/>
-          </a:p>
-        </p:txBody>
-      </p:sp>
-      <p:sp>
-        <p:nvSpPr>
-          <p:cNvPr id="3" name="Title 2"/>
-          <p:cNvSpPr>
-            <a:spLocks noGrp="1"/>
-          </p:cNvSpPr>
-          <p:nvPr>
-            <p:ph type="title"/>
-          </p:nvPr>
-        </p:nvSpPr>
-        <p:spPr/>
-        <p:txBody>
-          <a:bodyPr/>
-          <a:lstStyle/>
-          <a:p>
-            <a:r>
-              <a:rPr lang="en-US" dirty="0" smtClean="0"/>
-              <a:t>The Next Steps </a:t>
+              <a:t>Field Test</a:t>
             </a:r>
             <a:endParaRPr lang="en-US" dirty="0"/>
           </a:p>

--- a/Documentation/Presentation.pptx
+++ b/Documentation/Presentation.pptx
@@ -1,8 +1,8 @@
 
 <file path=ppt/presentation.xml><?xml version="1.0" encoding="utf-8"?>
-<p:presentation xmlns:a="http://schemas.openxmlformats.org/drawingml/2006/main" xmlns:r="http://schemas.openxmlformats.org/officeDocument/2006/relationships" xmlns:p="http://schemas.openxmlformats.org/presentationml/2006/main" saveSubsetFonts="1" autoCompressPictures="0">
+<p:presentation xmlns:a="http://schemas.openxmlformats.org/drawingml/2006/main" xmlns:r="http://schemas.openxmlformats.org/officeDocument/2006/relationships" xmlns:mc="http://schemas.openxmlformats.org/markup-compatibility/2006" xmlns:mv="urn:schemas-microsoft-com:mac:vml" xmlns:p="http://schemas.openxmlformats.org/presentationml/2006/main" mc:Ignorable="mv" mc:PreserveAttributes="mv:*" saveSubsetFonts="1" autoCompressPictures="0">
   <p:sldMasterIdLst>
-    <p:sldMasterId id="2147483648" r:id="rId1"/>
+    <p:sldMasterId r:id="rId1"/>
   </p:sldMasterIdLst>
   <p:notesMasterIdLst>
     <p:notesMasterId r:id="rId12"/>
@@ -120,7 +120,7 @@
 </file>
 
 <file path=ppt/notesMasters/notesMaster1.xml><?xml version="1.0" encoding="utf-8"?>
-<p:notesMaster xmlns:a="http://schemas.openxmlformats.org/drawingml/2006/main" xmlns:r="http://schemas.openxmlformats.org/officeDocument/2006/relationships" xmlns:p="http://schemas.openxmlformats.org/presentationml/2006/main">
+<p:notesMaster xmlns:a="http://schemas.openxmlformats.org/drawingml/2006/main" xmlns:r="http://schemas.openxmlformats.org/officeDocument/2006/relationships" xmlns:mc="http://schemas.openxmlformats.org/markup-compatibility/2006" xmlns:mv="urn:schemas-microsoft-com:mac:vml" xmlns:p="http://schemas.openxmlformats.org/presentationml/2006/main" mc:Ignorable="mv" mc:PreserveAttributes="mv:*">
   <p:cSld>
     <p:bg>
       <p:bgRef idx="1001">
@@ -201,7 +201,8 @@
           <a:p>
             <a:fld id="{4F405883-54D8-CE4F-B25E-85697DC78400}" type="datetimeFigureOut">
               <a:rPr lang="en-US" smtClean="0"/>
-              <a:t>2014-04-15</a:t>
+              <a:pPr/>
+              <a:t>4/15/14</a:t>
             </a:fld>
             <a:endParaRPr lang="en-US"/>
           </a:p>
@@ -360,6 +361,7 @@
           <a:p>
             <a:fld id="{C338E142-AFDC-AE47-9FD3-50F8F6079FF1}" type="slidenum">
               <a:rPr lang="en-US" smtClean="0"/>
+              <a:pPr/>
               <a:t>‹#›</a:t>
             </a:fld>
             <a:endParaRPr lang="en-US"/>
@@ -369,7 +371,7 @@
     </p:spTree>
     <p:extLst>
       <p:ext uri="{BB962C8B-B14F-4D97-AF65-F5344CB8AC3E}">
-        <p14:creationId xmlns:p14="http://schemas.microsoft.com/office/powerpoint/2010/main" val="4127568524"/>
+        <p14:creationId xmlns:p14="http://schemas.microsoft.com/office/powerpoint/2010/main" xmlns:p="http://schemas.openxmlformats.org/presentationml/2006/main" xmlns:r="http://schemas.openxmlformats.org/officeDocument/2006/relationships" xmlns:a="http://schemas.openxmlformats.org/drawingml/2006/main" xmlns="" val="4127568524"/>
       </p:ext>
     </p:extLst>
   </p:cSld>
@@ -470,7 +472,7 @@
 </file>
 
 <file path=ppt/notesSlides/notesSlide1.xml><?xml version="1.0" encoding="utf-8"?>
-<p:notes xmlns:a="http://schemas.openxmlformats.org/drawingml/2006/main" xmlns:r="http://schemas.openxmlformats.org/officeDocument/2006/relationships" xmlns:p="http://schemas.openxmlformats.org/presentationml/2006/main">
+<p:notes xmlns:a="http://schemas.openxmlformats.org/drawingml/2006/main" xmlns:r="http://schemas.openxmlformats.org/officeDocument/2006/relationships" xmlns:mc="http://schemas.openxmlformats.org/markup-compatibility/2006" xmlns:mv="urn:schemas-microsoft-com:mac:vml" xmlns:p="http://schemas.openxmlformats.org/presentationml/2006/main" mc:Ignorable="mv" mc:PreserveAttributes="mv:*">
   <p:cSld>
     <p:spTree>
       <p:nvGrpSpPr>
@@ -638,6 +640,7 @@
           <a:p>
             <a:fld id="{C338E142-AFDC-AE47-9FD3-50F8F6079FF1}" type="slidenum">
               <a:rPr lang="en-US" smtClean="0"/>
+              <a:pPr/>
               <a:t>3</a:t>
             </a:fld>
             <a:endParaRPr lang="en-US"/>
@@ -647,7 +650,7 @@
     </p:spTree>
     <p:extLst>
       <p:ext uri="{BB962C8B-B14F-4D97-AF65-F5344CB8AC3E}">
-        <p14:creationId xmlns:p14="http://schemas.microsoft.com/office/powerpoint/2010/main" val="2984006627"/>
+        <p14:creationId xmlns:p14="http://schemas.microsoft.com/office/powerpoint/2010/main" xmlns:p="http://schemas.openxmlformats.org/presentationml/2006/main" xmlns:r="http://schemas.openxmlformats.org/officeDocument/2006/relationships" xmlns:a="http://schemas.openxmlformats.org/drawingml/2006/main" xmlns="" val="2984006627"/>
       </p:ext>
     </p:extLst>
   </p:cSld>
@@ -658,7 +661,7 @@
 </file>
 
 <file path=ppt/notesSlides/notesSlide2.xml><?xml version="1.0" encoding="utf-8"?>
-<p:notes xmlns:a="http://schemas.openxmlformats.org/drawingml/2006/main" xmlns:r="http://schemas.openxmlformats.org/officeDocument/2006/relationships" xmlns:p="http://schemas.openxmlformats.org/presentationml/2006/main">
+<p:notes xmlns:a="http://schemas.openxmlformats.org/drawingml/2006/main" xmlns:r="http://schemas.openxmlformats.org/officeDocument/2006/relationships" xmlns:mc="http://schemas.openxmlformats.org/markup-compatibility/2006" xmlns:mv="urn:schemas-microsoft-com:mac:vml" xmlns:p="http://schemas.openxmlformats.org/presentationml/2006/main" mc:Ignorable="mv" mc:PreserveAttributes="mv:*">
   <p:cSld>
     <p:spTree>
       <p:nvGrpSpPr>
@@ -826,6 +829,7 @@
           <a:p>
             <a:fld id="{C338E142-AFDC-AE47-9FD3-50F8F6079FF1}" type="slidenum">
               <a:rPr lang="en-US" smtClean="0"/>
+              <a:pPr/>
               <a:t>4</a:t>
             </a:fld>
             <a:endParaRPr lang="en-US"/>
@@ -835,7 +839,7 @@
     </p:spTree>
     <p:extLst>
       <p:ext uri="{BB962C8B-B14F-4D97-AF65-F5344CB8AC3E}">
-        <p14:creationId xmlns:p14="http://schemas.microsoft.com/office/powerpoint/2010/main" val="2984006627"/>
+        <p14:creationId xmlns:p14="http://schemas.microsoft.com/office/powerpoint/2010/main" xmlns:p="http://schemas.openxmlformats.org/presentationml/2006/main" xmlns:r="http://schemas.openxmlformats.org/officeDocument/2006/relationships" xmlns:a="http://schemas.openxmlformats.org/drawingml/2006/main" xmlns="" val="2984006627"/>
       </p:ext>
     </p:extLst>
   </p:cSld>
@@ -846,7 +850,7 @@
 </file>
 
 <file path=ppt/notesSlides/notesSlide3.xml><?xml version="1.0" encoding="utf-8"?>
-<p:notes xmlns:a="http://schemas.openxmlformats.org/drawingml/2006/main" xmlns:r="http://schemas.openxmlformats.org/officeDocument/2006/relationships" xmlns:p="http://schemas.openxmlformats.org/presentationml/2006/main">
+<p:notes xmlns:a="http://schemas.openxmlformats.org/drawingml/2006/main" xmlns:r="http://schemas.openxmlformats.org/officeDocument/2006/relationships" xmlns:mc="http://schemas.openxmlformats.org/markup-compatibility/2006" xmlns:mv="urn:schemas-microsoft-com:mac:vml" xmlns:p="http://schemas.openxmlformats.org/presentationml/2006/main" mc:Ignorable="mv" mc:PreserveAttributes="mv:*">
   <p:cSld>
     <p:spTree>
       <p:nvGrpSpPr>
@@ -940,6 +944,7 @@
           <a:p>
             <a:fld id="{C338E142-AFDC-AE47-9FD3-50F8F6079FF1}" type="slidenum">
               <a:rPr lang="en-US" smtClean="0"/>
+              <a:pPr/>
               <a:t>5</a:t>
             </a:fld>
             <a:endParaRPr lang="en-US"/>
@@ -949,7 +954,7 @@
     </p:spTree>
     <p:extLst>
       <p:ext uri="{BB962C8B-B14F-4D97-AF65-F5344CB8AC3E}">
-        <p14:creationId xmlns:p14="http://schemas.microsoft.com/office/powerpoint/2010/main" val="2274047520"/>
+        <p14:creationId xmlns:p14="http://schemas.microsoft.com/office/powerpoint/2010/main" xmlns:p="http://schemas.openxmlformats.org/presentationml/2006/main" xmlns:r="http://schemas.openxmlformats.org/officeDocument/2006/relationships" xmlns:a="http://schemas.openxmlformats.org/drawingml/2006/main" xmlns="" val="2274047520"/>
       </p:ext>
     </p:extLst>
   </p:cSld>
@@ -960,7 +965,7 @@
 </file>
 
 <file path=ppt/slideLayouts/slideLayout1.xml><?xml version="1.0" encoding="utf-8"?>
-<p:sldLayout xmlns:a="http://schemas.openxmlformats.org/drawingml/2006/main" xmlns:r="http://schemas.openxmlformats.org/officeDocument/2006/relationships" xmlns:p="http://schemas.openxmlformats.org/presentationml/2006/main" type="title" preserve="1">
+<p:sldLayout xmlns:a="http://schemas.openxmlformats.org/drawingml/2006/main" xmlns:r="http://schemas.openxmlformats.org/officeDocument/2006/relationships" xmlns:mc="http://schemas.openxmlformats.org/markup-compatibility/2006" xmlns:mv="urn:schemas-microsoft-com:mac:vml" xmlns:p="http://schemas.openxmlformats.org/presentationml/2006/main" mc:Ignorable="mv" mc:PreserveAttributes="mv:*" type="title" preserve="1">
   <p:cSld name="Title Slide">
     <p:spTree>
       <p:nvGrpSpPr>
@@ -1197,7 +1202,7 @@
             <a:fld id="{5E090EFF-37B5-024C-AB3F-FAC6BB2F278A}" type="datetimeFigureOut">
               <a:rPr lang="en-US" smtClean="0"/>
               <a:pPr/>
-              <a:t>2014-04-15</a:t>
+              <a:t>4/15/14</a:t>
             </a:fld>
             <a:endParaRPr lang="en-US"/>
           </a:p>
@@ -1255,7 +1260,7 @@
 </file>
 
 <file path=ppt/slideLayouts/slideLayout10.xml><?xml version="1.0" encoding="utf-8"?>
-<p:sldLayout xmlns:a="http://schemas.openxmlformats.org/drawingml/2006/main" xmlns:r="http://schemas.openxmlformats.org/officeDocument/2006/relationships" xmlns:p="http://schemas.openxmlformats.org/presentationml/2006/main" type="vertTx" preserve="1">
+<p:sldLayout xmlns:a="http://schemas.openxmlformats.org/drawingml/2006/main" xmlns:r="http://schemas.openxmlformats.org/officeDocument/2006/relationships" xmlns:mc="http://schemas.openxmlformats.org/markup-compatibility/2006" xmlns:mv="urn:schemas-microsoft-com:mac:vml" xmlns:p="http://schemas.openxmlformats.org/presentationml/2006/main" mc:Ignorable="mv" mc:PreserveAttributes="mv:*" type="vertTx" preserve="1">
   <p:cSld name="Title and Vertical Text">
     <p:spTree>
       <p:nvGrpSpPr>
@@ -1369,7 +1374,7 @@
             <a:fld id="{5E090EFF-37B5-024C-AB3F-FAC6BB2F278A}" type="datetimeFigureOut">
               <a:rPr lang="en-US" smtClean="0"/>
               <a:pPr/>
-              <a:t>2014-04-15</a:t>
+              <a:t>4/15/14</a:t>
             </a:fld>
             <a:endParaRPr lang="en-US"/>
           </a:p>
@@ -1427,7 +1432,7 @@
 </file>
 
 <file path=ppt/slideLayouts/slideLayout11.xml><?xml version="1.0" encoding="utf-8"?>
-<p:sldLayout xmlns:a="http://schemas.openxmlformats.org/drawingml/2006/main" xmlns:r="http://schemas.openxmlformats.org/officeDocument/2006/relationships" xmlns:p="http://schemas.openxmlformats.org/presentationml/2006/main" type="vertTitleAndTx" preserve="1">
+<p:sldLayout xmlns:a="http://schemas.openxmlformats.org/drawingml/2006/main" xmlns:r="http://schemas.openxmlformats.org/officeDocument/2006/relationships" xmlns:mc="http://schemas.openxmlformats.org/markup-compatibility/2006" xmlns:mv="urn:schemas-microsoft-com:mac:vml" xmlns:p="http://schemas.openxmlformats.org/presentationml/2006/main" mc:Ignorable="mv" mc:PreserveAttributes="mv:*" type="vertTitleAndTx" preserve="1">
   <p:cSld name="Vertical Title and Text">
     <p:spTree>
       <p:nvGrpSpPr>
@@ -1546,7 +1551,7 @@
             <a:fld id="{5E090EFF-37B5-024C-AB3F-FAC6BB2F278A}" type="datetimeFigureOut">
               <a:rPr lang="en-US" smtClean="0"/>
               <a:pPr/>
-              <a:t>2014-04-15</a:t>
+              <a:t>4/15/14</a:t>
             </a:fld>
             <a:endParaRPr lang="en-US"/>
           </a:p>
@@ -1604,7 +1609,7 @@
 </file>
 
 <file path=ppt/slideLayouts/slideLayout2.xml><?xml version="1.0" encoding="utf-8"?>
-<p:sldLayout xmlns:a="http://schemas.openxmlformats.org/drawingml/2006/main" xmlns:r="http://schemas.openxmlformats.org/officeDocument/2006/relationships" xmlns:p="http://schemas.openxmlformats.org/presentationml/2006/main" type="obj" preserve="1">
+<p:sldLayout xmlns:a="http://schemas.openxmlformats.org/drawingml/2006/main" xmlns:r="http://schemas.openxmlformats.org/officeDocument/2006/relationships" xmlns:mc="http://schemas.openxmlformats.org/markup-compatibility/2006" xmlns:mv="urn:schemas-microsoft-com:mac:vml" xmlns:p="http://schemas.openxmlformats.org/presentationml/2006/main" mc:Ignorable="mv" mc:PreserveAttributes="mv:*" type="obj" preserve="1">
   <p:cSld name="Title and Content">
     <p:spTree>
       <p:nvGrpSpPr>
@@ -1713,7 +1718,7 @@
             <a:fld id="{5E090EFF-37B5-024C-AB3F-FAC6BB2F278A}" type="datetimeFigureOut">
               <a:rPr lang="en-US" smtClean="0"/>
               <a:pPr/>
-              <a:t>2014-04-15</a:t>
+              <a:t>4/15/14</a:t>
             </a:fld>
             <a:endParaRPr lang="en-US"/>
           </a:p>
@@ -1771,7 +1776,7 @@
 </file>
 
 <file path=ppt/slideLayouts/slideLayout3.xml><?xml version="1.0" encoding="utf-8"?>
-<p:sldLayout xmlns:a="http://schemas.openxmlformats.org/drawingml/2006/main" xmlns:r="http://schemas.openxmlformats.org/officeDocument/2006/relationships" xmlns:p="http://schemas.openxmlformats.org/presentationml/2006/main" type="secHead" preserve="1">
+<p:sldLayout xmlns:a="http://schemas.openxmlformats.org/drawingml/2006/main" xmlns:r="http://schemas.openxmlformats.org/officeDocument/2006/relationships" xmlns:mc="http://schemas.openxmlformats.org/markup-compatibility/2006" xmlns:mv="urn:schemas-microsoft-com:mac:vml" xmlns:p="http://schemas.openxmlformats.org/presentationml/2006/main" mc:Ignorable="mv" mc:PreserveAttributes="mv:*" type="secHead" preserve="1">
   <p:cSld name="Section Header">
     <p:spTree>
       <p:nvGrpSpPr>
@@ -1972,7 +1977,7 @@
             <a:fld id="{5E090EFF-37B5-024C-AB3F-FAC6BB2F278A}" type="datetimeFigureOut">
               <a:rPr lang="en-US" smtClean="0"/>
               <a:pPr/>
-              <a:t>2014-04-15</a:t>
+              <a:t>4/15/14</a:t>
             </a:fld>
             <a:endParaRPr lang="en-US"/>
           </a:p>
@@ -2080,7 +2085,7 @@
 </file>
 
 <file path=ppt/slideLayouts/slideLayout4.xml><?xml version="1.0" encoding="utf-8"?>
-<p:sldLayout xmlns:a="http://schemas.openxmlformats.org/drawingml/2006/main" xmlns:r="http://schemas.openxmlformats.org/officeDocument/2006/relationships" xmlns:p="http://schemas.openxmlformats.org/presentationml/2006/main" type="twoObj" preserve="1">
+<p:sldLayout xmlns:a="http://schemas.openxmlformats.org/drawingml/2006/main" xmlns:r="http://schemas.openxmlformats.org/officeDocument/2006/relationships" xmlns:mc="http://schemas.openxmlformats.org/markup-compatibility/2006" xmlns:mv="urn:schemas-microsoft-com:mac:vml" xmlns:p="http://schemas.openxmlformats.org/presentationml/2006/main" mc:Ignorable="mv" mc:PreserveAttributes="mv:*" type="twoObj" preserve="1">
   <p:cSld name="Two Content">
     <p:spTree>
       <p:nvGrpSpPr>
@@ -2114,7 +2119,7 @@
             <a:fld id="{5E090EFF-37B5-024C-AB3F-FAC6BB2F278A}" type="datetimeFigureOut">
               <a:rPr lang="en-US" smtClean="0"/>
               <a:pPr/>
-              <a:t>2014-04-15</a:t>
+              <a:t>4/15/14</a:t>
             </a:fld>
             <a:endParaRPr lang="en-US"/>
           </a:p>
@@ -2309,7 +2314,7 @@
 </file>
 
 <file path=ppt/slideLayouts/slideLayout5.xml><?xml version="1.0" encoding="utf-8"?>
-<p:sldLayout xmlns:a="http://schemas.openxmlformats.org/drawingml/2006/main" xmlns:r="http://schemas.openxmlformats.org/officeDocument/2006/relationships" xmlns:p="http://schemas.openxmlformats.org/presentationml/2006/main" type="twoTxTwoObj" preserve="1">
+<p:sldLayout xmlns:a="http://schemas.openxmlformats.org/drawingml/2006/main" xmlns:r="http://schemas.openxmlformats.org/officeDocument/2006/relationships" xmlns:mc="http://schemas.openxmlformats.org/markup-compatibility/2006" xmlns:mv="urn:schemas-microsoft-com:mac:vml" xmlns:p="http://schemas.openxmlformats.org/presentationml/2006/main" mc:Ignorable="mv" mc:PreserveAttributes="mv:*" type="twoTxTwoObj" preserve="1">
   <p:cSld name="Comparison">
     <p:spTree>
       <p:nvGrpSpPr>
@@ -2766,7 +2771,7 @@
             <a:fld id="{5E090EFF-37B5-024C-AB3F-FAC6BB2F278A}" type="datetimeFigureOut">
               <a:rPr lang="en-US" smtClean="0"/>
               <a:pPr/>
-              <a:t>2014-04-15</a:t>
+              <a:t>4/15/14</a:t>
             </a:fld>
             <a:endParaRPr lang="en-US"/>
           </a:p>
@@ -2824,7 +2829,7 @@
 </file>
 
 <file path=ppt/slideLayouts/slideLayout6.xml><?xml version="1.0" encoding="utf-8"?>
-<p:sldLayout xmlns:a="http://schemas.openxmlformats.org/drawingml/2006/main" xmlns:r="http://schemas.openxmlformats.org/officeDocument/2006/relationships" xmlns:p="http://schemas.openxmlformats.org/presentationml/2006/main" type="titleOnly" preserve="1">
+<p:sldLayout xmlns:a="http://schemas.openxmlformats.org/drawingml/2006/main" xmlns:r="http://schemas.openxmlformats.org/officeDocument/2006/relationships" xmlns:mc="http://schemas.openxmlformats.org/markup-compatibility/2006" xmlns:mv="urn:schemas-microsoft-com:mac:vml" xmlns:p="http://schemas.openxmlformats.org/presentationml/2006/main" mc:Ignorable="mv" mc:PreserveAttributes="mv:*" type="titleOnly" preserve="1">
   <p:cSld name="Title Only">
     <p:spTree>
       <p:nvGrpSpPr>
@@ -2881,7 +2886,7 @@
             <a:fld id="{5E090EFF-37B5-024C-AB3F-FAC6BB2F278A}" type="datetimeFigureOut">
               <a:rPr lang="en-US" smtClean="0"/>
               <a:pPr/>
-              <a:t>2014-04-15</a:t>
+              <a:t>4/15/14</a:t>
             </a:fld>
             <a:endParaRPr lang="en-US"/>
           </a:p>
@@ -2939,7 +2944,7 @@
 </file>
 
 <file path=ppt/slideLayouts/slideLayout7.xml><?xml version="1.0" encoding="utf-8"?>
-<p:sldLayout xmlns:a="http://schemas.openxmlformats.org/drawingml/2006/main" xmlns:r="http://schemas.openxmlformats.org/officeDocument/2006/relationships" xmlns:p="http://schemas.openxmlformats.org/presentationml/2006/main" type="blank" preserve="1">
+<p:sldLayout xmlns:a="http://schemas.openxmlformats.org/drawingml/2006/main" xmlns:r="http://schemas.openxmlformats.org/officeDocument/2006/relationships" xmlns:mc="http://schemas.openxmlformats.org/markup-compatibility/2006" xmlns:mv="urn:schemas-microsoft-com:mac:vml" xmlns:p="http://schemas.openxmlformats.org/presentationml/2006/main" mc:Ignorable="mv" mc:PreserveAttributes="mv:*" type="blank" preserve="1">
   <p:cSld name="Blank">
     <p:spTree>
       <p:nvGrpSpPr>
@@ -2973,7 +2978,7 @@
             <a:fld id="{5E090EFF-37B5-024C-AB3F-FAC6BB2F278A}" type="datetimeFigureOut">
               <a:rPr lang="en-US" smtClean="0"/>
               <a:pPr/>
-              <a:t>2014-04-15</a:t>
+              <a:t>4/15/14</a:t>
             </a:fld>
             <a:endParaRPr lang="en-US"/>
           </a:p>
@@ -3031,7 +3036,7 @@
 </file>
 
 <file path=ppt/slideLayouts/slideLayout8.xml><?xml version="1.0" encoding="utf-8"?>
-<p:sldLayout xmlns:a="http://schemas.openxmlformats.org/drawingml/2006/main" xmlns:r="http://schemas.openxmlformats.org/officeDocument/2006/relationships" xmlns:p="http://schemas.openxmlformats.org/presentationml/2006/main" type="objTx" preserve="1">
+<p:sldLayout xmlns:a="http://schemas.openxmlformats.org/drawingml/2006/main" xmlns:r="http://schemas.openxmlformats.org/officeDocument/2006/relationships" xmlns:mc="http://schemas.openxmlformats.org/markup-compatibility/2006" xmlns:mv="urn:schemas-microsoft-com:mac:vml" xmlns:p="http://schemas.openxmlformats.org/presentationml/2006/main" mc:Ignorable="mv" mc:PreserveAttributes="mv:*" type="objTx" preserve="1">
   <p:cSld name="Content with Caption">
     <p:spTree>
       <p:nvGrpSpPr>
@@ -3265,7 +3270,7 @@
             <a:fld id="{5E090EFF-37B5-024C-AB3F-FAC6BB2F278A}" type="datetimeFigureOut">
               <a:rPr lang="en-US" smtClean="0"/>
               <a:pPr/>
-              <a:t>2014-04-15</a:t>
+              <a:t>4/15/14</a:t>
             </a:fld>
             <a:endParaRPr lang="en-US"/>
           </a:p>
@@ -3346,7 +3351,7 @@
 </file>
 
 <file path=ppt/slideLayouts/slideLayout9.xml><?xml version="1.0" encoding="utf-8"?>
-<p:sldLayout xmlns:a="http://schemas.openxmlformats.org/drawingml/2006/main" xmlns:r="http://schemas.openxmlformats.org/officeDocument/2006/relationships" xmlns:p="http://schemas.openxmlformats.org/presentationml/2006/main" type="picTx" preserve="1">
+<p:sldLayout xmlns:a="http://schemas.openxmlformats.org/drawingml/2006/main" xmlns:r="http://schemas.openxmlformats.org/officeDocument/2006/relationships" xmlns:mc="http://schemas.openxmlformats.org/markup-compatibility/2006" xmlns:mv="urn:schemas-microsoft-com:mac:vml" xmlns:p="http://schemas.openxmlformats.org/presentationml/2006/main" mc:Ignorable="mv" mc:PreserveAttributes="mv:*" type="picTx" preserve="1">
   <p:cSld name="Picture with Caption">
     <p:spTree>
       <p:nvGrpSpPr>
@@ -3590,7 +3595,7 @@
             <a:fld id="{5E090EFF-37B5-024C-AB3F-FAC6BB2F278A}" type="datetimeFigureOut">
               <a:rPr lang="en-US" smtClean="0"/>
               <a:pPr/>
-              <a:t>2014-04-15</a:t>
+              <a:t>4/15/14</a:t>
             </a:fld>
             <a:endParaRPr lang="en-US"/>
           </a:p>
@@ -3648,7 +3653,7 @@
 </file>
 
 <file path=ppt/slideMasters/slideMaster1.xml><?xml version="1.0" encoding="utf-8"?>
-<p:sldMaster xmlns:a="http://schemas.openxmlformats.org/drawingml/2006/main" xmlns:r="http://schemas.openxmlformats.org/officeDocument/2006/relationships" xmlns:p="http://schemas.openxmlformats.org/presentationml/2006/main">
+<p:sldMaster xmlns:a="http://schemas.openxmlformats.org/drawingml/2006/main" xmlns:r="http://schemas.openxmlformats.org/officeDocument/2006/relationships" xmlns:mc="http://schemas.openxmlformats.org/markup-compatibility/2006" xmlns:mv="urn:schemas-microsoft-com:mac:vml" xmlns:p="http://schemas.openxmlformats.org/presentationml/2006/main" mc:Ignorable="mv" mc:PreserveAttributes="mv:*">
   <p:cSld>
     <p:bg>
       <p:bgRef idx="1003">
@@ -4049,7 +4054,7 @@
             <a:fld id="{5E090EFF-37B5-024C-AB3F-FAC6BB2F278A}" type="datetimeFigureOut">
               <a:rPr lang="en-US" smtClean="0"/>
               <a:pPr/>
-              <a:t>2014-04-15</a:t>
+              <a:t>4/15/14</a:t>
             </a:fld>
             <a:endParaRPr lang="en-US"/>
           </a:p>
@@ -4140,17 +4145,17 @@
   </p:cSld>
   <p:clrMap bg1="dk1" tx1="lt1" bg2="dk2" tx2="lt2" accent1="accent1" accent2="accent2" accent3="accent3" accent4="accent4" accent5="accent5" accent6="accent6" hlink="hlink" folHlink="folHlink"/>
   <p:sldLayoutIdLst>
-    <p:sldLayoutId id="2147483649" r:id="rId1"/>
-    <p:sldLayoutId id="2147483650" r:id="rId2"/>
-    <p:sldLayoutId id="2147483651" r:id="rId3"/>
-    <p:sldLayoutId id="2147483652" r:id="rId4"/>
-    <p:sldLayoutId id="2147483653" r:id="rId5"/>
-    <p:sldLayoutId id="2147483654" r:id="rId6"/>
-    <p:sldLayoutId id="2147483655" r:id="rId7"/>
-    <p:sldLayoutId id="2147483656" r:id="rId8"/>
-    <p:sldLayoutId id="2147483657" r:id="rId9"/>
-    <p:sldLayoutId id="2147483658" r:id="rId10"/>
-    <p:sldLayoutId id="2147483659" r:id="rId11"/>
+    <p:sldLayoutId r:id="rId1"/>
+    <p:sldLayoutId r:id="rId2"/>
+    <p:sldLayoutId r:id="rId3"/>
+    <p:sldLayoutId r:id="rId4"/>
+    <p:sldLayoutId r:id="rId5"/>
+    <p:sldLayoutId r:id="rId6"/>
+    <p:sldLayoutId r:id="rId7"/>
+    <p:sldLayoutId r:id="rId8"/>
+    <p:sldLayoutId r:id="rId9"/>
+    <p:sldLayoutId r:id="rId10"/>
+    <p:sldLayoutId r:id="rId11"/>
   </p:sldLayoutIdLst>
   <p:txStyles>
     <p:titleStyle>
@@ -4544,7 +4549,7 @@
 </file>
 
 <file path=ppt/slides/slide1.xml><?xml version="1.0" encoding="utf-8"?>
-<p:sld xmlns:a="http://schemas.openxmlformats.org/drawingml/2006/main" xmlns:r="http://schemas.openxmlformats.org/officeDocument/2006/relationships" xmlns:p="http://schemas.openxmlformats.org/presentationml/2006/main">
+<p:sld xmlns:a="http://schemas.openxmlformats.org/drawingml/2006/main" xmlns:r="http://schemas.openxmlformats.org/officeDocument/2006/relationships" xmlns:mc="http://schemas.openxmlformats.org/markup-compatibility/2006" xmlns:mv="urn:schemas-microsoft-com:mac:vml" xmlns:p="http://schemas.openxmlformats.org/presentationml/2006/main" mc:Ignorable="mv" mc:PreserveAttributes="mv:*">
   <p:cSld>
     <p:spTree>
       <p:nvGrpSpPr>
@@ -4732,27 +4737,27 @@
     </p:spTree>
     <p:extLst>
       <p:ext uri="{BB962C8B-B14F-4D97-AF65-F5344CB8AC3E}">
-        <p14:creationId xmlns:p14="http://schemas.microsoft.com/office/powerpoint/2010/main" val="1026658195"/>
+        <p14:creationId xmlns:p14="http://schemas.microsoft.com/office/powerpoint/2010/main" xmlns:p="http://schemas.openxmlformats.org/presentationml/2006/main" xmlns:r="http://schemas.openxmlformats.org/officeDocument/2006/relationships" xmlns:a="http://schemas.openxmlformats.org/drawingml/2006/main" xmlns="" val="1026658195"/>
       </p:ext>
     </p:extLst>
   </p:cSld>
   <p:clrMapOvr>
     <a:masterClrMapping/>
   </p:clrMapOvr>
-  <mc:AlternateContent xmlns:mc="http://schemas.openxmlformats.org/markup-compatibility/2006" xmlns:p14="http://schemas.microsoft.com/office/powerpoint/2010/main">
-    <mc:Choice Requires="p14">
+  <mc:AlternateContent>
+    <mc:Choice xmlns:mc="http://schemas.openxmlformats.org/markup-compatibility/2006" xmlns:p14="http://schemas.microsoft.com/office/powerpoint/2010/main" xmlns:p="http://schemas.openxmlformats.org/presentationml/2006/main" xmlns:r="http://schemas.openxmlformats.org/officeDocument/2006/relationships" xmlns:a="http://schemas.openxmlformats.org/drawingml/2006/main" xmlns="" Requires="p14">
       <p:transition spd="slow" p14:dur="3400">
         <p14:reveal/>
       </p:transition>
     </mc:Choice>
-    <mc:Fallback xmlns:mv="urn:schemas-microsoft-com:mac:vml" xmlns="">
+    <mc:Fallback>
       <mp:transition xmlns:mp="http://schemas.microsoft.com/office/mac/powerpoint/2008/main" spd="slow"/>
     </mc:Fallback>
   </mc:AlternateContent>
   <p:timing>
     <p:tnLst>
       <p:par>
-        <p:cTn xmlns:p14="http://schemas.microsoft.com/office/powerpoint/2010/main" id="1" dur="indefinite" restart="never" nodeType="tmRoot"/>
+        <p:cTn id="1" dur="indefinite" restart="never" nodeType="tmRoot"/>
       </p:par>
     </p:tnLst>
   </p:timing>
@@ -4760,7 +4765,7 @@
 </file>
 
 <file path=ppt/slides/slide10.xml><?xml version="1.0" encoding="utf-8"?>
-<p:sld xmlns:a="http://schemas.openxmlformats.org/drawingml/2006/main" xmlns:r="http://schemas.openxmlformats.org/officeDocument/2006/relationships" xmlns:p="http://schemas.openxmlformats.org/presentationml/2006/main">
+<p:sld xmlns:a="http://schemas.openxmlformats.org/drawingml/2006/main" xmlns:r="http://schemas.openxmlformats.org/officeDocument/2006/relationships" xmlns:mc="http://schemas.openxmlformats.org/markup-compatibility/2006" xmlns:mv="urn:schemas-microsoft-com:mac:vml" xmlns:p="http://schemas.openxmlformats.org/presentationml/2006/main" mc:Ignorable="mv" mc:PreserveAttributes="mv:*">
   <p:cSld>
     <p:spTree>
       <p:nvGrpSpPr>
@@ -4850,7 +4855,7 @@
     </p:spTree>
     <p:extLst>
       <p:ext uri="{BB962C8B-B14F-4D97-AF65-F5344CB8AC3E}">
-        <p14:creationId xmlns:p14="http://schemas.microsoft.com/office/powerpoint/2010/main" val="1573006518"/>
+        <p14:creationId xmlns:p14="http://schemas.microsoft.com/office/powerpoint/2010/main" xmlns:p="http://schemas.openxmlformats.org/presentationml/2006/main" xmlns:r="http://schemas.openxmlformats.org/officeDocument/2006/relationships" xmlns:a="http://schemas.openxmlformats.org/drawingml/2006/main" xmlns="" val="1573006518"/>
       </p:ext>
     </p:extLst>
   </p:cSld>
@@ -4861,7 +4866,7 @@
 </file>
 
 <file path=ppt/slides/slide2.xml><?xml version="1.0" encoding="utf-8"?>
-<p:sld xmlns:a="http://schemas.openxmlformats.org/drawingml/2006/main" xmlns:r="http://schemas.openxmlformats.org/officeDocument/2006/relationships" xmlns:p="http://schemas.openxmlformats.org/presentationml/2006/main">
+<p:sld xmlns:a="http://schemas.openxmlformats.org/drawingml/2006/main" xmlns:r="http://schemas.openxmlformats.org/officeDocument/2006/relationships" xmlns:mc="http://schemas.openxmlformats.org/markup-compatibility/2006" xmlns:mv="urn:schemas-microsoft-com:mac:vml" xmlns:p="http://schemas.openxmlformats.org/presentationml/2006/main" mc:Ignorable="mv" mc:PreserveAttributes="mv:*">
   <p:cSld>
     <p:spTree>
       <p:nvGrpSpPr>
@@ -5029,7 +5034,7 @@
     </p:spTree>
     <p:extLst>
       <p:ext uri="{BB962C8B-B14F-4D97-AF65-F5344CB8AC3E}">
-        <p14:creationId xmlns:p14="http://schemas.microsoft.com/office/powerpoint/2010/main" val="2425152046"/>
+        <p14:creationId xmlns:p14="http://schemas.microsoft.com/office/powerpoint/2010/main" xmlns:p="http://schemas.openxmlformats.org/presentationml/2006/main" xmlns:r="http://schemas.openxmlformats.org/officeDocument/2006/relationships" xmlns:a="http://schemas.openxmlformats.org/drawingml/2006/main" xmlns="" val="2425152046"/>
       </p:ext>
     </p:extLst>
   </p:cSld>
@@ -5040,7 +5045,7 @@
 </file>
 
 <file path=ppt/slides/slide3.xml><?xml version="1.0" encoding="utf-8"?>
-<p:sld xmlns:a="http://schemas.openxmlformats.org/drawingml/2006/main" xmlns:r="http://schemas.openxmlformats.org/officeDocument/2006/relationships" xmlns:p="http://schemas.openxmlformats.org/presentationml/2006/main">
+<p:sld xmlns:a="http://schemas.openxmlformats.org/drawingml/2006/main" xmlns:r="http://schemas.openxmlformats.org/officeDocument/2006/relationships" xmlns:mc="http://schemas.openxmlformats.org/markup-compatibility/2006" xmlns:mv="urn:schemas-microsoft-com:mac:vml" xmlns:p="http://schemas.openxmlformats.org/presentationml/2006/main" mc:Ignorable="mv" mc:PreserveAttributes="mv:*">
   <p:cSld>
     <p:spTree>
       <p:nvGrpSpPr>
@@ -5074,7 +5079,7 @@
         </p:spPr>
         <p:txBody>
           <a:bodyPr>
-            <a:normAutofit fontScale="92500" lnSpcReduction="10000"/>
+            <a:normAutofit fontScale="92500" lnSpcReduction="20000"/>
           </a:bodyPr>
           <a:lstStyle/>
           <a:p>
@@ -5197,7 +5202,7 @@
     </p:spTree>
     <p:extLst>
       <p:ext uri="{BB962C8B-B14F-4D97-AF65-F5344CB8AC3E}">
-        <p14:creationId xmlns:p14="http://schemas.microsoft.com/office/powerpoint/2010/main" val="3735635188"/>
+        <p14:creationId xmlns:p14="http://schemas.microsoft.com/office/powerpoint/2010/main" xmlns:p="http://schemas.openxmlformats.org/presentationml/2006/main" xmlns:r="http://schemas.openxmlformats.org/officeDocument/2006/relationships" xmlns:a="http://schemas.openxmlformats.org/drawingml/2006/main" xmlns="" val="3735635188"/>
       </p:ext>
     </p:extLst>
   </p:cSld>
@@ -5208,7 +5213,7 @@
 </file>
 
 <file path=ppt/slides/slide4.xml><?xml version="1.0" encoding="utf-8"?>
-<p:sld xmlns:a="http://schemas.openxmlformats.org/drawingml/2006/main" xmlns:r="http://schemas.openxmlformats.org/officeDocument/2006/relationships" xmlns:p="http://schemas.openxmlformats.org/presentationml/2006/main">
+<p:sld xmlns:a="http://schemas.openxmlformats.org/drawingml/2006/main" xmlns:r="http://schemas.openxmlformats.org/officeDocument/2006/relationships" xmlns:mc="http://schemas.openxmlformats.org/markup-compatibility/2006" xmlns:mv="urn:schemas-microsoft-com:mac:vml" xmlns:p="http://schemas.openxmlformats.org/presentationml/2006/main" mc:Ignorable="mv" mc:PreserveAttributes="mv:*">
   <p:cSld>
     <p:spTree>
       <p:nvGrpSpPr>
@@ -5236,55 +5241,26 @@
         </p:nvSpPr>
         <p:spPr>
           <a:xfrm>
-            <a:off x="1077183" y="1029369"/>
+            <a:off x="202398" y="1202619"/>
             <a:ext cx="7855500" cy="5255960"/>
           </a:xfrm>
         </p:spPr>
         <p:txBody>
           <a:bodyPr>
-            <a:normAutofit fontScale="85000" lnSpcReduction="20000"/>
+            <a:normAutofit/>
           </a:bodyPr>
           <a:lstStyle/>
           <a:p>
+            <a:pPr>
+              <a:buNone/>
+            </a:pPr>
+            <a:r>
+              <a:rPr lang="en-US" dirty="0" smtClean="0"/>
+              <a:t>Two </a:t>
+            </a:r>
             <a:r>
               <a:rPr lang="en-US" dirty="0"/>
-              <a:t>“For the students, from the students"</a:t>
-            </a:r>
-          </a:p>
-          <a:p>
-            <a:r>
-              <a:rPr lang="en-US" dirty="0"/>
-              <a:t>To create a web-based application</a:t>
-            </a:r>
-          </a:p>
-          <a:p>
-            <a:r>
-              <a:rPr lang="en-US" dirty="0"/>
-              <a:t>Student can interact with instructor without bring any additional device</a:t>
-            </a:r>
-          </a:p>
-          <a:p>
-            <a:r>
-              <a:rPr lang="en-US" dirty="0"/>
-              <a:t>Student also can review the in class activities after class </a:t>
-            </a:r>
-          </a:p>
-          <a:p>
-            <a:r>
-              <a:rPr lang="en-US" dirty="0"/>
-              <a:t>Decrease the distance between student’s thought and instructor’s</a:t>
-            </a:r>
-          </a:p>
-          <a:p>
-            <a:endParaRPr lang="en-US" dirty="0"/>
-          </a:p>
-          <a:p>
-            <a:endParaRPr lang="en-US" dirty="0"/>
-          </a:p>
-          <a:p>
-            <a:r>
-              <a:rPr lang="en-US" dirty="0"/>
-              <a:t>Two main modules:</a:t>
+              <a:t>main modules:</a:t>
             </a:r>
           </a:p>
           <a:p>
@@ -5295,18 +5271,23 @@
           </a:p>
           <a:p>
             <a:r>
-              <a:rPr lang="en-US" dirty="0"/>
+              <a:rPr lang="en-US" dirty="0" smtClean="0"/>
               <a:t>Student</a:t>
             </a:r>
           </a:p>
           <a:p>
+            <a:endParaRPr lang="en-US" dirty="0" smtClean="0"/>
+          </a:p>
+          <a:p>
+            <a:r>
+              <a:rPr lang="en-US" dirty="0" smtClean="0"/>
+              <a:t>Technology Used</a:t>
+            </a:r>
+            <a:r>
+              <a:rPr lang="en-US" dirty="0" smtClean="0"/>
+              <a:t> </a:t>
+            </a:r>
             <a:endParaRPr lang="en-US" dirty="0"/>
-          </a:p>
-          <a:p>
-            <a:r>
-              <a:rPr lang="en-US" dirty="0"/>
-              <a:t>Technology used </a:t>
-            </a:r>
           </a:p>
           <a:p>
             <a:pPr lvl="1"/>
@@ -5326,31 +5307,36 @@
           <a:p>
             <a:pPr lvl="1"/>
             <a:r>
-              <a:rPr lang="en-US" dirty="0" err="1"/>
+              <a:rPr lang="en-US" dirty="0" err="1" smtClean="0"/>
               <a:t>Javascript</a:t>
             </a:r>
-            <a:endParaRPr lang="en-US" dirty="0"/>
+            <a:r>
+              <a:rPr lang="en-US" dirty="0" smtClean="0"/>
+              <a:t>/AJAX</a:t>
+            </a:r>
           </a:p>
           <a:p>
             <a:pPr lvl="1"/>
             <a:r>
-              <a:rPr lang="en-US" dirty="0" err="1"/>
+              <a:rPr lang="en-US" dirty="0" err="1" smtClean="0"/>
               <a:t>PostgresSQL</a:t>
             </a:r>
-            <a:endParaRPr lang="en-US" dirty="0"/>
-          </a:p>
-          <a:p>
-            <a:pPr lvl="1"/>
-            <a:endParaRPr lang="en-US" dirty="0"/>
-          </a:p>
-          <a:p>
-            <a:r>
-              <a:rPr lang="en-US" dirty="0"/>
-              <a:t>Basic Hardware  </a:t>
-            </a:r>
-          </a:p>
-          <a:p>
-            <a:endParaRPr lang="en-US" dirty="0"/>
+            <a:endParaRPr lang="en-US" dirty="0" smtClean="0"/>
+          </a:p>
+          <a:p>
+            <a:pPr lvl="1">
+              <a:buNone/>
+            </a:pPr>
+            <a:endParaRPr lang="en-US" dirty="0" smtClean="0"/>
+          </a:p>
+          <a:p>
+            <a:r>
+              <a:rPr lang="en-US" dirty="0" smtClean="0"/>
+              <a:t>Server Used </a:t>
+            </a:r>
+          </a:p>
+          <a:p>
+            <a:endParaRPr lang="en-US" dirty="0" smtClean="0"/>
           </a:p>
           <a:p>
             <a:endParaRPr lang="en-US" sz="2800" dirty="0" smtClean="0"/>
@@ -5412,7 +5398,7 @@
     </p:spTree>
     <p:extLst>
       <p:ext uri="{BB962C8B-B14F-4D97-AF65-F5344CB8AC3E}">
-        <p14:creationId xmlns:p14="http://schemas.microsoft.com/office/powerpoint/2010/main" val="3229860538"/>
+        <p14:creationId xmlns:p14="http://schemas.microsoft.com/office/powerpoint/2010/main" xmlns:p="http://schemas.openxmlformats.org/presentationml/2006/main" xmlns:r="http://schemas.openxmlformats.org/officeDocument/2006/relationships" xmlns:a="http://schemas.openxmlformats.org/drawingml/2006/main" xmlns="" val="3229860538"/>
       </p:ext>
     </p:extLst>
   </p:cSld>
@@ -5423,7 +5409,7 @@
 </file>
 
 <file path=ppt/slides/slide5.xml><?xml version="1.0" encoding="utf-8"?>
-<p:sld xmlns:a="http://schemas.openxmlformats.org/drawingml/2006/main" xmlns:r="http://schemas.openxmlformats.org/officeDocument/2006/relationships" xmlns:p="http://schemas.openxmlformats.org/presentationml/2006/main">
+<p:sld xmlns:a="http://schemas.openxmlformats.org/drawingml/2006/main" xmlns:r="http://schemas.openxmlformats.org/officeDocument/2006/relationships" xmlns:mc="http://schemas.openxmlformats.org/markup-compatibility/2006" xmlns:mv="urn:schemas-microsoft-com:mac:vml" xmlns:p="http://schemas.openxmlformats.org/presentationml/2006/main" mc:Ignorable="mv" mc:PreserveAttributes="mv:*">
   <p:cSld>
     <p:spTree>
       <p:nvGrpSpPr>
@@ -5798,7 +5784,7 @@
     </p:spTree>
     <p:extLst>
       <p:ext uri="{BB962C8B-B14F-4D97-AF65-F5344CB8AC3E}">
-        <p14:creationId xmlns:p14="http://schemas.microsoft.com/office/powerpoint/2010/main" val="3488674932"/>
+        <p14:creationId xmlns:p14="http://schemas.microsoft.com/office/powerpoint/2010/main" xmlns:p="http://schemas.openxmlformats.org/presentationml/2006/main" xmlns:r="http://schemas.openxmlformats.org/officeDocument/2006/relationships" xmlns:a="http://schemas.openxmlformats.org/drawingml/2006/main" xmlns="" val="3488674932"/>
       </p:ext>
     </p:extLst>
   </p:cSld>
@@ -5809,7 +5795,7 @@
 </file>
 
 <file path=ppt/slides/slide6.xml><?xml version="1.0" encoding="utf-8"?>
-<p:sld xmlns:a="http://schemas.openxmlformats.org/drawingml/2006/main" xmlns:r="http://schemas.openxmlformats.org/officeDocument/2006/relationships" xmlns:p="http://schemas.openxmlformats.org/presentationml/2006/main">
+<p:sld xmlns:a="http://schemas.openxmlformats.org/drawingml/2006/main" xmlns:r="http://schemas.openxmlformats.org/officeDocument/2006/relationships" xmlns:mc="http://schemas.openxmlformats.org/markup-compatibility/2006" xmlns:mv="urn:schemas-microsoft-com:mac:vml" xmlns:p="http://schemas.openxmlformats.org/presentationml/2006/main" mc:Ignorable="mv" mc:PreserveAttributes="mv:*">
   <p:cSld>
     <p:spTree>
       <p:nvGrpSpPr>
@@ -5906,7 +5892,7 @@
     </p:spTree>
     <p:extLst>
       <p:ext uri="{BB962C8B-B14F-4D97-AF65-F5344CB8AC3E}">
-        <p14:creationId xmlns:p14="http://schemas.microsoft.com/office/powerpoint/2010/main" val="3336173187"/>
+        <p14:creationId xmlns:p14="http://schemas.microsoft.com/office/powerpoint/2010/main" xmlns:p="http://schemas.openxmlformats.org/presentationml/2006/main" xmlns:r="http://schemas.openxmlformats.org/officeDocument/2006/relationships" xmlns:a="http://schemas.openxmlformats.org/drawingml/2006/main" xmlns="" val="3336173187"/>
       </p:ext>
     </p:extLst>
   </p:cSld>
@@ -5917,7 +5903,7 @@
 </file>
 
 <file path=ppt/slides/slide7.xml><?xml version="1.0" encoding="utf-8"?>
-<p:sld xmlns:a="http://schemas.openxmlformats.org/drawingml/2006/main" xmlns:r="http://schemas.openxmlformats.org/officeDocument/2006/relationships" xmlns:p="http://schemas.openxmlformats.org/presentationml/2006/main">
+<p:sld xmlns:a="http://schemas.openxmlformats.org/drawingml/2006/main" xmlns:r="http://schemas.openxmlformats.org/officeDocument/2006/relationships" xmlns:mc="http://schemas.openxmlformats.org/markup-compatibility/2006" xmlns:mv="urn:schemas-microsoft-com:mac:vml" xmlns:p="http://schemas.openxmlformats.org/presentationml/2006/main" mc:Ignorable="mv" mc:PreserveAttributes="mv:*">
   <p:cSld>
     <p:spTree>
       <p:nvGrpSpPr>
@@ -5948,7 +5934,38 @@
           <a:bodyPr/>
           <a:lstStyle/>
           <a:p>
-            <a:endParaRPr lang="en-US"/>
+            <a:r>
+              <a:rPr lang="en-US" dirty="0" smtClean="0"/>
+              <a:t>First Field Test</a:t>
+            </a:r>
+          </a:p>
+          <a:p>
+            <a:r>
+              <a:rPr lang="en-US" dirty="0" smtClean="0"/>
+              <a:t>Investigation &amp; Results</a:t>
+            </a:r>
+            <a:endParaRPr lang="en-US" dirty="0" smtClean="0"/>
+          </a:p>
+          <a:p>
+            <a:r>
+              <a:rPr lang="en-US" dirty="0" smtClean="0"/>
+              <a:t>Second Field Test </a:t>
+            </a:r>
+          </a:p>
+          <a:p>
+            <a:r>
+              <a:rPr lang="en-US" dirty="0" smtClean="0"/>
+              <a:t>Short Video </a:t>
+            </a:r>
+          </a:p>
+          <a:p>
+            <a:pPr>
+              <a:buNone/>
+            </a:pPr>
+            <a:endParaRPr lang="en-US" dirty="0" smtClean="0"/>
+          </a:p>
+          <a:p>
+            <a:endParaRPr lang="en-US" dirty="0"/>
           </a:p>
         </p:txBody>
       </p:sp>
@@ -6002,7 +6019,7 @@
     </p:spTree>
     <p:extLst>
       <p:ext uri="{BB962C8B-B14F-4D97-AF65-F5344CB8AC3E}">
-        <p14:creationId xmlns:p14="http://schemas.microsoft.com/office/powerpoint/2010/main" val="100663824"/>
+        <p14:creationId xmlns:p14="http://schemas.microsoft.com/office/powerpoint/2010/main" xmlns:p="http://schemas.openxmlformats.org/presentationml/2006/main" xmlns:r="http://schemas.openxmlformats.org/officeDocument/2006/relationships" xmlns:a="http://schemas.openxmlformats.org/drawingml/2006/main" xmlns="" val="100663824"/>
       </p:ext>
     </p:extLst>
   </p:cSld>
@@ -6013,7 +6030,7 @@
 </file>
 
 <file path=ppt/slides/slide8.xml><?xml version="1.0" encoding="utf-8"?>
-<p:sld xmlns:a="http://schemas.openxmlformats.org/drawingml/2006/main" xmlns:r="http://schemas.openxmlformats.org/officeDocument/2006/relationships" xmlns:p="http://schemas.openxmlformats.org/presentationml/2006/main">
+<p:sld xmlns:a="http://schemas.openxmlformats.org/drawingml/2006/main" xmlns:r="http://schemas.openxmlformats.org/officeDocument/2006/relationships" xmlns:mc="http://schemas.openxmlformats.org/markup-compatibility/2006" xmlns:mv="urn:schemas-microsoft-com:mac:vml" xmlns:p="http://schemas.openxmlformats.org/presentationml/2006/main" mc:Ignorable="mv" mc:PreserveAttributes="mv:*">
   <p:cSld>
     <p:spTree>
       <p:nvGrpSpPr>
@@ -6053,18 +6070,14 @@
               <a:rPr lang="en-US" dirty="0" smtClean="0"/>
               <a:t>Portability for different environment</a:t>
             </a:r>
-          </a:p>
-          <a:p>
-            <a:r>
-              <a:rPr lang="en-US" dirty="0" smtClean="0"/>
-              <a:t>Open Source</a:t>
-            </a:r>
+            <a:endParaRPr lang="en-US" dirty="0" smtClean="0"/>
           </a:p>
           <a:p>
             <a:r>
               <a:rPr lang="en-US" dirty="0" smtClean="0"/>
               <a:t>Security</a:t>
             </a:r>
+            <a:endParaRPr lang="en-US" dirty="0" smtClean="0"/>
           </a:p>
           <a:p>
             <a:r>
@@ -6146,7 +6159,7 @@
     </p:spTree>
     <p:extLst>
       <p:ext uri="{BB962C8B-B14F-4D97-AF65-F5344CB8AC3E}">
-        <p14:creationId xmlns:p14="http://schemas.microsoft.com/office/powerpoint/2010/main" val="100663824"/>
+        <p14:creationId xmlns:p14="http://schemas.microsoft.com/office/powerpoint/2010/main" xmlns:p="http://schemas.openxmlformats.org/presentationml/2006/main" xmlns:r="http://schemas.openxmlformats.org/officeDocument/2006/relationships" xmlns:a="http://schemas.openxmlformats.org/drawingml/2006/main" xmlns="" val="100663824"/>
       </p:ext>
     </p:extLst>
   </p:cSld>
@@ -6157,7 +6170,7 @@
 </file>
 
 <file path=ppt/slides/slide9.xml><?xml version="1.0" encoding="utf-8"?>
-<p:sld xmlns:a="http://schemas.openxmlformats.org/drawingml/2006/main" xmlns:r="http://schemas.openxmlformats.org/officeDocument/2006/relationships" xmlns:p="http://schemas.openxmlformats.org/presentationml/2006/main">
+<p:sld xmlns:a="http://schemas.openxmlformats.org/drawingml/2006/main" xmlns:r="http://schemas.openxmlformats.org/officeDocument/2006/relationships" xmlns:mc="http://schemas.openxmlformats.org/markup-compatibility/2006" xmlns:mv="urn:schemas-microsoft-com:mac:vml" xmlns:p="http://schemas.openxmlformats.org/presentationml/2006/main" mc:Ignorable="mv" mc:PreserveAttributes="mv:*">
   <p:cSld>
     <p:spTree>
       <p:nvGrpSpPr>
@@ -6223,7 +6236,7 @@
     </p:spTree>
     <p:extLst>
       <p:ext uri="{BB962C8B-B14F-4D97-AF65-F5344CB8AC3E}">
-        <p14:creationId xmlns:p14="http://schemas.microsoft.com/office/powerpoint/2010/main" val="4256347672"/>
+        <p14:creationId xmlns:p14="http://schemas.microsoft.com/office/powerpoint/2010/main" xmlns:p="http://schemas.openxmlformats.org/presentationml/2006/main" xmlns:r="http://schemas.openxmlformats.org/officeDocument/2006/relationships" xmlns:a="http://schemas.openxmlformats.org/drawingml/2006/main" xmlns="" val="4256347672"/>
       </p:ext>
     </p:extLst>
   </p:cSld>

--- a/Documentation/Presentation.pptx
+++ b/Documentation/Presentation.pptx
@@ -1,23 +1,25 @@
 
 <file path=ppt/presentation.xml><?xml version="1.0" encoding="utf-8"?>
-<p:presentation xmlns:a="http://schemas.openxmlformats.org/drawingml/2006/main" xmlns:r="http://schemas.openxmlformats.org/officeDocument/2006/relationships" xmlns:mc="http://schemas.openxmlformats.org/markup-compatibility/2006" xmlns:mv="urn:schemas-microsoft-com:mac:vml" xmlns:p="http://schemas.openxmlformats.org/presentationml/2006/main" mc:Ignorable="mv" mc:PreserveAttributes="mv:*" saveSubsetFonts="1" autoCompressPictures="0">
+<p:presentation xmlns:a="http://schemas.openxmlformats.org/drawingml/2006/main" xmlns:r="http://schemas.openxmlformats.org/officeDocument/2006/relationships" xmlns:p="http://schemas.openxmlformats.org/presentationml/2006/main" saveSubsetFonts="1" autoCompressPictures="0">
   <p:sldMasterIdLst>
-    <p:sldMasterId r:id="rId1"/>
+    <p:sldMasterId id="2147483648" r:id="rId1"/>
   </p:sldMasterIdLst>
   <p:notesMasterIdLst>
-    <p:notesMasterId r:id="rId12"/>
+    <p:notesMasterId r:id="rId14"/>
   </p:notesMasterIdLst>
   <p:sldIdLst>
     <p:sldId id="256" r:id="rId2"/>
     <p:sldId id="258" r:id="rId3"/>
     <p:sldId id="259" r:id="rId4"/>
-    <p:sldId id="267" r:id="rId5"/>
+    <p:sldId id="272" r:id="rId5"/>
     <p:sldId id="261" r:id="rId6"/>
-    <p:sldId id="260" r:id="rId7"/>
-    <p:sldId id="262" r:id="rId8"/>
-    <p:sldId id="264" r:id="rId9"/>
-    <p:sldId id="263" r:id="rId10"/>
-    <p:sldId id="265" r:id="rId11"/>
+    <p:sldId id="271" r:id="rId7"/>
+    <p:sldId id="268" r:id="rId8"/>
+    <p:sldId id="269" r:id="rId9"/>
+    <p:sldId id="262" r:id="rId10"/>
+    <p:sldId id="264" r:id="rId11"/>
+    <p:sldId id="263" r:id="rId12"/>
+    <p:sldId id="265" r:id="rId13"/>
   </p:sldIdLst>
   <p:sldSz cx="9144000" cy="6858000" type="screen4x3"/>
   <p:notesSz cx="6858000" cy="9144000"/>
@@ -120,7 +122,7 @@
 </file>
 
 <file path=ppt/notesMasters/notesMaster1.xml><?xml version="1.0" encoding="utf-8"?>
-<p:notesMaster xmlns:a="http://schemas.openxmlformats.org/drawingml/2006/main" xmlns:r="http://schemas.openxmlformats.org/officeDocument/2006/relationships" xmlns:mc="http://schemas.openxmlformats.org/markup-compatibility/2006" xmlns:mv="urn:schemas-microsoft-com:mac:vml" xmlns:p="http://schemas.openxmlformats.org/presentationml/2006/main" mc:Ignorable="mv" mc:PreserveAttributes="mv:*">
+<p:notesMaster xmlns:a="http://schemas.openxmlformats.org/drawingml/2006/main" xmlns:r="http://schemas.openxmlformats.org/officeDocument/2006/relationships" xmlns:p="http://schemas.openxmlformats.org/presentationml/2006/main">
   <p:cSld>
     <p:bg>
       <p:bgRef idx="1001">
@@ -201,8 +203,7 @@
           <a:p>
             <a:fld id="{4F405883-54D8-CE4F-B25E-85697DC78400}" type="datetimeFigureOut">
               <a:rPr lang="en-US" smtClean="0"/>
-              <a:pPr/>
-              <a:t>4/15/14</a:t>
+              <a:t>2014-04-16</a:t>
             </a:fld>
             <a:endParaRPr lang="en-US"/>
           </a:p>
@@ -361,7 +362,6 @@
           <a:p>
             <a:fld id="{C338E142-AFDC-AE47-9FD3-50F8F6079FF1}" type="slidenum">
               <a:rPr lang="en-US" smtClean="0"/>
-              <a:pPr/>
               <a:t>‹#›</a:t>
             </a:fld>
             <a:endParaRPr lang="en-US"/>
@@ -371,7 +371,7 @@
     </p:spTree>
     <p:extLst>
       <p:ext uri="{BB962C8B-B14F-4D97-AF65-F5344CB8AC3E}">
-        <p14:creationId xmlns:p14="http://schemas.microsoft.com/office/powerpoint/2010/main" xmlns:p="http://schemas.openxmlformats.org/presentationml/2006/main" xmlns:r="http://schemas.openxmlformats.org/officeDocument/2006/relationships" xmlns:a="http://schemas.openxmlformats.org/drawingml/2006/main" xmlns="" val="4127568524"/>
+        <p14:creationId xmlns:p14="http://schemas.microsoft.com/office/powerpoint/2010/main" val="4127568524"/>
       </p:ext>
     </p:extLst>
   </p:cSld>
@@ -472,7 +472,7 @@
 </file>
 
 <file path=ppt/notesSlides/notesSlide1.xml><?xml version="1.0" encoding="utf-8"?>
-<p:notes xmlns:a="http://schemas.openxmlformats.org/drawingml/2006/main" xmlns:r="http://schemas.openxmlformats.org/officeDocument/2006/relationships" xmlns:mc="http://schemas.openxmlformats.org/markup-compatibility/2006" xmlns:mv="urn:schemas-microsoft-com:mac:vml" xmlns:p="http://schemas.openxmlformats.org/presentationml/2006/main" mc:Ignorable="mv" mc:PreserveAttributes="mv:*">
+<p:notes xmlns:a="http://schemas.openxmlformats.org/drawingml/2006/main" xmlns:r="http://schemas.openxmlformats.org/officeDocument/2006/relationships" xmlns:p="http://schemas.openxmlformats.org/presentationml/2006/main">
   <p:cSld>
     <p:spTree>
       <p:nvGrpSpPr>
@@ -640,7 +640,6 @@
           <a:p>
             <a:fld id="{C338E142-AFDC-AE47-9FD3-50F8F6079FF1}" type="slidenum">
               <a:rPr lang="en-US" smtClean="0"/>
-              <a:pPr/>
               <a:t>3</a:t>
             </a:fld>
             <a:endParaRPr lang="en-US"/>
@@ -650,7 +649,7 @@
     </p:spTree>
     <p:extLst>
       <p:ext uri="{BB962C8B-B14F-4D97-AF65-F5344CB8AC3E}">
-        <p14:creationId xmlns:p14="http://schemas.microsoft.com/office/powerpoint/2010/main" xmlns:p="http://schemas.openxmlformats.org/presentationml/2006/main" xmlns:r="http://schemas.openxmlformats.org/officeDocument/2006/relationships" xmlns:a="http://schemas.openxmlformats.org/drawingml/2006/main" xmlns="" val="2984006627"/>
+        <p14:creationId xmlns:p14="http://schemas.microsoft.com/office/powerpoint/2010/main" val="2984006627"/>
       </p:ext>
     </p:extLst>
   </p:cSld>
@@ -661,7 +660,7 @@
 </file>
 
 <file path=ppt/notesSlides/notesSlide2.xml><?xml version="1.0" encoding="utf-8"?>
-<p:notes xmlns:a="http://schemas.openxmlformats.org/drawingml/2006/main" xmlns:r="http://schemas.openxmlformats.org/officeDocument/2006/relationships" xmlns:mc="http://schemas.openxmlformats.org/markup-compatibility/2006" xmlns:mv="urn:schemas-microsoft-com:mac:vml" xmlns:p="http://schemas.openxmlformats.org/presentationml/2006/main" mc:Ignorable="mv" mc:PreserveAttributes="mv:*">
+<p:notes xmlns:a="http://schemas.openxmlformats.org/drawingml/2006/main" xmlns:r="http://schemas.openxmlformats.org/officeDocument/2006/relationships" xmlns:p="http://schemas.openxmlformats.org/presentationml/2006/main">
   <p:cSld>
     <p:spTree>
       <p:nvGrpSpPr>
@@ -803,7 +802,7 @@
           </a:p>
           <a:p>
             <a:r>
-              <a:rPr lang="en-US" dirty="0" smtClean="0"/>
+              <a:rPr lang="en-US" smtClean="0"/>
               <a:t>Basic Hardware  </a:t>
             </a:r>
           </a:p>
@@ -839,7 +838,7 @@
     </p:spTree>
     <p:extLst>
       <p:ext uri="{BB962C8B-B14F-4D97-AF65-F5344CB8AC3E}">
-        <p14:creationId xmlns:p14="http://schemas.microsoft.com/office/powerpoint/2010/main" xmlns:p="http://schemas.openxmlformats.org/presentationml/2006/main" xmlns:r="http://schemas.openxmlformats.org/officeDocument/2006/relationships" xmlns:a="http://schemas.openxmlformats.org/drawingml/2006/main" xmlns="" val="2984006627"/>
+        <p14:creationId xmlns:p14="http://schemas.microsoft.com/office/powerpoint/2010/main" val="2984006627"/>
       </p:ext>
     </p:extLst>
   </p:cSld>
@@ -850,7 +849,7 @@
 </file>
 
 <file path=ppt/notesSlides/notesSlide3.xml><?xml version="1.0" encoding="utf-8"?>
-<p:notes xmlns:a="http://schemas.openxmlformats.org/drawingml/2006/main" xmlns:r="http://schemas.openxmlformats.org/officeDocument/2006/relationships" xmlns:mc="http://schemas.openxmlformats.org/markup-compatibility/2006" xmlns:mv="urn:schemas-microsoft-com:mac:vml" xmlns:p="http://schemas.openxmlformats.org/presentationml/2006/main" mc:Ignorable="mv" mc:PreserveAttributes="mv:*">
+<p:notes xmlns:a="http://schemas.openxmlformats.org/drawingml/2006/main" xmlns:r="http://schemas.openxmlformats.org/officeDocument/2006/relationships" xmlns:p="http://schemas.openxmlformats.org/presentationml/2006/main">
   <p:cSld>
     <p:spTree>
       <p:nvGrpSpPr>
@@ -944,7 +943,6 @@
           <a:p>
             <a:fld id="{C338E142-AFDC-AE47-9FD3-50F8F6079FF1}" type="slidenum">
               <a:rPr lang="en-US" smtClean="0"/>
-              <a:pPr/>
               <a:t>5</a:t>
             </a:fld>
             <a:endParaRPr lang="en-US"/>
@@ -954,7 +952,121 @@
     </p:spTree>
     <p:extLst>
       <p:ext uri="{BB962C8B-B14F-4D97-AF65-F5344CB8AC3E}">
-        <p14:creationId xmlns:p14="http://schemas.microsoft.com/office/powerpoint/2010/main" xmlns:p="http://schemas.openxmlformats.org/presentationml/2006/main" xmlns:r="http://schemas.openxmlformats.org/officeDocument/2006/relationships" xmlns:a="http://schemas.openxmlformats.org/drawingml/2006/main" xmlns="" val="2274047520"/>
+        <p14:creationId xmlns:p14="http://schemas.microsoft.com/office/powerpoint/2010/main" val="2274047520"/>
+      </p:ext>
+    </p:extLst>
+  </p:cSld>
+  <p:clrMapOvr>
+    <a:masterClrMapping/>
+  </p:clrMapOvr>
+</p:notes>
+</file>
+
+<file path=ppt/notesSlides/notesSlide4.xml><?xml version="1.0" encoding="utf-8"?>
+<p:notes xmlns:a="http://schemas.openxmlformats.org/drawingml/2006/main" xmlns:r="http://schemas.openxmlformats.org/officeDocument/2006/relationships" xmlns:p="http://schemas.openxmlformats.org/presentationml/2006/main">
+  <p:cSld>
+    <p:spTree>
+      <p:nvGrpSpPr>
+        <p:cNvPr id="1" name=""/>
+        <p:cNvGrpSpPr/>
+        <p:nvPr/>
+      </p:nvGrpSpPr>
+      <p:grpSpPr>
+        <a:xfrm>
+          <a:off x="0" y="0"/>
+          <a:ext cx="0" cy="0"/>
+          <a:chOff x="0" y="0"/>
+          <a:chExt cx="0" cy="0"/>
+        </a:xfrm>
+      </p:grpSpPr>
+      <p:sp>
+        <p:nvSpPr>
+          <p:cNvPr id="2" name="Slide Image Placeholder 1"/>
+          <p:cNvSpPr>
+            <a:spLocks noGrp="1" noRot="1" noChangeAspect="1"/>
+          </p:cNvSpPr>
+          <p:nvPr>
+            <p:ph type="sldImg"/>
+          </p:nvPr>
+        </p:nvSpPr>
+        <p:spPr/>
+      </p:sp>
+      <p:sp>
+        <p:nvSpPr>
+          <p:cNvPr id="3" name="Notes Placeholder 2"/>
+          <p:cNvSpPr>
+            <a:spLocks noGrp="1"/>
+          </p:cNvSpPr>
+          <p:nvPr>
+            <p:ph type="body" idx="1"/>
+          </p:nvPr>
+        </p:nvSpPr>
+        <p:spPr/>
+        <p:txBody>
+          <a:bodyPr/>
+          <a:lstStyle/>
+          <a:p>
+            <a:r>
+              <a:rPr lang="en-US" dirty="0" smtClean="0"/>
+              <a:t>Create Courses and Student Accounts</a:t>
+            </a:r>
+          </a:p>
+          <a:p>
+            <a:r>
+              <a:rPr lang="en-US" dirty="0" smtClean="0"/>
+              <a:t>Create Assessments</a:t>
+            </a:r>
+          </a:p>
+          <a:p>
+            <a:r>
+              <a:rPr lang="en-US" dirty="0" smtClean="0"/>
+              <a:t>Add Short Answer and Multiple Choice questions</a:t>
+            </a:r>
+          </a:p>
+          <a:p>
+            <a:r>
+              <a:rPr lang="en-US" dirty="0" smtClean="0"/>
+              <a:t>Update question status</a:t>
+            </a:r>
+          </a:p>
+          <a:p>
+            <a:r>
+              <a:rPr lang="en-US" dirty="0" smtClean="0"/>
+              <a:t>Collect and analysis students’ answer</a:t>
+            </a:r>
+          </a:p>
+          <a:p>
+            <a:endParaRPr lang="en-US" dirty="0"/>
+          </a:p>
+        </p:txBody>
+      </p:sp>
+      <p:sp>
+        <p:nvSpPr>
+          <p:cNvPr id="4" name="Slide Number Placeholder 3"/>
+          <p:cNvSpPr>
+            <a:spLocks noGrp="1"/>
+          </p:cNvSpPr>
+          <p:nvPr>
+            <p:ph type="sldNum" sz="quarter" idx="10"/>
+          </p:nvPr>
+        </p:nvSpPr>
+        <p:spPr/>
+        <p:txBody>
+          <a:bodyPr/>
+          <a:lstStyle/>
+          <a:p>
+            <a:fld id="{C338E142-AFDC-AE47-9FD3-50F8F6079FF1}" type="slidenum">
+              <a:rPr lang="en-US" smtClean="0"/>
+              <a:t>6</a:t>
+            </a:fld>
+            <a:endParaRPr lang="en-US"/>
+          </a:p>
+        </p:txBody>
+      </p:sp>
+    </p:spTree>
+    <p:extLst>
+      <p:ext uri="{BB962C8B-B14F-4D97-AF65-F5344CB8AC3E}">
+        <p14:creationId xmlns:p14="http://schemas.microsoft.com/office/powerpoint/2010/main" val="2274047520"/>
       </p:ext>
     </p:extLst>
   </p:cSld>
@@ -965,7 +1077,7 @@
 </file>
 
 <file path=ppt/slideLayouts/slideLayout1.xml><?xml version="1.0" encoding="utf-8"?>
-<p:sldLayout xmlns:a="http://schemas.openxmlformats.org/drawingml/2006/main" xmlns:r="http://schemas.openxmlformats.org/officeDocument/2006/relationships" xmlns:mc="http://schemas.openxmlformats.org/markup-compatibility/2006" xmlns:mv="urn:schemas-microsoft-com:mac:vml" xmlns:p="http://schemas.openxmlformats.org/presentationml/2006/main" mc:Ignorable="mv" mc:PreserveAttributes="mv:*" type="title" preserve="1">
+<p:sldLayout xmlns:a="http://schemas.openxmlformats.org/drawingml/2006/main" xmlns:r="http://schemas.openxmlformats.org/officeDocument/2006/relationships" xmlns:p="http://schemas.openxmlformats.org/presentationml/2006/main" type="title" preserve="1">
   <p:cSld name="Title Slide">
     <p:spTree>
       <p:nvGrpSpPr>
@@ -1202,7 +1314,7 @@
             <a:fld id="{5E090EFF-37B5-024C-AB3F-FAC6BB2F278A}" type="datetimeFigureOut">
               <a:rPr lang="en-US" smtClean="0"/>
               <a:pPr/>
-              <a:t>4/15/14</a:t>
+              <a:t>2014-04-16</a:t>
             </a:fld>
             <a:endParaRPr lang="en-US"/>
           </a:p>
@@ -1260,7 +1372,7 @@
 </file>
 
 <file path=ppt/slideLayouts/slideLayout10.xml><?xml version="1.0" encoding="utf-8"?>
-<p:sldLayout xmlns:a="http://schemas.openxmlformats.org/drawingml/2006/main" xmlns:r="http://schemas.openxmlformats.org/officeDocument/2006/relationships" xmlns:mc="http://schemas.openxmlformats.org/markup-compatibility/2006" xmlns:mv="urn:schemas-microsoft-com:mac:vml" xmlns:p="http://schemas.openxmlformats.org/presentationml/2006/main" mc:Ignorable="mv" mc:PreserveAttributes="mv:*" type="vertTx" preserve="1">
+<p:sldLayout xmlns:a="http://schemas.openxmlformats.org/drawingml/2006/main" xmlns:r="http://schemas.openxmlformats.org/officeDocument/2006/relationships" xmlns:p="http://schemas.openxmlformats.org/presentationml/2006/main" type="vertTx" preserve="1">
   <p:cSld name="Title and Vertical Text">
     <p:spTree>
       <p:nvGrpSpPr>
@@ -1374,7 +1486,7 @@
             <a:fld id="{5E090EFF-37B5-024C-AB3F-FAC6BB2F278A}" type="datetimeFigureOut">
               <a:rPr lang="en-US" smtClean="0"/>
               <a:pPr/>
-              <a:t>4/15/14</a:t>
+              <a:t>2014-04-16</a:t>
             </a:fld>
             <a:endParaRPr lang="en-US"/>
           </a:p>
@@ -1432,7 +1544,7 @@
 </file>
 
 <file path=ppt/slideLayouts/slideLayout11.xml><?xml version="1.0" encoding="utf-8"?>
-<p:sldLayout xmlns:a="http://schemas.openxmlformats.org/drawingml/2006/main" xmlns:r="http://schemas.openxmlformats.org/officeDocument/2006/relationships" xmlns:mc="http://schemas.openxmlformats.org/markup-compatibility/2006" xmlns:mv="urn:schemas-microsoft-com:mac:vml" xmlns:p="http://schemas.openxmlformats.org/presentationml/2006/main" mc:Ignorable="mv" mc:PreserveAttributes="mv:*" type="vertTitleAndTx" preserve="1">
+<p:sldLayout xmlns:a="http://schemas.openxmlformats.org/drawingml/2006/main" xmlns:r="http://schemas.openxmlformats.org/officeDocument/2006/relationships" xmlns:p="http://schemas.openxmlformats.org/presentationml/2006/main" type="vertTitleAndTx" preserve="1">
   <p:cSld name="Vertical Title and Text">
     <p:spTree>
       <p:nvGrpSpPr>
@@ -1551,7 +1663,7 @@
             <a:fld id="{5E090EFF-37B5-024C-AB3F-FAC6BB2F278A}" type="datetimeFigureOut">
               <a:rPr lang="en-US" smtClean="0"/>
               <a:pPr/>
-              <a:t>4/15/14</a:t>
+              <a:t>2014-04-16</a:t>
             </a:fld>
             <a:endParaRPr lang="en-US"/>
           </a:p>
@@ -1609,7 +1721,7 @@
 </file>
 
 <file path=ppt/slideLayouts/slideLayout2.xml><?xml version="1.0" encoding="utf-8"?>
-<p:sldLayout xmlns:a="http://schemas.openxmlformats.org/drawingml/2006/main" xmlns:r="http://schemas.openxmlformats.org/officeDocument/2006/relationships" xmlns:mc="http://schemas.openxmlformats.org/markup-compatibility/2006" xmlns:mv="urn:schemas-microsoft-com:mac:vml" xmlns:p="http://schemas.openxmlformats.org/presentationml/2006/main" mc:Ignorable="mv" mc:PreserveAttributes="mv:*" type="obj" preserve="1">
+<p:sldLayout xmlns:a="http://schemas.openxmlformats.org/drawingml/2006/main" xmlns:r="http://schemas.openxmlformats.org/officeDocument/2006/relationships" xmlns:p="http://schemas.openxmlformats.org/presentationml/2006/main" type="obj" preserve="1">
   <p:cSld name="Title and Content">
     <p:spTree>
       <p:nvGrpSpPr>
@@ -1718,7 +1830,7 @@
             <a:fld id="{5E090EFF-37B5-024C-AB3F-FAC6BB2F278A}" type="datetimeFigureOut">
               <a:rPr lang="en-US" smtClean="0"/>
               <a:pPr/>
-              <a:t>4/15/14</a:t>
+              <a:t>2014-04-16</a:t>
             </a:fld>
             <a:endParaRPr lang="en-US"/>
           </a:p>
@@ -1776,7 +1888,7 @@
 </file>
 
 <file path=ppt/slideLayouts/slideLayout3.xml><?xml version="1.0" encoding="utf-8"?>
-<p:sldLayout xmlns:a="http://schemas.openxmlformats.org/drawingml/2006/main" xmlns:r="http://schemas.openxmlformats.org/officeDocument/2006/relationships" xmlns:mc="http://schemas.openxmlformats.org/markup-compatibility/2006" xmlns:mv="urn:schemas-microsoft-com:mac:vml" xmlns:p="http://schemas.openxmlformats.org/presentationml/2006/main" mc:Ignorable="mv" mc:PreserveAttributes="mv:*" type="secHead" preserve="1">
+<p:sldLayout xmlns:a="http://schemas.openxmlformats.org/drawingml/2006/main" xmlns:r="http://schemas.openxmlformats.org/officeDocument/2006/relationships" xmlns:p="http://schemas.openxmlformats.org/presentationml/2006/main" type="secHead" preserve="1">
   <p:cSld name="Section Header">
     <p:spTree>
       <p:nvGrpSpPr>
@@ -1977,7 +2089,7 @@
             <a:fld id="{5E090EFF-37B5-024C-AB3F-FAC6BB2F278A}" type="datetimeFigureOut">
               <a:rPr lang="en-US" smtClean="0"/>
               <a:pPr/>
-              <a:t>4/15/14</a:t>
+              <a:t>2014-04-16</a:t>
             </a:fld>
             <a:endParaRPr lang="en-US"/>
           </a:p>
@@ -2085,7 +2197,7 @@
 </file>
 
 <file path=ppt/slideLayouts/slideLayout4.xml><?xml version="1.0" encoding="utf-8"?>
-<p:sldLayout xmlns:a="http://schemas.openxmlformats.org/drawingml/2006/main" xmlns:r="http://schemas.openxmlformats.org/officeDocument/2006/relationships" xmlns:mc="http://schemas.openxmlformats.org/markup-compatibility/2006" xmlns:mv="urn:schemas-microsoft-com:mac:vml" xmlns:p="http://schemas.openxmlformats.org/presentationml/2006/main" mc:Ignorable="mv" mc:PreserveAttributes="mv:*" type="twoObj" preserve="1">
+<p:sldLayout xmlns:a="http://schemas.openxmlformats.org/drawingml/2006/main" xmlns:r="http://schemas.openxmlformats.org/officeDocument/2006/relationships" xmlns:p="http://schemas.openxmlformats.org/presentationml/2006/main" type="twoObj" preserve="1">
   <p:cSld name="Two Content">
     <p:spTree>
       <p:nvGrpSpPr>
@@ -2119,7 +2231,7 @@
             <a:fld id="{5E090EFF-37B5-024C-AB3F-FAC6BB2F278A}" type="datetimeFigureOut">
               <a:rPr lang="en-US" smtClean="0"/>
               <a:pPr/>
-              <a:t>4/15/14</a:t>
+              <a:t>2014-04-16</a:t>
             </a:fld>
             <a:endParaRPr lang="en-US"/>
           </a:p>
@@ -2314,7 +2426,7 @@
 </file>
 
 <file path=ppt/slideLayouts/slideLayout5.xml><?xml version="1.0" encoding="utf-8"?>
-<p:sldLayout xmlns:a="http://schemas.openxmlformats.org/drawingml/2006/main" xmlns:r="http://schemas.openxmlformats.org/officeDocument/2006/relationships" xmlns:mc="http://schemas.openxmlformats.org/markup-compatibility/2006" xmlns:mv="urn:schemas-microsoft-com:mac:vml" xmlns:p="http://schemas.openxmlformats.org/presentationml/2006/main" mc:Ignorable="mv" mc:PreserveAttributes="mv:*" type="twoTxTwoObj" preserve="1">
+<p:sldLayout xmlns:a="http://schemas.openxmlformats.org/drawingml/2006/main" xmlns:r="http://schemas.openxmlformats.org/officeDocument/2006/relationships" xmlns:p="http://schemas.openxmlformats.org/presentationml/2006/main" type="twoTxTwoObj" preserve="1">
   <p:cSld name="Comparison">
     <p:spTree>
       <p:nvGrpSpPr>
@@ -2771,7 +2883,7 @@
             <a:fld id="{5E090EFF-37B5-024C-AB3F-FAC6BB2F278A}" type="datetimeFigureOut">
               <a:rPr lang="en-US" smtClean="0"/>
               <a:pPr/>
-              <a:t>4/15/14</a:t>
+              <a:t>2014-04-16</a:t>
             </a:fld>
             <a:endParaRPr lang="en-US"/>
           </a:p>
@@ -2829,7 +2941,7 @@
 </file>
 
 <file path=ppt/slideLayouts/slideLayout6.xml><?xml version="1.0" encoding="utf-8"?>
-<p:sldLayout xmlns:a="http://schemas.openxmlformats.org/drawingml/2006/main" xmlns:r="http://schemas.openxmlformats.org/officeDocument/2006/relationships" xmlns:mc="http://schemas.openxmlformats.org/markup-compatibility/2006" xmlns:mv="urn:schemas-microsoft-com:mac:vml" xmlns:p="http://schemas.openxmlformats.org/presentationml/2006/main" mc:Ignorable="mv" mc:PreserveAttributes="mv:*" type="titleOnly" preserve="1">
+<p:sldLayout xmlns:a="http://schemas.openxmlformats.org/drawingml/2006/main" xmlns:r="http://schemas.openxmlformats.org/officeDocument/2006/relationships" xmlns:p="http://schemas.openxmlformats.org/presentationml/2006/main" type="titleOnly" preserve="1">
   <p:cSld name="Title Only">
     <p:spTree>
       <p:nvGrpSpPr>
@@ -2886,7 +2998,7 @@
             <a:fld id="{5E090EFF-37B5-024C-AB3F-FAC6BB2F278A}" type="datetimeFigureOut">
               <a:rPr lang="en-US" smtClean="0"/>
               <a:pPr/>
-              <a:t>4/15/14</a:t>
+              <a:t>2014-04-16</a:t>
             </a:fld>
             <a:endParaRPr lang="en-US"/>
           </a:p>
@@ -2944,7 +3056,7 @@
 </file>
 
 <file path=ppt/slideLayouts/slideLayout7.xml><?xml version="1.0" encoding="utf-8"?>
-<p:sldLayout xmlns:a="http://schemas.openxmlformats.org/drawingml/2006/main" xmlns:r="http://schemas.openxmlformats.org/officeDocument/2006/relationships" xmlns:mc="http://schemas.openxmlformats.org/markup-compatibility/2006" xmlns:mv="urn:schemas-microsoft-com:mac:vml" xmlns:p="http://schemas.openxmlformats.org/presentationml/2006/main" mc:Ignorable="mv" mc:PreserveAttributes="mv:*" type="blank" preserve="1">
+<p:sldLayout xmlns:a="http://schemas.openxmlformats.org/drawingml/2006/main" xmlns:r="http://schemas.openxmlformats.org/officeDocument/2006/relationships" xmlns:p="http://schemas.openxmlformats.org/presentationml/2006/main" type="blank" preserve="1">
   <p:cSld name="Blank">
     <p:spTree>
       <p:nvGrpSpPr>
@@ -2978,7 +3090,7 @@
             <a:fld id="{5E090EFF-37B5-024C-AB3F-FAC6BB2F278A}" type="datetimeFigureOut">
               <a:rPr lang="en-US" smtClean="0"/>
               <a:pPr/>
-              <a:t>4/15/14</a:t>
+              <a:t>2014-04-16</a:t>
             </a:fld>
             <a:endParaRPr lang="en-US"/>
           </a:p>
@@ -3036,7 +3148,7 @@
 </file>
 
 <file path=ppt/slideLayouts/slideLayout8.xml><?xml version="1.0" encoding="utf-8"?>
-<p:sldLayout xmlns:a="http://schemas.openxmlformats.org/drawingml/2006/main" xmlns:r="http://schemas.openxmlformats.org/officeDocument/2006/relationships" xmlns:mc="http://schemas.openxmlformats.org/markup-compatibility/2006" xmlns:mv="urn:schemas-microsoft-com:mac:vml" xmlns:p="http://schemas.openxmlformats.org/presentationml/2006/main" mc:Ignorable="mv" mc:PreserveAttributes="mv:*" type="objTx" preserve="1">
+<p:sldLayout xmlns:a="http://schemas.openxmlformats.org/drawingml/2006/main" xmlns:r="http://schemas.openxmlformats.org/officeDocument/2006/relationships" xmlns:p="http://schemas.openxmlformats.org/presentationml/2006/main" type="objTx" preserve="1">
   <p:cSld name="Content with Caption">
     <p:spTree>
       <p:nvGrpSpPr>
@@ -3270,7 +3382,7 @@
             <a:fld id="{5E090EFF-37B5-024C-AB3F-FAC6BB2F278A}" type="datetimeFigureOut">
               <a:rPr lang="en-US" smtClean="0"/>
               <a:pPr/>
-              <a:t>4/15/14</a:t>
+              <a:t>2014-04-16</a:t>
             </a:fld>
             <a:endParaRPr lang="en-US"/>
           </a:p>
@@ -3351,7 +3463,7 @@
 </file>
 
 <file path=ppt/slideLayouts/slideLayout9.xml><?xml version="1.0" encoding="utf-8"?>
-<p:sldLayout xmlns:a="http://schemas.openxmlformats.org/drawingml/2006/main" xmlns:r="http://schemas.openxmlformats.org/officeDocument/2006/relationships" xmlns:mc="http://schemas.openxmlformats.org/markup-compatibility/2006" xmlns:mv="urn:schemas-microsoft-com:mac:vml" xmlns:p="http://schemas.openxmlformats.org/presentationml/2006/main" mc:Ignorable="mv" mc:PreserveAttributes="mv:*" type="picTx" preserve="1">
+<p:sldLayout xmlns:a="http://schemas.openxmlformats.org/drawingml/2006/main" xmlns:r="http://schemas.openxmlformats.org/officeDocument/2006/relationships" xmlns:p="http://schemas.openxmlformats.org/presentationml/2006/main" type="picTx" preserve="1">
   <p:cSld name="Picture with Caption">
     <p:spTree>
       <p:nvGrpSpPr>
@@ -3595,7 +3707,7 @@
             <a:fld id="{5E090EFF-37B5-024C-AB3F-FAC6BB2F278A}" type="datetimeFigureOut">
               <a:rPr lang="en-US" smtClean="0"/>
               <a:pPr/>
-              <a:t>4/15/14</a:t>
+              <a:t>2014-04-16</a:t>
             </a:fld>
             <a:endParaRPr lang="en-US"/>
           </a:p>
@@ -3653,7 +3765,7 @@
 </file>
 
 <file path=ppt/slideMasters/slideMaster1.xml><?xml version="1.0" encoding="utf-8"?>
-<p:sldMaster xmlns:a="http://schemas.openxmlformats.org/drawingml/2006/main" xmlns:r="http://schemas.openxmlformats.org/officeDocument/2006/relationships" xmlns:mc="http://schemas.openxmlformats.org/markup-compatibility/2006" xmlns:mv="urn:schemas-microsoft-com:mac:vml" xmlns:p="http://schemas.openxmlformats.org/presentationml/2006/main" mc:Ignorable="mv" mc:PreserveAttributes="mv:*">
+<p:sldMaster xmlns:a="http://schemas.openxmlformats.org/drawingml/2006/main" xmlns:r="http://schemas.openxmlformats.org/officeDocument/2006/relationships" xmlns:p="http://schemas.openxmlformats.org/presentationml/2006/main">
   <p:cSld>
     <p:bg>
       <p:bgRef idx="1003">
@@ -4054,7 +4166,7 @@
             <a:fld id="{5E090EFF-37B5-024C-AB3F-FAC6BB2F278A}" type="datetimeFigureOut">
               <a:rPr lang="en-US" smtClean="0"/>
               <a:pPr/>
-              <a:t>4/15/14</a:t>
+              <a:t>2014-04-16</a:t>
             </a:fld>
             <a:endParaRPr lang="en-US"/>
           </a:p>
@@ -4145,17 +4257,17 @@
   </p:cSld>
   <p:clrMap bg1="dk1" tx1="lt1" bg2="dk2" tx2="lt2" accent1="accent1" accent2="accent2" accent3="accent3" accent4="accent4" accent5="accent5" accent6="accent6" hlink="hlink" folHlink="folHlink"/>
   <p:sldLayoutIdLst>
-    <p:sldLayoutId r:id="rId1"/>
-    <p:sldLayoutId r:id="rId2"/>
-    <p:sldLayoutId r:id="rId3"/>
-    <p:sldLayoutId r:id="rId4"/>
-    <p:sldLayoutId r:id="rId5"/>
-    <p:sldLayoutId r:id="rId6"/>
-    <p:sldLayoutId r:id="rId7"/>
-    <p:sldLayoutId r:id="rId8"/>
-    <p:sldLayoutId r:id="rId9"/>
-    <p:sldLayoutId r:id="rId10"/>
-    <p:sldLayoutId r:id="rId11"/>
+    <p:sldLayoutId id="2147483649" r:id="rId1"/>
+    <p:sldLayoutId id="2147483650" r:id="rId2"/>
+    <p:sldLayoutId id="2147483651" r:id="rId3"/>
+    <p:sldLayoutId id="2147483652" r:id="rId4"/>
+    <p:sldLayoutId id="2147483653" r:id="rId5"/>
+    <p:sldLayoutId id="2147483654" r:id="rId6"/>
+    <p:sldLayoutId id="2147483655" r:id="rId7"/>
+    <p:sldLayoutId id="2147483656" r:id="rId8"/>
+    <p:sldLayoutId id="2147483657" r:id="rId9"/>
+    <p:sldLayoutId id="2147483658" r:id="rId10"/>
+    <p:sldLayoutId id="2147483659" r:id="rId11"/>
   </p:sldLayoutIdLst>
   <p:txStyles>
     <p:titleStyle>
@@ -4549,7 +4661,7 @@
 </file>
 
 <file path=ppt/slides/slide1.xml><?xml version="1.0" encoding="utf-8"?>
-<p:sld xmlns:a="http://schemas.openxmlformats.org/drawingml/2006/main" xmlns:r="http://schemas.openxmlformats.org/officeDocument/2006/relationships" xmlns:mc="http://schemas.openxmlformats.org/markup-compatibility/2006" xmlns:mv="urn:schemas-microsoft-com:mac:vml" xmlns:p="http://schemas.openxmlformats.org/presentationml/2006/main" mc:Ignorable="mv" mc:PreserveAttributes="mv:*">
+<p:sld xmlns:a="http://schemas.openxmlformats.org/drawingml/2006/main" xmlns:r="http://schemas.openxmlformats.org/officeDocument/2006/relationships" xmlns:p="http://schemas.openxmlformats.org/presentationml/2006/main">
   <p:cSld>
     <p:spTree>
       <p:nvGrpSpPr>
@@ -4737,27 +4849,27 @@
     </p:spTree>
     <p:extLst>
       <p:ext uri="{BB962C8B-B14F-4D97-AF65-F5344CB8AC3E}">
-        <p14:creationId xmlns:p14="http://schemas.microsoft.com/office/powerpoint/2010/main" xmlns:p="http://schemas.openxmlformats.org/presentationml/2006/main" xmlns:r="http://schemas.openxmlformats.org/officeDocument/2006/relationships" xmlns:a="http://schemas.openxmlformats.org/drawingml/2006/main" xmlns="" val="1026658195"/>
+        <p14:creationId xmlns:p14="http://schemas.microsoft.com/office/powerpoint/2010/main" val="1026658195"/>
       </p:ext>
     </p:extLst>
   </p:cSld>
   <p:clrMapOvr>
     <a:masterClrMapping/>
   </p:clrMapOvr>
-  <mc:AlternateContent>
-    <mc:Choice xmlns:mc="http://schemas.openxmlformats.org/markup-compatibility/2006" xmlns:p14="http://schemas.microsoft.com/office/powerpoint/2010/main" xmlns:p="http://schemas.openxmlformats.org/presentationml/2006/main" xmlns:r="http://schemas.openxmlformats.org/officeDocument/2006/relationships" xmlns:a="http://schemas.openxmlformats.org/drawingml/2006/main" xmlns="" Requires="p14">
+  <mc:AlternateContent xmlns:mc="http://schemas.openxmlformats.org/markup-compatibility/2006" xmlns:p14="http://schemas.microsoft.com/office/powerpoint/2010/main">
+    <mc:Choice Requires="p14">
       <p:transition spd="slow" p14:dur="3400">
         <p14:reveal/>
       </p:transition>
     </mc:Choice>
-    <mc:Fallback>
+    <mc:Fallback xmlns="" xmlns:mv="urn:schemas-microsoft-com:mac:vml">
       <mp:transition xmlns:mp="http://schemas.microsoft.com/office/mac/powerpoint/2008/main" spd="slow"/>
     </mc:Fallback>
   </mc:AlternateContent>
   <p:timing>
     <p:tnLst>
       <p:par>
-        <p:cTn id="1" dur="indefinite" restart="never" nodeType="tmRoot"/>
+        <p:cTn xmlns:p14="http://schemas.microsoft.com/office/powerpoint/2010/main" id="1" dur="indefinite" restart="never" nodeType="tmRoot"/>
       </p:par>
     </p:tnLst>
   </p:timing>
@@ -4765,7 +4877,228 @@
 </file>
 
 <file path=ppt/slides/slide10.xml><?xml version="1.0" encoding="utf-8"?>
-<p:sld xmlns:a="http://schemas.openxmlformats.org/drawingml/2006/main" xmlns:r="http://schemas.openxmlformats.org/officeDocument/2006/relationships" xmlns:mc="http://schemas.openxmlformats.org/markup-compatibility/2006" xmlns:mv="urn:schemas-microsoft-com:mac:vml" xmlns:p="http://schemas.openxmlformats.org/presentationml/2006/main" mc:Ignorable="mv" mc:PreserveAttributes="mv:*">
+<p:sld xmlns:a="http://schemas.openxmlformats.org/drawingml/2006/main" xmlns:r="http://schemas.openxmlformats.org/officeDocument/2006/relationships" xmlns:p="http://schemas.openxmlformats.org/presentationml/2006/main">
+  <p:cSld>
+    <p:spTree>
+      <p:nvGrpSpPr>
+        <p:cNvPr id="1" name=""/>
+        <p:cNvGrpSpPr/>
+        <p:nvPr/>
+      </p:nvGrpSpPr>
+      <p:grpSpPr>
+        <a:xfrm>
+          <a:off x="0" y="0"/>
+          <a:ext cx="0" cy="0"/>
+          <a:chOff x="0" y="0"/>
+          <a:chExt cx="0" cy="0"/>
+        </a:xfrm>
+      </p:grpSpPr>
+      <p:sp>
+        <p:nvSpPr>
+          <p:cNvPr id="2" name="Content Placeholder 1"/>
+          <p:cNvSpPr>
+            <a:spLocks noGrp="1"/>
+          </p:cNvSpPr>
+          <p:nvPr>
+            <p:ph idx="1"/>
+          </p:nvPr>
+        </p:nvSpPr>
+        <p:spPr>
+          <a:xfrm>
+            <a:off x="1709979" y="1352888"/>
+            <a:ext cx="6096000" cy="3657599"/>
+          </a:xfrm>
+        </p:spPr>
+        <p:txBody>
+          <a:bodyPr/>
+          <a:lstStyle/>
+          <a:p>
+            <a:r>
+              <a:rPr lang="en-US" dirty="0" smtClean="0"/>
+              <a:t>Portability for different environment</a:t>
+            </a:r>
+          </a:p>
+          <a:p>
+            <a:r>
+              <a:rPr lang="en-US" dirty="0" smtClean="0"/>
+              <a:t>Open Source</a:t>
+            </a:r>
+          </a:p>
+          <a:p>
+            <a:r>
+              <a:rPr lang="en-US" dirty="0" smtClean="0"/>
+              <a:t>Security</a:t>
+            </a:r>
+          </a:p>
+          <a:p>
+            <a:r>
+              <a:rPr lang="en-US" dirty="0"/>
+              <a:t>Installation </a:t>
+            </a:r>
+            <a:r>
+              <a:rPr lang="en-US" dirty="0" smtClean="0"/>
+              <a:t>kit</a:t>
+            </a:r>
+          </a:p>
+          <a:p>
+            <a:r>
+              <a:rPr lang="en-US" dirty="0" smtClean="0"/>
+              <a:t>Localization</a:t>
+            </a:r>
+          </a:p>
+          <a:p>
+            <a:pPr marL="18288" indent="0">
+              <a:buNone/>
+            </a:pPr>
+            <a:r>
+              <a:rPr lang="en-US" dirty="0" smtClean="0"/>
+              <a:t> </a:t>
+            </a:r>
+          </a:p>
+          <a:p>
+            <a:endParaRPr lang="en-US" dirty="0"/>
+          </a:p>
+        </p:txBody>
+      </p:sp>
+      <p:sp>
+        <p:nvSpPr>
+          <p:cNvPr id="3" name="Title 2"/>
+          <p:cNvSpPr>
+            <a:spLocks noGrp="1"/>
+          </p:cNvSpPr>
+          <p:nvPr>
+            <p:ph type="title"/>
+          </p:nvPr>
+        </p:nvSpPr>
+        <p:spPr/>
+        <p:txBody>
+          <a:bodyPr/>
+          <a:lstStyle/>
+          <a:p>
+            <a:r>
+              <a:rPr lang="en-US" dirty="0" smtClean="0"/>
+              <a:t>The Next Steps </a:t>
+            </a:r>
+            <a:endParaRPr lang="en-US" dirty="0"/>
+          </a:p>
+        </p:txBody>
+      </p:sp>
+      <p:pic>
+        <p:nvPicPr>
+          <p:cNvPr id="4" name="Picture 3"/>
+          <p:cNvPicPr>
+            <a:picLocks noChangeAspect="1"/>
+          </p:cNvPicPr>
+          <p:nvPr/>
+        </p:nvPicPr>
+        <p:blipFill>
+          <a:blip r:embed="rId2"/>
+          <a:stretch>
+            <a:fillRect/>
+          </a:stretch>
+        </p:blipFill>
+        <p:spPr>
+          <a:xfrm>
+            <a:off x="7364822" y="111794"/>
+            <a:ext cx="1660040" cy="917575"/>
+          </a:xfrm>
+          <a:prstGeom prst="rect">
+            <a:avLst/>
+          </a:prstGeom>
+        </p:spPr>
+      </p:pic>
+    </p:spTree>
+    <p:extLst>
+      <p:ext uri="{BB962C8B-B14F-4D97-AF65-F5344CB8AC3E}">
+        <p14:creationId xmlns:p14="http://schemas.microsoft.com/office/powerpoint/2010/main" val="100663824"/>
+      </p:ext>
+    </p:extLst>
+  </p:cSld>
+  <p:clrMapOvr>
+    <a:masterClrMapping/>
+  </p:clrMapOvr>
+</p:sld>
+</file>
+
+<file path=ppt/slides/slide11.xml><?xml version="1.0" encoding="utf-8"?>
+<p:sld xmlns:a="http://schemas.openxmlformats.org/drawingml/2006/main" xmlns:r="http://schemas.openxmlformats.org/officeDocument/2006/relationships" xmlns:p="http://schemas.openxmlformats.org/presentationml/2006/main">
+  <p:cSld>
+    <p:spTree>
+      <p:nvGrpSpPr>
+        <p:cNvPr id="1" name=""/>
+        <p:cNvGrpSpPr/>
+        <p:nvPr/>
+      </p:nvGrpSpPr>
+      <p:grpSpPr>
+        <a:xfrm>
+          <a:off x="0" y="0"/>
+          <a:ext cx="0" cy="0"/>
+          <a:chOff x="0" y="0"/>
+          <a:chExt cx="0" cy="0"/>
+        </a:xfrm>
+      </p:grpSpPr>
+      <p:sp>
+        <p:nvSpPr>
+          <p:cNvPr id="3" name="Title 2"/>
+          <p:cNvSpPr>
+            <a:spLocks noGrp="1"/>
+          </p:cNvSpPr>
+          <p:nvPr>
+            <p:ph type="title"/>
+          </p:nvPr>
+        </p:nvSpPr>
+        <p:spPr/>
+        <p:txBody>
+          <a:bodyPr/>
+          <a:lstStyle/>
+          <a:p>
+            <a:r>
+              <a:rPr lang="en-US" dirty="0" smtClean="0"/>
+              <a:t>Conclusion</a:t>
+            </a:r>
+            <a:endParaRPr lang="en-US" dirty="0"/>
+          </a:p>
+        </p:txBody>
+      </p:sp>
+      <p:pic>
+        <p:nvPicPr>
+          <p:cNvPr id="5" name="Picture 4"/>
+          <p:cNvPicPr>
+            <a:picLocks noChangeAspect="1"/>
+          </p:cNvPicPr>
+          <p:nvPr/>
+        </p:nvPicPr>
+        <p:blipFill>
+          <a:blip r:embed="rId2"/>
+          <a:stretch>
+            <a:fillRect/>
+          </a:stretch>
+        </p:blipFill>
+        <p:spPr>
+          <a:xfrm>
+            <a:off x="7364822" y="111794"/>
+            <a:ext cx="1660040" cy="917575"/>
+          </a:xfrm>
+          <a:prstGeom prst="rect">
+            <a:avLst/>
+          </a:prstGeom>
+        </p:spPr>
+      </p:pic>
+    </p:spTree>
+    <p:extLst>
+      <p:ext uri="{BB962C8B-B14F-4D97-AF65-F5344CB8AC3E}">
+        <p14:creationId xmlns:p14="http://schemas.microsoft.com/office/powerpoint/2010/main" val="4256347672"/>
+      </p:ext>
+    </p:extLst>
+  </p:cSld>
+  <p:clrMapOvr>
+    <a:masterClrMapping/>
+  </p:clrMapOvr>
+</p:sld>
+</file>
+
+<file path=ppt/slides/slide12.xml><?xml version="1.0" encoding="utf-8"?>
+<p:sld xmlns:a="http://schemas.openxmlformats.org/drawingml/2006/main" xmlns:r="http://schemas.openxmlformats.org/officeDocument/2006/relationships" xmlns:p="http://schemas.openxmlformats.org/presentationml/2006/main">
   <p:cSld>
     <p:spTree>
       <p:nvGrpSpPr>
@@ -4855,7 +5188,7 @@
     </p:spTree>
     <p:extLst>
       <p:ext uri="{BB962C8B-B14F-4D97-AF65-F5344CB8AC3E}">
-        <p14:creationId xmlns:p14="http://schemas.microsoft.com/office/powerpoint/2010/main" xmlns:p="http://schemas.openxmlformats.org/presentationml/2006/main" xmlns:r="http://schemas.openxmlformats.org/officeDocument/2006/relationships" xmlns:a="http://schemas.openxmlformats.org/drawingml/2006/main" xmlns="" val="1573006518"/>
+        <p14:creationId xmlns:p14="http://schemas.microsoft.com/office/powerpoint/2010/main" val="1573006518"/>
       </p:ext>
     </p:extLst>
   </p:cSld>
@@ -4866,7 +5199,7 @@
 </file>
 
 <file path=ppt/slides/slide2.xml><?xml version="1.0" encoding="utf-8"?>
-<p:sld xmlns:a="http://schemas.openxmlformats.org/drawingml/2006/main" xmlns:r="http://schemas.openxmlformats.org/officeDocument/2006/relationships" xmlns:mc="http://schemas.openxmlformats.org/markup-compatibility/2006" xmlns:mv="urn:schemas-microsoft-com:mac:vml" xmlns:p="http://schemas.openxmlformats.org/presentationml/2006/main" mc:Ignorable="mv" mc:PreserveAttributes="mv:*">
+<p:sld xmlns:a="http://schemas.openxmlformats.org/drawingml/2006/main" xmlns:r="http://schemas.openxmlformats.org/officeDocument/2006/relationships" xmlns:p="http://schemas.openxmlformats.org/presentationml/2006/main">
   <p:cSld>
     <p:spTree>
       <p:nvGrpSpPr>
@@ -5034,7 +5367,7 @@
     </p:spTree>
     <p:extLst>
       <p:ext uri="{BB962C8B-B14F-4D97-AF65-F5344CB8AC3E}">
-        <p14:creationId xmlns:p14="http://schemas.microsoft.com/office/powerpoint/2010/main" xmlns:p="http://schemas.openxmlformats.org/presentationml/2006/main" xmlns:r="http://schemas.openxmlformats.org/officeDocument/2006/relationships" xmlns:a="http://schemas.openxmlformats.org/drawingml/2006/main" xmlns="" val="2425152046"/>
+        <p14:creationId xmlns:p14="http://schemas.microsoft.com/office/powerpoint/2010/main" val="2425152046"/>
       </p:ext>
     </p:extLst>
   </p:cSld>
@@ -5045,7 +5378,7 @@
 </file>
 
 <file path=ppt/slides/slide3.xml><?xml version="1.0" encoding="utf-8"?>
-<p:sld xmlns:a="http://schemas.openxmlformats.org/drawingml/2006/main" xmlns:r="http://schemas.openxmlformats.org/officeDocument/2006/relationships" xmlns:mc="http://schemas.openxmlformats.org/markup-compatibility/2006" xmlns:mv="urn:schemas-microsoft-com:mac:vml" xmlns:p="http://schemas.openxmlformats.org/presentationml/2006/main" mc:Ignorable="mv" mc:PreserveAttributes="mv:*">
+<p:sld xmlns:a="http://schemas.openxmlformats.org/drawingml/2006/main" xmlns:r="http://schemas.openxmlformats.org/officeDocument/2006/relationships" xmlns:p="http://schemas.openxmlformats.org/presentationml/2006/main">
   <p:cSld>
     <p:spTree>
       <p:nvGrpSpPr>
@@ -5079,7 +5412,7 @@
         </p:spPr>
         <p:txBody>
           <a:bodyPr>
-            <a:normAutofit fontScale="92500" lnSpcReduction="20000"/>
+            <a:normAutofit fontScale="92500" lnSpcReduction="10000"/>
           </a:bodyPr>
           <a:lstStyle/>
           <a:p>
@@ -5202,7 +5535,7 @@
     </p:spTree>
     <p:extLst>
       <p:ext uri="{BB962C8B-B14F-4D97-AF65-F5344CB8AC3E}">
-        <p14:creationId xmlns:p14="http://schemas.microsoft.com/office/powerpoint/2010/main" xmlns:p="http://schemas.openxmlformats.org/presentationml/2006/main" xmlns:r="http://schemas.openxmlformats.org/officeDocument/2006/relationships" xmlns:a="http://schemas.openxmlformats.org/drawingml/2006/main" xmlns="" val="3735635188"/>
+        <p14:creationId xmlns:p14="http://schemas.microsoft.com/office/powerpoint/2010/main" val="3735635188"/>
       </p:ext>
     </p:extLst>
   </p:cSld>
@@ -5213,7 +5546,7 @@
 </file>
 
 <file path=ppt/slides/slide4.xml><?xml version="1.0" encoding="utf-8"?>
-<p:sld xmlns:a="http://schemas.openxmlformats.org/drawingml/2006/main" xmlns:r="http://schemas.openxmlformats.org/officeDocument/2006/relationships" xmlns:mc="http://schemas.openxmlformats.org/markup-compatibility/2006" xmlns:mv="urn:schemas-microsoft-com:mac:vml" xmlns:p="http://schemas.openxmlformats.org/presentationml/2006/main" mc:Ignorable="mv" mc:PreserveAttributes="mv:*">
+<p:sld xmlns:a="http://schemas.openxmlformats.org/drawingml/2006/main" xmlns:r="http://schemas.openxmlformats.org/officeDocument/2006/relationships" xmlns:p="http://schemas.openxmlformats.org/presentationml/2006/main">
   <p:cSld>
     <p:spTree>
       <p:nvGrpSpPr>
@@ -5281,11 +5614,7 @@
           <a:p>
             <a:r>
               <a:rPr lang="en-US" dirty="0" smtClean="0"/>
-              <a:t>Technology Used</a:t>
-            </a:r>
-            <a:r>
-              <a:rPr lang="en-US" dirty="0" smtClean="0"/>
-              <a:t> </a:t>
+              <a:t>Technology Used </a:t>
             </a:r>
             <a:endParaRPr lang="en-US" dirty="0"/>
           </a:p>
@@ -5398,7 +5727,7 @@
     </p:spTree>
     <p:extLst>
       <p:ext uri="{BB962C8B-B14F-4D97-AF65-F5344CB8AC3E}">
-        <p14:creationId xmlns:p14="http://schemas.microsoft.com/office/powerpoint/2010/main" xmlns:p="http://schemas.openxmlformats.org/presentationml/2006/main" xmlns:r="http://schemas.openxmlformats.org/officeDocument/2006/relationships" xmlns:a="http://schemas.openxmlformats.org/drawingml/2006/main" xmlns="" val="3229860538"/>
+        <p14:creationId xmlns:p14="http://schemas.microsoft.com/office/powerpoint/2010/main" val="2049531596"/>
       </p:ext>
     </p:extLst>
   </p:cSld>
@@ -5409,7 +5738,7 @@
 </file>
 
 <file path=ppt/slides/slide5.xml><?xml version="1.0" encoding="utf-8"?>
-<p:sld xmlns:a="http://schemas.openxmlformats.org/drawingml/2006/main" xmlns:r="http://schemas.openxmlformats.org/officeDocument/2006/relationships" xmlns:mc="http://schemas.openxmlformats.org/markup-compatibility/2006" xmlns:mv="urn:schemas-microsoft-com:mac:vml" xmlns:p="http://schemas.openxmlformats.org/presentationml/2006/main" mc:Ignorable="mv" mc:PreserveAttributes="mv:*">
+<p:sld xmlns:a="http://schemas.openxmlformats.org/drawingml/2006/main" xmlns:r="http://schemas.openxmlformats.org/officeDocument/2006/relationships" xmlns:p="http://schemas.openxmlformats.org/presentationml/2006/main">
   <p:cSld>
     <p:spTree>
       <p:nvGrpSpPr>
@@ -5784,7 +6113,7 @@
     </p:spTree>
     <p:extLst>
       <p:ext uri="{BB962C8B-B14F-4D97-AF65-F5344CB8AC3E}">
-        <p14:creationId xmlns:p14="http://schemas.microsoft.com/office/powerpoint/2010/main" xmlns:p="http://schemas.openxmlformats.org/presentationml/2006/main" xmlns:r="http://schemas.openxmlformats.org/officeDocument/2006/relationships" xmlns:a="http://schemas.openxmlformats.org/drawingml/2006/main" xmlns="" val="3488674932"/>
+        <p14:creationId xmlns:p14="http://schemas.microsoft.com/office/powerpoint/2010/main" val="3488674932"/>
       </p:ext>
     </p:extLst>
   </p:cSld>
@@ -5795,7 +6124,7 @@
 </file>
 
 <file path=ppt/slides/slide6.xml><?xml version="1.0" encoding="utf-8"?>
-<p:sld xmlns:a="http://schemas.openxmlformats.org/drawingml/2006/main" xmlns:r="http://schemas.openxmlformats.org/officeDocument/2006/relationships" xmlns:mc="http://schemas.openxmlformats.org/markup-compatibility/2006" xmlns:mv="urn:schemas-microsoft-com:mac:vml" xmlns:p="http://schemas.openxmlformats.org/presentationml/2006/main" mc:Ignorable="mv" mc:PreserveAttributes="mv:*">
+<p:sld xmlns:a="http://schemas.openxmlformats.org/drawingml/2006/main" xmlns:r="http://schemas.openxmlformats.org/officeDocument/2006/relationships" xmlns:p="http://schemas.openxmlformats.org/presentationml/2006/main">
   <p:cSld>
     <p:spTree>
       <p:nvGrpSpPr>
@@ -5813,6 +6142,894 @@
       </p:grpSpPr>
       <p:sp>
         <p:nvSpPr>
+          <p:cNvPr id="3" name="Title 2"/>
+          <p:cNvSpPr>
+            <a:spLocks noGrp="1"/>
+          </p:cNvSpPr>
+          <p:nvPr>
+            <p:ph type="title"/>
+          </p:nvPr>
+        </p:nvSpPr>
+        <p:spPr>
+          <a:xfrm>
+            <a:off x="341247" y="228601"/>
+            <a:ext cx="7543800" cy="914400"/>
+          </a:xfrm>
+        </p:spPr>
+        <p:txBody>
+          <a:bodyPr/>
+          <a:lstStyle/>
+          <a:p>
+            <a:r>
+              <a:rPr lang="en-US" dirty="0" smtClean="0"/>
+              <a:t>Database Schema</a:t>
+            </a:r>
+            <a:endParaRPr lang="en-US" dirty="0"/>
+          </a:p>
+        </p:txBody>
+      </p:sp>
+      <p:pic>
+        <p:nvPicPr>
+          <p:cNvPr id="4" name="Picture 3"/>
+          <p:cNvPicPr>
+            <a:picLocks noChangeAspect="1"/>
+          </p:cNvPicPr>
+          <p:nvPr/>
+        </p:nvPicPr>
+        <p:blipFill>
+          <a:blip r:embed="rId3"/>
+          <a:stretch>
+            <a:fillRect/>
+          </a:stretch>
+        </p:blipFill>
+        <p:spPr>
+          <a:xfrm>
+            <a:off x="7364822" y="111794"/>
+            <a:ext cx="1660040" cy="917575"/>
+          </a:xfrm>
+          <a:prstGeom prst="rect">
+            <a:avLst/>
+          </a:prstGeom>
+        </p:spPr>
+      </p:pic>
+      <p:graphicFrame>
+        <p:nvGraphicFramePr>
+          <p:cNvPr id="12" name="Table 11"/>
+          <p:cNvGraphicFramePr>
+            <a:graphicFrameLocks noGrp="1"/>
+          </p:cNvGraphicFramePr>
+          <p:nvPr>
+            <p:extLst>
+              <p:ext uri="{D42A27DB-BD31-4B8C-83A1-F6EECF244321}">
+                <p14:modId xmlns:p14="http://schemas.microsoft.com/office/powerpoint/2010/main" val="4062088038"/>
+              </p:ext>
+            </p:extLst>
+          </p:nvPr>
+        </p:nvGraphicFramePr>
+        <p:xfrm>
+          <a:off x="6824287" y="3863152"/>
+          <a:ext cx="2123058" cy="2377439"/>
+        </p:xfrm>
+        <a:graphic>
+          <a:graphicData uri="http://schemas.openxmlformats.org/drawingml/2006/table">
+            <a:tbl>
+              <a:tblPr firstRow="1" bandRow="1">
+                <a:tableStyleId>{073A0DAA-6AF3-43AB-8588-CEC1D06C72B9}</a:tableStyleId>
+              </a:tblPr>
+              <a:tblGrid>
+                <a:gridCol w="2123058"/>
+              </a:tblGrid>
+              <a:tr h="0">
+                <a:tc>
+                  <a:txBody>
+                    <a:bodyPr/>
+                    <a:lstStyle/>
+                    <a:p>
+                      <a:pPr marL="0" marR="0" indent="0" algn="l" defTabSz="914400" rtl="0" eaLnBrk="1" fontAlgn="auto" latinLnBrk="0" hangingPunct="1">
+                        <a:lnSpc>
+                          <a:spcPct val="100000"/>
+                        </a:lnSpc>
+                        <a:spcBef>
+                          <a:spcPts val="0"/>
+                        </a:spcBef>
+                        <a:spcAft>
+                          <a:spcPts val="0"/>
+                        </a:spcAft>
+                        <a:buClrTx/>
+                        <a:buSzTx/>
+                        <a:buFontTx/>
+                        <a:buNone/>
+                        <a:tabLst/>
+                        <a:defRPr/>
+                      </a:pPr>
+                      <a:r>
+                        <a:rPr lang="en-US" dirty="0" smtClean="0"/>
+                        <a:t>AssessmentData</a:t>
+                      </a:r>
+                    </a:p>
+                    <a:p>
+                      <a:endParaRPr lang="en-US" dirty="0"/>
+                    </a:p>
+                  </a:txBody>
+                  <a:tcPr/>
+                </a:tc>
+              </a:tr>
+              <a:tr h="370840">
+                <a:tc>
+                  <a:txBody>
+                    <a:bodyPr/>
+                    <a:lstStyle/>
+                    <a:p>
+                      <a:r>
+                        <a:rPr lang="en-US" dirty="0" err="1" smtClean="0"/>
+                        <a:t>QuestionNo</a:t>
+                      </a:r>
+                      <a:endParaRPr lang="en-US" dirty="0" smtClean="0"/>
+                    </a:p>
+                    <a:p>
+                      <a:r>
+                        <a:rPr lang="en-US" dirty="0" err="1" smtClean="0"/>
+                        <a:t>QuestionData</a:t>
+                      </a:r>
+                      <a:endParaRPr lang="en-US" dirty="0" smtClean="0"/>
+                    </a:p>
+                    <a:p>
+                      <a:r>
+                        <a:rPr lang="en-US" dirty="0" err="1" smtClean="0"/>
+                        <a:t>ChoiceA</a:t>
+                      </a:r>
+                      <a:r>
+                        <a:rPr lang="en-US" dirty="0" smtClean="0"/>
+                        <a:t>…</a:t>
+                      </a:r>
+                      <a:r>
+                        <a:rPr lang="en-US" dirty="0" err="1" smtClean="0"/>
+                        <a:t>ChoiceE</a:t>
+                      </a:r>
+                      <a:endParaRPr lang="en-US" dirty="0" smtClean="0"/>
+                    </a:p>
+                    <a:p>
+                      <a:r>
+                        <a:rPr lang="en-US" dirty="0" err="1" smtClean="0"/>
+                        <a:t>QuestionType</a:t>
+                      </a:r>
+                      <a:endParaRPr lang="en-US" dirty="0" smtClean="0"/>
+                    </a:p>
+                    <a:p>
+                      <a:r>
+                        <a:rPr lang="en-US" dirty="0" err="1" smtClean="0"/>
+                        <a:t>QuestionAnswer</a:t>
+                      </a:r>
+                      <a:endParaRPr lang="en-US" dirty="0" smtClean="0"/>
+                    </a:p>
+                    <a:p>
+                      <a:endParaRPr lang="en-US" dirty="0"/>
+                    </a:p>
+                  </a:txBody>
+                  <a:tcPr/>
+                </a:tc>
+              </a:tr>
+            </a:tbl>
+          </a:graphicData>
+        </a:graphic>
+      </p:graphicFrame>
+      <p:graphicFrame>
+        <p:nvGraphicFramePr>
+          <p:cNvPr id="13" name="Table 12"/>
+          <p:cNvGraphicFramePr>
+            <a:graphicFrameLocks noGrp="1"/>
+          </p:cNvGraphicFramePr>
+          <p:nvPr>
+            <p:extLst>
+              <p:ext uri="{D42A27DB-BD31-4B8C-83A1-F6EECF244321}">
+                <p14:modId xmlns:p14="http://schemas.microsoft.com/office/powerpoint/2010/main" val="672406842"/>
+              </p:ext>
+            </p:extLst>
+          </p:nvPr>
+        </p:nvGraphicFramePr>
+        <p:xfrm>
+          <a:off x="4384275" y="4351214"/>
+          <a:ext cx="1515708" cy="1828800"/>
+        </p:xfrm>
+        <a:graphic>
+          <a:graphicData uri="http://schemas.openxmlformats.org/drawingml/2006/table">
+            <a:tbl>
+              <a:tblPr firstRow="1" bandRow="1">
+                <a:tableStyleId>{073A0DAA-6AF3-43AB-8588-CEC1D06C72B9}</a:tableStyleId>
+              </a:tblPr>
+              <a:tblGrid>
+                <a:gridCol w="1515708"/>
+              </a:tblGrid>
+              <a:tr h="601908">
+                <a:tc>
+                  <a:txBody>
+                    <a:bodyPr/>
+                    <a:lstStyle/>
+                    <a:p>
+                      <a:pPr marL="0" marR="0" indent="0" algn="l" defTabSz="914400" rtl="0" eaLnBrk="1" fontAlgn="auto" latinLnBrk="0" hangingPunct="1">
+                        <a:lnSpc>
+                          <a:spcPct val="100000"/>
+                        </a:lnSpc>
+                        <a:spcBef>
+                          <a:spcPts val="0"/>
+                        </a:spcBef>
+                        <a:spcAft>
+                          <a:spcPts val="0"/>
+                        </a:spcAft>
+                        <a:buClrTx/>
+                        <a:buSzTx/>
+                        <a:buFontTx/>
+                        <a:buNone/>
+                        <a:tabLst/>
+                        <a:defRPr/>
+                      </a:pPr>
+                      <a:r>
+                        <a:rPr lang="en-US" dirty="0" smtClean="0"/>
+                        <a:t>Assessment</a:t>
+                      </a:r>
+                    </a:p>
+                    <a:p>
+                      <a:endParaRPr lang="en-US" dirty="0"/>
+                    </a:p>
+                  </a:txBody>
+                  <a:tcPr/>
+                </a:tc>
+              </a:tr>
+              <a:tr h="370840">
+                <a:tc>
+                  <a:txBody>
+                    <a:bodyPr/>
+                    <a:lstStyle/>
+                    <a:p>
+                      <a:r>
+                        <a:rPr lang="en-US" dirty="0" smtClean="0"/>
+                        <a:t>Name</a:t>
+                      </a:r>
+                    </a:p>
+                    <a:p>
+                      <a:r>
+                        <a:rPr lang="en-US" dirty="0" err="1" smtClean="0"/>
+                        <a:t>PostDate</a:t>
+                      </a:r>
+                      <a:endParaRPr lang="en-US" dirty="0" smtClean="0"/>
+                    </a:p>
+                    <a:p>
+                      <a:r>
+                        <a:rPr lang="en-US" dirty="0" smtClean="0"/>
+                        <a:t>Post</a:t>
+                      </a:r>
+                    </a:p>
+                    <a:p>
+                      <a:endParaRPr lang="en-US" dirty="0"/>
+                    </a:p>
+                  </a:txBody>
+                  <a:tcPr/>
+                </a:tc>
+              </a:tr>
+            </a:tbl>
+          </a:graphicData>
+        </a:graphic>
+      </p:graphicFrame>
+      <p:graphicFrame>
+        <p:nvGraphicFramePr>
+          <p:cNvPr id="14" name="Table 13"/>
+          <p:cNvGraphicFramePr>
+            <a:graphicFrameLocks noGrp="1"/>
+          </p:cNvGraphicFramePr>
+          <p:nvPr>
+            <p:extLst>
+              <p:ext uri="{D42A27DB-BD31-4B8C-83A1-F6EECF244321}">
+                <p14:modId xmlns:p14="http://schemas.microsoft.com/office/powerpoint/2010/main" val="1490035476"/>
+              </p:ext>
+            </p:extLst>
+          </p:nvPr>
+        </p:nvGraphicFramePr>
+        <p:xfrm>
+          <a:off x="2370704" y="4488374"/>
+          <a:ext cx="1061138" cy="1554479"/>
+        </p:xfrm>
+        <a:graphic>
+          <a:graphicData uri="http://schemas.openxmlformats.org/drawingml/2006/table">
+            <a:tbl>
+              <a:tblPr firstRow="1" bandRow="1">
+                <a:tableStyleId>{073A0DAA-6AF3-43AB-8588-CEC1D06C72B9}</a:tableStyleId>
+              </a:tblPr>
+              <a:tblGrid>
+                <a:gridCol w="1061138"/>
+              </a:tblGrid>
+              <a:tr h="546406">
+                <a:tc>
+                  <a:txBody>
+                    <a:bodyPr/>
+                    <a:lstStyle/>
+                    <a:p>
+                      <a:pPr marL="0" marR="0" indent="0" algn="l" defTabSz="914400" rtl="0" eaLnBrk="1" fontAlgn="auto" latinLnBrk="0" hangingPunct="1">
+                        <a:lnSpc>
+                          <a:spcPct val="100000"/>
+                        </a:lnSpc>
+                        <a:spcBef>
+                          <a:spcPts val="0"/>
+                        </a:spcBef>
+                        <a:spcAft>
+                          <a:spcPts val="0"/>
+                        </a:spcAft>
+                        <a:buClrTx/>
+                        <a:buSzTx/>
+                        <a:buFontTx/>
+                        <a:buNone/>
+                        <a:tabLst/>
+                        <a:defRPr/>
+                      </a:pPr>
+                      <a:r>
+                        <a:rPr lang="en-US" dirty="0" smtClean="0"/>
+                        <a:t>Courses</a:t>
+                      </a:r>
+                    </a:p>
+                    <a:p>
+                      <a:endParaRPr lang="en-US" dirty="0"/>
+                    </a:p>
+                  </a:txBody>
+                  <a:tcPr/>
+                </a:tc>
+              </a:tr>
+              <a:tr h="780580">
+                <a:tc>
+                  <a:txBody>
+                    <a:bodyPr/>
+                    <a:lstStyle/>
+                    <a:p>
+                      <a:r>
+                        <a:rPr lang="en-US" dirty="0" smtClean="0"/>
+                        <a:t>Name</a:t>
+                      </a:r>
+                    </a:p>
+                    <a:p>
+                      <a:r>
+                        <a:rPr lang="en-US" dirty="0" smtClean="0"/>
+                        <a:t>Code</a:t>
+                      </a:r>
+                    </a:p>
+                    <a:p>
+                      <a:endParaRPr lang="en-US" dirty="0"/>
+                    </a:p>
+                  </a:txBody>
+                  <a:tcPr/>
+                </a:tc>
+              </a:tr>
+            </a:tbl>
+          </a:graphicData>
+        </a:graphic>
+      </p:graphicFrame>
+      <p:graphicFrame>
+        <p:nvGraphicFramePr>
+          <p:cNvPr id="15" name="Table 14"/>
+          <p:cNvGraphicFramePr>
+            <a:graphicFrameLocks noGrp="1"/>
+          </p:cNvGraphicFramePr>
+          <p:nvPr>
+            <p:extLst>
+              <p:ext uri="{D42A27DB-BD31-4B8C-83A1-F6EECF244321}">
+                <p14:modId xmlns:p14="http://schemas.microsoft.com/office/powerpoint/2010/main" val="4167361910"/>
+              </p:ext>
+            </p:extLst>
+          </p:nvPr>
+        </p:nvGraphicFramePr>
+        <p:xfrm>
+          <a:off x="7316736" y="1689406"/>
+          <a:ext cx="1136622" cy="1554479"/>
+        </p:xfrm>
+        <a:graphic>
+          <a:graphicData uri="http://schemas.openxmlformats.org/drawingml/2006/table">
+            <a:tbl>
+              <a:tblPr firstRow="1" bandRow="1">
+                <a:tableStyleId>{073A0DAA-6AF3-43AB-8588-CEC1D06C72B9}</a:tableStyleId>
+              </a:tblPr>
+              <a:tblGrid>
+                <a:gridCol w="1136622"/>
+              </a:tblGrid>
+              <a:tr h="601908">
+                <a:tc>
+                  <a:txBody>
+                    <a:bodyPr/>
+                    <a:lstStyle/>
+                    <a:p>
+                      <a:pPr marL="0" marR="0" indent="0" algn="l" defTabSz="914400" rtl="0" eaLnBrk="1" fontAlgn="auto" latinLnBrk="0" hangingPunct="1">
+                        <a:lnSpc>
+                          <a:spcPct val="100000"/>
+                        </a:lnSpc>
+                        <a:spcBef>
+                          <a:spcPts val="0"/>
+                        </a:spcBef>
+                        <a:spcAft>
+                          <a:spcPts val="0"/>
+                        </a:spcAft>
+                        <a:buClrTx/>
+                        <a:buSzTx/>
+                        <a:buFontTx/>
+                        <a:buNone/>
+                        <a:tabLst/>
+                        <a:defRPr/>
+                      </a:pPr>
+                      <a:r>
+                        <a:rPr lang="en-US" dirty="0" smtClean="0"/>
+                        <a:t>Student</a:t>
+                      </a:r>
+                    </a:p>
+                    <a:p>
+                      <a:pPr marL="0" marR="0" indent="0" algn="l" defTabSz="914400" rtl="0" eaLnBrk="1" fontAlgn="auto" latinLnBrk="0" hangingPunct="1">
+                        <a:lnSpc>
+                          <a:spcPct val="100000"/>
+                        </a:lnSpc>
+                        <a:spcBef>
+                          <a:spcPts val="0"/>
+                        </a:spcBef>
+                        <a:spcAft>
+                          <a:spcPts val="0"/>
+                        </a:spcAft>
+                        <a:buClrTx/>
+                        <a:buSzTx/>
+                        <a:buFontTx/>
+                        <a:buNone/>
+                        <a:tabLst/>
+                        <a:defRPr/>
+                      </a:pPr>
+                      <a:r>
+                        <a:rPr lang="en-US" dirty="0" smtClean="0"/>
+                        <a:t>Answer</a:t>
+                      </a:r>
+                    </a:p>
+                    <a:p>
+                      <a:endParaRPr lang="en-US" dirty="0"/>
+                    </a:p>
+                  </a:txBody>
+                  <a:tcPr/>
+                </a:tc>
+              </a:tr>
+              <a:tr h="370840">
+                <a:tc>
+                  <a:txBody>
+                    <a:bodyPr/>
+                    <a:lstStyle/>
+                    <a:p>
+                      <a:r>
+                        <a:rPr lang="en-US" dirty="0" smtClean="0"/>
+                        <a:t>Answer</a:t>
+                      </a:r>
+                    </a:p>
+                    <a:p>
+                      <a:endParaRPr lang="en-US" dirty="0"/>
+                    </a:p>
+                  </a:txBody>
+                  <a:tcPr/>
+                </a:tc>
+              </a:tr>
+            </a:tbl>
+          </a:graphicData>
+        </a:graphic>
+      </p:graphicFrame>
+      <p:cxnSp>
+        <p:nvCxnSpPr>
+          <p:cNvPr id="38" name="Straight Connector 37"/>
+          <p:cNvCxnSpPr>
+            <a:endCxn id="12" idx="0"/>
+          </p:cNvCxnSpPr>
+          <p:nvPr/>
+        </p:nvCxnSpPr>
+        <p:spPr>
+          <a:xfrm>
+            <a:off x="7885082" y="3243885"/>
+            <a:ext cx="734" cy="619267"/>
+          </a:xfrm>
+          <a:prstGeom prst="line">
+            <a:avLst/>
+          </a:prstGeom>
+          <a:ln w="127000">
+            <a:solidFill>
+              <a:schemeClr val="tx1"/>
+            </a:solidFill>
+            <a:tailEnd type="triangle"/>
+          </a:ln>
+        </p:spPr>
+        <p:style>
+          <a:lnRef idx="2">
+            <a:schemeClr val="accent1"/>
+          </a:lnRef>
+          <a:fillRef idx="0">
+            <a:schemeClr val="accent1"/>
+          </a:fillRef>
+          <a:effectRef idx="1">
+            <a:schemeClr val="accent1"/>
+          </a:effectRef>
+          <a:fontRef idx="minor">
+            <a:schemeClr val="tx1"/>
+          </a:fontRef>
+        </p:style>
+      </p:cxnSp>
+      <p:cxnSp>
+        <p:nvCxnSpPr>
+          <p:cNvPr id="43" name="Straight Connector 42"/>
+          <p:cNvCxnSpPr/>
+          <p:nvPr/>
+        </p:nvCxnSpPr>
+        <p:spPr>
+          <a:xfrm flipH="1">
+            <a:off x="5899983" y="5265614"/>
+            <a:ext cx="924304" cy="0"/>
+          </a:xfrm>
+          <a:prstGeom prst="line">
+            <a:avLst/>
+          </a:prstGeom>
+          <a:ln w="127000">
+            <a:solidFill>
+              <a:schemeClr val="tx1"/>
+            </a:solidFill>
+            <a:tailEnd type="triangle"/>
+          </a:ln>
+        </p:spPr>
+        <p:style>
+          <a:lnRef idx="2">
+            <a:schemeClr val="accent1"/>
+          </a:lnRef>
+          <a:fillRef idx="0">
+            <a:schemeClr val="accent1"/>
+          </a:fillRef>
+          <a:effectRef idx="1">
+            <a:schemeClr val="accent1"/>
+          </a:effectRef>
+          <a:fontRef idx="minor">
+            <a:schemeClr val="tx1"/>
+          </a:fontRef>
+        </p:style>
+      </p:cxnSp>
+      <p:cxnSp>
+        <p:nvCxnSpPr>
+          <p:cNvPr id="46" name="Straight Connector 45"/>
+          <p:cNvCxnSpPr>
+            <a:stCxn id="13" idx="1"/>
+          </p:cNvCxnSpPr>
+          <p:nvPr/>
+        </p:nvCxnSpPr>
+        <p:spPr>
+          <a:xfrm flipH="1">
+            <a:off x="3431842" y="5265614"/>
+            <a:ext cx="952433" cy="0"/>
+          </a:xfrm>
+          <a:prstGeom prst="line">
+            <a:avLst/>
+          </a:prstGeom>
+          <a:ln w="127000">
+            <a:solidFill>
+              <a:schemeClr val="tx1"/>
+            </a:solidFill>
+            <a:tailEnd type="triangle"/>
+          </a:ln>
+        </p:spPr>
+        <p:style>
+          <a:lnRef idx="2">
+            <a:schemeClr val="accent1"/>
+          </a:lnRef>
+          <a:fillRef idx="0">
+            <a:schemeClr val="accent1"/>
+          </a:fillRef>
+          <a:effectRef idx="1">
+            <a:schemeClr val="accent1"/>
+          </a:effectRef>
+          <a:fontRef idx="minor">
+            <a:schemeClr val="tx1"/>
+          </a:fontRef>
+        </p:style>
+      </p:cxnSp>
+      <p:graphicFrame>
+        <p:nvGraphicFramePr>
+          <p:cNvPr id="57" name="Table 56"/>
+          <p:cNvGraphicFramePr>
+            <a:graphicFrameLocks noGrp="1"/>
+          </p:cNvGraphicFramePr>
+          <p:nvPr>
+            <p:extLst>
+              <p:ext uri="{D42A27DB-BD31-4B8C-83A1-F6EECF244321}">
+                <p14:modId xmlns:p14="http://schemas.microsoft.com/office/powerpoint/2010/main" val="2420716236"/>
+              </p:ext>
+            </p:extLst>
+          </p:nvPr>
+        </p:nvGraphicFramePr>
+        <p:xfrm>
+          <a:off x="2181312" y="1689406"/>
+          <a:ext cx="1439922" cy="1420660"/>
+        </p:xfrm>
+        <a:graphic>
+          <a:graphicData uri="http://schemas.openxmlformats.org/drawingml/2006/table">
+            <a:tbl>
+              <a:tblPr firstRow="1" bandRow="1">
+                <a:tableStyleId>{073A0DAA-6AF3-43AB-8588-CEC1D06C72B9}</a:tableStyleId>
+              </a:tblPr>
+              <a:tblGrid>
+                <a:gridCol w="1439922"/>
+              </a:tblGrid>
+              <a:tr h="546406">
+                <a:tc>
+                  <a:txBody>
+                    <a:bodyPr/>
+                    <a:lstStyle/>
+                    <a:p>
+                      <a:pPr marL="0" marR="0" indent="0" algn="l" defTabSz="914400" rtl="0" eaLnBrk="1" fontAlgn="auto" latinLnBrk="0" hangingPunct="1">
+                        <a:lnSpc>
+                          <a:spcPct val="100000"/>
+                        </a:lnSpc>
+                        <a:spcBef>
+                          <a:spcPts val="0"/>
+                        </a:spcBef>
+                        <a:spcAft>
+                          <a:spcPts val="0"/>
+                        </a:spcAft>
+                        <a:buClrTx/>
+                        <a:buSzTx/>
+                        <a:buFontTx/>
+                        <a:buNone/>
+                        <a:tabLst/>
+                        <a:defRPr/>
+                      </a:pPr>
+                      <a:r>
+                        <a:rPr lang="en-US" dirty="0" smtClean="0"/>
+                        <a:t>Enrollment</a:t>
+                      </a:r>
+                    </a:p>
+                    <a:p>
+                      <a:endParaRPr lang="en-US" dirty="0"/>
+                    </a:p>
+                  </a:txBody>
+                  <a:tcPr/>
+                </a:tc>
+              </a:tr>
+              <a:tr h="780580">
+                <a:tc>
+                  <a:txBody>
+                    <a:bodyPr/>
+                    <a:lstStyle/>
+                    <a:p>
+                      <a:endParaRPr lang="en-US" dirty="0"/>
+                    </a:p>
+                  </a:txBody>
+                  <a:tcPr/>
+                </a:tc>
+              </a:tr>
+            </a:tbl>
+          </a:graphicData>
+        </a:graphic>
+      </p:graphicFrame>
+      <p:graphicFrame>
+        <p:nvGraphicFramePr>
+          <p:cNvPr id="58" name="Table 57"/>
+          <p:cNvGraphicFramePr>
+            <a:graphicFrameLocks noGrp="1"/>
+          </p:cNvGraphicFramePr>
+          <p:nvPr>
+            <p:extLst>
+              <p:ext uri="{D42A27DB-BD31-4B8C-83A1-F6EECF244321}">
+                <p14:modId xmlns:p14="http://schemas.microsoft.com/office/powerpoint/2010/main" val="1424742959"/>
+              </p:ext>
+            </p:extLst>
+          </p:nvPr>
+        </p:nvGraphicFramePr>
+        <p:xfrm>
+          <a:off x="345850" y="1739983"/>
+          <a:ext cx="1140085" cy="1420660"/>
+        </p:xfrm>
+        <a:graphic>
+          <a:graphicData uri="http://schemas.openxmlformats.org/drawingml/2006/table">
+            <a:tbl>
+              <a:tblPr firstRow="1" bandRow="1">
+                <a:tableStyleId>{073A0DAA-6AF3-43AB-8588-CEC1D06C72B9}</a:tableStyleId>
+              </a:tblPr>
+              <a:tblGrid>
+                <a:gridCol w="1140085"/>
+              </a:tblGrid>
+              <a:tr h="546406">
+                <a:tc>
+                  <a:txBody>
+                    <a:bodyPr/>
+                    <a:lstStyle/>
+                    <a:p>
+                      <a:pPr marL="0" marR="0" indent="0" algn="l" defTabSz="914400" rtl="0" eaLnBrk="1" fontAlgn="auto" latinLnBrk="0" hangingPunct="1">
+                        <a:lnSpc>
+                          <a:spcPct val="100000"/>
+                        </a:lnSpc>
+                        <a:spcBef>
+                          <a:spcPts val="0"/>
+                        </a:spcBef>
+                        <a:spcAft>
+                          <a:spcPts val="0"/>
+                        </a:spcAft>
+                        <a:buClrTx/>
+                        <a:buSzTx/>
+                        <a:buFontTx/>
+                        <a:buNone/>
+                        <a:tabLst/>
+                        <a:defRPr/>
+                      </a:pPr>
+                      <a:r>
+                        <a:rPr lang="en-US" dirty="0" smtClean="0"/>
+                        <a:t>Students</a:t>
+                      </a:r>
+                    </a:p>
+                    <a:p>
+                      <a:endParaRPr lang="en-US" dirty="0"/>
+                    </a:p>
+                  </a:txBody>
+                  <a:tcPr/>
+                </a:tc>
+              </a:tr>
+              <a:tr h="780580">
+                <a:tc>
+                  <a:txBody>
+                    <a:bodyPr/>
+                    <a:lstStyle/>
+                    <a:p>
+                      <a:r>
+                        <a:rPr lang="en-US" dirty="0" smtClean="0"/>
+                        <a:t>Student</a:t>
+                      </a:r>
+                      <a:r>
+                        <a:rPr lang="en-US" baseline="0" dirty="0" smtClean="0"/>
+                        <a:t> Number</a:t>
+                      </a:r>
+                      <a:endParaRPr lang="en-US" dirty="0"/>
+                    </a:p>
+                  </a:txBody>
+                  <a:tcPr/>
+                </a:tc>
+              </a:tr>
+            </a:tbl>
+          </a:graphicData>
+        </a:graphic>
+      </p:graphicFrame>
+      <p:cxnSp>
+        <p:nvCxnSpPr>
+          <p:cNvPr id="59" name="Straight Connector 58"/>
+          <p:cNvCxnSpPr>
+            <a:stCxn id="57" idx="2"/>
+            <a:endCxn id="14" idx="0"/>
+          </p:cNvCxnSpPr>
+          <p:nvPr/>
+        </p:nvCxnSpPr>
+        <p:spPr>
+          <a:xfrm>
+            <a:off x="2901273" y="3110066"/>
+            <a:ext cx="0" cy="1378308"/>
+          </a:xfrm>
+          <a:prstGeom prst="line">
+            <a:avLst/>
+          </a:prstGeom>
+          <a:ln w="127000">
+            <a:solidFill>
+              <a:schemeClr val="tx1"/>
+            </a:solidFill>
+            <a:tailEnd type="triangle"/>
+          </a:ln>
+        </p:spPr>
+        <p:style>
+          <a:lnRef idx="2">
+            <a:schemeClr val="accent1"/>
+          </a:lnRef>
+          <a:fillRef idx="0">
+            <a:schemeClr val="accent1"/>
+          </a:fillRef>
+          <a:effectRef idx="1">
+            <a:schemeClr val="accent1"/>
+          </a:effectRef>
+          <a:fontRef idx="minor">
+            <a:schemeClr val="tx1"/>
+          </a:fontRef>
+        </p:style>
+      </p:cxnSp>
+      <p:cxnSp>
+        <p:nvCxnSpPr>
+          <p:cNvPr id="63" name="Straight Connector 62"/>
+          <p:cNvCxnSpPr>
+            <a:stCxn id="57" idx="3"/>
+          </p:cNvCxnSpPr>
+          <p:nvPr/>
+        </p:nvCxnSpPr>
+        <p:spPr>
+          <a:xfrm>
+            <a:off x="3621234" y="2399736"/>
+            <a:ext cx="3695502" cy="0"/>
+          </a:xfrm>
+          <a:prstGeom prst="line">
+            <a:avLst/>
+          </a:prstGeom>
+          <a:ln w="127000">
+            <a:solidFill>
+              <a:schemeClr val="tx1"/>
+            </a:solidFill>
+            <a:tailEnd type="triangle"/>
+          </a:ln>
+        </p:spPr>
+        <p:style>
+          <a:lnRef idx="2">
+            <a:schemeClr val="accent1"/>
+          </a:lnRef>
+          <a:fillRef idx="0">
+            <a:schemeClr val="accent1"/>
+          </a:fillRef>
+          <a:effectRef idx="1">
+            <a:schemeClr val="accent1"/>
+          </a:effectRef>
+          <a:fontRef idx="minor">
+            <a:schemeClr val="tx1"/>
+          </a:fontRef>
+        </p:style>
+      </p:cxnSp>
+      <p:cxnSp>
+        <p:nvCxnSpPr>
+          <p:cNvPr id="76" name="Straight Connector 75"/>
+          <p:cNvCxnSpPr>
+            <a:stCxn id="57" idx="1"/>
+          </p:cNvCxnSpPr>
+          <p:nvPr/>
+        </p:nvCxnSpPr>
+        <p:spPr>
+          <a:xfrm flipH="1">
+            <a:off x="1485936" y="2399736"/>
+            <a:ext cx="695376" cy="0"/>
+          </a:xfrm>
+          <a:prstGeom prst="line">
+            <a:avLst/>
+          </a:prstGeom>
+          <a:ln w="127000">
+            <a:solidFill>
+              <a:schemeClr val="tx1"/>
+            </a:solidFill>
+            <a:tailEnd type="triangle"/>
+          </a:ln>
+        </p:spPr>
+        <p:style>
+          <a:lnRef idx="2">
+            <a:schemeClr val="accent1"/>
+          </a:lnRef>
+          <a:fillRef idx="0">
+            <a:schemeClr val="accent1"/>
+          </a:fillRef>
+          <a:effectRef idx="1">
+            <a:schemeClr val="accent1"/>
+          </a:effectRef>
+          <a:fontRef idx="minor">
+            <a:schemeClr val="tx1"/>
+          </a:fontRef>
+        </p:style>
+      </p:cxnSp>
+    </p:spTree>
+    <p:extLst>
+      <p:ext uri="{BB962C8B-B14F-4D97-AF65-F5344CB8AC3E}">
+        <p14:creationId xmlns:p14="http://schemas.microsoft.com/office/powerpoint/2010/main" val="665529192"/>
+      </p:ext>
+    </p:extLst>
+  </p:cSld>
+  <p:clrMapOvr>
+    <a:masterClrMapping/>
+  </p:clrMapOvr>
+</p:sld>
+</file>
+
+<file path=ppt/slides/slide7.xml><?xml version="1.0" encoding="utf-8"?>
+<p:sld xmlns:a="http://schemas.openxmlformats.org/drawingml/2006/main" xmlns:r="http://schemas.openxmlformats.org/officeDocument/2006/relationships" xmlns:p="http://schemas.openxmlformats.org/presentationml/2006/main">
+  <p:cSld>
+    <p:spTree>
+      <p:nvGrpSpPr>
+        <p:cNvPr id="1" name=""/>
+        <p:cNvGrpSpPr/>
+        <p:nvPr/>
+      </p:nvGrpSpPr>
+      <p:grpSpPr>
+        <a:xfrm>
+          <a:off x="0" y="0"/>
+          <a:ext cx="0" cy="0"/>
+          <a:chOff x="0" y="0"/>
+          <a:chExt cx="0" cy="0"/>
+        </a:xfrm>
+      </p:grpSpPr>
+      <p:sp>
+        <p:nvSpPr>
           <p:cNvPr id="2" name="Content Placeholder 1"/>
           <p:cNvSpPr>
             <a:spLocks noGrp="1"/>
@@ -5821,24 +7038,104 @@
             <p:ph idx="1"/>
           </p:nvPr>
         </p:nvSpPr>
-        <p:spPr/>
-        <p:txBody>
-          <a:bodyPr/>
-          <a:lstStyle/>
-          <a:p>
-            <a:r>
-              <a:rPr lang="en-US" dirty="0" smtClean="0"/>
-              <a:t>Go to their courses and answer the questions</a:t>
-            </a:r>
-          </a:p>
-          <a:p>
-            <a:r>
-              <a:rPr lang="en-US" dirty="0" smtClean="0"/>
-              <a:t>Review the questions and answers after class</a:t>
-            </a:r>
-          </a:p>
-          <a:p>
-            <a:endParaRPr lang="en-US" dirty="0"/>
+        <p:spPr>
+          <a:xfrm>
+            <a:off x="429398" y="698801"/>
+            <a:ext cx="6935423" cy="3657599"/>
+          </a:xfrm>
+        </p:spPr>
+        <p:txBody>
+          <a:bodyPr>
+            <a:normAutofit/>
+          </a:bodyPr>
+          <a:lstStyle/>
+          <a:p>
+            <a:r>
+              <a:rPr lang="en-US" sz="2400" dirty="0" smtClean="0"/>
+              <a:t>Visit</a:t>
+            </a:r>
+            <a:r>
+              <a:rPr lang="zh-CN" altLang="en-US" sz="2400" dirty="0"/>
+              <a:t> </a:t>
+            </a:r>
+            <a:r>
+              <a:rPr lang="en-US" altLang="zh-CN" sz="2400" dirty="0" smtClean="0"/>
+              <a:t>course</a:t>
+            </a:r>
+            <a:r>
+              <a:rPr lang="zh-CN" altLang="en-US" sz="2400" dirty="0" smtClean="0"/>
+              <a:t> </a:t>
+            </a:r>
+            <a:r>
+              <a:rPr lang="en-US" altLang="zh-CN" sz="2400" dirty="0" smtClean="0"/>
+              <a:t>page</a:t>
+            </a:r>
+          </a:p>
+          <a:p>
+            <a:r>
+              <a:rPr lang="en-US" sz="2400" dirty="0" smtClean="0"/>
+              <a:t>Answer</a:t>
+            </a:r>
+            <a:r>
+              <a:rPr lang="zh-CN" altLang="en-US" sz="2400" dirty="0" smtClean="0"/>
+              <a:t> </a:t>
+            </a:r>
+            <a:r>
+              <a:rPr lang="en-US" altLang="zh-CN" sz="2400" dirty="0" smtClean="0"/>
+              <a:t>questions</a:t>
+            </a:r>
+            <a:r>
+              <a:rPr lang="zh-CN" altLang="en-US" sz="2400" dirty="0" smtClean="0"/>
+              <a:t> </a:t>
+            </a:r>
+            <a:r>
+              <a:rPr lang="en-US" altLang="zh-CN" sz="2400" dirty="0" smtClean="0"/>
+              <a:t>with</a:t>
+            </a:r>
+            <a:r>
+              <a:rPr lang="zh-CN" altLang="en-US" sz="2400" dirty="0" smtClean="0"/>
+              <a:t> </a:t>
+            </a:r>
+            <a:r>
+              <a:rPr lang="en-US" altLang="zh-CN" sz="2400" dirty="0" smtClean="0"/>
+              <a:t>classmates</a:t>
+            </a:r>
+            <a:r>
+              <a:rPr lang="zh-CN" altLang="en-US" sz="2400" dirty="0" smtClean="0"/>
+              <a:t> </a:t>
+            </a:r>
+            <a:r>
+              <a:rPr lang="en-US" altLang="zh-CN" sz="2400" dirty="0" smtClean="0"/>
+              <a:t>together</a:t>
+            </a:r>
+            <a:endParaRPr lang="en-US" sz="2400" dirty="0" smtClean="0"/>
+          </a:p>
+          <a:p>
+            <a:r>
+              <a:rPr lang="en-US" sz="2400" dirty="0" smtClean="0"/>
+              <a:t>Review questions and answers after class</a:t>
+            </a:r>
+          </a:p>
+          <a:p>
+            <a:r>
+              <a:rPr lang="en-US" sz="2400" dirty="0" smtClean="0"/>
+              <a:t>Student data structure</a:t>
+            </a:r>
+          </a:p>
+          <a:p>
+            <a:pPr lvl="1"/>
+            <a:r>
+              <a:rPr lang="en-US" sz="2200" dirty="0" smtClean="0"/>
+              <a:t>Student number</a:t>
+            </a:r>
+          </a:p>
+          <a:p>
+            <a:pPr lvl="1"/>
+            <a:r>
+              <a:rPr lang="en-US" sz="2200" dirty="0" smtClean="0"/>
+              <a:t>Student answer</a:t>
+            </a:r>
+            <a:endParaRPr lang="en-US" sz="2200" dirty="0"/>
           </a:p>
         </p:txBody>
       </p:sp>
@@ -5852,7 +7149,12 @@
             <p:ph type="title"/>
           </p:nvPr>
         </p:nvSpPr>
-        <p:spPr/>
+        <p:spPr>
+          <a:xfrm>
+            <a:off x="150223" y="114969"/>
+            <a:ext cx="7543800" cy="914400"/>
+          </a:xfrm>
+        </p:spPr>
         <p:txBody>
           <a:bodyPr/>
           <a:lstStyle/>
@@ -5860,6 +7162,191 @@
             <a:r>
               <a:rPr lang="en-US" dirty="0" smtClean="0"/>
               <a:t>Student view</a:t>
+            </a:r>
+            <a:endParaRPr lang="en-US" dirty="0"/>
+          </a:p>
+        </p:txBody>
+      </p:sp>
+      <p:pic>
+        <p:nvPicPr>
+          <p:cNvPr id="4" name="Picture 3"/>
+          <p:cNvPicPr>
+            <a:picLocks noChangeAspect="1"/>
+          </p:cNvPicPr>
+          <p:nvPr/>
+        </p:nvPicPr>
+        <p:blipFill>
+          <a:blip r:embed="rId2"/>
+          <a:stretch>
+            <a:fillRect/>
+          </a:stretch>
+        </p:blipFill>
+        <p:spPr>
+          <a:xfrm>
+            <a:off x="7364822" y="111794"/>
+            <a:ext cx="1660040" cy="917575"/>
+          </a:xfrm>
+          <a:prstGeom prst="rect">
+            <a:avLst/>
+          </a:prstGeom>
+        </p:spPr>
+      </p:pic>
+      <p:pic>
+        <p:nvPicPr>
+          <p:cNvPr id="5" name="Picture 4"/>
+          <p:cNvPicPr>
+            <a:picLocks noChangeAspect="1"/>
+          </p:cNvPicPr>
+          <p:nvPr/>
+        </p:nvPicPr>
+        <p:blipFill>
+          <a:blip r:embed="rId3"/>
+          <a:stretch>
+            <a:fillRect/>
+          </a:stretch>
+        </p:blipFill>
+        <p:spPr>
+          <a:xfrm>
+            <a:off x="277223" y="4280568"/>
+            <a:ext cx="4197117" cy="2161692"/>
+          </a:xfrm>
+          <a:prstGeom prst="rect">
+            <a:avLst/>
+          </a:prstGeom>
+        </p:spPr>
+      </p:pic>
+      <p:pic>
+        <p:nvPicPr>
+          <p:cNvPr id="9" name="Picture 8"/>
+          <p:cNvPicPr>
+            <a:picLocks noChangeAspect="1"/>
+          </p:cNvPicPr>
+          <p:nvPr/>
+        </p:nvPicPr>
+        <p:blipFill>
+          <a:blip r:embed="rId4"/>
+          <a:stretch>
+            <a:fillRect/>
+          </a:stretch>
+        </p:blipFill>
+        <p:spPr>
+          <a:xfrm>
+            <a:off x="5775489" y="4280568"/>
+            <a:ext cx="3178666" cy="2161692"/>
+          </a:xfrm>
+          <a:prstGeom prst="rect">
+            <a:avLst/>
+          </a:prstGeom>
+        </p:spPr>
+      </p:pic>
+    </p:spTree>
+    <p:extLst>
+      <p:ext uri="{BB962C8B-B14F-4D97-AF65-F5344CB8AC3E}">
+        <p14:creationId xmlns:p14="http://schemas.microsoft.com/office/powerpoint/2010/main" val="3073049691"/>
+      </p:ext>
+    </p:extLst>
+  </p:cSld>
+  <p:clrMapOvr>
+    <a:masterClrMapping/>
+  </p:clrMapOvr>
+</p:sld>
+</file>
+
+<file path=ppt/slides/slide8.xml><?xml version="1.0" encoding="utf-8"?>
+<p:sld xmlns:a="http://schemas.openxmlformats.org/drawingml/2006/main" xmlns:r="http://schemas.openxmlformats.org/officeDocument/2006/relationships" xmlns:p="http://schemas.openxmlformats.org/presentationml/2006/main">
+  <p:cSld>
+    <p:spTree>
+      <p:nvGrpSpPr>
+        <p:cNvPr id="1" name=""/>
+        <p:cNvGrpSpPr/>
+        <p:nvPr/>
+      </p:nvGrpSpPr>
+      <p:grpSpPr>
+        <a:xfrm>
+          <a:off x="0" y="0"/>
+          <a:ext cx="0" cy="0"/>
+          <a:chOff x="0" y="0"/>
+          <a:chExt cx="0" cy="0"/>
+        </a:xfrm>
+      </p:grpSpPr>
+      <p:sp>
+        <p:nvSpPr>
+          <p:cNvPr id="2" name="Content Placeholder 1"/>
+          <p:cNvSpPr>
+            <a:spLocks noGrp="1"/>
+          </p:cNvSpPr>
+          <p:nvPr>
+            <p:ph idx="1"/>
+          </p:nvPr>
+        </p:nvSpPr>
+        <p:spPr>
+          <a:xfrm>
+            <a:off x="184573" y="1108392"/>
+            <a:ext cx="6096000" cy="3657599"/>
+          </a:xfrm>
+        </p:spPr>
+        <p:txBody>
+          <a:bodyPr/>
+          <a:lstStyle/>
+          <a:p>
+            <a:r>
+              <a:rPr lang="en-US" dirty="0" smtClean="0"/>
+              <a:t>Student’s answer will be keeping update</a:t>
+            </a:r>
+          </a:p>
+          <a:p>
+            <a:r>
+              <a:rPr lang="en-US" dirty="0" smtClean="0"/>
+              <a:t>Instructor can see the answer summary </a:t>
+            </a:r>
+          </a:p>
+          <a:p>
+            <a:pPr lvl="1"/>
+            <a:r>
+              <a:rPr lang="en-US" dirty="0" smtClean="0"/>
+              <a:t>How many answered</a:t>
+            </a:r>
+          </a:p>
+          <a:p>
+            <a:pPr lvl="1"/>
+            <a:r>
+              <a:rPr lang="en-US" dirty="0" smtClean="0"/>
+              <a:t>Which answer been most answered</a:t>
+            </a:r>
+          </a:p>
+          <a:p>
+            <a:pPr lvl="1"/>
+            <a:r>
+              <a:rPr lang="en-US" dirty="0" smtClean="0"/>
+              <a:t>…</a:t>
+            </a:r>
+            <a:endParaRPr lang="en-US" dirty="0"/>
+          </a:p>
+        </p:txBody>
+      </p:sp>
+      <p:sp>
+        <p:nvSpPr>
+          <p:cNvPr id="3" name="Title 2"/>
+          <p:cNvSpPr>
+            <a:spLocks noGrp="1"/>
+          </p:cNvSpPr>
+          <p:nvPr>
+            <p:ph type="title"/>
+          </p:nvPr>
+        </p:nvSpPr>
+        <p:spPr>
+          <a:xfrm>
+            <a:off x="184573" y="248356"/>
+            <a:ext cx="7543800" cy="914400"/>
+          </a:xfrm>
+        </p:spPr>
+        <p:txBody>
+          <a:bodyPr/>
+          <a:lstStyle/>
+          <a:p>
+            <a:r>
+              <a:rPr lang="en-US" dirty="0" smtClean="0"/>
+              <a:t>Student Answer Analysis	</a:t>
             </a:r>
             <a:endParaRPr lang="en-US" dirty="0"/>
           </a:p>
@@ -5892,7 +7379,7 @@
     </p:spTree>
     <p:extLst>
       <p:ext uri="{BB962C8B-B14F-4D97-AF65-F5344CB8AC3E}">
-        <p14:creationId xmlns:p14="http://schemas.microsoft.com/office/powerpoint/2010/main" xmlns:p="http://schemas.openxmlformats.org/presentationml/2006/main" xmlns:r="http://schemas.openxmlformats.org/officeDocument/2006/relationships" xmlns:a="http://schemas.openxmlformats.org/drawingml/2006/main" xmlns="" val="3336173187"/>
+        <p14:creationId xmlns:p14="http://schemas.microsoft.com/office/powerpoint/2010/main" val="2769467012"/>
       </p:ext>
     </p:extLst>
   </p:cSld>
@@ -5902,8 +7389,8 @@
 </p:sld>
 </file>
 
-<file path=ppt/slides/slide7.xml><?xml version="1.0" encoding="utf-8"?>
-<p:sld xmlns:a="http://schemas.openxmlformats.org/drawingml/2006/main" xmlns:r="http://schemas.openxmlformats.org/officeDocument/2006/relationships" xmlns:mc="http://schemas.openxmlformats.org/markup-compatibility/2006" xmlns:mv="urn:schemas-microsoft-com:mac:vml" xmlns:p="http://schemas.openxmlformats.org/presentationml/2006/main" mc:Ignorable="mv" mc:PreserveAttributes="mv:*">
+<file path=ppt/slides/slide9.xml><?xml version="1.0" encoding="utf-8"?>
+<p:sld xmlns:a="http://schemas.openxmlformats.org/drawingml/2006/main" xmlns:r="http://schemas.openxmlformats.org/officeDocument/2006/relationships" xmlns:p="http://schemas.openxmlformats.org/presentationml/2006/main">
   <p:cSld>
     <p:spTree>
       <p:nvGrpSpPr>
@@ -5919,56 +7406,6 @@
           <a:chExt cx="0" cy="0"/>
         </a:xfrm>
       </p:grpSpPr>
-      <p:sp>
-        <p:nvSpPr>
-          <p:cNvPr id="2" name="Content Placeholder 1"/>
-          <p:cNvSpPr>
-            <a:spLocks noGrp="1"/>
-          </p:cNvSpPr>
-          <p:nvPr>
-            <p:ph idx="1"/>
-          </p:nvPr>
-        </p:nvSpPr>
-        <p:spPr/>
-        <p:txBody>
-          <a:bodyPr/>
-          <a:lstStyle/>
-          <a:p>
-            <a:r>
-              <a:rPr lang="en-US" dirty="0" smtClean="0"/>
-              <a:t>First Field Test</a:t>
-            </a:r>
-          </a:p>
-          <a:p>
-            <a:r>
-              <a:rPr lang="en-US" dirty="0" smtClean="0"/>
-              <a:t>Investigation &amp; Results</a:t>
-            </a:r>
-            <a:endParaRPr lang="en-US" dirty="0" smtClean="0"/>
-          </a:p>
-          <a:p>
-            <a:r>
-              <a:rPr lang="en-US" dirty="0" smtClean="0"/>
-              <a:t>Second Field Test </a:t>
-            </a:r>
-          </a:p>
-          <a:p>
-            <a:r>
-              <a:rPr lang="en-US" dirty="0" smtClean="0"/>
-              <a:t>Short Video </a:t>
-            </a:r>
-          </a:p>
-          <a:p>
-            <a:pPr>
-              <a:buNone/>
-            </a:pPr>
-            <a:endParaRPr lang="en-US" dirty="0" smtClean="0"/>
-          </a:p>
-          <a:p>
-            <a:endParaRPr lang="en-US" dirty="0"/>
-          </a:p>
-        </p:txBody>
-      </p:sp>
       <p:sp>
         <p:nvSpPr>
           <p:cNvPr id="3" name="Title 2"/>
@@ -6016,227 +7453,279 @@
           </a:prstGeom>
         </p:spPr>
       </p:pic>
-    </p:spTree>
-    <p:extLst>
-      <p:ext uri="{BB962C8B-B14F-4D97-AF65-F5344CB8AC3E}">
-        <p14:creationId xmlns:p14="http://schemas.microsoft.com/office/powerpoint/2010/main" xmlns:p="http://schemas.openxmlformats.org/presentationml/2006/main" xmlns:r="http://schemas.openxmlformats.org/officeDocument/2006/relationships" xmlns:a="http://schemas.openxmlformats.org/drawingml/2006/main" xmlns="" val="100663824"/>
-      </p:ext>
-    </p:extLst>
-  </p:cSld>
-  <p:clrMapOvr>
-    <a:masterClrMapping/>
-  </p:clrMapOvr>
-</p:sld>
-</file>
-
-<file path=ppt/slides/slide8.xml><?xml version="1.0" encoding="utf-8"?>
-<p:sld xmlns:a="http://schemas.openxmlformats.org/drawingml/2006/main" xmlns:r="http://schemas.openxmlformats.org/officeDocument/2006/relationships" xmlns:mc="http://schemas.openxmlformats.org/markup-compatibility/2006" xmlns:mv="urn:schemas-microsoft-com:mac:vml" xmlns:p="http://schemas.openxmlformats.org/presentationml/2006/main" mc:Ignorable="mv" mc:PreserveAttributes="mv:*">
-  <p:cSld>
-    <p:spTree>
-      <p:nvGrpSpPr>
-        <p:cNvPr id="1" name=""/>
-        <p:cNvGrpSpPr/>
-        <p:nvPr/>
-      </p:nvGrpSpPr>
-      <p:grpSpPr>
-        <a:xfrm>
-          <a:off x="0" y="0"/>
-          <a:ext cx="0" cy="0"/>
-          <a:chOff x="0" y="0"/>
-          <a:chExt cx="0" cy="0"/>
-        </a:xfrm>
-      </p:grpSpPr>
-      <p:sp>
-        <p:nvSpPr>
-          <p:cNvPr id="2" name="Content Placeholder 1"/>
-          <p:cNvSpPr>
-            <a:spLocks noGrp="1"/>
-          </p:cNvSpPr>
-          <p:nvPr>
-            <p:ph idx="1"/>
-          </p:nvPr>
+      <p:sp>
+        <p:nvSpPr>
+          <p:cNvPr id="5" name="Content Placeholder 1"/>
+          <p:cNvSpPr txBox="1">
+            <a:spLocks/>
+          </p:cNvSpPr>
+          <p:nvPr/>
         </p:nvSpPr>
         <p:spPr>
           <a:xfrm>
-            <a:off x="1709979" y="1352888"/>
+            <a:off x="2286000" y="838201"/>
             <a:ext cx="6096000" cy="3657599"/>
-          </a:xfrm>
-        </p:spPr>
-        <p:txBody>
-          <a:bodyPr/>
-          <a:lstStyle/>
-          <a:p>
-            <a:r>
-              <a:rPr lang="en-US" dirty="0" smtClean="0"/>
-              <a:t>Portability for different environment</a:t>
-            </a:r>
-            <a:endParaRPr lang="en-US" dirty="0" smtClean="0"/>
-          </a:p>
-          <a:p>
-            <a:r>
-              <a:rPr lang="en-US" dirty="0" smtClean="0"/>
-              <a:t>Security</a:t>
-            </a:r>
-            <a:endParaRPr lang="en-US" dirty="0" smtClean="0"/>
-          </a:p>
-          <a:p>
-            <a:r>
-              <a:rPr lang="en-US" dirty="0"/>
-              <a:t>Installation </a:t>
-            </a:r>
-            <a:r>
-              <a:rPr lang="en-US" dirty="0" smtClean="0"/>
-              <a:t>kit</a:t>
-            </a:r>
-          </a:p>
-          <a:p>
-            <a:r>
-              <a:rPr lang="en-US" dirty="0" smtClean="0"/>
-              <a:t>Localization</a:t>
-            </a:r>
-          </a:p>
-          <a:p>
-            <a:pPr marL="18288" indent="0">
-              <a:buNone/>
-            </a:pPr>
-            <a:r>
-              <a:rPr lang="en-US" dirty="0" smtClean="0"/>
-              <a:t> </a:t>
-            </a:r>
-          </a:p>
-          <a:p>
-            <a:endParaRPr lang="en-US" dirty="0"/>
-          </a:p>
-        </p:txBody>
-      </p:sp>
-      <p:sp>
-        <p:nvSpPr>
-          <p:cNvPr id="3" name="Title 2"/>
-          <p:cNvSpPr>
-            <a:spLocks noGrp="1"/>
-          </p:cNvSpPr>
-          <p:nvPr>
-            <p:ph type="title"/>
-          </p:nvPr>
-        </p:nvSpPr>
-        <p:spPr/>
-        <p:txBody>
-          <a:bodyPr/>
-          <a:lstStyle/>
-          <a:p>
-            <a:r>
-              <a:rPr lang="en-US" dirty="0" smtClean="0"/>
-              <a:t>The Next Steps </a:t>
-            </a:r>
-            <a:endParaRPr lang="en-US" dirty="0"/>
-          </a:p>
-        </p:txBody>
-      </p:sp>
-      <p:pic>
-        <p:nvPicPr>
-          <p:cNvPr id="4" name="Picture 3"/>
-          <p:cNvPicPr>
-            <a:picLocks noChangeAspect="1"/>
-          </p:cNvPicPr>
-          <p:nvPr/>
-        </p:nvPicPr>
-        <p:blipFill>
-          <a:blip r:embed="rId2"/>
-          <a:stretch>
-            <a:fillRect/>
-          </a:stretch>
-        </p:blipFill>
-        <p:spPr>
-          <a:xfrm>
-            <a:off x="7364822" y="111794"/>
-            <a:ext cx="1660040" cy="917575"/>
           </a:xfrm>
           <a:prstGeom prst="rect">
             <a:avLst/>
           </a:prstGeom>
         </p:spPr>
-      </p:pic>
+        <p:txBody>
+          <a:bodyPr vert="horz" lIns="91440" tIns="45720" rIns="91440" bIns="45720" rtlCol="0" anchor="ctr">
+            <a:normAutofit/>
+          </a:bodyPr>
+          <a:lstStyle>
+            <a:lvl1pPr marL="274320" indent="-256032" algn="l" defTabSz="914400" rtl="0" eaLnBrk="1" latinLnBrk="0" hangingPunct="1">
+              <a:spcBef>
+                <a:spcPct val="20000"/>
+              </a:spcBef>
+              <a:spcAft>
+                <a:spcPts val="0"/>
+              </a:spcAft>
+              <a:buSzPct val="60000"/>
+              <a:buFont typeface="Wingdings" pitchFamily="2" charset="2"/>
+              <a:buChar char=""/>
+              <a:defRPr sz="2100" kern="1200">
+                <a:solidFill>
+                  <a:schemeClr val="tx1"/>
+                </a:solidFill>
+                <a:effectLst>
+                  <a:outerShdw blurRad="38100" dist="38100" dir="2700000" algn="tl">
+                    <a:srgbClr val="000000">
+                      <a:alpha val="43137"/>
+                    </a:srgbClr>
+                  </a:outerShdw>
+                </a:effectLst>
+                <a:latin typeface="+mn-lt"/>
+                <a:ea typeface="+mn-ea"/>
+                <a:cs typeface="+mn-cs"/>
+              </a:defRPr>
+            </a:lvl1pPr>
+            <a:lvl2pPr marL="640080" indent="-256032" algn="l" defTabSz="914400" rtl="0" eaLnBrk="1" latinLnBrk="0" hangingPunct="1">
+              <a:spcBef>
+                <a:spcPct val="20000"/>
+              </a:spcBef>
+              <a:buSzPct val="60000"/>
+              <a:buFont typeface="Wingdings" pitchFamily="2" charset="2"/>
+              <a:buChar char=""/>
+              <a:defRPr sz="1900" kern="1200">
+                <a:solidFill>
+                  <a:schemeClr val="tx1"/>
+                </a:solidFill>
+                <a:effectLst>
+                  <a:outerShdw blurRad="38100" dist="38100" dir="2700000" algn="tl">
+                    <a:srgbClr val="000000">
+                      <a:alpha val="43137"/>
+                    </a:srgbClr>
+                  </a:outerShdw>
+                </a:effectLst>
+                <a:latin typeface="+mn-lt"/>
+                <a:ea typeface="+mn-ea"/>
+                <a:cs typeface="+mn-cs"/>
+              </a:defRPr>
+            </a:lvl2pPr>
+            <a:lvl3pPr marL="1005840" indent="-256032" algn="l" defTabSz="914400" rtl="0" eaLnBrk="1" latinLnBrk="0" hangingPunct="1">
+              <a:spcBef>
+                <a:spcPct val="20000"/>
+              </a:spcBef>
+              <a:buSzPct val="60000"/>
+              <a:buFont typeface="Wingdings" pitchFamily="2" charset="2"/>
+              <a:buChar char=""/>
+              <a:defRPr sz="1700" kern="1200">
+                <a:solidFill>
+                  <a:schemeClr val="tx1"/>
+                </a:solidFill>
+                <a:effectLst>
+                  <a:outerShdw blurRad="38100" dist="38100" dir="2700000" algn="tl">
+                    <a:srgbClr val="000000">
+                      <a:alpha val="43137"/>
+                    </a:srgbClr>
+                  </a:outerShdw>
+                </a:effectLst>
+                <a:latin typeface="+mn-lt"/>
+                <a:ea typeface="+mn-ea"/>
+                <a:cs typeface="+mn-cs"/>
+              </a:defRPr>
+            </a:lvl3pPr>
+            <a:lvl4pPr marL="1371600" indent="-256032" algn="l" defTabSz="914400" rtl="0" eaLnBrk="1" latinLnBrk="0" hangingPunct="1">
+              <a:spcBef>
+                <a:spcPct val="20000"/>
+              </a:spcBef>
+              <a:buSzPct val="60000"/>
+              <a:buFont typeface="Wingdings" pitchFamily="2" charset="2"/>
+              <a:buChar char=""/>
+              <a:defRPr sz="1600" kern="1200">
+                <a:solidFill>
+                  <a:schemeClr val="tx1"/>
+                </a:solidFill>
+                <a:effectLst>
+                  <a:outerShdw blurRad="38100" dist="38100" dir="2700000" algn="tl">
+                    <a:srgbClr val="000000">
+                      <a:alpha val="43137"/>
+                    </a:srgbClr>
+                  </a:outerShdw>
+                </a:effectLst>
+                <a:latin typeface="+mn-lt"/>
+                <a:ea typeface="+mn-ea"/>
+                <a:cs typeface="+mn-cs"/>
+              </a:defRPr>
+            </a:lvl4pPr>
+            <a:lvl5pPr marL="1645920" indent="-256032" algn="l" defTabSz="914400" rtl="0" eaLnBrk="1" latinLnBrk="0" hangingPunct="1">
+              <a:spcBef>
+                <a:spcPct val="20000"/>
+              </a:spcBef>
+              <a:buSzPct val="60000"/>
+              <a:buFont typeface="Wingdings" pitchFamily="2" charset="2"/>
+              <a:buChar char=""/>
+              <a:defRPr sz="1500" kern="1200">
+                <a:solidFill>
+                  <a:schemeClr val="tx1"/>
+                </a:solidFill>
+                <a:effectLst>
+                  <a:outerShdw blurRad="38100" dist="38100" dir="2700000" algn="tl">
+                    <a:srgbClr val="000000">
+                      <a:alpha val="43137"/>
+                    </a:srgbClr>
+                  </a:outerShdw>
+                </a:effectLst>
+                <a:latin typeface="+mn-lt"/>
+                <a:ea typeface="+mn-ea"/>
+                <a:cs typeface="+mn-cs"/>
+              </a:defRPr>
+            </a:lvl5pPr>
+            <a:lvl6pPr marL="1965960" indent="-256032" algn="l" defTabSz="914400" rtl="0" eaLnBrk="1" latinLnBrk="0" hangingPunct="1">
+              <a:spcBef>
+                <a:spcPct val="20000"/>
+              </a:spcBef>
+              <a:buSzPct val="60000"/>
+              <a:buFont typeface="Wingdings" pitchFamily="2" charset="2"/>
+              <a:buChar char=""/>
+              <a:defRPr sz="1400" kern="1200">
+                <a:solidFill>
+                  <a:schemeClr val="tx1"/>
+                </a:solidFill>
+                <a:effectLst>
+                  <a:outerShdw blurRad="38100" dist="38100" dir="2700000" algn="ctr" rotWithShape="0">
+                    <a:srgbClr val="000000">
+                      <a:alpha val="43000"/>
+                    </a:srgbClr>
+                  </a:outerShdw>
+                </a:effectLst>
+                <a:latin typeface="+mn-lt"/>
+                <a:ea typeface="+mn-ea"/>
+                <a:cs typeface="+mn-cs"/>
+              </a:defRPr>
+            </a:lvl6pPr>
+            <a:lvl7pPr marL="2240280" indent="-256032" algn="l" defTabSz="914400" rtl="0" eaLnBrk="1" latinLnBrk="0" hangingPunct="1">
+              <a:spcBef>
+                <a:spcPct val="20000"/>
+              </a:spcBef>
+              <a:buSzPct val="60000"/>
+              <a:buFont typeface="Wingdings" pitchFamily="2" charset="2"/>
+              <a:buChar char=""/>
+              <a:defRPr sz="1400" kern="1200">
+                <a:solidFill>
+                  <a:schemeClr val="tx1"/>
+                </a:solidFill>
+                <a:effectLst>
+                  <a:outerShdw blurRad="38100" dist="38100" dir="2700000" algn="ctr" rotWithShape="0">
+                    <a:srgbClr val="000000">
+                      <a:alpha val="43000"/>
+                    </a:srgbClr>
+                  </a:outerShdw>
+                </a:effectLst>
+                <a:latin typeface="+mn-lt"/>
+                <a:ea typeface="+mn-ea"/>
+                <a:cs typeface="+mn-cs"/>
+              </a:defRPr>
+            </a:lvl7pPr>
+            <a:lvl8pPr marL="2514600" indent="-256032" algn="l" defTabSz="914400" rtl="0" eaLnBrk="1" latinLnBrk="0" hangingPunct="1">
+              <a:spcBef>
+                <a:spcPct val="20000"/>
+              </a:spcBef>
+              <a:buSzPct val="60000"/>
+              <a:buFont typeface="Wingdings" pitchFamily="2" charset="2"/>
+              <a:buChar char=""/>
+              <a:defRPr sz="1400" kern="1200">
+                <a:solidFill>
+                  <a:schemeClr val="tx1"/>
+                </a:solidFill>
+                <a:effectLst>
+                  <a:outerShdw blurRad="38100" dist="38100" dir="2700000" algn="ctr" rotWithShape="0">
+                    <a:srgbClr val="000000">
+                      <a:alpha val="43000"/>
+                    </a:srgbClr>
+                  </a:outerShdw>
+                </a:effectLst>
+                <a:latin typeface="+mn-lt"/>
+                <a:ea typeface="+mn-ea"/>
+                <a:cs typeface="+mn-cs"/>
+              </a:defRPr>
+            </a:lvl8pPr>
+            <a:lvl9pPr marL="2834640" indent="-256032" algn="l" defTabSz="914400" rtl="0" eaLnBrk="1" latinLnBrk="0" hangingPunct="1">
+              <a:spcBef>
+                <a:spcPct val="20000"/>
+              </a:spcBef>
+              <a:buSzPct val="60000"/>
+              <a:buFont typeface="Wingdings" pitchFamily="2" charset="2"/>
+              <a:buChar char=""/>
+              <a:defRPr sz="1400" kern="1200">
+                <a:solidFill>
+                  <a:schemeClr val="tx1"/>
+                </a:solidFill>
+                <a:effectLst>
+                  <a:outerShdw blurRad="38100" dist="38100" dir="2700000" algn="ctr" rotWithShape="0">
+                    <a:srgbClr val="000000">
+                      <a:alpha val="43000"/>
+                    </a:srgbClr>
+                  </a:outerShdw>
+                </a:effectLst>
+                <a:latin typeface="+mn-lt"/>
+                <a:ea typeface="+mn-ea"/>
+                <a:cs typeface="+mn-cs"/>
+              </a:defRPr>
+            </a:lvl9pPr>
+          </a:lstStyle>
+          <a:p>
+            <a:r>
+              <a:rPr lang="en-US" smtClean="0"/>
+              <a:t>First Field Test</a:t>
+            </a:r>
+          </a:p>
+          <a:p>
+            <a:r>
+              <a:rPr lang="en-US" smtClean="0"/>
+              <a:t>Investigation &amp; Results</a:t>
+            </a:r>
+          </a:p>
+          <a:p>
+            <a:r>
+              <a:rPr lang="en-US" smtClean="0"/>
+              <a:t>Second Field Test </a:t>
+            </a:r>
+          </a:p>
+          <a:p>
+            <a:r>
+              <a:rPr lang="en-US" smtClean="0"/>
+              <a:t>Short Video </a:t>
+            </a:r>
+          </a:p>
+          <a:p>
+            <a:pPr>
+              <a:buFont typeface="Wingdings" pitchFamily="2" charset="2"/>
+              <a:buNone/>
+            </a:pPr>
+            <a:endParaRPr lang="en-US" smtClean="0"/>
+          </a:p>
+          <a:p>
+            <a:endParaRPr lang="en-US" dirty="0"/>
+          </a:p>
+        </p:txBody>
+      </p:sp>
     </p:spTree>
     <p:extLst>
       <p:ext uri="{BB962C8B-B14F-4D97-AF65-F5344CB8AC3E}">
-        <p14:creationId xmlns:p14="http://schemas.microsoft.com/office/powerpoint/2010/main" xmlns:p="http://schemas.openxmlformats.org/presentationml/2006/main" xmlns:r="http://schemas.openxmlformats.org/officeDocument/2006/relationships" xmlns:a="http://schemas.openxmlformats.org/drawingml/2006/main" xmlns="" val="100663824"/>
-      </p:ext>
-    </p:extLst>
-  </p:cSld>
-  <p:clrMapOvr>
-    <a:masterClrMapping/>
-  </p:clrMapOvr>
-</p:sld>
-</file>
-
-<file path=ppt/slides/slide9.xml><?xml version="1.0" encoding="utf-8"?>
-<p:sld xmlns:a="http://schemas.openxmlformats.org/drawingml/2006/main" xmlns:r="http://schemas.openxmlformats.org/officeDocument/2006/relationships" xmlns:mc="http://schemas.openxmlformats.org/markup-compatibility/2006" xmlns:mv="urn:schemas-microsoft-com:mac:vml" xmlns:p="http://schemas.openxmlformats.org/presentationml/2006/main" mc:Ignorable="mv" mc:PreserveAttributes="mv:*">
-  <p:cSld>
-    <p:spTree>
-      <p:nvGrpSpPr>
-        <p:cNvPr id="1" name=""/>
-        <p:cNvGrpSpPr/>
-        <p:nvPr/>
-      </p:nvGrpSpPr>
-      <p:grpSpPr>
-        <a:xfrm>
-          <a:off x="0" y="0"/>
-          <a:ext cx="0" cy="0"/>
-          <a:chOff x="0" y="0"/>
-          <a:chExt cx="0" cy="0"/>
-        </a:xfrm>
-      </p:grpSpPr>
-      <p:sp>
-        <p:nvSpPr>
-          <p:cNvPr id="3" name="Title 2"/>
-          <p:cNvSpPr>
-            <a:spLocks noGrp="1"/>
-          </p:cNvSpPr>
-          <p:nvPr>
-            <p:ph type="title"/>
-          </p:nvPr>
-        </p:nvSpPr>
-        <p:spPr/>
-        <p:txBody>
-          <a:bodyPr/>
-          <a:lstStyle/>
-          <a:p>
-            <a:r>
-              <a:rPr lang="en-US" dirty="0" smtClean="0"/>
-              <a:t>Conclusion</a:t>
-            </a:r>
-            <a:endParaRPr lang="en-US" dirty="0"/>
-          </a:p>
-        </p:txBody>
-      </p:sp>
-      <p:pic>
-        <p:nvPicPr>
-          <p:cNvPr id="5" name="Picture 4"/>
-          <p:cNvPicPr>
-            <a:picLocks noChangeAspect="1"/>
-          </p:cNvPicPr>
-          <p:nvPr/>
-        </p:nvPicPr>
-        <p:blipFill>
-          <a:blip r:embed="rId2"/>
-          <a:stretch>
-            <a:fillRect/>
-          </a:stretch>
-        </p:blipFill>
-        <p:spPr>
-          <a:xfrm>
-            <a:off x="7364822" y="111794"/>
-            <a:ext cx="1660040" cy="917575"/>
-          </a:xfrm>
-          <a:prstGeom prst="rect">
-            <a:avLst/>
-          </a:prstGeom>
-        </p:spPr>
-      </p:pic>
-    </p:spTree>
-    <p:extLst>
-      <p:ext uri="{BB962C8B-B14F-4D97-AF65-F5344CB8AC3E}">
-        <p14:creationId xmlns:p14="http://schemas.microsoft.com/office/powerpoint/2010/main" xmlns:p="http://schemas.openxmlformats.org/presentationml/2006/main" xmlns:r="http://schemas.openxmlformats.org/officeDocument/2006/relationships" xmlns:a="http://schemas.openxmlformats.org/drawingml/2006/main" xmlns="" val="4256347672"/>
+        <p14:creationId xmlns:p14="http://schemas.microsoft.com/office/powerpoint/2010/main" val="100663824"/>
       </p:ext>
     </p:extLst>
   </p:cSld>

--- a/Documentation/Presentation.pptx
+++ b/Documentation/Presentation.pptx
@@ -4862,7 +4862,7 @@
         <p14:reveal/>
       </p:transition>
     </mc:Choice>
-    <mc:Fallback xmlns="" xmlns:mv="urn:schemas-microsoft-com:mac:vml">
+    <mc:Fallback xmlns:mv="urn:schemas-microsoft-com:mac:vml" xmlns="">
       <mp:transition xmlns:mp="http://schemas.microsoft.com/office/mac/powerpoint/2008/main" spd="slow"/>
     </mc:Fallback>
   </mc:AlternateContent>
@@ -4905,44 +4905,42 @@
         </p:nvSpPr>
         <p:spPr>
           <a:xfrm>
-            <a:off x="1709979" y="1352888"/>
-            <a:ext cx="6096000" cy="3657599"/>
+            <a:off x="5362289" y="2261224"/>
+            <a:ext cx="2760292" cy="3769240"/>
           </a:xfrm>
         </p:spPr>
         <p:txBody>
-          <a:bodyPr/>
-          <a:lstStyle/>
-          <a:p>
-            <a:r>
-              <a:rPr lang="en-US" dirty="0" smtClean="0"/>
-              <a:t>Portability for different environment</a:t>
-            </a:r>
-          </a:p>
-          <a:p>
-            <a:r>
-              <a:rPr lang="en-US" dirty="0" smtClean="0"/>
-              <a:t>Open Source</a:t>
-            </a:r>
-          </a:p>
-          <a:p>
-            <a:r>
-              <a:rPr lang="en-US" dirty="0" smtClean="0"/>
+          <a:bodyPr>
+            <a:normAutofit/>
+          </a:bodyPr>
+          <a:lstStyle/>
+          <a:p>
+            <a:r>
+              <a:rPr lang="en-US" sz="2600" dirty="0" smtClean="0"/>
+              <a:t>Portability</a:t>
+            </a:r>
+            <a:endParaRPr lang="en-US" sz="2600" dirty="0" smtClean="0"/>
+          </a:p>
+          <a:p>
+            <a:r>
+              <a:rPr lang="en-US" sz="2600" dirty="0" smtClean="0"/>
               <a:t>Security</a:t>
             </a:r>
-          </a:p>
-          <a:p>
-            <a:r>
-              <a:rPr lang="en-US" dirty="0"/>
+            <a:endParaRPr lang="en-US" sz="2600" dirty="0" smtClean="0"/>
+          </a:p>
+          <a:p>
+            <a:r>
+              <a:rPr lang="en-US" sz="2600" dirty="0"/>
               <a:t>Installation </a:t>
             </a:r>
             <a:r>
-              <a:rPr lang="en-US" dirty="0" smtClean="0"/>
+              <a:rPr lang="en-US" sz="2600" dirty="0" smtClean="0"/>
               <a:t>kit</a:t>
             </a:r>
           </a:p>
           <a:p>
             <a:r>
-              <a:rPr lang="en-US" dirty="0" smtClean="0"/>
+              <a:rPr lang="en-US" sz="2600" dirty="0" smtClean="0"/>
               <a:t>Localization</a:t>
             </a:r>
           </a:p>
@@ -4951,12 +4949,12 @@
               <a:buNone/>
             </a:pPr>
             <a:r>
-              <a:rPr lang="en-US" dirty="0" smtClean="0"/>
+              <a:rPr lang="en-US" sz="2600" dirty="0" smtClean="0"/>
               <a:t> </a:t>
             </a:r>
           </a:p>
           <a:p>
-            <a:endParaRPr lang="en-US" dirty="0"/>
+            <a:endParaRPr lang="en-US" sz="2600" dirty="0"/>
           </a:p>
         </p:txBody>
       </p:sp>
@@ -4970,7 +4968,12 @@
             <p:ph type="title"/>
           </p:nvPr>
         </p:nvSpPr>
-        <p:spPr/>
+        <p:spPr>
+          <a:xfrm>
+            <a:off x="578781" y="394394"/>
+            <a:ext cx="7543800" cy="914400"/>
+          </a:xfrm>
+        </p:spPr>
         <p:txBody>
           <a:bodyPr/>
           <a:lstStyle/>
@@ -5001,6 +5004,30 @@
           <a:xfrm>
             <a:off x="7364822" y="111794"/>
             <a:ext cx="1660040" cy="917575"/>
+          </a:xfrm>
+          <a:prstGeom prst="rect">
+            <a:avLst/>
+          </a:prstGeom>
+        </p:spPr>
+      </p:pic>
+      <p:pic>
+        <p:nvPicPr>
+          <p:cNvPr id="6" name="Picture 5"/>
+          <p:cNvPicPr>
+            <a:picLocks noChangeAspect="1"/>
+          </p:cNvPicPr>
+          <p:nvPr/>
+        </p:nvPicPr>
+        <p:blipFill>
+          <a:blip r:embed="rId3"/>
+          <a:stretch>
+            <a:fillRect/>
+          </a:stretch>
+        </p:blipFill>
+        <p:spPr>
+          <a:xfrm>
+            <a:off x="1157561" y="2320751"/>
+            <a:ext cx="3109307" cy="3264772"/>
           </a:xfrm>
           <a:prstGeom prst="rect">
             <a:avLst/>
@@ -7416,7 +7443,12 @@
             <p:ph type="title"/>
           </p:nvPr>
         </p:nvSpPr>
-        <p:spPr/>
+        <p:spPr>
+          <a:xfrm>
+            <a:off x="439860" y="381001"/>
+            <a:ext cx="7543800" cy="914400"/>
+          </a:xfrm>
+        </p:spPr>
         <p:txBody>
           <a:bodyPr/>
           <a:lstStyle/>
@@ -7463,8 +7495,8 @@
         </p:nvSpPr>
         <p:spPr>
           <a:xfrm>
-            <a:off x="2286000" y="838201"/>
-            <a:ext cx="6096000" cy="3657599"/>
+            <a:off x="4937651" y="1672406"/>
+            <a:ext cx="3875921" cy="3980864"/>
           </a:xfrm>
           <a:prstGeom prst="rect">
             <a:avLst/>
@@ -7688,37 +7720,27 @@
           </a:lstStyle>
           <a:p>
             <a:r>
-              <a:rPr lang="en-US" smtClean="0"/>
+              <a:rPr lang="en-US" sz="2600" dirty="0" smtClean="0"/>
               <a:t>First Field Test</a:t>
             </a:r>
           </a:p>
           <a:p>
             <a:r>
-              <a:rPr lang="en-US" smtClean="0"/>
+              <a:rPr lang="en-US" sz="2600" dirty="0" smtClean="0"/>
               <a:t>Investigation &amp; Results</a:t>
             </a:r>
           </a:p>
           <a:p>
             <a:r>
-              <a:rPr lang="en-US" smtClean="0"/>
+              <a:rPr lang="en-US" sz="2600" dirty="0" smtClean="0"/>
               <a:t>Second Field Test </a:t>
             </a:r>
           </a:p>
           <a:p>
             <a:r>
-              <a:rPr lang="en-US" smtClean="0"/>
+              <a:rPr lang="en-US" sz="2600" dirty="0" smtClean="0"/>
               <a:t>Short Video </a:t>
             </a:r>
-          </a:p>
-          <a:p>
-            <a:pPr>
-              <a:buFont typeface="Wingdings" pitchFamily="2" charset="2"/>
-              <a:buNone/>
-            </a:pPr>
-            <a:endParaRPr lang="en-US" smtClean="0"/>
-          </a:p>
-          <a:p>
-            <a:endParaRPr lang="en-US" dirty="0"/>
           </a:p>
         </p:txBody>
       </p:sp>
